--- a/sig2/slides/SIG react 2.pptx
+++ b/sig2/slides/SIG react 2.pptx
@@ -16,6 +16,10 @@
     <p:sldId id="262" r:id="rId11"/>
     <p:sldId id="263" r:id="rId12"/>
     <p:sldId id="264" r:id="rId13"/>
+    <p:sldId id="265" r:id="rId14"/>
+    <p:sldId id="266" r:id="rId15"/>
+    <p:sldId id="267" r:id="rId16"/>
+    <p:sldId id="268" r:id="rId17"/>
   </p:sldIdLst>
   <p:sldSz cx="9144000" cy="5143500"/>
   <p:notesSz cx="7559675" cy="10691812"/>
@@ -4055,7 +4059,7 @@
         <p:spPr>
           <a:xfrm>
             <a:off x="7200000" y="360000"/>
-            <a:ext cx="1257120" cy="284760"/>
+            <a:ext cx="1256760" cy="284400"/>
           </a:xfrm>
           <a:prstGeom prst="rect">
             <a:avLst/>
@@ -4078,7 +4082,7 @@
         <p:spPr>
           <a:xfrm>
             <a:off x="0" y="4966560"/>
-            <a:ext cx="9142200" cy="174960"/>
+            <a:ext cx="9141840" cy="174600"/>
           </a:xfrm>
           <a:prstGeom prst="rect">
             <a:avLst/>
@@ -4135,7 +4139,7 @@
         <p:spPr>
           <a:xfrm>
             <a:off x="0" y="4966560"/>
-            <a:ext cx="9142200" cy="174960"/>
+            <a:ext cx="9141840" cy="174600"/>
           </a:xfrm>
           <a:prstGeom prst="rect">
             <a:avLst/>
@@ -4158,7 +4162,7 @@
         <p:spPr>
           <a:xfrm>
             <a:off x="648000" y="108000"/>
-            <a:ext cx="2878560" cy="647280"/>
+            <a:ext cx="2878200" cy="646920"/>
           </a:xfrm>
           <a:prstGeom prst="rect">
             <a:avLst/>
@@ -4439,7 +4443,7 @@
         <p:spPr>
           <a:xfrm>
             <a:off x="7200000" y="360000"/>
-            <a:ext cx="1257120" cy="284760"/>
+            <a:ext cx="1256760" cy="284400"/>
           </a:xfrm>
           <a:prstGeom prst="rect">
             <a:avLst/>
@@ -4462,7 +4466,7 @@
         <p:spPr>
           <a:xfrm>
             <a:off x="0" y="4966560"/>
-            <a:ext cx="9142200" cy="174960"/>
+            <a:ext cx="9141840" cy="174600"/>
           </a:xfrm>
           <a:prstGeom prst="rect">
             <a:avLst/>
@@ -4777,7 +4781,7 @@
         <p:spPr>
           <a:xfrm>
             <a:off x="7200000" y="360000"/>
-            <a:ext cx="1257120" cy="284760"/>
+            <a:ext cx="1256760" cy="284400"/>
           </a:xfrm>
           <a:prstGeom prst="rect">
             <a:avLst/>
@@ -4800,7 +4804,7 @@
         <p:spPr>
           <a:xfrm>
             <a:off x="0" y="4966560"/>
-            <a:ext cx="9142200" cy="174960"/>
+            <a:ext cx="9141840" cy="174600"/>
           </a:xfrm>
           <a:prstGeom prst="rect">
             <a:avLst/>
@@ -4853,7 +4857,7 @@
         <p:spPr>
           <a:xfrm>
             <a:off x="0" y="812880"/>
-            <a:ext cx="9142200" cy="3508200"/>
+            <a:ext cx="9141840" cy="3507840"/>
           </a:xfrm>
           <a:prstGeom prst="rect">
             <a:avLst/>
@@ -5145,7 +5149,7 @@
         <p:spPr>
           <a:xfrm>
             <a:off x="0" y="810000"/>
-            <a:ext cx="9142200" cy="3346200"/>
+            <a:ext cx="9141840" cy="3345840"/>
           </a:xfrm>
           <a:prstGeom prst="rect">
             <a:avLst/>
@@ -5167,7 +5171,7 @@
         <p:spPr>
           <a:xfrm>
             <a:off x="5400000" y="1548000"/>
-            <a:ext cx="3022200" cy="3022200"/>
+            <a:ext cx="3021840" cy="3021840"/>
           </a:xfrm>
           <a:prstGeom prst="rect">
             <a:avLst/>
@@ -5212,7 +5216,7 @@
                 <a:latin typeface="Arial"/>
                 <a:ea typeface="DejaVu Sans"/>
               </a:rPr>
-              <a:t>24-07-2018</a:t>
+              <a:t>04-09-2018</a:t>
             </a:r>
             <a:endParaRPr b="0" lang="en-US" sz="2800" spc="-1" strike="noStrike">
               <a:latin typeface="Arial"/>
@@ -5229,6 +5233,1301 @@
           <p:childTnLst>
             <p:seq>
               <p:cTn id="2" dur="indefinite" nodeType="mainSeq"/>
+              <p:prevCondLst>
+                <p:cond delay="0" evt="onPrev">
+                  <p:tgtEl>
+                    <p:sldTgt/>
+                  </p:tgtEl>
+                </p:cond>
+              </p:prevCondLst>
+              <p:nextCondLst>
+                <p:cond delay="0" evt="onNext">
+                  <p:tgtEl>
+                    <p:sldTgt/>
+                  </p:tgtEl>
+                </p:cond>
+              </p:nextCondLst>
+            </p:seq>
+          </p:childTnLst>
+        </p:cTn>
+      </p:par>
+    </p:tnLst>
+  </p:timing>
+</p:sld>
+</file>
+
+<file path=ppt/slides/slide10.xml><?xml version="1.0" encoding="utf-8"?>
+<p:sld xmlns:a="http://schemas.openxmlformats.org/drawingml/2006/main" xmlns:p="http://schemas.openxmlformats.org/presentationml/2006/main" xmlns:r="http://schemas.openxmlformats.org/officeDocument/2006/relationships" xmlns:p14="http://schemas.microsoft.com/office/powerpoint/2010/main" xmlns:p15="http://schemas.microsoft.com/office/powerpoint/2012/main" xmlns:mc="http://schemas.openxmlformats.org/markup-compatibility/2006">
+  <p:cSld>
+    <p:spTree>
+      <p:nvGrpSpPr>
+        <p:cNvPr id="1" name=""/>
+        <p:cNvGrpSpPr/>
+        <p:nvPr/>
+      </p:nvGrpSpPr>
+      <p:grpSpPr>
+        <a:xfrm>
+          <a:off x="0" y="0"/>
+          <a:ext cx="0" cy="0"/>
+          <a:chOff x="0" y="0"/>
+          <a:chExt cx="0" cy="0"/>
+        </a:xfrm>
+      </p:grpSpPr>
+      <p:sp>
+        <p:nvSpPr>
+          <p:cNvPr id="156" name="CustomShape 1"/>
+          <p:cNvSpPr/>
+          <p:nvPr/>
+        </p:nvSpPr>
+        <p:spPr>
+          <a:xfrm>
+            <a:off x="720000" y="288000"/>
+            <a:ext cx="6621840" cy="501840"/>
+          </a:xfrm>
+          <a:prstGeom prst="rect">
+            <a:avLst/>
+          </a:prstGeom>
+          <a:noFill/>
+          <a:ln>
+            <a:noFill/>
+          </a:ln>
+        </p:spPr>
+        <p:style>
+          <a:lnRef idx="0"/>
+          <a:fillRef idx="0"/>
+          <a:effectRef idx="0"/>
+          <a:fontRef idx="minor"/>
+        </p:style>
+        <p:txBody>
+          <a:bodyPr lIns="0" rIns="0" tIns="0" bIns="0" anchor="ctr"/>
+          <a:p>
+            <a:pPr>
+              <a:lnSpc>
+                <a:spcPct val="85000"/>
+              </a:lnSpc>
+            </a:pPr>
+            <a:r>
+              <a:rPr b="1" lang="en-US" sz="1800" spc="-1" strike="noStrike">
+                <a:solidFill>
+                  <a:srgbClr val="e63232"/>
+                </a:solidFill>
+                <a:latin typeface="Arial"/>
+                <a:ea typeface="DejaVu Sans"/>
+              </a:rPr>
+              <a:t>Hands-on: PropTypes</a:t>
+            </a:r>
+            <a:endParaRPr b="0" lang="en-US" sz="1800" spc="-1" strike="noStrike">
+              <a:latin typeface="Arial"/>
+            </a:endParaRPr>
+          </a:p>
+        </p:txBody>
+      </p:sp>
+      <p:sp>
+        <p:nvSpPr>
+          <p:cNvPr id="157" name="CustomShape 2"/>
+          <p:cNvSpPr/>
+          <p:nvPr/>
+        </p:nvSpPr>
+        <p:spPr>
+          <a:xfrm>
+            <a:off x="4968000" y="5004000"/>
+            <a:ext cx="3237840" cy="105840"/>
+          </a:xfrm>
+          <a:prstGeom prst="rect">
+            <a:avLst/>
+          </a:prstGeom>
+          <a:noFill/>
+          <a:ln>
+            <a:noFill/>
+          </a:ln>
+        </p:spPr>
+        <p:style>
+          <a:lnRef idx="0"/>
+          <a:fillRef idx="0"/>
+          <a:effectRef idx="0"/>
+          <a:fontRef idx="minor"/>
+        </p:style>
+        <p:txBody>
+          <a:bodyPr lIns="0" rIns="0" tIns="0" bIns="0"/>
+          <a:p>
+            <a:pPr algn="r">
+              <a:lnSpc>
+                <a:spcPct val="100000"/>
+              </a:lnSpc>
+            </a:pPr>
+            <a:r>
+              <a:rPr b="0" lang="en-US" sz="600" spc="-1" strike="noStrike">
+                <a:solidFill>
+                  <a:srgbClr val="ffffff"/>
+                </a:solidFill>
+                <a:latin typeface="Arial"/>
+                <a:ea typeface="DejaVu Sans"/>
+              </a:rPr>
+              <a:t>React</a:t>
+            </a:r>
+            <a:endParaRPr b="0" lang="en-US" sz="600" spc="-1" strike="noStrike">
+              <a:latin typeface="Arial"/>
+            </a:endParaRPr>
+          </a:p>
+        </p:txBody>
+      </p:sp>
+      <p:sp>
+        <p:nvSpPr>
+          <p:cNvPr id="158" name="CustomShape 3"/>
+          <p:cNvSpPr/>
+          <p:nvPr/>
+        </p:nvSpPr>
+        <p:spPr>
+          <a:xfrm>
+            <a:off x="8280000" y="5004000"/>
+            <a:ext cx="141840" cy="105840"/>
+          </a:xfrm>
+          <a:prstGeom prst="rect">
+            <a:avLst/>
+          </a:prstGeom>
+          <a:noFill/>
+          <a:ln>
+            <a:noFill/>
+          </a:ln>
+        </p:spPr>
+        <p:style>
+          <a:lnRef idx="0"/>
+          <a:fillRef idx="0"/>
+          <a:effectRef idx="0"/>
+          <a:fontRef idx="minor"/>
+        </p:style>
+        <p:txBody>
+          <a:bodyPr lIns="0" rIns="0" tIns="0" bIns="0"/>
+          <a:p>
+            <a:pPr algn="r">
+              <a:lnSpc>
+                <a:spcPct val="100000"/>
+              </a:lnSpc>
+            </a:pPr>
+            <a:fld id="{4E32C8F1-6EF6-4A2C-A627-B524C8143D49}" type="slidenum">
+              <a:rPr b="0" lang="en-US" sz="600" spc="-1" strike="noStrike">
+                <a:solidFill>
+                  <a:srgbClr val="ffffff"/>
+                </a:solidFill>
+                <a:latin typeface="Arial"/>
+                <a:ea typeface="DejaVu Sans"/>
+              </a:rPr>
+              <a:t>&lt;number&gt;</a:t>
+            </a:fld>
+            <a:endParaRPr b="0" lang="en-US" sz="600" spc="-1" strike="noStrike">
+              <a:latin typeface="Arial"/>
+            </a:endParaRPr>
+          </a:p>
+        </p:txBody>
+      </p:sp>
+      <p:sp>
+        <p:nvSpPr>
+          <p:cNvPr id="159" name="CustomShape 4"/>
+          <p:cNvSpPr/>
+          <p:nvPr/>
+        </p:nvSpPr>
+        <p:spPr>
+          <a:xfrm>
+            <a:off x="640080" y="822960"/>
+            <a:ext cx="6621840" cy="3885120"/>
+          </a:xfrm>
+          <a:prstGeom prst="rect">
+            <a:avLst/>
+          </a:prstGeom>
+          <a:noFill/>
+          <a:ln>
+            <a:noFill/>
+          </a:ln>
+        </p:spPr>
+        <p:style>
+          <a:lnRef idx="0"/>
+          <a:fillRef idx="0"/>
+          <a:effectRef idx="0"/>
+          <a:fontRef idx="minor"/>
+        </p:style>
+        <p:txBody>
+          <a:bodyPr lIns="0" rIns="0" tIns="0" bIns="0"/>
+          <a:p>
+            <a:pPr>
+              <a:lnSpc>
+                <a:spcPct val="120000"/>
+              </a:lnSpc>
+            </a:pPr>
+            <a:endParaRPr b="0" lang="en-US" sz="1800" spc="-1" strike="noStrike">
+              <a:latin typeface="Arial"/>
+            </a:endParaRPr>
+          </a:p>
+          <a:p>
+            <a:pPr marL="285840" indent="-283680">
+              <a:lnSpc>
+                <a:spcPct val="120000"/>
+              </a:lnSpc>
+              <a:buClr>
+                <a:srgbClr val="000000"/>
+              </a:buClr>
+              <a:buFont typeface="Arial"/>
+              <a:buChar char="•"/>
+            </a:pPr>
+            <a:r>
+              <a:rPr b="0" lang="en-US" sz="1500" spc="-1" strike="noStrike">
+                <a:solidFill>
+                  <a:srgbClr val="000000"/>
+                </a:solidFill>
+                <a:latin typeface="Arial"/>
+                <a:ea typeface="DejaVu Sans"/>
+              </a:rPr>
+              <a:t>Add PropTypes from the package prop-types</a:t>
+            </a:r>
+            <a:endParaRPr b="0" lang="en-US" sz="1500" spc="-1" strike="noStrike">
+              <a:latin typeface="Arial"/>
+            </a:endParaRPr>
+          </a:p>
+          <a:p>
+            <a:pPr>
+              <a:lnSpc>
+                <a:spcPct val="120000"/>
+              </a:lnSpc>
+            </a:pPr>
+            <a:endParaRPr b="0" lang="en-US" sz="1500" spc="-1" strike="noStrike">
+              <a:latin typeface="Arial"/>
+            </a:endParaRPr>
+          </a:p>
+        </p:txBody>
+      </p:sp>
+    </p:spTree>
+  </p:cSld>
+  <p:timing>
+    <p:tnLst>
+      <p:par>
+        <p:cTn id="19" dur="indefinite" restart="never" nodeType="tmRoot">
+          <p:childTnLst>
+            <p:seq>
+              <p:cTn id="20" dur="indefinite" nodeType="mainSeq"/>
+              <p:prevCondLst>
+                <p:cond delay="0" evt="onPrev">
+                  <p:tgtEl>
+                    <p:sldTgt/>
+                  </p:tgtEl>
+                </p:cond>
+              </p:prevCondLst>
+              <p:nextCondLst>
+                <p:cond delay="0" evt="onNext">
+                  <p:tgtEl>
+                    <p:sldTgt/>
+                  </p:tgtEl>
+                </p:cond>
+              </p:nextCondLst>
+            </p:seq>
+          </p:childTnLst>
+        </p:cTn>
+      </p:par>
+    </p:tnLst>
+  </p:timing>
+</p:sld>
+</file>
+
+<file path=ppt/slides/slide11.xml><?xml version="1.0" encoding="utf-8"?>
+<p:sld xmlns:a="http://schemas.openxmlformats.org/drawingml/2006/main" xmlns:p="http://schemas.openxmlformats.org/presentationml/2006/main" xmlns:r="http://schemas.openxmlformats.org/officeDocument/2006/relationships" xmlns:p14="http://schemas.microsoft.com/office/powerpoint/2010/main" xmlns:p15="http://schemas.microsoft.com/office/powerpoint/2012/main" xmlns:mc="http://schemas.openxmlformats.org/markup-compatibility/2006">
+  <p:cSld>
+    <p:spTree>
+      <p:nvGrpSpPr>
+        <p:cNvPr id="1" name=""/>
+        <p:cNvGrpSpPr/>
+        <p:nvPr/>
+      </p:nvGrpSpPr>
+      <p:grpSpPr>
+        <a:xfrm>
+          <a:off x="0" y="0"/>
+          <a:ext cx="0" cy="0"/>
+          <a:chOff x="0" y="0"/>
+          <a:chExt cx="0" cy="0"/>
+        </a:xfrm>
+      </p:grpSpPr>
+      <p:sp>
+        <p:nvSpPr>
+          <p:cNvPr id="160" name="CustomShape 1"/>
+          <p:cNvSpPr/>
+          <p:nvPr/>
+        </p:nvSpPr>
+        <p:spPr>
+          <a:xfrm>
+            <a:off x="720000" y="288000"/>
+            <a:ext cx="6621840" cy="501840"/>
+          </a:xfrm>
+          <a:prstGeom prst="rect">
+            <a:avLst/>
+          </a:prstGeom>
+          <a:noFill/>
+          <a:ln>
+            <a:noFill/>
+          </a:ln>
+        </p:spPr>
+        <p:style>
+          <a:lnRef idx="0"/>
+          <a:fillRef idx="0"/>
+          <a:effectRef idx="0"/>
+          <a:fontRef idx="minor"/>
+        </p:style>
+        <p:txBody>
+          <a:bodyPr lIns="0" rIns="0" tIns="0" bIns="0" anchor="ctr"/>
+          <a:p>
+            <a:pPr>
+              <a:lnSpc>
+                <a:spcPct val="85000"/>
+              </a:lnSpc>
+            </a:pPr>
+            <a:r>
+              <a:rPr b="1" lang="en-US" sz="1800" spc="-1" strike="noStrike">
+                <a:solidFill>
+                  <a:srgbClr val="e63232"/>
+                </a:solidFill>
+                <a:latin typeface="Arial"/>
+                <a:ea typeface="DejaVu Sans"/>
+              </a:rPr>
+              <a:t>Hands-on: Routing</a:t>
+            </a:r>
+            <a:endParaRPr b="0" lang="en-US" sz="1800" spc="-1" strike="noStrike">
+              <a:latin typeface="Arial"/>
+            </a:endParaRPr>
+          </a:p>
+        </p:txBody>
+      </p:sp>
+      <p:sp>
+        <p:nvSpPr>
+          <p:cNvPr id="161" name="CustomShape 2"/>
+          <p:cNvSpPr/>
+          <p:nvPr/>
+        </p:nvSpPr>
+        <p:spPr>
+          <a:xfrm>
+            <a:off x="4968000" y="5004000"/>
+            <a:ext cx="3237840" cy="105840"/>
+          </a:xfrm>
+          <a:prstGeom prst="rect">
+            <a:avLst/>
+          </a:prstGeom>
+          <a:noFill/>
+          <a:ln>
+            <a:noFill/>
+          </a:ln>
+        </p:spPr>
+        <p:style>
+          <a:lnRef idx="0"/>
+          <a:fillRef idx="0"/>
+          <a:effectRef idx="0"/>
+          <a:fontRef idx="minor"/>
+        </p:style>
+        <p:txBody>
+          <a:bodyPr lIns="0" rIns="0" tIns="0" bIns="0"/>
+          <a:p>
+            <a:pPr algn="r">
+              <a:lnSpc>
+                <a:spcPct val="100000"/>
+              </a:lnSpc>
+            </a:pPr>
+            <a:r>
+              <a:rPr b="0" lang="en-US" sz="600" spc="-1" strike="noStrike">
+                <a:solidFill>
+                  <a:srgbClr val="ffffff"/>
+                </a:solidFill>
+                <a:latin typeface="Arial"/>
+                <a:ea typeface="DejaVu Sans"/>
+              </a:rPr>
+              <a:t>React</a:t>
+            </a:r>
+            <a:endParaRPr b="0" lang="en-US" sz="600" spc="-1" strike="noStrike">
+              <a:latin typeface="Arial"/>
+            </a:endParaRPr>
+          </a:p>
+        </p:txBody>
+      </p:sp>
+      <p:sp>
+        <p:nvSpPr>
+          <p:cNvPr id="162" name="CustomShape 3"/>
+          <p:cNvSpPr/>
+          <p:nvPr/>
+        </p:nvSpPr>
+        <p:spPr>
+          <a:xfrm>
+            <a:off x="8280000" y="5004000"/>
+            <a:ext cx="141840" cy="105840"/>
+          </a:xfrm>
+          <a:prstGeom prst="rect">
+            <a:avLst/>
+          </a:prstGeom>
+          <a:noFill/>
+          <a:ln>
+            <a:noFill/>
+          </a:ln>
+        </p:spPr>
+        <p:style>
+          <a:lnRef idx="0"/>
+          <a:fillRef idx="0"/>
+          <a:effectRef idx="0"/>
+          <a:fontRef idx="minor"/>
+        </p:style>
+        <p:txBody>
+          <a:bodyPr lIns="0" rIns="0" tIns="0" bIns="0"/>
+          <a:p>
+            <a:pPr algn="r">
+              <a:lnSpc>
+                <a:spcPct val="100000"/>
+              </a:lnSpc>
+            </a:pPr>
+            <a:fld id="{2FB0BDCA-9DA9-42FD-AE6F-F60551512965}" type="slidenum">
+              <a:rPr b="0" lang="en-US" sz="600" spc="-1" strike="noStrike">
+                <a:solidFill>
+                  <a:srgbClr val="ffffff"/>
+                </a:solidFill>
+                <a:latin typeface="Arial"/>
+                <a:ea typeface="DejaVu Sans"/>
+              </a:rPr>
+              <a:t>&lt;number&gt;</a:t>
+            </a:fld>
+            <a:endParaRPr b="0" lang="en-US" sz="600" spc="-1" strike="noStrike">
+              <a:latin typeface="Arial"/>
+            </a:endParaRPr>
+          </a:p>
+        </p:txBody>
+      </p:sp>
+      <p:sp>
+        <p:nvSpPr>
+          <p:cNvPr id="163" name="CustomShape 4"/>
+          <p:cNvSpPr/>
+          <p:nvPr/>
+        </p:nvSpPr>
+        <p:spPr>
+          <a:xfrm>
+            <a:off x="640080" y="822960"/>
+            <a:ext cx="6621840" cy="3885120"/>
+          </a:xfrm>
+          <a:prstGeom prst="rect">
+            <a:avLst/>
+          </a:prstGeom>
+          <a:noFill/>
+          <a:ln>
+            <a:noFill/>
+          </a:ln>
+        </p:spPr>
+        <p:style>
+          <a:lnRef idx="0"/>
+          <a:fillRef idx="0"/>
+          <a:effectRef idx="0"/>
+          <a:fontRef idx="minor"/>
+        </p:style>
+        <p:txBody>
+          <a:bodyPr lIns="0" rIns="0" tIns="0" bIns="0"/>
+          <a:p>
+            <a:pPr>
+              <a:lnSpc>
+                <a:spcPct val="120000"/>
+              </a:lnSpc>
+            </a:pPr>
+            <a:endParaRPr b="0" lang="en-US" sz="1800" spc="-1" strike="noStrike">
+              <a:latin typeface="Arial"/>
+            </a:endParaRPr>
+          </a:p>
+          <a:p>
+            <a:pPr marL="285840" indent="-283680">
+              <a:lnSpc>
+                <a:spcPct val="120000"/>
+              </a:lnSpc>
+              <a:buClr>
+                <a:srgbClr val="000000"/>
+              </a:buClr>
+              <a:buFont typeface="Arial"/>
+              <a:buChar char="•"/>
+            </a:pPr>
+            <a:r>
+              <a:rPr b="0" lang="en-US" sz="1500" spc="-1" strike="noStrike">
+                <a:solidFill>
+                  <a:srgbClr val="000000"/>
+                </a:solidFill>
+                <a:latin typeface="Arial"/>
+                <a:ea typeface="DejaVu Sans"/>
+              </a:rPr>
+              <a:t>Create a component which will be shown on 404</a:t>
+            </a:r>
+            <a:endParaRPr b="0" lang="en-US" sz="1500" spc="-1" strike="noStrike">
+              <a:latin typeface="Arial"/>
+            </a:endParaRPr>
+          </a:p>
+          <a:p>
+            <a:pPr marL="285840" indent="-283680">
+              <a:lnSpc>
+                <a:spcPct val="120000"/>
+              </a:lnSpc>
+              <a:buClr>
+                <a:srgbClr val="000000"/>
+              </a:buClr>
+              <a:buFont typeface="Arial"/>
+              <a:buChar char="•"/>
+            </a:pPr>
+            <a:r>
+              <a:rPr b="0" lang="en-US" sz="1500" spc="-1" strike="noStrike">
+                <a:solidFill>
+                  <a:srgbClr val="000000"/>
+                </a:solidFill>
+                <a:latin typeface="Arial"/>
+                <a:ea typeface="DejaVu Sans"/>
+              </a:rPr>
+              <a:t>Create a component for an accommodations detail page. For now just render ‘hello world’.</a:t>
+            </a:r>
+            <a:endParaRPr b="0" lang="en-US" sz="1500" spc="-1" strike="noStrike">
+              <a:latin typeface="Arial"/>
+            </a:endParaRPr>
+          </a:p>
+          <a:p>
+            <a:pPr marL="285840" indent="-283680">
+              <a:lnSpc>
+                <a:spcPct val="120000"/>
+              </a:lnSpc>
+              <a:buClr>
+                <a:srgbClr val="000000"/>
+              </a:buClr>
+              <a:buFont typeface="Arial"/>
+              <a:buChar char="•"/>
+            </a:pPr>
+            <a:r>
+              <a:rPr b="0" lang="en-US" sz="1500" spc="-1" strike="noStrike">
+                <a:solidFill>
+                  <a:srgbClr val="000000"/>
+                </a:solidFill>
+                <a:latin typeface="Arial"/>
+                <a:ea typeface="DejaVu Sans"/>
+              </a:rPr>
+              <a:t>Add `&lt;Router&gt;...&lt;/Router&gt;` from  the package react-router-dom to your App.js</a:t>
+            </a:r>
+            <a:endParaRPr b="0" lang="en-US" sz="1500" spc="-1" strike="noStrike">
+              <a:latin typeface="Arial"/>
+            </a:endParaRPr>
+          </a:p>
+          <a:p>
+            <a:pPr marL="285840" indent="-283680">
+              <a:lnSpc>
+                <a:spcPct val="120000"/>
+              </a:lnSpc>
+              <a:buClr>
+                <a:srgbClr val="000000"/>
+              </a:buClr>
+              <a:buFont typeface="Arial"/>
+              <a:buChar char="•"/>
+            </a:pPr>
+            <a:r>
+              <a:rPr b="0" lang="en-US" sz="1500" spc="-1" strike="noStrike">
+                <a:solidFill>
+                  <a:srgbClr val="000000"/>
+                </a:solidFill>
+                <a:latin typeface="Arial"/>
+                <a:ea typeface="DejaVu Sans"/>
+              </a:rPr>
+              <a:t>Add a Switch component</a:t>
+            </a:r>
+            <a:endParaRPr b="0" lang="en-US" sz="1500" spc="-1" strike="noStrike">
+              <a:latin typeface="Arial"/>
+            </a:endParaRPr>
+          </a:p>
+          <a:p>
+            <a:pPr marL="285840" indent="-283680">
+              <a:lnSpc>
+                <a:spcPct val="120000"/>
+              </a:lnSpc>
+              <a:buClr>
+                <a:srgbClr val="000000"/>
+              </a:buClr>
+              <a:buFont typeface="Arial"/>
+              <a:buChar char="•"/>
+            </a:pPr>
+            <a:r>
+              <a:rPr b="0" lang="en-US" sz="1500" spc="-1" strike="noStrike">
+                <a:solidFill>
+                  <a:srgbClr val="000000"/>
+                </a:solidFill>
+                <a:latin typeface="Arial"/>
+                <a:ea typeface="DejaVu Sans"/>
+              </a:rPr>
+              <a:t>Add a `&lt;Route …/&gt;` for path `”/”` to your accommodations component</a:t>
+            </a:r>
+            <a:endParaRPr b="0" lang="en-US" sz="1500" spc="-1" strike="noStrike">
+              <a:latin typeface="Arial"/>
+            </a:endParaRPr>
+          </a:p>
+          <a:p>
+            <a:pPr marL="285840" indent="-283680">
+              <a:lnSpc>
+                <a:spcPct val="120000"/>
+              </a:lnSpc>
+              <a:buClr>
+                <a:srgbClr val="000000"/>
+              </a:buClr>
+              <a:buFont typeface="Arial"/>
+              <a:buChar char="•"/>
+            </a:pPr>
+            <a:r>
+              <a:rPr b="0" lang="en-US" sz="1500" spc="-1" strike="noStrike">
+                <a:solidFill>
+                  <a:srgbClr val="000000"/>
+                </a:solidFill>
+                <a:latin typeface="Arial"/>
+                <a:ea typeface="DejaVu Sans"/>
+              </a:rPr>
+              <a:t>Add a route for path `”/:id”` to your accommodation detail component</a:t>
+            </a:r>
+            <a:endParaRPr b="0" lang="en-US" sz="1500" spc="-1" strike="noStrike">
+              <a:latin typeface="Arial"/>
+            </a:endParaRPr>
+          </a:p>
+          <a:p>
+            <a:pPr marL="285840" indent="-283680">
+              <a:lnSpc>
+                <a:spcPct val="120000"/>
+              </a:lnSpc>
+              <a:buClr>
+                <a:srgbClr val="000000"/>
+              </a:buClr>
+              <a:buFont typeface="Arial"/>
+              <a:buChar char="•"/>
+            </a:pPr>
+            <a:r>
+              <a:rPr b="0" lang="en-US" sz="1500" spc="-1" strike="noStrike">
+                <a:solidFill>
+                  <a:srgbClr val="000000"/>
+                </a:solidFill>
+                <a:latin typeface="Arial"/>
+                <a:ea typeface="DejaVu Sans"/>
+              </a:rPr>
+              <a:t>Add a route for path `”*”` to your 404 component</a:t>
+            </a:r>
+            <a:endParaRPr b="0" lang="en-US" sz="1500" spc="-1" strike="noStrike">
+              <a:latin typeface="Arial"/>
+            </a:endParaRPr>
+          </a:p>
+          <a:p>
+            <a:pPr>
+              <a:lnSpc>
+                <a:spcPct val="120000"/>
+              </a:lnSpc>
+            </a:pPr>
+            <a:endParaRPr b="0" lang="en-US" sz="1500" spc="-1" strike="noStrike">
+              <a:latin typeface="Arial"/>
+            </a:endParaRPr>
+          </a:p>
+        </p:txBody>
+      </p:sp>
+    </p:spTree>
+  </p:cSld>
+  <p:timing>
+    <p:tnLst>
+      <p:par>
+        <p:cTn id="21" dur="indefinite" restart="never" nodeType="tmRoot">
+          <p:childTnLst>
+            <p:seq>
+              <p:cTn id="22" dur="indefinite" nodeType="mainSeq"/>
+              <p:prevCondLst>
+                <p:cond delay="0" evt="onPrev">
+                  <p:tgtEl>
+                    <p:sldTgt/>
+                  </p:tgtEl>
+                </p:cond>
+              </p:prevCondLst>
+              <p:nextCondLst>
+                <p:cond delay="0" evt="onNext">
+                  <p:tgtEl>
+                    <p:sldTgt/>
+                  </p:tgtEl>
+                </p:cond>
+              </p:nextCondLst>
+            </p:seq>
+          </p:childTnLst>
+        </p:cTn>
+      </p:par>
+    </p:tnLst>
+  </p:timing>
+</p:sld>
+</file>
+
+<file path=ppt/slides/slide12.xml><?xml version="1.0" encoding="utf-8"?>
+<p:sld xmlns:a="http://schemas.openxmlformats.org/drawingml/2006/main" xmlns:p="http://schemas.openxmlformats.org/presentationml/2006/main" xmlns:r="http://schemas.openxmlformats.org/officeDocument/2006/relationships" xmlns:p14="http://schemas.microsoft.com/office/powerpoint/2010/main" xmlns:p15="http://schemas.microsoft.com/office/powerpoint/2012/main" xmlns:mc="http://schemas.openxmlformats.org/markup-compatibility/2006">
+  <p:cSld>
+    <p:spTree>
+      <p:nvGrpSpPr>
+        <p:cNvPr id="1" name=""/>
+        <p:cNvGrpSpPr/>
+        <p:nvPr/>
+      </p:nvGrpSpPr>
+      <p:grpSpPr>
+        <a:xfrm>
+          <a:off x="0" y="0"/>
+          <a:ext cx="0" cy="0"/>
+          <a:chOff x="0" y="0"/>
+          <a:chExt cx="0" cy="0"/>
+        </a:xfrm>
+      </p:grpSpPr>
+      <p:sp>
+        <p:nvSpPr>
+          <p:cNvPr id="164" name="CustomShape 1"/>
+          <p:cNvSpPr/>
+          <p:nvPr/>
+        </p:nvSpPr>
+        <p:spPr>
+          <a:xfrm>
+            <a:off x="720000" y="288000"/>
+            <a:ext cx="6621840" cy="501840"/>
+          </a:xfrm>
+          <a:prstGeom prst="rect">
+            <a:avLst/>
+          </a:prstGeom>
+          <a:noFill/>
+          <a:ln>
+            <a:noFill/>
+          </a:ln>
+        </p:spPr>
+        <p:style>
+          <a:lnRef idx="0"/>
+          <a:fillRef idx="0"/>
+          <a:effectRef idx="0"/>
+          <a:fontRef idx="minor"/>
+        </p:style>
+        <p:txBody>
+          <a:bodyPr lIns="0" rIns="0" tIns="0" bIns="0" anchor="ctr"/>
+          <a:p>
+            <a:pPr>
+              <a:lnSpc>
+                <a:spcPct val="85000"/>
+              </a:lnSpc>
+            </a:pPr>
+            <a:r>
+              <a:rPr b="1" lang="en-US" sz="1800" spc="-1" strike="noStrike">
+                <a:solidFill>
+                  <a:srgbClr val="e63232"/>
+                </a:solidFill>
+                <a:latin typeface="Arial"/>
+                <a:ea typeface="DejaVu Sans"/>
+              </a:rPr>
+              <a:t>Hands-on: JSS styling</a:t>
+            </a:r>
+            <a:endParaRPr b="0" lang="en-US" sz="1800" spc="-1" strike="noStrike">
+              <a:latin typeface="Arial"/>
+            </a:endParaRPr>
+          </a:p>
+        </p:txBody>
+      </p:sp>
+      <p:sp>
+        <p:nvSpPr>
+          <p:cNvPr id="165" name="CustomShape 2"/>
+          <p:cNvSpPr/>
+          <p:nvPr/>
+        </p:nvSpPr>
+        <p:spPr>
+          <a:xfrm>
+            <a:off x="4968000" y="5004000"/>
+            <a:ext cx="3237840" cy="105840"/>
+          </a:xfrm>
+          <a:prstGeom prst="rect">
+            <a:avLst/>
+          </a:prstGeom>
+          <a:noFill/>
+          <a:ln>
+            <a:noFill/>
+          </a:ln>
+        </p:spPr>
+        <p:style>
+          <a:lnRef idx="0"/>
+          <a:fillRef idx="0"/>
+          <a:effectRef idx="0"/>
+          <a:fontRef idx="minor"/>
+        </p:style>
+        <p:txBody>
+          <a:bodyPr lIns="0" rIns="0" tIns="0" bIns="0"/>
+          <a:p>
+            <a:pPr algn="r">
+              <a:lnSpc>
+                <a:spcPct val="100000"/>
+              </a:lnSpc>
+            </a:pPr>
+            <a:r>
+              <a:rPr b="0" lang="en-US" sz="600" spc="-1" strike="noStrike">
+                <a:solidFill>
+                  <a:srgbClr val="ffffff"/>
+                </a:solidFill>
+                <a:latin typeface="Arial"/>
+                <a:ea typeface="DejaVu Sans"/>
+              </a:rPr>
+              <a:t>React</a:t>
+            </a:r>
+            <a:endParaRPr b="0" lang="en-US" sz="600" spc="-1" strike="noStrike">
+              <a:latin typeface="Arial"/>
+            </a:endParaRPr>
+          </a:p>
+        </p:txBody>
+      </p:sp>
+      <p:sp>
+        <p:nvSpPr>
+          <p:cNvPr id="166" name="CustomShape 3"/>
+          <p:cNvSpPr/>
+          <p:nvPr/>
+        </p:nvSpPr>
+        <p:spPr>
+          <a:xfrm>
+            <a:off x="8280000" y="5004000"/>
+            <a:ext cx="141840" cy="105840"/>
+          </a:xfrm>
+          <a:prstGeom prst="rect">
+            <a:avLst/>
+          </a:prstGeom>
+          <a:noFill/>
+          <a:ln>
+            <a:noFill/>
+          </a:ln>
+        </p:spPr>
+        <p:style>
+          <a:lnRef idx="0"/>
+          <a:fillRef idx="0"/>
+          <a:effectRef idx="0"/>
+          <a:fontRef idx="minor"/>
+        </p:style>
+        <p:txBody>
+          <a:bodyPr lIns="0" rIns="0" tIns="0" bIns="0"/>
+          <a:p>
+            <a:pPr algn="r">
+              <a:lnSpc>
+                <a:spcPct val="100000"/>
+              </a:lnSpc>
+            </a:pPr>
+            <a:fld id="{C0738892-9577-44E0-8047-5B52F8CC8E90}" type="slidenum">
+              <a:rPr b="0" lang="en-US" sz="600" spc="-1" strike="noStrike">
+                <a:solidFill>
+                  <a:srgbClr val="ffffff"/>
+                </a:solidFill>
+                <a:latin typeface="Arial"/>
+                <a:ea typeface="DejaVu Sans"/>
+              </a:rPr>
+              <a:t>&lt;number&gt;</a:t>
+            </a:fld>
+            <a:endParaRPr b="0" lang="en-US" sz="600" spc="-1" strike="noStrike">
+              <a:latin typeface="Arial"/>
+            </a:endParaRPr>
+          </a:p>
+        </p:txBody>
+      </p:sp>
+      <p:sp>
+        <p:nvSpPr>
+          <p:cNvPr id="167" name="CustomShape 4"/>
+          <p:cNvSpPr/>
+          <p:nvPr/>
+        </p:nvSpPr>
+        <p:spPr>
+          <a:xfrm>
+            <a:off x="601560" y="822960"/>
+            <a:ext cx="6621840" cy="3885120"/>
+          </a:xfrm>
+          <a:prstGeom prst="rect">
+            <a:avLst/>
+          </a:prstGeom>
+          <a:noFill/>
+          <a:ln>
+            <a:noFill/>
+          </a:ln>
+        </p:spPr>
+        <p:style>
+          <a:lnRef idx="0"/>
+          <a:fillRef idx="0"/>
+          <a:effectRef idx="0"/>
+          <a:fontRef idx="minor"/>
+        </p:style>
+        <p:txBody>
+          <a:bodyPr lIns="0" rIns="0" tIns="0" bIns="0"/>
+          <a:p>
+            <a:pPr>
+              <a:lnSpc>
+                <a:spcPct val="120000"/>
+              </a:lnSpc>
+            </a:pPr>
+            <a:endParaRPr b="0" lang="en-US" sz="1800" spc="-1" strike="noStrike">
+              <a:latin typeface="Arial"/>
+            </a:endParaRPr>
+          </a:p>
+          <a:p>
+            <a:pPr marL="285840" indent="-283680">
+              <a:lnSpc>
+                <a:spcPct val="120000"/>
+              </a:lnSpc>
+              <a:buClr>
+                <a:srgbClr val="000000"/>
+              </a:buClr>
+              <a:buFont typeface="Arial"/>
+              <a:buChar char="•"/>
+            </a:pPr>
+            <a:r>
+              <a:rPr b="0" lang="en-US" sz="1500" spc="-1" strike="noStrike">
+                <a:solidFill>
+                  <a:srgbClr val="000000"/>
+                </a:solidFill>
+                <a:latin typeface="Arial"/>
+                <a:ea typeface="DejaVu Sans"/>
+              </a:rPr>
+              <a:t>Replace the CSS with react-jss using withStyles from material-ui </a:t>
+            </a:r>
+            <a:endParaRPr b="0" lang="en-US" sz="1500" spc="-1" strike="noStrike">
+              <a:latin typeface="Arial"/>
+            </a:endParaRPr>
+          </a:p>
+          <a:p>
+            <a:pPr>
+              <a:lnSpc>
+                <a:spcPct val="120000"/>
+              </a:lnSpc>
+            </a:pPr>
+            <a:endParaRPr b="0" lang="en-US" sz="1500" spc="-1" strike="noStrike">
+              <a:latin typeface="Arial"/>
+            </a:endParaRPr>
+          </a:p>
+        </p:txBody>
+      </p:sp>
+    </p:spTree>
+  </p:cSld>
+  <p:timing>
+    <p:tnLst>
+      <p:par>
+        <p:cTn id="23" dur="indefinite" restart="never" nodeType="tmRoot">
+          <p:childTnLst>
+            <p:seq>
+              <p:cTn id="24" dur="indefinite" nodeType="mainSeq"/>
+              <p:prevCondLst>
+                <p:cond delay="0" evt="onPrev">
+                  <p:tgtEl>
+                    <p:sldTgt/>
+                  </p:tgtEl>
+                </p:cond>
+              </p:prevCondLst>
+              <p:nextCondLst>
+                <p:cond delay="0" evt="onNext">
+                  <p:tgtEl>
+                    <p:sldTgt/>
+                  </p:tgtEl>
+                </p:cond>
+              </p:nextCondLst>
+            </p:seq>
+          </p:childTnLst>
+        </p:cTn>
+      </p:par>
+    </p:tnLst>
+  </p:timing>
+</p:sld>
+</file>
+
+<file path=ppt/slides/slide13.xml><?xml version="1.0" encoding="utf-8"?>
+<p:sld xmlns:a="http://schemas.openxmlformats.org/drawingml/2006/main" xmlns:p="http://schemas.openxmlformats.org/presentationml/2006/main" xmlns:r="http://schemas.openxmlformats.org/officeDocument/2006/relationships" xmlns:p14="http://schemas.microsoft.com/office/powerpoint/2010/main" xmlns:p15="http://schemas.microsoft.com/office/powerpoint/2012/main" xmlns:mc="http://schemas.openxmlformats.org/markup-compatibility/2006">
+  <p:cSld>
+    <p:spTree>
+      <p:nvGrpSpPr>
+        <p:cNvPr id="1" name=""/>
+        <p:cNvGrpSpPr/>
+        <p:nvPr/>
+      </p:nvGrpSpPr>
+      <p:grpSpPr>
+        <a:xfrm>
+          <a:off x="0" y="0"/>
+          <a:ext cx="0" cy="0"/>
+          <a:chOff x="0" y="0"/>
+          <a:chExt cx="0" cy="0"/>
+        </a:xfrm>
+      </p:grpSpPr>
+      <p:sp>
+        <p:nvSpPr>
+          <p:cNvPr id="168" name="CustomShape 1"/>
+          <p:cNvSpPr/>
+          <p:nvPr/>
+        </p:nvSpPr>
+        <p:spPr>
+          <a:xfrm>
+            <a:off x="720000" y="288000"/>
+            <a:ext cx="6621840" cy="501840"/>
+          </a:xfrm>
+          <a:prstGeom prst="rect">
+            <a:avLst/>
+          </a:prstGeom>
+          <a:noFill/>
+          <a:ln>
+            <a:noFill/>
+          </a:ln>
+        </p:spPr>
+        <p:style>
+          <a:lnRef idx="0"/>
+          <a:fillRef idx="0"/>
+          <a:effectRef idx="0"/>
+          <a:fontRef idx="minor"/>
+        </p:style>
+        <p:txBody>
+          <a:bodyPr lIns="0" rIns="0" tIns="0" bIns="0" anchor="ctr"/>
+          <a:p>
+            <a:pPr>
+              <a:lnSpc>
+                <a:spcPct val="85000"/>
+              </a:lnSpc>
+            </a:pPr>
+            <a:r>
+              <a:rPr b="1" lang="en-US" sz="1800" spc="-1" strike="noStrike">
+                <a:solidFill>
+                  <a:srgbClr val="e63232"/>
+                </a:solidFill>
+                <a:latin typeface="Arial"/>
+                <a:ea typeface="DejaVu Sans"/>
+              </a:rPr>
+              <a:t>Hands-on: Fetching part deux</a:t>
+            </a:r>
+            <a:endParaRPr b="0" lang="en-US" sz="1800" spc="-1" strike="noStrike">
+              <a:latin typeface="Arial"/>
+            </a:endParaRPr>
+          </a:p>
+        </p:txBody>
+      </p:sp>
+      <p:sp>
+        <p:nvSpPr>
+          <p:cNvPr id="169" name="CustomShape 2"/>
+          <p:cNvSpPr/>
+          <p:nvPr/>
+        </p:nvSpPr>
+        <p:spPr>
+          <a:xfrm>
+            <a:off x="4968000" y="5004000"/>
+            <a:ext cx="3237840" cy="105840"/>
+          </a:xfrm>
+          <a:prstGeom prst="rect">
+            <a:avLst/>
+          </a:prstGeom>
+          <a:noFill/>
+          <a:ln>
+            <a:noFill/>
+          </a:ln>
+        </p:spPr>
+        <p:style>
+          <a:lnRef idx="0"/>
+          <a:fillRef idx="0"/>
+          <a:effectRef idx="0"/>
+          <a:fontRef idx="minor"/>
+        </p:style>
+        <p:txBody>
+          <a:bodyPr lIns="0" rIns="0" tIns="0" bIns="0"/>
+          <a:p>
+            <a:pPr algn="r">
+              <a:lnSpc>
+                <a:spcPct val="100000"/>
+              </a:lnSpc>
+            </a:pPr>
+            <a:r>
+              <a:rPr b="0" lang="en-US" sz="600" spc="-1" strike="noStrike">
+                <a:solidFill>
+                  <a:srgbClr val="ffffff"/>
+                </a:solidFill>
+                <a:latin typeface="Arial"/>
+                <a:ea typeface="DejaVu Sans"/>
+              </a:rPr>
+              <a:t>React</a:t>
+            </a:r>
+            <a:endParaRPr b="0" lang="en-US" sz="600" spc="-1" strike="noStrike">
+              <a:latin typeface="Arial"/>
+            </a:endParaRPr>
+          </a:p>
+        </p:txBody>
+      </p:sp>
+      <p:sp>
+        <p:nvSpPr>
+          <p:cNvPr id="170" name="CustomShape 3"/>
+          <p:cNvSpPr/>
+          <p:nvPr/>
+        </p:nvSpPr>
+        <p:spPr>
+          <a:xfrm>
+            <a:off x="8280000" y="5004000"/>
+            <a:ext cx="141840" cy="105840"/>
+          </a:xfrm>
+          <a:prstGeom prst="rect">
+            <a:avLst/>
+          </a:prstGeom>
+          <a:noFill/>
+          <a:ln>
+            <a:noFill/>
+          </a:ln>
+        </p:spPr>
+        <p:style>
+          <a:lnRef idx="0"/>
+          <a:fillRef idx="0"/>
+          <a:effectRef idx="0"/>
+          <a:fontRef idx="minor"/>
+        </p:style>
+        <p:txBody>
+          <a:bodyPr lIns="0" rIns="0" tIns="0" bIns="0"/>
+          <a:p>
+            <a:pPr algn="r">
+              <a:lnSpc>
+                <a:spcPct val="100000"/>
+              </a:lnSpc>
+            </a:pPr>
+            <a:fld id="{FB44A603-79E4-41FE-A6DA-BE5EDC9EE7BB}" type="slidenum">
+              <a:rPr b="0" lang="en-US" sz="600" spc="-1" strike="noStrike">
+                <a:solidFill>
+                  <a:srgbClr val="ffffff"/>
+                </a:solidFill>
+                <a:latin typeface="Arial"/>
+                <a:ea typeface="DejaVu Sans"/>
+              </a:rPr>
+              <a:t>&lt;number&gt;</a:t>
+            </a:fld>
+            <a:endParaRPr b="0" lang="en-US" sz="600" spc="-1" strike="noStrike">
+              <a:latin typeface="Arial"/>
+            </a:endParaRPr>
+          </a:p>
+        </p:txBody>
+      </p:sp>
+      <p:sp>
+        <p:nvSpPr>
+          <p:cNvPr id="171" name="CustomShape 4"/>
+          <p:cNvSpPr/>
+          <p:nvPr/>
+        </p:nvSpPr>
+        <p:spPr>
+          <a:xfrm>
+            <a:off x="601560" y="822960"/>
+            <a:ext cx="6621840" cy="3885120"/>
+          </a:xfrm>
+          <a:prstGeom prst="rect">
+            <a:avLst/>
+          </a:prstGeom>
+          <a:noFill/>
+          <a:ln>
+            <a:noFill/>
+          </a:ln>
+        </p:spPr>
+        <p:style>
+          <a:lnRef idx="0"/>
+          <a:fillRef idx="0"/>
+          <a:effectRef idx="0"/>
+          <a:fontRef idx="minor"/>
+        </p:style>
+        <p:txBody>
+          <a:bodyPr lIns="0" rIns="0" tIns="0" bIns="0"/>
+          <a:p>
+            <a:pPr>
+              <a:lnSpc>
+                <a:spcPct val="120000"/>
+              </a:lnSpc>
+            </a:pPr>
+            <a:endParaRPr b="0" lang="en-US" sz="1800" spc="-1" strike="noStrike">
+              <a:latin typeface="Arial"/>
+            </a:endParaRPr>
+          </a:p>
+          <a:p>
+            <a:pPr marL="285840" indent="-283680">
+              <a:lnSpc>
+                <a:spcPct val="120000"/>
+              </a:lnSpc>
+              <a:buClr>
+                <a:srgbClr val="000000"/>
+              </a:buClr>
+              <a:buFont typeface="Arial"/>
+              <a:buChar char="•"/>
+            </a:pPr>
+            <a:r>
+              <a:rPr b="0" lang="en-US" sz="1500" spc="-1" strike="noStrike">
+                <a:solidFill>
+                  <a:srgbClr val="000000"/>
+                </a:solidFill>
+                <a:latin typeface="Arial"/>
+                <a:ea typeface="DejaVu Sans"/>
+              </a:rPr>
+              <a:t>Edit your accommodation detail component to use `export default withRouter(accommodation)`. WithRouter comes from the package react-router-dom.</a:t>
+            </a:r>
+            <a:endParaRPr b="0" lang="en-US" sz="1500" spc="-1" strike="noStrike">
+              <a:latin typeface="Arial"/>
+            </a:endParaRPr>
+          </a:p>
+          <a:p>
+            <a:pPr marL="285840" indent="-283680">
+              <a:lnSpc>
+                <a:spcPct val="120000"/>
+              </a:lnSpc>
+              <a:buClr>
+                <a:srgbClr val="000000"/>
+              </a:buClr>
+              <a:buFont typeface="Arial"/>
+              <a:buChar char="•"/>
+            </a:pPr>
+            <a:r>
+              <a:rPr b="0" lang="en-US" sz="1500" spc="-1" strike="noStrike">
+                <a:solidFill>
+                  <a:srgbClr val="000000"/>
+                </a:solidFill>
+                <a:latin typeface="Arial"/>
+                <a:ea typeface="DejaVu Sans"/>
+              </a:rPr>
+              <a:t>Console.log `this.props` to see where your ID is</a:t>
+            </a:r>
+            <a:endParaRPr b="0" lang="en-US" sz="1500" spc="-1" strike="noStrike">
+              <a:latin typeface="Arial"/>
+            </a:endParaRPr>
+          </a:p>
+          <a:p>
+            <a:pPr marL="285840" indent="-283680">
+              <a:lnSpc>
+                <a:spcPct val="120000"/>
+              </a:lnSpc>
+              <a:buClr>
+                <a:srgbClr val="000000"/>
+              </a:buClr>
+              <a:buFont typeface="Arial"/>
+              <a:buChar char="•"/>
+            </a:pPr>
+            <a:r>
+              <a:rPr b="0" lang="en-US" sz="1500" spc="-1" strike="noStrike">
+                <a:solidFill>
+                  <a:srgbClr val="000000"/>
+                </a:solidFill>
+                <a:latin typeface="Arial"/>
+                <a:ea typeface="DejaVu Sans"/>
+              </a:rPr>
+              <a:t>Use the ID in the lifecyclemethod `componentDidMount` to fetch the detailed information for the accommodation.</a:t>
+            </a:r>
+            <a:endParaRPr b="0" lang="en-US" sz="1500" spc="-1" strike="noStrike">
+              <a:latin typeface="Arial"/>
+            </a:endParaRPr>
+          </a:p>
+          <a:p>
+            <a:pPr marL="285840" indent="-283680">
+              <a:lnSpc>
+                <a:spcPct val="120000"/>
+              </a:lnSpc>
+              <a:buClr>
+                <a:srgbClr val="000000"/>
+              </a:buClr>
+              <a:buFont typeface="Arial"/>
+              <a:buChar char="•"/>
+            </a:pPr>
+            <a:r>
+              <a:rPr b="0" lang="en-US" sz="1500" spc="-1" strike="noStrike">
+                <a:solidFill>
+                  <a:srgbClr val="000000"/>
+                </a:solidFill>
+                <a:latin typeface="Arial"/>
+                <a:ea typeface="DejaVu Sans"/>
+              </a:rPr>
+              <a:t>Add the information and some styling to the components render function. Don’t forget that fetch is an async action!</a:t>
+            </a:r>
+            <a:endParaRPr b="0" lang="en-US" sz="1500" spc="-1" strike="noStrike">
+              <a:latin typeface="Arial"/>
+            </a:endParaRPr>
+          </a:p>
+        </p:txBody>
+      </p:sp>
+    </p:spTree>
+  </p:cSld>
+  <p:timing>
+    <p:tnLst>
+      <p:par>
+        <p:cTn id="25" dur="indefinite" restart="never" nodeType="tmRoot">
+          <p:childTnLst>
+            <p:seq>
+              <p:cTn id="26" dur="indefinite" nodeType="mainSeq"/>
               <p:prevCondLst>
                 <p:cond delay="0" evt="onPrev">
                   <p:tgtEl>
@@ -5278,7 +6577,7 @@
         <p:spPr>
           <a:xfrm>
             <a:off x="720000" y="288000"/>
-            <a:ext cx="6622200" cy="502200"/>
+            <a:ext cx="6621840" cy="501840"/>
           </a:xfrm>
           <a:prstGeom prst="rect">
             <a:avLst/>
@@ -5310,7 +6609,7 @@
                 <a:latin typeface="Arial"/>
                 <a:ea typeface="DejaVu Sans"/>
               </a:rPr>
-              <a:t>State</a:t>
+              <a:t>Fetch API</a:t>
             </a:r>
             <a:endParaRPr b="0" lang="en-US" sz="1800" spc="-1" strike="noStrike">
               <a:latin typeface="Arial"/>
@@ -5318,39 +6617,16 @@
           </a:p>
         </p:txBody>
       </p:sp>
-      <p:pic>
-        <p:nvPicPr>
-          <p:cNvPr id="129" name="Picture 7" descr=""/>
-          <p:cNvPicPr/>
-          <p:nvPr/>
-        </p:nvPicPr>
-        <p:blipFill>
-          <a:blip r:embed="rId1"/>
-          <a:stretch/>
-        </p:blipFill>
-        <p:spPr>
-          <a:xfrm>
-            <a:off x="6599880" y="1433160"/>
-            <a:ext cx="788760" cy="531720"/>
-          </a:xfrm>
-          <a:prstGeom prst="rect">
-            <a:avLst/>
-          </a:prstGeom>
-          <a:ln>
-            <a:noFill/>
-          </a:ln>
-        </p:spPr>
-      </p:pic>
-      <p:sp>
-        <p:nvSpPr>
-          <p:cNvPr id="130" name="CustomShape 2"/>
+      <p:sp>
+        <p:nvSpPr>
+          <p:cNvPr id="129" name="CustomShape 2"/>
           <p:cNvSpPr/>
           <p:nvPr/>
         </p:nvSpPr>
         <p:spPr>
           <a:xfrm>
             <a:off x="4968000" y="5004000"/>
-            <a:ext cx="3238200" cy="106200"/>
+            <a:ext cx="3237840" cy="105840"/>
           </a:xfrm>
           <a:prstGeom prst="rect">
             <a:avLst/>
@@ -5392,14 +6668,14 @@
       </p:sp>
       <p:sp>
         <p:nvSpPr>
-          <p:cNvPr id="131" name="CustomShape 3"/>
+          <p:cNvPr id="130" name="CustomShape 3"/>
           <p:cNvSpPr/>
           <p:nvPr/>
         </p:nvSpPr>
         <p:spPr>
           <a:xfrm>
             <a:off x="8280000" y="5004000"/>
-            <a:ext cx="142200" cy="106200"/>
+            <a:ext cx="141840" cy="105840"/>
           </a:xfrm>
           <a:prstGeom prst="rect">
             <a:avLst/>
@@ -5423,7 +6699,7 @@
                 <a:spcPct val="100000"/>
               </a:lnSpc>
             </a:pPr>
-            <a:fld id="{D05ED7C3-642C-4979-8BBC-6D89B6468982}" type="slidenum">
+            <a:fld id="{0D516826-7CB0-41E9-AB3F-D8EC9F6A626A}" type="slidenum">
               <a:rPr b="0" lang="en-US" sz="600" spc="-1" strike="noStrike">
                 <a:solidFill>
                   <a:srgbClr val="ffffff"/>
@@ -5431,7 +6707,7 @@
                 <a:latin typeface="Arial"/>
                 <a:ea typeface="DejaVu Sans"/>
               </a:rPr>
-              <a:t>1</a:t>
+              <a:t>&lt;number&gt;</a:t>
             </a:fld>
             <a:endParaRPr b="0" lang="en-US" sz="600" spc="-1" strike="noStrike">
               <a:latin typeface="Arial"/>
@@ -5439,52 +6715,6 @@
           </a:p>
         </p:txBody>
       </p:sp>
-      <p:pic>
-        <p:nvPicPr>
-          <p:cNvPr id="132" name="Picture 9" descr=""/>
-          <p:cNvPicPr/>
-          <p:nvPr/>
-        </p:nvPicPr>
-        <p:blipFill>
-          <a:blip r:embed="rId2"/>
-          <a:stretch/>
-        </p:blipFill>
-        <p:spPr>
-          <a:xfrm>
-            <a:off x="6603120" y="2408400"/>
-            <a:ext cx="1312560" cy="579240"/>
-          </a:xfrm>
-          <a:prstGeom prst="rect">
-            <a:avLst/>
-          </a:prstGeom>
-          <a:ln>
-            <a:noFill/>
-          </a:ln>
-        </p:spPr>
-      </p:pic>
-      <p:pic>
-        <p:nvPicPr>
-          <p:cNvPr id="133" name="Picture 11" descr=""/>
-          <p:cNvPicPr/>
-          <p:nvPr/>
-        </p:nvPicPr>
-        <p:blipFill>
-          <a:blip r:embed="rId3"/>
-          <a:stretch/>
-        </p:blipFill>
-        <p:spPr>
-          <a:xfrm>
-            <a:off x="258120" y="1246320"/>
-            <a:ext cx="5394240" cy="3072600"/>
-          </a:xfrm>
-          <a:prstGeom prst="rect">
-            <a:avLst/>
-          </a:prstGeom>
-          <a:ln>
-            <a:noFill/>
-          </a:ln>
-        </p:spPr>
-      </p:pic>
     </p:spTree>
   </p:cSld>
   <p:timing>
@@ -5536,14 +6766,14 @@
       </p:grpSpPr>
       <p:sp>
         <p:nvSpPr>
-          <p:cNvPr id="134" name="CustomShape 1"/>
+          <p:cNvPr id="131" name="CustomShape 1"/>
           <p:cNvSpPr/>
           <p:nvPr/>
         </p:nvSpPr>
         <p:spPr>
           <a:xfrm>
             <a:off x="720000" y="288000"/>
-            <a:ext cx="6622200" cy="502200"/>
+            <a:ext cx="6621840" cy="501840"/>
           </a:xfrm>
           <a:prstGeom prst="rect">
             <a:avLst/>
@@ -5575,7 +6805,7 @@
                 <a:latin typeface="Arial"/>
                 <a:ea typeface="DejaVu Sans"/>
               </a:rPr>
-              <a:t>Hands-on Time!</a:t>
+              <a:t>Router</a:t>
             </a:r>
             <a:endParaRPr b="0" lang="en-US" sz="1800" spc="-1" strike="noStrike">
               <a:latin typeface="Arial"/>
@@ -5585,63 +6815,14 @@
       </p:sp>
       <p:sp>
         <p:nvSpPr>
-          <p:cNvPr id="135" name="CustomShape 2"/>
+          <p:cNvPr id="132" name="CustomShape 2"/>
           <p:cNvSpPr/>
           <p:nvPr/>
         </p:nvSpPr>
         <p:spPr>
           <a:xfrm>
-            <a:off x="2347200" y="2194560"/>
-            <a:ext cx="2406240" cy="777240"/>
-          </a:xfrm>
-          <a:prstGeom prst="rect">
-            <a:avLst/>
-          </a:prstGeom>
-          <a:noFill/>
-          <a:ln>
-            <a:noFill/>
-          </a:ln>
-        </p:spPr>
-        <p:style>
-          <a:lnRef idx="0"/>
-          <a:fillRef idx="0"/>
-          <a:effectRef idx="0"/>
-          <a:fontRef idx="minor"/>
-        </p:style>
-        <p:txBody>
-          <a:bodyPr lIns="0" rIns="0" tIns="0" bIns="0"/>
-          <a:p>
-            <a:pPr>
-              <a:lnSpc>
-                <a:spcPct val="120000"/>
-              </a:lnSpc>
-            </a:pPr>
-            <a:r>
-              <a:rPr b="0" lang="en-US" sz="3200" spc="-1" strike="noStrike">
-                <a:solidFill>
-                  <a:srgbClr val="ffffff"/>
-                </a:solidFill>
-                <a:latin typeface="Arial"/>
-                <a:ea typeface="DejaVu Sans"/>
-              </a:rPr>
-              <a:t>Questions?</a:t>
-            </a:r>
-            <a:endParaRPr b="0" lang="en-US" sz="3200" spc="-1" strike="noStrike">
-              <a:latin typeface="Arial"/>
-            </a:endParaRPr>
-          </a:p>
-        </p:txBody>
-      </p:sp>
-      <p:sp>
-        <p:nvSpPr>
-          <p:cNvPr id="136" name="CustomShape 3"/>
-          <p:cNvSpPr/>
-          <p:nvPr/>
-        </p:nvSpPr>
-        <p:spPr>
-          <a:xfrm>
             <a:off x="4968000" y="5004000"/>
-            <a:ext cx="3238200" cy="106200"/>
+            <a:ext cx="3237840" cy="105840"/>
           </a:xfrm>
           <a:prstGeom prst="rect">
             <a:avLst/>
@@ -5683,14 +6864,14 @@
       </p:sp>
       <p:sp>
         <p:nvSpPr>
-          <p:cNvPr id="137" name="CustomShape 4"/>
+          <p:cNvPr id="133" name="CustomShape 3"/>
           <p:cNvSpPr/>
           <p:nvPr/>
         </p:nvSpPr>
         <p:spPr>
           <a:xfrm>
             <a:off x="8280000" y="5004000"/>
-            <a:ext cx="142200" cy="106200"/>
+            <a:ext cx="141840" cy="105840"/>
           </a:xfrm>
           <a:prstGeom prst="rect">
             <a:avLst/>
@@ -5714,7 +6895,7 @@
                 <a:spcPct val="100000"/>
               </a:lnSpc>
             </a:pPr>
-            <a:fld id="{4823ACD6-88C1-4EB1-AA3D-3EB30AC07F95}" type="slidenum">
+            <a:fld id="{2F9E9626-9957-40A2-8BB5-78E772DE5D80}" type="slidenum">
               <a:rPr b="0" lang="en-US" sz="600" spc="-1" strike="noStrike">
                 <a:solidFill>
                   <a:srgbClr val="ffffff"/>
@@ -5730,32 +6911,6 @@
           </a:p>
         </p:txBody>
       </p:sp>
-      <p:pic>
-        <p:nvPicPr>
-          <p:cNvPr id="138" name="Picture Placeholder 6" descr=""/>
-          <p:cNvPicPr/>
-          <p:nvPr/>
-        </p:nvPicPr>
-        <p:blipFill>
-          <a:blip r:embed="rId1"/>
-          <a:stretch/>
-        </p:blipFill>
-        <p:spPr>
-          <a:xfrm>
-            <a:off x="6840000" y="810000"/>
-            <a:ext cx="2302200" cy="3508200"/>
-          </a:xfrm>
-          <a:prstGeom prst="rect">
-            <a:avLst/>
-          </a:prstGeom>
-          <a:ln w="9360">
-            <a:solidFill>
-              <a:schemeClr val="bg1"/>
-            </a:solidFill>
-            <a:round/>
-          </a:ln>
-        </p:spPr>
-      </p:pic>
     </p:spTree>
   </p:cSld>
   <p:timing>
@@ -5807,14 +6962,14 @@
       </p:grpSpPr>
       <p:sp>
         <p:nvSpPr>
-          <p:cNvPr id="139" name="CustomShape 1"/>
+          <p:cNvPr id="134" name="CustomShape 1"/>
           <p:cNvSpPr/>
           <p:nvPr/>
         </p:nvSpPr>
         <p:spPr>
           <a:xfrm>
             <a:off x="720000" y="288000"/>
-            <a:ext cx="6622200" cy="502200"/>
+            <a:ext cx="6621840" cy="501840"/>
           </a:xfrm>
           <a:prstGeom prst="rect">
             <a:avLst/>
@@ -5846,7 +7001,7 @@
                 <a:latin typeface="Arial"/>
                 <a:ea typeface="DejaVu Sans"/>
               </a:rPr>
-              <a:t>Hands-on: Getting started</a:t>
+              <a:t>Lifecycle methods</a:t>
             </a:r>
             <a:endParaRPr b="0" lang="en-US" sz="1800" spc="-1" strike="noStrike">
               <a:latin typeface="Arial"/>
@@ -5856,14 +7011,14 @@
       </p:sp>
       <p:sp>
         <p:nvSpPr>
-          <p:cNvPr id="140" name="CustomShape 2"/>
+          <p:cNvPr id="135" name="CustomShape 2"/>
           <p:cNvSpPr/>
           <p:nvPr/>
         </p:nvSpPr>
         <p:spPr>
           <a:xfrm>
             <a:off x="4968000" y="5004000"/>
-            <a:ext cx="3238200" cy="106200"/>
+            <a:ext cx="3237840" cy="105840"/>
           </a:xfrm>
           <a:prstGeom prst="rect">
             <a:avLst/>
@@ -5905,14 +7060,14 @@
       </p:sp>
       <p:sp>
         <p:nvSpPr>
-          <p:cNvPr id="141" name="CustomShape 3"/>
+          <p:cNvPr id="136" name="CustomShape 3"/>
           <p:cNvSpPr/>
           <p:nvPr/>
         </p:nvSpPr>
         <p:spPr>
           <a:xfrm>
             <a:off x="8280000" y="5004000"/>
-            <a:ext cx="142200" cy="106200"/>
+            <a:ext cx="141840" cy="105840"/>
           </a:xfrm>
           <a:prstGeom prst="rect">
             <a:avLst/>
@@ -5936,7 +7091,7 @@
                 <a:spcPct val="100000"/>
               </a:lnSpc>
             </a:pPr>
-            <a:fld id="{DF0BDC25-9069-4D25-937A-8B44AD7DCA0F}" type="slidenum">
+            <a:fld id="{8C5EEC30-1A4A-4EB4-B7C2-754180F53AB1}" type="slidenum">
               <a:rPr b="0" lang="en-US" sz="600" spc="-1" strike="noStrike">
                 <a:solidFill>
                   <a:srgbClr val="ffffff"/>
@@ -5947,210 +7102,6 @@
               <a:t>&lt;number&gt;</a:t>
             </a:fld>
             <a:endParaRPr b="0" lang="en-US" sz="600" spc="-1" strike="noStrike">
-              <a:latin typeface="Arial"/>
-            </a:endParaRPr>
-          </a:p>
-        </p:txBody>
-      </p:sp>
-      <p:sp>
-        <p:nvSpPr>
-          <p:cNvPr id="142" name="CustomShape 4"/>
-          <p:cNvSpPr/>
-          <p:nvPr/>
-        </p:nvSpPr>
-        <p:spPr>
-          <a:xfrm>
-            <a:off x="691920" y="1554480"/>
-            <a:ext cx="6622200" cy="3885480"/>
-          </a:xfrm>
-          <a:prstGeom prst="rect">
-            <a:avLst/>
-          </a:prstGeom>
-          <a:noFill/>
-          <a:ln>
-            <a:noFill/>
-          </a:ln>
-        </p:spPr>
-        <p:style>
-          <a:lnRef idx="0"/>
-          <a:fillRef idx="0"/>
-          <a:effectRef idx="0"/>
-          <a:fontRef idx="minor"/>
-        </p:style>
-        <p:txBody>
-          <a:bodyPr lIns="0" rIns="0" tIns="0" bIns="0"/>
-          <a:p>
-            <a:pPr>
-              <a:lnSpc>
-                <a:spcPct val="120000"/>
-              </a:lnSpc>
-            </a:pPr>
-            <a:endParaRPr b="0" lang="en-US" sz="1800" spc="-1" strike="noStrike">
-              <a:latin typeface="Arial"/>
-            </a:endParaRPr>
-          </a:p>
-          <a:p>
-            <a:pPr marL="285840" indent="-284040">
-              <a:lnSpc>
-                <a:spcPct val="120000"/>
-              </a:lnSpc>
-              <a:buClr>
-                <a:srgbClr val="000000"/>
-              </a:buClr>
-              <a:buFont typeface="Arial"/>
-              <a:buChar char="•"/>
-            </a:pPr>
-            <a:r>
-              <a:rPr b="0" lang="en-US" sz="1500" spc="-1" strike="noStrike">
-                <a:solidFill>
-                  <a:srgbClr val="000000"/>
-                </a:solidFill>
-                <a:latin typeface="Arial"/>
-                <a:ea typeface="DejaVu Sans"/>
-              </a:rPr>
-              <a:t>Git clone https://github.com/AMIS-Services/react-series</a:t>
-            </a:r>
-            <a:endParaRPr b="0" lang="en-US" sz="1500" spc="-1" strike="noStrike">
-              <a:latin typeface="Arial"/>
-            </a:endParaRPr>
-          </a:p>
-          <a:p>
-            <a:pPr marL="285840" indent="-284040">
-              <a:lnSpc>
-                <a:spcPct val="120000"/>
-              </a:lnSpc>
-              <a:buClr>
-                <a:srgbClr val="000000"/>
-              </a:buClr>
-              <a:buFont typeface="Arial"/>
-              <a:buChar char="•"/>
-            </a:pPr>
-            <a:r>
-              <a:rPr b="0" lang="en-US" sz="1500" spc="-1" strike="noStrike">
-                <a:solidFill>
-                  <a:srgbClr val="000000"/>
-                </a:solidFill>
-                <a:latin typeface="Arial"/>
-                <a:ea typeface="DejaVu Sans"/>
-              </a:rPr>
-              <a:t>Cd into dir sig2/exercise/koa, run `yarn install`, `yarn start-db`, `yarn start`, `yarn seed-db`</a:t>
-            </a:r>
-            <a:endParaRPr b="0" lang="en-US" sz="1500" spc="-1" strike="noStrike">
-              <a:latin typeface="Arial"/>
-            </a:endParaRPr>
-          </a:p>
-          <a:p>
-            <a:pPr marL="285840" indent="-284040">
-              <a:lnSpc>
-                <a:spcPct val="120000"/>
-              </a:lnSpc>
-              <a:buClr>
-                <a:srgbClr val="000000"/>
-              </a:buClr>
-              <a:buFont typeface="Arial"/>
-              <a:buChar char="•"/>
-            </a:pPr>
-            <a:r>
-              <a:rPr b="0" lang="en-US" sz="1500" spc="-1" strike="noStrike">
-                <a:solidFill>
-                  <a:srgbClr val="000000"/>
-                </a:solidFill>
-                <a:latin typeface="Arial"/>
-                <a:ea typeface="DejaVu Sans"/>
-              </a:rPr>
-              <a:t>Visit localhost:3030/accomodations to verify back-end is working</a:t>
-            </a:r>
-            <a:endParaRPr b="0" lang="en-US" sz="1500" spc="-1" strike="noStrike">
-              <a:latin typeface="Arial"/>
-            </a:endParaRPr>
-          </a:p>
-          <a:p>
-            <a:pPr marL="285840" indent="-284040">
-              <a:lnSpc>
-                <a:spcPct val="120000"/>
-              </a:lnSpc>
-              <a:buClr>
-                <a:srgbClr val="000000"/>
-              </a:buClr>
-              <a:buFont typeface="Arial"/>
-              <a:buChar char="•"/>
-            </a:pPr>
-            <a:r>
-              <a:rPr b="0" lang="en-US" sz="1500" spc="-1" strike="noStrike">
-                <a:solidFill>
-                  <a:srgbClr val="000000"/>
-                </a:solidFill>
-                <a:latin typeface="Arial"/>
-                <a:ea typeface="DejaVu Sans"/>
-              </a:rPr>
-              <a:t>Cd into dir sig2/exercise/react, run `yarn install` and `yarn start`</a:t>
-            </a:r>
-            <a:endParaRPr b="0" lang="en-US" sz="1500" spc="-1" strike="noStrike">
-              <a:latin typeface="Arial"/>
-            </a:endParaRPr>
-          </a:p>
-          <a:p>
-            <a:pPr marL="285840" indent="-284040">
-              <a:lnSpc>
-                <a:spcPct val="120000"/>
-              </a:lnSpc>
-              <a:buClr>
-                <a:srgbClr val="000000"/>
-              </a:buClr>
-              <a:buFont typeface="Arial"/>
-              <a:buChar char="•"/>
-            </a:pPr>
-            <a:r>
-              <a:rPr b="0" lang="en-US" sz="1500" spc="-1" strike="noStrike">
-                <a:solidFill>
-                  <a:srgbClr val="000000"/>
-                </a:solidFill>
-                <a:latin typeface="Arial"/>
-                <a:ea typeface="DejaVu Sans"/>
-              </a:rPr>
-              <a:t>Visit localhost:3000 to verify front-end is working</a:t>
-            </a:r>
-            <a:endParaRPr b="0" lang="en-US" sz="1500" spc="-1" strike="noStrike">
-              <a:latin typeface="Arial"/>
-            </a:endParaRPr>
-          </a:p>
-          <a:p>
-            <a:pPr>
-              <a:lnSpc>
-                <a:spcPct val="120000"/>
-              </a:lnSpc>
-            </a:pPr>
-            <a:endParaRPr b="0" lang="en-US" sz="1500" spc="-1" strike="noStrike">
-              <a:latin typeface="Arial"/>
-            </a:endParaRPr>
-          </a:p>
-          <a:p>
-            <a:pPr>
-              <a:lnSpc>
-                <a:spcPct val="120000"/>
-              </a:lnSpc>
-            </a:pPr>
-            <a:r>
-              <a:rPr b="0" lang="en-US" sz="1500" spc="-1" strike="noStrike">
-                <a:solidFill>
-                  <a:srgbClr val="000000"/>
-                </a:solidFill>
-                <a:latin typeface="Arial"/>
-                <a:ea typeface="DejaVu Sans"/>
-              </a:rPr>
-              <a:t>For examples of ES6 syntax, view the file slides/syntax.js </a:t>
-            </a:r>
-            <a:endParaRPr b="0" lang="en-US" sz="1500" spc="-1" strike="noStrike">
-              <a:latin typeface="Arial"/>
-            </a:endParaRPr>
-          </a:p>
-          <a:p>
-            <a:pPr>
-              <a:lnSpc>
-                <a:spcPct val="120000"/>
-              </a:lnSpc>
-            </a:pPr>
-            <a:endParaRPr b="0" lang="en-US" sz="1500" spc="-1" strike="noStrike">
               <a:latin typeface="Arial"/>
             </a:endParaRPr>
           </a:p>
@@ -6207,14 +7158,14 @@
       </p:grpSpPr>
       <p:sp>
         <p:nvSpPr>
-          <p:cNvPr id="143" name="CustomShape 1"/>
+          <p:cNvPr id="137" name="CustomShape 1"/>
           <p:cNvSpPr/>
           <p:nvPr/>
         </p:nvSpPr>
         <p:spPr>
           <a:xfrm>
             <a:off x="720000" y="288000"/>
-            <a:ext cx="6622200" cy="502200"/>
+            <a:ext cx="6621840" cy="501840"/>
           </a:xfrm>
           <a:prstGeom prst="rect">
             <a:avLst/>
@@ -6246,7 +7197,7 @@
                 <a:latin typeface="Arial"/>
                 <a:ea typeface="DejaVu Sans"/>
               </a:rPr>
-              <a:t>Hands-on: Fetching data</a:t>
+              <a:t>JSS</a:t>
             </a:r>
             <a:endParaRPr b="0" lang="en-US" sz="1800" spc="-1" strike="noStrike">
               <a:latin typeface="Arial"/>
@@ -6256,14 +7207,14 @@
       </p:sp>
       <p:sp>
         <p:nvSpPr>
-          <p:cNvPr id="144" name="CustomShape 2"/>
+          <p:cNvPr id="138" name="CustomShape 2"/>
           <p:cNvSpPr/>
           <p:nvPr/>
         </p:nvSpPr>
         <p:spPr>
           <a:xfrm>
             <a:off x="4968000" y="5004000"/>
-            <a:ext cx="3238200" cy="106200"/>
+            <a:ext cx="3237840" cy="105840"/>
           </a:xfrm>
           <a:prstGeom prst="rect">
             <a:avLst/>
@@ -6305,14 +7256,14 @@
       </p:sp>
       <p:sp>
         <p:nvSpPr>
-          <p:cNvPr id="145" name="CustomShape 3"/>
+          <p:cNvPr id="139" name="CustomShape 3"/>
           <p:cNvSpPr/>
           <p:nvPr/>
         </p:nvSpPr>
         <p:spPr>
           <a:xfrm>
             <a:off x="8280000" y="5004000"/>
-            <a:ext cx="142200" cy="106200"/>
+            <a:ext cx="141840" cy="105840"/>
           </a:xfrm>
           <a:prstGeom prst="rect">
             <a:avLst/>
@@ -6336,7 +7287,7 @@
                 <a:spcPct val="100000"/>
               </a:lnSpc>
             </a:pPr>
-            <a:fld id="{520D16C9-B3A3-4C44-B351-198A0AAABD91}" type="slidenum">
+            <a:fld id="{9F440A53-8636-4ADC-AE2C-6B30808C3ACA}" type="slidenum">
               <a:rPr b="0" lang="en-US" sz="600" spc="-1" strike="noStrike">
                 <a:solidFill>
                   <a:srgbClr val="ffffff"/>
@@ -6347,205 +7298,6 @@
               <a:t>&lt;number&gt;</a:t>
             </a:fld>
             <a:endParaRPr b="0" lang="en-US" sz="600" spc="-1" strike="noStrike">
-              <a:latin typeface="Arial"/>
-            </a:endParaRPr>
-          </a:p>
-        </p:txBody>
-      </p:sp>
-      <p:sp>
-        <p:nvSpPr>
-          <p:cNvPr id="146" name="CustomShape 4"/>
-          <p:cNvSpPr/>
-          <p:nvPr/>
-        </p:nvSpPr>
-        <p:spPr>
-          <a:xfrm>
-            <a:off x="640080" y="822960"/>
-            <a:ext cx="6622200" cy="3885480"/>
-          </a:xfrm>
-          <a:prstGeom prst="rect">
-            <a:avLst/>
-          </a:prstGeom>
-          <a:noFill/>
-          <a:ln>
-            <a:noFill/>
-          </a:ln>
-        </p:spPr>
-        <p:style>
-          <a:lnRef idx="0"/>
-          <a:fillRef idx="0"/>
-          <a:effectRef idx="0"/>
-          <a:fontRef idx="minor"/>
-        </p:style>
-        <p:txBody>
-          <a:bodyPr lIns="0" rIns="0" tIns="0" bIns="0"/>
-          <a:p>
-            <a:pPr>
-              <a:lnSpc>
-                <a:spcPct val="120000"/>
-              </a:lnSpc>
-            </a:pPr>
-            <a:endParaRPr b="0" lang="en-US" sz="1800" spc="-1" strike="noStrike">
-              <a:latin typeface="Arial"/>
-            </a:endParaRPr>
-          </a:p>
-          <a:p>
-            <a:pPr marL="285840" indent="-284040">
-              <a:lnSpc>
-                <a:spcPct val="120000"/>
-              </a:lnSpc>
-              <a:buClr>
-                <a:srgbClr val="000000"/>
-              </a:buClr>
-              <a:buFont typeface="Arial"/>
-              <a:buChar char="•"/>
-            </a:pPr>
-            <a:r>
-              <a:rPr b="0" lang="en-US" sz="1500" spc="-1" strike="noStrike">
-                <a:solidFill>
-                  <a:srgbClr val="000000"/>
-                </a:solidFill>
-                <a:latin typeface="Arial"/>
-                <a:ea typeface="DejaVu Sans"/>
-              </a:rPr>
-              <a:t>Create a file `src/common/fetch.js`</a:t>
-            </a:r>
-            <a:endParaRPr b="0" lang="en-US" sz="1500" spc="-1" strike="noStrike">
-              <a:latin typeface="Arial"/>
-            </a:endParaRPr>
-          </a:p>
-          <a:p>
-            <a:pPr marL="285840" indent="-284040">
-              <a:lnSpc>
-                <a:spcPct val="120000"/>
-              </a:lnSpc>
-              <a:buClr>
-                <a:srgbClr val="000000"/>
-              </a:buClr>
-              <a:buFont typeface="Arial"/>
-              <a:buChar char="•"/>
-            </a:pPr>
-            <a:r>
-              <a:rPr b="0" lang="en-US" sz="1500" spc="-1" strike="noStrike">
-                <a:solidFill>
-                  <a:srgbClr val="000000"/>
-                </a:solidFill>
-                <a:latin typeface="Arial"/>
-                <a:ea typeface="DejaVu Sans"/>
-              </a:rPr>
-              <a:t>Create a function which can be called to handle requests to the back-end using `window.fetch()`.</a:t>
-            </a:r>
-            <a:endParaRPr b="0" lang="en-US" sz="1500" spc="-1" strike="noStrike">
-              <a:latin typeface="Arial"/>
-            </a:endParaRPr>
-          </a:p>
-          <a:p>
-            <a:pPr marL="285840" indent="-284040">
-              <a:lnSpc>
-                <a:spcPct val="120000"/>
-              </a:lnSpc>
-              <a:buClr>
-                <a:srgbClr val="000000"/>
-              </a:buClr>
-              <a:buFont typeface="Arial"/>
-              <a:buChar char="•"/>
-            </a:pPr>
-            <a:r>
-              <a:rPr b="0" lang="en-US" sz="1500" spc="-1" strike="noStrike">
-                <a:solidFill>
-                  <a:srgbClr val="000000"/>
-                </a:solidFill>
-                <a:latin typeface="Arial"/>
-                <a:ea typeface="DejaVu Sans"/>
-              </a:rPr>
-              <a:t>As an option, pass the correct headers (`accept: “application/json”`)</a:t>
-            </a:r>
-            <a:endParaRPr b="0" lang="en-US" sz="1500" spc="-1" strike="noStrike">
-              <a:latin typeface="Arial"/>
-            </a:endParaRPr>
-          </a:p>
-          <a:p>
-            <a:pPr marL="285840" indent="-284040">
-              <a:lnSpc>
-                <a:spcPct val="120000"/>
-              </a:lnSpc>
-              <a:buClr>
-                <a:srgbClr val="000000"/>
-              </a:buClr>
-              <a:buFont typeface="Arial"/>
-              <a:buChar char="•"/>
-            </a:pPr>
-            <a:r>
-              <a:rPr b="0" lang="en-US" sz="1500" spc="-1" strike="noStrike">
-                <a:solidFill>
-                  <a:srgbClr val="000000"/>
-                </a:solidFill>
-                <a:latin typeface="Arial"/>
-                <a:ea typeface="DejaVu Sans"/>
-              </a:rPr>
-              <a:t>Add error handling for response errors to this function</a:t>
-            </a:r>
-            <a:endParaRPr b="0" lang="en-US" sz="1500" spc="-1" strike="noStrike">
-              <a:latin typeface="Arial"/>
-            </a:endParaRPr>
-          </a:p>
-          <a:p>
-            <a:pPr marL="285840" indent="-284040">
-              <a:lnSpc>
-                <a:spcPct val="120000"/>
-              </a:lnSpc>
-              <a:buClr>
-                <a:srgbClr val="000000"/>
-              </a:buClr>
-              <a:buFont typeface="Arial"/>
-              <a:buChar char="•"/>
-            </a:pPr>
-            <a:r>
-              <a:rPr b="0" lang="en-US" sz="1500" spc="-1" strike="noStrike">
-                <a:solidFill>
-                  <a:srgbClr val="000000"/>
-                </a:solidFill>
-                <a:latin typeface="Arial"/>
-                <a:ea typeface="DejaVu Sans"/>
-              </a:rPr>
-              <a:t>Add error handling for network errors to this function</a:t>
-            </a:r>
-            <a:endParaRPr b="0" lang="en-US" sz="1500" spc="-1" strike="noStrike">
-              <a:latin typeface="Arial"/>
-            </a:endParaRPr>
-          </a:p>
-          <a:p>
-            <a:pPr marL="285840" indent="-284040">
-              <a:lnSpc>
-                <a:spcPct val="120000"/>
-              </a:lnSpc>
-              <a:buClr>
-                <a:srgbClr val="000000"/>
-              </a:buClr>
-              <a:buFont typeface="Arial"/>
-              <a:buChar char="•"/>
-            </a:pPr>
-            <a:r>
-              <a:rPr b="0" lang="en-US" sz="1500" spc="-1" strike="noStrike">
-                <a:solidFill>
-                  <a:srgbClr val="000000"/>
-                </a:solidFill>
-                <a:latin typeface="Arial"/>
-                <a:ea typeface="DejaVu Sans"/>
-              </a:rPr>
-              <a:t>Use this function to fetch the accommodations in the lifecyclemethod `componentDidMount()` in `Accommodations.js`. Be aware this is an asynchronous process, so return `null` in the render method until the accommodations have been loaded!</a:t>
-            </a:r>
-            <a:endParaRPr b="0" lang="en-US" sz="1500" spc="-1" strike="noStrike">
-              <a:latin typeface="Arial"/>
-            </a:endParaRPr>
-          </a:p>
-          <a:p>
-            <a:pPr>
-              <a:lnSpc>
-                <a:spcPct val="120000"/>
-              </a:lnSpc>
-            </a:pPr>
-            <a:endParaRPr b="0" lang="en-US" sz="1500" spc="-1" strike="noStrike">
               <a:latin typeface="Arial"/>
             </a:endParaRPr>
           </a:p>
@@ -6602,14 +7354,14 @@
       </p:grpSpPr>
       <p:sp>
         <p:nvSpPr>
-          <p:cNvPr id="147" name="CustomShape 1"/>
+          <p:cNvPr id="140" name="CustomShape 1"/>
           <p:cNvSpPr/>
           <p:nvPr/>
         </p:nvSpPr>
         <p:spPr>
           <a:xfrm>
             <a:off x="720000" y="288000"/>
-            <a:ext cx="6622200" cy="502200"/>
+            <a:ext cx="6621840" cy="501840"/>
           </a:xfrm>
           <a:prstGeom prst="rect">
             <a:avLst/>
@@ -6641,7 +7393,7 @@
                 <a:latin typeface="Arial"/>
                 <a:ea typeface="DejaVu Sans"/>
               </a:rPr>
-              <a:t>Hands-on: PropTypes</a:t>
+              <a:t>Proptypes</a:t>
             </a:r>
             <a:endParaRPr b="0" lang="en-US" sz="1800" spc="-1" strike="noStrike">
               <a:latin typeface="Arial"/>
@@ -6651,14 +7403,14 @@
       </p:sp>
       <p:sp>
         <p:nvSpPr>
-          <p:cNvPr id="148" name="CustomShape 2"/>
+          <p:cNvPr id="141" name="CustomShape 2"/>
           <p:cNvSpPr/>
           <p:nvPr/>
         </p:nvSpPr>
         <p:spPr>
           <a:xfrm>
             <a:off x="4968000" y="5004000"/>
-            <a:ext cx="3238200" cy="106200"/>
+            <a:ext cx="3237840" cy="105840"/>
           </a:xfrm>
           <a:prstGeom prst="rect">
             <a:avLst/>
@@ -6700,14 +7452,14 @@
       </p:sp>
       <p:sp>
         <p:nvSpPr>
-          <p:cNvPr id="149" name="CustomShape 3"/>
+          <p:cNvPr id="142" name="CustomShape 3"/>
           <p:cNvSpPr/>
           <p:nvPr/>
         </p:nvSpPr>
         <p:spPr>
           <a:xfrm>
             <a:off x="8280000" y="5004000"/>
-            <a:ext cx="142200" cy="106200"/>
+            <a:ext cx="141840" cy="105840"/>
           </a:xfrm>
           <a:prstGeom prst="rect">
             <a:avLst/>
@@ -6731,7 +7483,7 @@
                 <a:spcPct val="100000"/>
               </a:lnSpc>
             </a:pPr>
-            <a:fld id="{56853A06-473E-4516-9841-FBED2498709B}" type="slidenum">
+            <a:fld id="{60A4386A-9D08-41E9-8DA0-AC476FD33686}" type="slidenum">
               <a:rPr b="0" lang="en-US" sz="600" spc="-1" strike="noStrike">
                 <a:solidFill>
                   <a:srgbClr val="ffffff"/>
@@ -6742,80 +7494,6 @@
               <a:t>&lt;number&gt;</a:t>
             </a:fld>
             <a:endParaRPr b="0" lang="en-US" sz="600" spc="-1" strike="noStrike">
-              <a:latin typeface="Arial"/>
-            </a:endParaRPr>
-          </a:p>
-        </p:txBody>
-      </p:sp>
-      <p:sp>
-        <p:nvSpPr>
-          <p:cNvPr id="150" name="CustomShape 4"/>
-          <p:cNvSpPr/>
-          <p:nvPr/>
-        </p:nvSpPr>
-        <p:spPr>
-          <a:xfrm>
-            <a:off x="640080" y="822960"/>
-            <a:ext cx="6622200" cy="3885480"/>
-          </a:xfrm>
-          <a:prstGeom prst="rect">
-            <a:avLst/>
-          </a:prstGeom>
-          <a:noFill/>
-          <a:ln>
-            <a:noFill/>
-          </a:ln>
-        </p:spPr>
-        <p:style>
-          <a:lnRef idx="0"/>
-          <a:fillRef idx="0"/>
-          <a:effectRef idx="0"/>
-          <a:fontRef idx="minor"/>
-        </p:style>
-        <p:txBody>
-          <a:bodyPr lIns="0" rIns="0" tIns="0" bIns="0"/>
-          <a:p>
-            <a:pPr>
-              <a:lnSpc>
-                <a:spcPct val="120000"/>
-              </a:lnSpc>
-            </a:pPr>
-            <a:endParaRPr b="0" lang="en-US" sz="1800" spc="-1" strike="noStrike">
-              <a:latin typeface="Arial"/>
-            </a:endParaRPr>
-          </a:p>
-          <a:p>
-            <a:pPr marL="285840" indent="-284040">
-              <a:lnSpc>
-                <a:spcPct val="120000"/>
-              </a:lnSpc>
-              <a:buClr>
-                <a:srgbClr val="000000"/>
-              </a:buClr>
-              <a:buFont typeface="Arial"/>
-              <a:buChar char="•"/>
-            </a:pPr>
-            <a:r>
-              <a:rPr b="0" lang="en-US" sz="1500" spc="-1" strike="noStrike">
-                <a:solidFill>
-                  <a:srgbClr val="000000"/>
-                </a:solidFill>
-                <a:latin typeface="Arial"/>
-                <a:ea typeface="DejaVu Sans"/>
-              </a:rPr>
-              <a:t>Add PropTypes from the package prop-types</a:t>
-            </a:r>
-            <a:endParaRPr b="0" lang="en-US" sz="1500" spc="-1" strike="noStrike">
-              <a:latin typeface="Arial"/>
-            </a:endParaRPr>
-          </a:p>
-          <a:p>
-            <a:pPr>
-              <a:lnSpc>
-                <a:spcPct val="120000"/>
-              </a:lnSpc>
-            </a:pPr>
-            <a:endParaRPr b="0" lang="en-US" sz="1500" spc="-1" strike="noStrike">
               <a:latin typeface="Arial"/>
             </a:endParaRPr>
           </a:p>
@@ -6872,14 +7550,14 @@
       </p:grpSpPr>
       <p:sp>
         <p:nvSpPr>
-          <p:cNvPr id="151" name="CustomShape 1"/>
+          <p:cNvPr id="143" name="CustomShape 1"/>
           <p:cNvSpPr/>
           <p:nvPr/>
         </p:nvSpPr>
         <p:spPr>
           <a:xfrm>
             <a:off x="720000" y="288000"/>
-            <a:ext cx="6622200" cy="502200"/>
+            <a:ext cx="6621840" cy="501840"/>
           </a:xfrm>
           <a:prstGeom prst="rect">
             <a:avLst/>
@@ -6911,7 +7589,7 @@
                 <a:latin typeface="Arial"/>
                 <a:ea typeface="DejaVu Sans"/>
               </a:rPr>
-              <a:t>Hands-on: Routing</a:t>
+              <a:t>Hands-on Time!</a:t>
             </a:r>
             <a:endParaRPr b="0" lang="en-US" sz="1800" spc="-1" strike="noStrike">
               <a:latin typeface="Arial"/>
@@ -6921,14 +7599,63 @@
       </p:sp>
       <p:sp>
         <p:nvSpPr>
-          <p:cNvPr id="152" name="CustomShape 2"/>
+          <p:cNvPr id="144" name="CustomShape 2"/>
           <p:cNvSpPr/>
           <p:nvPr/>
         </p:nvSpPr>
         <p:spPr>
           <a:xfrm>
+            <a:off x="2347200" y="2194560"/>
+            <a:ext cx="2405880" cy="776880"/>
+          </a:xfrm>
+          <a:prstGeom prst="rect">
+            <a:avLst/>
+          </a:prstGeom>
+          <a:noFill/>
+          <a:ln>
+            <a:noFill/>
+          </a:ln>
+        </p:spPr>
+        <p:style>
+          <a:lnRef idx="0"/>
+          <a:fillRef idx="0"/>
+          <a:effectRef idx="0"/>
+          <a:fontRef idx="minor"/>
+        </p:style>
+        <p:txBody>
+          <a:bodyPr lIns="0" rIns="0" tIns="0" bIns="0"/>
+          <a:p>
+            <a:pPr>
+              <a:lnSpc>
+                <a:spcPct val="120000"/>
+              </a:lnSpc>
+            </a:pPr>
+            <a:r>
+              <a:rPr b="0" lang="en-US" sz="3200" spc="-1" strike="noStrike">
+                <a:solidFill>
+                  <a:srgbClr val="ffffff"/>
+                </a:solidFill>
+                <a:latin typeface="Arial"/>
+                <a:ea typeface="DejaVu Sans"/>
+              </a:rPr>
+              <a:t>Questions?</a:t>
+            </a:r>
+            <a:endParaRPr b="0" lang="en-US" sz="3200" spc="-1" strike="noStrike">
+              <a:latin typeface="Arial"/>
+            </a:endParaRPr>
+          </a:p>
+        </p:txBody>
+      </p:sp>
+      <p:sp>
+        <p:nvSpPr>
+          <p:cNvPr id="145" name="CustomShape 3"/>
+          <p:cNvSpPr/>
+          <p:nvPr/>
+        </p:nvSpPr>
+        <p:spPr>
+          <a:xfrm>
             <a:off x="4968000" y="5004000"/>
-            <a:ext cx="3238200" cy="106200"/>
+            <a:ext cx="3237840" cy="105840"/>
           </a:xfrm>
           <a:prstGeom prst="rect">
             <a:avLst/>
@@ -6970,14 +7697,14 @@
       </p:sp>
       <p:sp>
         <p:nvSpPr>
-          <p:cNvPr id="153" name="CustomShape 3"/>
+          <p:cNvPr id="146" name="CustomShape 4"/>
           <p:cNvSpPr/>
           <p:nvPr/>
         </p:nvSpPr>
         <p:spPr>
           <a:xfrm>
             <a:off x="8280000" y="5004000"/>
-            <a:ext cx="142200" cy="106200"/>
+            <a:ext cx="141840" cy="105840"/>
           </a:xfrm>
           <a:prstGeom prst="rect">
             <a:avLst/>
@@ -7001,7 +7728,7 @@
                 <a:spcPct val="100000"/>
               </a:lnSpc>
             </a:pPr>
-            <a:fld id="{8F0C9AD6-1ABE-4B45-ABA3-DB7078857517}" type="slidenum">
+            <a:fld id="{82E44BF0-CEBD-435E-8497-A6FF7C1A7D84}" type="slidenum">
               <a:rPr b="0" lang="en-US" sz="600" spc="-1" strike="noStrike">
                 <a:solidFill>
                   <a:srgbClr val="ffffff"/>
@@ -7017,230 +7744,32 @@
           </a:p>
         </p:txBody>
       </p:sp>
-      <p:sp>
-        <p:nvSpPr>
-          <p:cNvPr id="154" name="CustomShape 4"/>
-          <p:cNvSpPr/>
+      <p:pic>
+        <p:nvPicPr>
+          <p:cNvPr id="147" name="Picture Placeholder 6" descr=""/>
+          <p:cNvPicPr/>
           <p:nvPr/>
-        </p:nvSpPr>
-        <p:spPr>
-          <a:xfrm>
-            <a:off x="640080" y="822960"/>
-            <a:ext cx="6622200" cy="3885480"/>
-          </a:xfrm>
-          <a:prstGeom prst="rect">
-            <a:avLst/>
-          </a:prstGeom>
-          <a:noFill/>
-          <a:ln>
-            <a:noFill/>
+        </p:nvPicPr>
+        <p:blipFill>
+          <a:blip r:embed="rId1"/>
+          <a:stretch/>
+        </p:blipFill>
+        <p:spPr>
+          <a:xfrm>
+            <a:off x="6840000" y="810000"/>
+            <a:ext cx="2301840" cy="3507840"/>
+          </a:xfrm>
+          <a:prstGeom prst="rect">
+            <a:avLst/>
+          </a:prstGeom>
+          <a:ln w="9360">
+            <a:solidFill>
+              <a:schemeClr val="bg1"/>
+            </a:solidFill>
+            <a:round/>
           </a:ln>
         </p:spPr>
-        <p:style>
-          <a:lnRef idx="0"/>
-          <a:fillRef idx="0"/>
-          <a:effectRef idx="0"/>
-          <a:fontRef idx="minor"/>
-        </p:style>
-        <p:txBody>
-          <a:bodyPr lIns="0" rIns="0" tIns="0" bIns="0"/>
-          <a:p>
-            <a:pPr>
-              <a:lnSpc>
-                <a:spcPct val="120000"/>
-              </a:lnSpc>
-            </a:pPr>
-            <a:endParaRPr b="0" lang="en-US" sz="1800" spc="-1" strike="noStrike">
-              <a:latin typeface="Arial"/>
-            </a:endParaRPr>
-          </a:p>
-          <a:p>
-            <a:pPr marL="285840" indent="-284040">
-              <a:lnSpc>
-                <a:spcPct val="120000"/>
-              </a:lnSpc>
-              <a:buClr>
-                <a:srgbClr val="000000"/>
-              </a:buClr>
-              <a:buFont typeface="Arial"/>
-              <a:buChar char="•"/>
-            </a:pPr>
-            <a:r>
-              <a:rPr b="0" lang="en-US" sz="1500" spc="-1" strike="noStrike">
-                <a:solidFill>
-                  <a:srgbClr val="000000"/>
-                </a:solidFill>
-                <a:latin typeface="Arial"/>
-                <a:ea typeface="DejaVu Sans"/>
-              </a:rPr>
-              <a:t>Create a component which will be shown on 404</a:t>
-            </a:r>
-            <a:endParaRPr b="0" lang="en-US" sz="1500" spc="-1" strike="noStrike">
-              <a:latin typeface="Arial"/>
-            </a:endParaRPr>
-          </a:p>
-          <a:p>
-            <a:pPr marL="285840" indent="-284040">
-              <a:lnSpc>
-                <a:spcPct val="120000"/>
-              </a:lnSpc>
-              <a:buClr>
-                <a:srgbClr val="000000"/>
-              </a:buClr>
-              <a:buFont typeface="Arial"/>
-              <a:buChar char="•"/>
-            </a:pPr>
-            <a:r>
-              <a:rPr b="0" lang="en-US" sz="1500" spc="-1" strike="noStrike">
-                <a:solidFill>
-                  <a:srgbClr val="000000"/>
-                </a:solidFill>
-                <a:latin typeface="Arial"/>
-                <a:ea typeface="DejaVu Sans"/>
-              </a:rPr>
-              <a:t>Create a component for an accommodations detail page. For now just render ‘hello world’.</a:t>
-            </a:r>
-            <a:endParaRPr b="0" lang="en-US" sz="1500" spc="-1" strike="noStrike">
-              <a:latin typeface="Arial"/>
-            </a:endParaRPr>
-          </a:p>
-          <a:p>
-            <a:pPr marL="285840" indent="-284040">
-              <a:lnSpc>
-                <a:spcPct val="120000"/>
-              </a:lnSpc>
-              <a:buClr>
-                <a:srgbClr val="000000"/>
-              </a:buClr>
-              <a:buFont typeface="Arial"/>
-              <a:buChar char="•"/>
-            </a:pPr>
-            <a:r>
-              <a:rPr b="0" lang="en-US" sz="1500" spc="-1" strike="noStrike">
-                <a:solidFill>
-                  <a:srgbClr val="000000"/>
-                </a:solidFill>
-                <a:latin typeface="Arial"/>
-                <a:ea typeface="DejaVu Sans"/>
-              </a:rPr>
-              <a:t>Add `&lt;Router&gt;...&lt;/Router&gt;` from  the package react-router-dom to your App.js</a:t>
-            </a:r>
-            <a:endParaRPr b="0" lang="en-US" sz="1500" spc="-1" strike="noStrike">
-              <a:latin typeface="Arial"/>
-            </a:endParaRPr>
-          </a:p>
-          <a:p>
-            <a:pPr marL="285840" indent="-284040">
-              <a:lnSpc>
-                <a:spcPct val="120000"/>
-              </a:lnSpc>
-              <a:buClr>
-                <a:srgbClr val="000000"/>
-              </a:buClr>
-              <a:buFont typeface="Arial"/>
-              <a:buChar char="•"/>
-            </a:pPr>
-            <a:r>
-              <a:rPr b="0" lang="en-US" sz="1500" spc="-1" strike="noStrike">
-                <a:solidFill>
-                  <a:srgbClr val="000000"/>
-                </a:solidFill>
-                <a:latin typeface="Arial"/>
-                <a:ea typeface="DejaVu Sans"/>
-              </a:rPr>
-              <a:t>Add a Switch component</a:t>
-            </a:r>
-            <a:endParaRPr b="0" lang="en-US" sz="1500" spc="-1" strike="noStrike">
-              <a:latin typeface="Arial"/>
-            </a:endParaRPr>
-          </a:p>
-          <a:p>
-            <a:pPr marL="285840" indent="-284040">
-              <a:lnSpc>
-                <a:spcPct val="120000"/>
-              </a:lnSpc>
-              <a:buClr>
-                <a:srgbClr val="000000"/>
-              </a:buClr>
-              <a:buFont typeface="Arial"/>
-              <a:buChar char="•"/>
-            </a:pPr>
-            <a:r>
-              <a:rPr b="0" lang="en-US" sz="1500" spc="-1" strike="noStrike">
-                <a:solidFill>
-                  <a:srgbClr val="000000"/>
-                </a:solidFill>
-                <a:latin typeface="Arial"/>
-                <a:ea typeface="DejaVu Sans"/>
-              </a:rPr>
-              <a:t>Add a `&lt;Route …/&gt;` for path `”/”` to your accommodations component</a:t>
-            </a:r>
-            <a:endParaRPr b="0" lang="en-US" sz="1500" spc="-1" strike="noStrike">
-              <a:latin typeface="Arial"/>
-            </a:endParaRPr>
-          </a:p>
-          <a:p>
-            <a:pPr marL="285840" indent="-284040">
-              <a:lnSpc>
-                <a:spcPct val="120000"/>
-              </a:lnSpc>
-              <a:buClr>
-                <a:srgbClr val="000000"/>
-              </a:buClr>
-              <a:buFont typeface="Arial"/>
-              <a:buChar char="•"/>
-            </a:pPr>
-            <a:r>
-              <a:rPr b="0" lang="en-US" sz="1500" spc="-1" strike="noStrike">
-                <a:solidFill>
-                  <a:srgbClr val="000000"/>
-                </a:solidFill>
-                <a:latin typeface="Arial"/>
-                <a:ea typeface="DejaVu Sans"/>
-              </a:rPr>
-              <a:t>Add a route for path `”/:id”` to your accommodation detail component</a:t>
-            </a:r>
-            <a:endParaRPr b="0" lang="en-US" sz="1500" spc="-1" strike="noStrike">
-              <a:latin typeface="Arial"/>
-            </a:endParaRPr>
-          </a:p>
-          <a:p>
-            <a:pPr marL="285840" indent="-284040">
-              <a:lnSpc>
-                <a:spcPct val="120000"/>
-              </a:lnSpc>
-              <a:buClr>
-                <a:srgbClr val="000000"/>
-              </a:buClr>
-              <a:buFont typeface="Arial"/>
-              <a:buChar char="•"/>
-            </a:pPr>
-            <a:r>
-              <a:rPr b="0" lang="en-US" sz="1500" spc="-1" strike="noStrike">
-                <a:solidFill>
-                  <a:srgbClr val="000000"/>
-                </a:solidFill>
-                <a:latin typeface="Arial"/>
-                <a:ea typeface="DejaVu Sans"/>
-              </a:rPr>
-              <a:t>Add a route for path `”*”` to your 404 component</a:t>
-            </a:r>
-            <a:endParaRPr b="0" lang="en-US" sz="1500" spc="-1" strike="noStrike">
-              <a:latin typeface="Arial"/>
-            </a:endParaRPr>
-          </a:p>
-          <a:p>
-            <a:pPr>
-              <a:lnSpc>
-                <a:spcPct val="120000"/>
-              </a:lnSpc>
-            </a:pPr>
-            <a:endParaRPr b="0" lang="en-US" sz="1500" spc="-1" strike="noStrike">
-              <a:latin typeface="Arial"/>
-            </a:endParaRPr>
-          </a:p>
-        </p:txBody>
-      </p:sp>
+      </p:pic>
     </p:spTree>
   </p:cSld>
   <p:timing>
@@ -7292,14 +7821,14 @@
       </p:grpSpPr>
       <p:sp>
         <p:nvSpPr>
-          <p:cNvPr id="155" name="CustomShape 1"/>
+          <p:cNvPr id="148" name="CustomShape 1"/>
           <p:cNvSpPr/>
           <p:nvPr/>
         </p:nvSpPr>
         <p:spPr>
           <a:xfrm>
             <a:off x="720000" y="288000"/>
-            <a:ext cx="6622200" cy="502200"/>
+            <a:ext cx="6621840" cy="501840"/>
           </a:xfrm>
           <a:prstGeom prst="rect">
             <a:avLst/>
@@ -7331,7 +7860,7 @@
                 <a:latin typeface="Arial"/>
                 <a:ea typeface="DejaVu Sans"/>
               </a:rPr>
-              <a:t>Hands-on: JSS styling</a:t>
+              <a:t>Hands-on: Getting started</a:t>
             </a:r>
             <a:endParaRPr b="0" lang="en-US" sz="1800" spc="-1" strike="noStrike">
               <a:latin typeface="Arial"/>
@@ -7341,14 +7870,14 @@
       </p:sp>
       <p:sp>
         <p:nvSpPr>
-          <p:cNvPr id="156" name="CustomShape 2"/>
+          <p:cNvPr id="149" name="CustomShape 2"/>
           <p:cNvSpPr/>
           <p:nvPr/>
         </p:nvSpPr>
         <p:spPr>
           <a:xfrm>
             <a:off x="4968000" y="5004000"/>
-            <a:ext cx="3238200" cy="106200"/>
+            <a:ext cx="3237840" cy="105840"/>
           </a:xfrm>
           <a:prstGeom prst="rect">
             <a:avLst/>
@@ -7390,14 +7919,14 @@
       </p:sp>
       <p:sp>
         <p:nvSpPr>
-          <p:cNvPr id="157" name="CustomShape 3"/>
+          <p:cNvPr id="150" name="CustomShape 3"/>
           <p:cNvSpPr/>
           <p:nvPr/>
         </p:nvSpPr>
         <p:spPr>
           <a:xfrm>
             <a:off x="8280000" y="5004000"/>
-            <a:ext cx="142200" cy="106200"/>
+            <a:ext cx="141840" cy="105840"/>
           </a:xfrm>
           <a:prstGeom prst="rect">
             <a:avLst/>
@@ -7421,7 +7950,7 @@
                 <a:spcPct val="100000"/>
               </a:lnSpc>
             </a:pPr>
-            <a:fld id="{9E4A3AE3-3F78-4C83-92D4-4B77B5A28220}" type="slidenum">
+            <a:fld id="{4E3B1490-85DD-4E0C-BB71-CEA20E173028}" type="slidenum">
               <a:rPr b="0" lang="en-US" sz="600" spc="-1" strike="noStrike">
                 <a:solidFill>
                   <a:srgbClr val="ffffff"/>
@@ -7439,14 +7968,14 @@
       </p:sp>
       <p:sp>
         <p:nvSpPr>
-          <p:cNvPr id="158" name="CustomShape 4"/>
+          <p:cNvPr id="151" name="CustomShape 4"/>
           <p:cNvSpPr/>
           <p:nvPr/>
         </p:nvSpPr>
         <p:spPr>
           <a:xfrm>
-            <a:off x="601560" y="822960"/>
-            <a:ext cx="6622200" cy="3885480"/>
+            <a:off x="876240" y="778320"/>
+            <a:ext cx="6621840" cy="3885120"/>
           </a:xfrm>
           <a:prstGeom prst="rect">
             <a:avLst/>
@@ -7475,7 +8004,7 @@
             </a:endParaRPr>
           </a:p>
           <a:p>
-            <a:pPr marL="285840" indent="-284040">
+            <a:pPr marL="285840" indent="-283680">
               <a:lnSpc>
                 <a:spcPct val="120000"/>
               </a:lnSpc>
@@ -7493,7 +8022,137 @@
                 <a:latin typeface="Arial"/>
                 <a:ea typeface="DejaVu Sans"/>
               </a:rPr>
-              <a:t>Replace the CSS with react-jss using withStyles from material-ui </a:t>
+              <a:t>Git clone https://github.com/AMIS-Services/react-series</a:t>
+            </a:r>
+            <a:endParaRPr b="0" lang="en-US" sz="1500" spc="-1" strike="noStrike">
+              <a:latin typeface="Arial"/>
+            </a:endParaRPr>
+          </a:p>
+          <a:p>
+            <a:pPr marL="285840" indent="-283680">
+              <a:lnSpc>
+                <a:spcPct val="120000"/>
+              </a:lnSpc>
+              <a:buClr>
+                <a:srgbClr val="000000"/>
+              </a:buClr>
+              <a:buFont typeface="Arial"/>
+              <a:buChar char="•"/>
+            </a:pPr>
+            <a:r>
+              <a:rPr b="0" lang="en-US" sz="1500" spc="-1" strike="noStrike">
+                <a:solidFill>
+                  <a:srgbClr val="000000"/>
+                </a:solidFill>
+                <a:latin typeface="Arial"/>
+                <a:ea typeface="DejaVu Sans"/>
+              </a:rPr>
+              <a:t>Cd into dir sig2/exercise/koa, run `yarn install`, `yarn start-db`, `yarn start`, `yarn seed-db`</a:t>
+            </a:r>
+            <a:endParaRPr b="0" lang="en-US" sz="1500" spc="-1" strike="noStrike">
+              <a:latin typeface="Arial"/>
+            </a:endParaRPr>
+          </a:p>
+          <a:p>
+            <a:pPr marL="285840" indent="-283680">
+              <a:lnSpc>
+                <a:spcPct val="120000"/>
+              </a:lnSpc>
+              <a:buClr>
+                <a:srgbClr val="000000"/>
+              </a:buClr>
+              <a:buFont typeface="Arial"/>
+              <a:buChar char="•"/>
+            </a:pPr>
+            <a:r>
+              <a:rPr b="0" lang="en-US" sz="1500" spc="-1" strike="noStrike">
+                <a:solidFill>
+                  <a:srgbClr val="000000"/>
+                </a:solidFill>
+                <a:latin typeface="Arial"/>
+                <a:ea typeface="DejaVu Sans"/>
+              </a:rPr>
+              <a:t>Visit localhost:3030/accomodations to verify back-end is working</a:t>
+            </a:r>
+            <a:endParaRPr b="0" lang="en-US" sz="1500" spc="-1" strike="noStrike">
+              <a:latin typeface="Arial"/>
+            </a:endParaRPr>
+          </a:p>
+          <a:p>
+            <a:pPr marL="285840" indent="-283680">
+              <a:lnSpc>
+                <a:spcPct val="120000"/>
+              </a:lnSpc>
+              <a:buClr>
+                <a:srgbClr val="000000"/>
+              </a:buClr>
+              <a:buFont typeface="Arial"/>
+              <a:buChar char="•"/>
+            </a:pPr>
+            <a:r>
+              <a:rPr b="0" lang="en-US" sz="1500" spc="-1" strike="noStrike">
+                <a:solidFill>
+                  <a:srgbClr val="000000"/>
+                </a:solidFill>
+                <a:latin typeface="Arial"/>
+                <a:ea typeface="DejaVu Sans"/>
+              </a:rPr>
+              <a:t>Cd into dir sig2/exercise/react, run `yarn install` and `yarn start`</a:t>
+            </a:r>
+            <a:endParaRPr b="0" lang="en-US" sz="1500" spc="-1" strike="noStrike">
+              <a:latin typeface="Arial"/>
+            </a:endParaRPr>
+          </a:p>
+          <a:p>
+            <a:pPr marL="285840" indent="-283680">
+              <a:lnSpc>
+                <a:spcPct val="120000"/>
+              </a:lnSpc>
+              <a:buClr>
+                <a:srgbClr val="000000"/>
+              </a:buClr>
+              <a:buFont typeface="Arial"/>
+              <a:buChar char="•"/>
+            </a:pPr>
+            <a:r>
+              <a:rPr b="0" lang="en-US" sz="1500" spc="-1" strike="noStrike">
+                <a:solidFill>
+                  <a:srgbClr val="000000"/>
+                </a:solidFill>
+                <a:latin typeface="Arial"/>
+                <a:ea typeface="DejaVu Sans"/>
+              </a:rPr>
+              <a:t>Visit localhost:3000 to verify front-end is working</a:t>
+            </a:r>
+            <a:endParaRPr b="0" lang="en-US" sz="1500" spc="-1" strike="noStrike">
+              <a:latin typeface="Arial"/>
+            </a:endParaRPr>
+          </a:p>
+          <a:p>
+            <a:pPr>
+              <a:lnSpc>
+                <a:spcPct val="120000"/>
+              </a:lnSpc>
+            </a:pPr>
+            <a:endParaRPr b="0" lang="en-US" sz="1500" spc="-1" strike="noStrike">
+              <a:latin typeface="Arial"/>
+            </a:endParaRPr>
+          </a:p>
+          <a:p>
+            <a:pPr>
+              <a:lnSpc>
+                <a:spcPct val="120000"/>
+              </a:lnSpc>
+            </a:pPr>
+            <a:r>
+              <a:rPr b="0" lang="en-US" sz="1500" spc="-1" strike="noStrike">
+                <a:solidFill>
+                  <a:srgbClr val="000000"/>
+                </a:solidFill>
+                <a:latin typeface="Arial"/>
+                <a:ea typeface="DejaVu Sans"/>
+              </a:rPr>
+              <a:t>For examples of ES6 syntax, view the file slides/syntax.js </a:t>
             </a:r>
             <a:endParaRPr b="0" lang="en-US" sz="1500" spc="-1" strike="noStrike">
               <a:latin typeface="Arial"/>
@@ -7562,14 +8221,14 @@
       </p:grpSpPr>
       <p:sp>
         <p:nvSpPr>
-          <p:cNvPr id="159" name="CustomShape 1"/>
+          <p:cNvPr id="152" name="CustomShape 1"/>
           <p:cNvSpPr/>
           <p:nvPr/>
         </p:nvSpPr>
         <p:spPr>
           <a:xfrm>
             <a:off x="720000" y="288000"/>
-            <a:ext cx="6622200" cy="502200"/>
+            <a:ext cx="6621840" cy="501840"/>
           </a:xfrm>
           <a:prstGeom prst="rect">
             <a:avLst/>
@@ -7601,7 +8260,7 @@
                 <a:latin typeface="Arial"/>
                 <a:ea typeface="DejaVu Sans"/>
               </a:rPr>
-              <a:t>Hands-on: Fetching part deux</a:t>
+              <a:t>Hands-on: Fetching data</a:t>
             </a:r>
             <a:endParaRPr b="0" lang="en-US" sz="1800" spc="-1" strike="noStrike">
               <a:latin typeface="Arial"/>
@@ -7611,14 +8270,14 @@
       </p:sp>
       <p:sp>
         <p:nvSpPr>
-          <p:cNvPr id="160" name="CustomShape 2"/>
+          <p:cNvPr id="153" name="CustomShape 2"/>
           <p:cNvSpPr/>
           <p:nvPr/>
         </p:nvSpPr>
         <p:spPr>
           <a:xfrm>
             <a:off x="4968000" y="5004000"/>
-            <a:ext cx="3238200" cy="106200"/>
+            <a:ext cx="3237840" cy="105840"/>
           </a:xfrm>
           <a:prstGeom prst="rect">
             <a:avLst/>
@@ -7660,14 +8319,14 @@
       </p:sp>
       <p:sp>
         <p:nvSpPr>
-          <p:cNvPr id="161" name="CustomShape 3"/>
+          <p:cNvPr id="154" name="CustomShape 3"/>
           <p:cNvSpPr/>
           <p:nvPr/>
         </p:nvSpPr>
         <p:spPr>
           <a:xfrm>
             <a:off x="8280000" y="5004000"/>
-            <a:ext cx="142200" cy="106200"/>
+            <a:ext cx="141840" cy="105840"/>
           </a:xfrm>
           <a:prstGeom prst="rect">
             <a:avLst/>
@@ -7691,7 +8350,7 @@
                 <a:spcPct val="100000"/>
               </a:lnSpc>
             </a:pPr>
-            <a:fld id="{5E29BF7A-AF42-4FC3-8FC4-3D3290243ABF}" type="slidenum">
+            <a:fld id="{F72F2F97-EA1C-4692-BADC-31096DE54B13}" type="slidenum">
               <a:rPr b="0" lang="en-US" sz="600" spc="-1" strike="noStrike">
                 <a:solidFill>
                   <a:srgbClr val="ffffff"/>
@@ -7709,14 +8368,14 @@
       </p:sp>
       <p:sp>
         <p:nvSpPr>
-          <p:cNvPr id="162" name="CustomShape 4"/>
+          <p:cNvPr id="155" name="CustomShape 4"/>
           <p:cNvSpPr/>
           <p:nvPr/>
         </p:nvSpPr>
         <p:spPr>
           <a:xfrm>
-            <a:off x="601560" y="822960"/>
-            <a:ext cx="6622200" cy="3885480"/>
+            <a:off x="640080" y="822960"/>
+            <a:ext cx="6621840" cy="3885120"/>
           </a:xfrm>
           <a:prstGeom prst="rect">
             <a:avLst/>
@@ -7745,7 +8404,7 @@
             </a:endParaRPr>
           </a:p>
           <a:p>
-            <a:pPr marL="285840" indent="-284040">
+            <a:pPr marL="285840" indent="-283680">
               <a:lnSpc>
                 <a:spcPct val="120000"/>
               </a:lnSpc>
@@ -7763,14 +8422,14 @@
                 <a:latin typeface="Arial"/>
                 <a:ea typeface="DejaVu Sans"/>
               </a:rPr>
-              <a:t>Edit your accommodation detail component to use `export default withRouter(accommodation)`. WithRouter comes from the package react-router-dom.</a:t>
+              <a:t>Create a file `src/common/fetch.js`</a:t>
             </a:r>
             <a:endParaRPr b="0" lang="en-US" sz="1500" spc="-1" strike="noStrike">
               <a:latin typeface="Arial"/>
             </a:endParaRPr>
           </a:p>
           <a:p>
-            <a:pPr marL="285840" indent="-284040">
+            <a:pPr marL="285840" indent="-283680">
               <a:lnSpc>
                 <a:spcPct val="120000"/>
               </a:lnSpc>
@@ -7788,14 +8447,14 @@
                 <a:latin typeface="Arial"/>
                 <a:ea typeface="DejaVu Sans"/>
               </a:rPr>
-              <a:t>Console.log `this.props` to see where your ID is</a:t>
+              <a:t>Create a function which can be called to handle requests to the back-end using `window.fetch()`.</a:t>
             </a:r>
             <a:endParaRPr b="0" lang="en-US" sz="1500" spc="-1" strike="noStrike">
               <a:latin typeface="Arial"/>
             </a:endParaRPr>
           </a:p>
           <a:p>
-            <a:pPr marL="285840" indent="-284040">
+            <a:pPr marL="285840" indent="-283680">
               <a:lnSpc>
                 <a:spcPct val="120000"/>
               </a:lnSpc>
@@ -7813,14 +8472,14 @@
                 <a:latin typeface="Arial"/>
                 <a:ea typeface="DejaVu Sans"/>
               </a:rPr>
-              <a:t>Use the ID in the lifecyclemethod `componentDidMount` to fetch the detailed information for the accommodation.</a:t>
+              <a:t>As an option, pass the correct headers (`accept: “application/json”`)</a:t>
             </a:r>
             <a:endParaRPr b="0" lang="en-US" sz="1500" spc="-1" strike="noStrike">
               <a:latin typeface="Arial"/>
             </a:endParaRPr>
           </a:p>
           <a:p>
-            <a:pPr marL="285840" indent="-284040">
+            <a:pPr marL="285840" indent="-283680">
               <a:lnSpc>
                 <a:spcPct val="120000"/>
               </a:lnSpc>
@@ -7838,8 +8497,68 @@
                 <a:latin typeface="Arial"/>
                 <a:ea typeface="DejaVu Sans"/>
               </a:rPr>
-              <a:t>Add the information and some styling to the components render function. Don’t forget that fetch is an async action!</a:t>
+              <a:t>Add error handling for response errors to this function</a:t>
             </a:r>
+            <a:endParaRPr b="0" lang="en-US" sz="1500" spc="-1" strike="noStrike">
+              <a:latin typeface="Arial"/>
+            </a:endParaRPr>
+          </a:p>
+          <a:p>
+            <a:pPr marL="285840" indent="-283680">
+              <a:lnSpc>
+                <a:spcPct val="120000"/>
+              </a:lnSpc>
+              <a:buClr>
+                <a:srgbClr val="000000"/>
+              </a:buClr>
+              <a:buFont typeface="Arial"/>
+              <a:buChar char="•"/>
+            </a:pPr>
+            <a:r>
+              <a:rPr b="0" lang="en-US" sz="1500" spc="-1" strike="noStrike">
+                <a:solidFill>
+                  <a:srgbClr val="000000"/>
+                </a:solidFill>
+                <a:latin typeface="Arial"/>
+                <a:ea typeface="DejaVu Sans"/>
+              </a:rPr>
+              <a:t>Add error handling for network errors to this function</a:t>
+            </a:r>
+            <a:endParaRPr b="0" lang="en-US" sz="1500" spc="-1" strike="noStrike">
+              <a:latin typeface="Arial"/>
+            </a:endParaRPr>
+          </a:p>
+          <a:p>
+            <a:pPr marL="285840" indent="-283680">
+              <a:lnSpc>
+                <a:spcPct val="120000"/>
+              </a:lnSpc>
+              <a:buClr>
+                <a:srgbClr val="000000"/>
+              </a:buClr>
+              <a:buFont typeface="Arial"/>
+              <a:buChar char="•"/>
+            </a:pPr>
+            <a:r>
+              <a:rPr b="0" lang="en-US" sz="1500" spc="-1" strike="noStrike">
+                <a:solidFill>
+                  <a:srgbClr val="000000"/>
+                </a:solidFill>
+                <a:latin typeface="Arial"/>
+                <a:ea typeface="DejaVu Sans"/>
+              </a:rPr>
+              <a:t>Use this function to fetch the accommodations in the lifecyclemethod `componentDidMount()` in `Accommodations.js`. Be aware this is an asynchronous process, so return `null` in the render method until the accommodations have been loaded!</a:t>
+            </a:r>
+            <a:endParaRPr b="0" lang="en-US" sz="1500" spc="-1" strike="noStrike">
+              <a:latin typeface="Arial"/>
+            </a:endParaRPr>
+          </a:p>
+          <a:p>
+            <a:pPr>
+              <a:lnSpc>
+                <a:spcPct val="120000"/>
+              </a:lnSpc>
+            </a:pPr>
             <a:endParaRPr b="0" lang="en-US" sz="1500" spc="-1" strike="noStrike">
               <a:latin typeface="Arial"/>
             </a:endParaRPr>

--- a/sig2/slides/SIG react 2.pptx
+++ b/sig2/slides/SIG react 2.pptx
@@ -4059,7 +4059,7 @@
         <p:spPr>
           <a:xfrm>
             <a:off x="7200000" y="360000"/>
-            <a:ext cx="1256760" cy="284400"/>
+            <a:ext cx="1256400" cy="284040"/>
           </a:xfrm>
           <a:prstGeom prst="rect">
             <a:avLst/>
@@ -4082,7 +4082,7 @@
         <p:spPr>
           <a:xfrm>
             <a:off x="0" y="4966560"/>
-            <a:ext cx="9141840" cy="174600"/>
+            <a:ext cx="9141480" cy="174240"/>
           </a:xfrm>
           <a:prstGeom prst="rect">
             <a:avLst/>
@@ -4139,7 +4139,7 @@
         <p:spPr>
           <a:xfrm>
             <a:off x="0" y="4966560"/>
-            <a:ext cx="9141840" cy="174600"/>
+            <a:ext cx="9141480" cy="174240"/>
           </a:xfrm>
           <a:prstGeom prst="rect">
             <a:avLst/>
@@ -4162,7 +4162,7 @@
         <p:spPr>
           <a:xfrm>
             <a:off x="648000" y="108000"/>
-            <a:ext cx="2878200" cy="646920"/>
+            <a:ext cx="2877840" cy="646560"/>
           </a:xfrm>
           <a:prstGeom prst="rect">
             <a:avLst/>
@@ -4443,7 +4443,7 @@
         <p:spPr>
           <a:xfrm>
             <a:off x="7200000" y="360000"/>
-            <a:ext cx="1256760" cy="284400"/>
+            <a:ext cx="1256400" cy="284040"/>
           </a:xfrm>
           <a:prstGeom prst="rect">
             <a:avLst/>
@@ -4466,7 +4466,7 @@
         <p:spPr>
           <a:xfrm>
             <a:off x="0" y="4966560"/>
-            <a:ext cx="9141840" cy="174600"/>
+            <a:ext cx="9141480" cy="174240"/>
           </a:xfrm>
           <a:prstGeom prst="rect">
             <a:avLst/>
@@ -4781,7 +4781,7 @@
         <p:spPr>
           <a:xfrm>
             <a:off x="7200000" y="360000"/>
-            <a:ext cx="1256760" cy="284400"/>
+            <a:ext cx="1256400" cy="284040"/>
           </a:xfrm>
           <a:prstGeom prst="rect">
             <a:avLst/>
@@ -4804,7 +4804,7 @@
         <p:spPr>
           <a:xfrm>
             <a:off x="0" y="4966560"/>
-            <a:ext cx="9141840" cy="174600"/>
+            <a:ext cx="9141480" cy="174240"/>
           </a:xfrm>
           <a:prstGeom prst="rect">
             <a:avLst/>
@@ -4857,7 +4857,7 @@
         <p:spPr>
           <a:xfrm>
             <a:off x="0" y="812880"/>
-            <a:ext cx="9141840" cy="3507840"/>
+            <a:ext cx="9141480" cy="3507480"/>
           </a:xfrm>
           <a:prstGeom prst="rect">
             <a:avLst/>
@@ -5149,7 +5149,7 @@
         <p:spPr>
           <a:xfrm>
             <a:off x="0" y="810000"/>
-            <a:ext cx="9141840" cy="3345840"/>
+            <a:ext cx="9141480" cy="3345480"/>
           </a:xfrm>
           <a:prstGeom prst="rect">
             <a:avLst/>
@@ -5171,7 +5171,7 @@
         <p:spPr>
           <a:xfrm>
             <a:off x="5400000" y="1548000"/>
-            <a:ext cx="3021840" cy="3021840"/>
+            <a:ext cx="3021480" cy="3021480"/>
           </a:xfrm>
           <a:prstGeom prst="rect">
             <a:avLst/>
@@ -5282,7 +5282,7 @@
         <p:spPr>
           <a:xfrm>
             <a:off x="720000" y="288000"/>
-            <a:ext cx="6621840" cy="501840"/>
+            <a:ext cx="6621480" cy="501480"/>
           </a:xfrm>
           <a:prstGeom prst="rect">
             <a:avLst/>
@@ -5331,7 +5331,7 @@
         <p:spPr>
           <a:xfrm>
             <a:off x="4968000" y="5004000"/>
-            <a:ext cx="3237840" cy="105840"/>
+            <a:ext cx="3237480" cy="105480"/>
           </a:xfrm>
           <a:prstGeom prst="rect">
             <a:avLst/>
@@ -5380,7 +5380,7 @@
         <p:spPr>
           <a:xfrm>
             <a:off x="8280000" y="5004000"/>
-            <a:ext cx="141840" cy="105840"/>
+            <a:ext cx="141480" cy="105480"/>
           </a:xfrm>
           <a:prstGeom prst="rect">
             <a:avLst/>
@@ -5404,7 +5404,7 @@
                 <a:spcPct val="100000"/>
               </a:lnSpc>
             </a:pPr>
-            <a:fld id="{4E32C8F1-6EF6-4A2C-A627-B524C8143D49}" type="slidenum">
+            <a:fld id="{62E884CA-AEFE-4919-99F5-CDA5659E1C2E}" type="slidenum">
               <a:rPr b="0" lang="en-US" sz="600" spc="-1" strike="noStrike">
                 <a:solidFill>
                   <a:srgbClr val="ffffff"/>
@@ -5429,7 +5429,7 @@
         <p:spPr>
           <a:xfrm>
             <a:off x="640080" y="822960"/>
-            <a:ext cx="6621840" cy="3885120"/>
+            <a:ext cx="6621480" cy="3884760"/>
           </a:xfrm>
           <a:prstGeom prst="rect">
             <a:avLst/>
@@ -5458,7 +5458,7 @@
             </a:endParaRPr>
           </a:p>
           <a:p>
-            <a:pPr marL="285840" indent="-283680">
+            <a:pPr marL="285840" indent="-283320">
               <a:lnSpc>
                 <a:spcPct val="120000"/>
               </a:lnSpc>
@@ -5552,7 +5552,7 @@
         <p:spPr>
           <a:xfrm>
             <a:off x="720000" y="288000"/>
-            <a:ext cx="6621840" cy="501840"/>
+            <a:ext cx="6621480" cy="501480"/>
           </a:xfrm>
           <a:prstGeom prst="rect">
             <a:avLst/>
@@ -5601,7 +5601,7 @@
         <p:spPr>
           <a:xfrm>
             <a:off x="4968000" y="5004000"/>
-            <a:ext cx="3237840" cy="105840"/>
+            <a:ext cx="3237480" cy="105480"/>
           </a:xfrm>
           <a:prstGeom prst="rect">
             <a:avLst/>
@@ -5650,7 +5650,7 @@
         <p:spPr>
           <a:xfrm>
             <a:off x="8280000" y="5004000"/>
-            <a:ext cx="141840" cy="105840"/>
+            <a:ext cx="141480" cy="105480"/>
           </a:xfrm>
           <a:prstGeom prst="rect">
             <a:avLst/>
@@ -5674,7 +5674,7 @@
                 <a:spcPct val="100000"/>
               </a:lnSpc>
             </a:pPr>
-            <a:fld id="{2FB0BDCA-9DA9-42FD-AE6F-F60551512965}" type="slidenum">
+            <a:fld id="{0C54FF32-62D1-4BF0-BD68-730A1AEDD802}" type="slidenum">
               <a:rPr b="0" lang="en-US" sz="600" spc="-1" strike="noStrike">
                 <a:solidFill>
                   <a:srgbClr val="ffffff"/>
@@ -5699,7 +5699,7 @@
         <p:spPr>
           <a:xfrm>
             <a:off x="640080" y="822960"/>
-            <a:ext cx="6621840" cy="3885120"/>
+            <a:ext cx="6621480" cy="3884760"/>
           </a:xfrm>
           <a:prstGeom prst="rect">
             <a:avLst/>
@@ -5728,7 +5728,7 @@
             </a:endParaRPr>
           </a:p>
           <a:p>
-            <a:pPr marL="285840" indent="-283680">
+            <a:pPr marL="285840" indent="-283320">
               <a:lnSpc>
                 <a:spcPct val="120000"/>
               </a:lnSpc>
@@ -5753,7 +5753,7 @@
             </a:endParaRPr>
           </a:p>
           <a:p>
-            <a:pPr marL="285840" indent="-283680">
+            <a:pPr marL="285840" indent="-283320">
               <a:lnSpc>
                 <a:spcPct val="120000"/>
               </a:lnSpc>
@@ -5778,7 +5778,7 @@
             </a:endParaRPr>
           </a:p>
           <a:p>
-            <a:pPr marL="285840" indent="-283680">
+            <a:pPr marL="285840" indent="-283320">
               <a:lnSpc>
                 <a:spcPct val="120000"/>
               </a:lnSpc>
@@ -5803,7 +5803,7 @@
             </a:endParaRPr>
           </a:p>
           <a:p>
-            <a:pPr marL="285840" indent="-283680">
+            <a:pPr marL="285840" indent="-283320">
               <a:lnSpc>
                 <a:spcPct val="120000"/>
               </a:lnSpc>
@@ -5828,7 +5828,7 @@
             </a:endParaRPr>
           </a:p>
           <a:p>
-            <a:pPr marL="285840" indent="-283680">
+            <a:pPr marL="285840" indent="-283320">
               <a:lnSpc>
                 <a:spcPct val="120000"/>
               </a:lnSpc>
@@ -5853,7 +5853,7 @@
             </a:endParaRPr>
           </a:p>
           <a:p>
-            <a:pPr marL="285840" indent="-283680">
+            <a:pPr marL="285840" indent="-283320">
               <a:lnSpc>
                 <a:spcPct val="120000"/>
               </a:lnSpc>
@@ -5878,7 +5878,7 @@
             </a:endParaRPr>
           </a:p>
           <a:p>
-            <a:pPr marL="285840" indent="-283680">
+            <a:pPr marL="285840" indent="-283320">
               <a:lnSpc>
                 <a:spcPct val="120000"/>
               </a:lnSpc>
@@ -5972,7 +5972,7 @@
         <p:spPr>
           <a:xfrm>
             <a:off x="720000" y="288000"/>
-            <a:ext cx="6621840" cy="501840"/>
+            <a:ext cx="6621480" cy="501480"/>
           </a:xfrm>
           <a:prstGeom prst="rect">
             <a:avLst/>
@@ -6021,7 +6021,7 @@
         <p:spPr>
           <a:xfrm>
             <a:off x="4968000" y="5004000"/>
-            <a:ext cx="3237840" cy="105840"/>
+            <a:ext cx="3237480" cy="105480"/>
           </a:xfrm>
           <a:prstGeom prst="rect">
             <a:avLst/>
@@ -6070,7 +6070,7 @@
         <p:spPr>
           <a:xfrm>
             <a:off x="8280000" y="5004000"/>
-            <a:ext cx="141840" cy="105840"/>
+            <a:ext cx="141480" cy="105480"/>
           </a:xfrm>
           <a:prstGeom prst="rect">
             <a:avLst/>
@@ -6094,7 +6094,7 @@
                 <a:spcPct val="100000"/>
               </a:lnSpc>
             </a:pPr>
-            <a:fld id="{C0738892-9577-44E0-8047-5B52F8CC8E90}" type="slidenum">
+            <a:fld id="{530E8619-112D-4109-BB18-B52B8EB8B07C}" type="slidenum">
               <a:rPr b="0" lang="en-US" sz="600" spc="-1" strike="noStrike">
                 <a:solidFill>
                   <a:srgbClr val="ffffff"/>
@@ -6119,7 +6119,7 @@
         <p:spPr>
           <a:xfrm>
             <a:off x="601560" y="822960"/>
-            <a:ext cx="6621840" cy="3885120"/>
+            <a:ext cx="6621480" cy="3884760"/>
           </a:xfrm>
           <a:prstGeom prst="rect">
             <a:avLst/>
@@ -6148,7 +6148,7 @@
             </a:endParaRPr>
           </a:p>
           <a:p>
-            <a:pPr marL="285840" indent="-283680">
+            <a:pPr marL="285840" indent="-283320">
               <a:lnSpc>
                 <a:spcPct val="120000"/>
               </a:lnSpc>
@@ -6242,7 +6242,7 @@
         <p:spPr>
           <a:xfrm>
             <a:off x="720000" y="288000"/>
-            <a:ext cx="6621840" cy="501840"/>
+            <a:ext cx="6621480" cy="501480"/>
           </a:xfrm>
           <a:prstGeom prst="rect">
             <a:avLst/>
@@ -6291,7 +6291,7 @@
         <p:spPr>
           <a:xfrm>
             <a:off x="4968000" y="5004000"/>
-            <a:ext cx="3237840" cy="105840"/>
+            <a:ext cx="3237480" cy="105480"/>
           </a:xfrm>
           <a:prstGeom prst="rect">
             <a:avLst/>
@@ -6340,7 +6340,7 @@
         <p:spPr>
           <a:xfrm>
             <a:off x="8280000" y="5004000"/>
-            <a:ext cx="141840" cy="105840"/>
+            <a:ext cx="141480" cy="105480"/>
           </a:xfrm>
           <a:prstGeom prst="rect">
             <a:avLst/>
@@ -6364,7 +6364,7 @@
                 <a:spcPct val="100000"/>
               </a:lnSpc>
             </a:pPr>
-            <a:fld id="{FB44A603-79E4-41FE-A6DA-BE5EDC9EE7BB}" type="slidenum">
+            <a:fld id="{F5049480-AF0E-4644-925B-0179361D7E37}" type="slidenum">
               <a:rPr b="0" lang="en-US" sz="600" spc="-1" strike="noStrike">
                 <a:solidFill>
                   <a:srgbClr val="ffffff"/>
@@ -6389,7 +6389,7 @@
         <p:spPr>
           <a:xfrm>
             <a:off x="601560" y="822960"/>
-            <a:ext cx="6621840" cy="3885120"/>
+            <a:ext cx="6621480" cy="3884760"/>
           </a:xfrm>
           <a:prstGeom prst="rect">
             <a:avLst/>
@@ -6418,7 +6418,7 @@
             </a:endParaRPr>
           </a:p>
           <a:p>
-            <a:pPr marL="285840" indent="-283680">
+            <a:pPr marL="285840" indent="-283320">
               <a:lnSpc>
                 <a:spcPct val="120000"/>
               </a:lnSpc>
@@ -6443,7 +6443,7 @@
             </a:endParaRPr>
           </a:p>
           <a:p>
-            <a:pPr marL="285840" indent="-283680">
+            <a:pPr marL="285840" indent="-283320">
               <a:lnSpc>
                 <a:spcPct val="120000"/>
               </a:lnSpc>
@@ -6468,7 +6468,7 @@
             </a:endParaRPr>
           </a:p>
           <a:p>
-            <a:pPr marL="285840" indent="-283680">
+            <a:pPr marL="285840" indent="-283320">
               <a:lnSpc>
                 <a:spcPct val="120000"/>
               </a:lnSpc>
@@ -6493,7 +6493,7 @@
             </a:endParaRPr>
           </a:p>
           <a:p>
-            <a:pPr marL="285840" indent="-283680">
+            <a:pPr marL="285840" indent="-283320">
               <a:lnSpc>
                 <a:spcPct val="120000"/>
               </a:lnSpc>
@@ -6577,7 +6577,7 @@
         <p:spPr>
           <a:xfrm>
             <a:off x="720000" y="288000"/>
-            <a:ext cx="6621840" cy="501840"/>
+            <a:ext cx="6621480" cy="501480"/>
           </a:xfrm>
           <a:prstGeom prst="rect">
             <a:avLst/>
@@ -6626,7 +6626,7 @@
         <p:spPr>
           <a:xfrm>
             <a:off x="4968000" y="5004000"/>
-            <a:ext cx="3237840" cy="105840"/>
+            <a:ext cx="3237480" cy="105480"/>
           </a:xfrm>
           <a:prstGeom prst="rect">
             <a:avLst/>
@@ -6675,7 +6675,7 @@
         <p:spPr>
           <a:xfrm>
             <a:off x="8280000" y="5004000"/>
-            <a:ext cx="141840" cy="105840"/>
+            <a:ext cx="141480" cy="105480"/>
           </a:xfrm>
           <a:prstGeom prst="rect">
             <a:avLst/>
@@ -6699,7 +6699,7 @@
                 <a:spcPct val="100000"/>
               </a:lnSpc>
             </a:pPr>
-            <a:fld id="{0D516826-7CB0-41E9-AB3F-D8EC9F6A626A}" type="slidenum">
+            <a:fld id="{DA259B76-D83A-4EE4-8E45-538BA1F1561F}" type="slidenum">
               <a:rPr b="0" lang="en-US" sz="600" spc="-1" strike="noStrike">
                 <a:solidFill>
                   <a:srgbClr val="ffffff"/>
@@ -6773,7 +6773,7 @@
         <p:spPr>
           <a:xfrm>
             <a:off x="720000" y="288000"/>
-            <a:ext cx="6621840" cy="501840"/>
+            <a:ext cx="6621480" cy="501480"/>
           </a:xfrm>
           <a:prstGeom prst="rect">
             <a:avLst/>
@@ -6822,7 +6822,7 @@
         <p:spPr>
           <a:xfrm>
             <a:off x="4968000" y="5004000"/>
-            <a:ext cx="3237840" cy="105840"/>
+            <a:ext cx="3237480" cy="105480"/>
           </a:xfrm>
           <a:prstGeom prst="rect">
             <a:avLst/>
@@ -6871,7 +6871,7 @@
         <p:spPr>
           <a:xfrm>
             <a:off x="8280000" y="5004000"/>
-            <a:ext cx="141840" cy="105840"/>
+            <a:ext cx="141480" cy="105480"/>
           </a:xfrm>
           <a:prstGeom prst="rect">
             <a:avLst/>
@@ -6895,7 +6895,7 @@
                 <a:spcPct val="100000"/>
               </a:lnSpc>
             </a:pPr>
-            <a:fld id="{2F9E9626-9957-40A2-8BB5-78E772DE5D80}" type="slidenum">
+            <a:fld id="{B34A1996-7766-46C5-A3AA-C9FE23D50D53}" type="slidenum">
               <a:rPr b="0" lang="en-US" sz="600" spc="-1" strike="noStrike">
                 <a:solidFill>
                   <a:srgbClr val="ffffff"/>
@@ -6969,7 +6969,7 @@
         <p:spPr>
           <a:xfrm>
             <a:off x="720000" y="288000"/>
-            <a:ext cx="6621840" cy="501840"/>
+            <a:ext cx="6621480" cy="501480"/>
           </a:xfrm>
           <a:prstGeom prst="rect">
             <a:avLst/>
@@ -7018,7 +7018,7 @@
         <p:spPr>
           <a:xfrm>
             <a:off x="4968000" y="5004000"/>
-            <a:ext cx="3237840" cy="105840"/>
+            <a:ext cx="3237480" cy="105480"/>
           </a:xfrm>
           <a:prstGeom prst="rect">
             <a:avLst/>
@@ -7067,7 +7067,7 @@
         <p:spPr>
           <a:xfrm>
             <a:off x="8280000" y="5004000"/>
-            <a:ext cx="141840" cy="105840"/>
+            <a:ext cx="141480" cy="105480"/>
           </a:xfrm>
           <a:prstGeom prst="rect">
             <a:avLst/>
@@ -7091,7 +7091,7 @@
                 <a:spcPct val="100000"/>
               </a:lnSpc>
             </a:pPr>
-            <a:fld id="{8C5EEC30-1A4A-4EB4-B7C2-754180F53AB1}" type="slidenum">
+            <a:fld id="{603D960A-B9C2-409E-B70A-F30568AFC718}" type="slidenum">
               <a:rPr b="0" lang="en-US" sz="600" spc="-1" strike="noStrike">
                 <a:solidFill>
                   <a:srgbClr val="ffffff"/>
@@ -7165,7 +7165,7 @@
         <p:spPr>
           <a:xfrm>
             <a:off x="720000" y="288000"/>
-            <a:ext cx="6621840" cy="501840"/>
+            <a:ext cx="6621480" cy="501480"/>
           </a:xfrm>
           <a:prstGeom prst="rect">
             <a:avLst/>
@@ -7214,7 +7214,7 @@
         <p:spPr>
           <a:xfrm>
             <a:off x="4968000" y="5004000"/>
-            <a:ext cx="3237840" cy="105840"/>
+            <a:ext cx="3237480" cy="105480"/>
           </a:xfrm>
           <a:prstGeom prst="rect">
             <a:avLst/>
@@ -7263,7 +7263,7 @@
         <p:spPr>
           <a:xfrm>
             <a:off x="8280000" y="5004000"/>
-            <a:ext cx="141840" cy="105840"/>
+            <a:ext cx="141480" cy="105480"/>
           </a:xfrm>
           <a:prstGeom prst="rect">
             <a:avLst/>
@@ -7287,7 +7287,7 @@
                 <a:spcPct val="100000"/>
               </a:lnSpc>
             </a:pPr>
-            <a:fld id="{9F440A53-8636-4ADC-AE2C-6B30808C3ACA}" type="slidenum">
+            <a:fld id="{C8A8612E-A9C3-411B-96DB-E3415CE6B460}" type="slidenum">
               <a:rPr b="0" lang="en-US" sz="600" spc="-1" strike="noStrike">
                 <a:solidFill>
                   <a:srgbClr val="ffffff"/>
@@ -7361,7 +7361,7 @@
         <p:spPr>
           <a:xfrm>
             <a:off x="720000" y="288000"/>
-            <a:ext cx="6621840" cy="501840"/>
+            <a:ext cx="6621480" cy="501480"/>
           </a:xfrm>
           <a:prstGeom prst="rect">
             <a:avLst/>
@@ -7410,7 +7410,7 @@
         <p:spPr>
           <a:xfrm>
             <a:off x="4968000" y="5004000"/>
-            <a:ext cx="3237840" cy="105840"/>
+            <a:ext cx="3237480" cy="105480"/>
           </a:xfrm>
           <a:prstGeom prst="rect">
             <a:avLst/>
@@ -7459,7 +7459,7 @@
         <p:spPr>
           <a:xfrm>
             <a:off x="8280000" y="5004000"/>
-            <a:ext cx="141840" cy="105840"/>
+            <a:ext cx="141480" cy="105480"/>
           </a:xfrm>
           <a:prstGeom prst="rect">
             <a:avLst/>
@@ -7483,7 +7483,7 @@
                 <a:spcPct val="100000"/>
               </a:lnSpc>
             </a:pPr>
-            <a:fld id="{60A4386A-9D08-41E9-8DA0-AC476FD33686}" type="slidenum">
+            <a:fld id="{E96F4A3B-0C9A-41E5-B4F0-FB6B212F1093}" type="slidenum">
               <a:rPr b="0" lang="en-US" sz="600" spc="-1" strike="noStrike">
                 <a:solidFill>
                   <a:srgbClr val="ffffff"/>
@@ -7557,7 +7557,7 @@
         <p:spPr>
           <a:xfrm>
             <a:off x="720000" y="288000"/>
-            <a:ext cx="6621840" cy="501840"/>
+            <a:ext cx="6621480" cy="501480"/>
           </a:xfrm>
           <a:prstGeom prst="rect">
             <a:avLst/>
@@ -7606,7 +7606,7 @@
         <p:spPr>
           <a:xfrm>
             <a:off x="2347200" y="2194560"/>
-            <a:ext cx="2405880" cy="776880"/>
+            <a:ext cx="2405520" cy="776520"/>
           </a:xfrm>
           <a:prstGeom prst="rect">
             <a:avLst/>
@@ -7655,7 +7655,7 @@
         <p:spPr>
           <a:xfrm>
             <a:off x="4968000" y="5004000"/>
-            <a:ext cx="3237840" cy="105840"/>
+            <a:ext cx="3237480" cy="105480"/>
           </a:xfrm>
           <a:prstGeom prst="rect">
             <a:avLst/>
@@ -7704,7 +7704,7 @@
         <p:spPr>
           <a:xfrm>
             <a:off x="8280000" y="5004000"/>
-            <a:ext cx="141840" cy="105840"/>
+            <a:ext cx="141480" cy="105480"/>
           </a:xfrm>
           <a:prstGeom prst="rect">
             <a:avLst/>
@@ -7728,7 +7728,7 @@
                 <a:spcPct val="100000"/>
               </a:lnSpc>
             </a:pPr>
-            <a:fld id="{82E44BF0-CEBD-435E-8497-A6FF7C1A7D84}" type="slidenum">
+            <a:fld id="{04FF087D-2C17-4D5A-9F14-EF270898002C}" type="slidenum">
               <a:rPr b="0" lang="en-US" sz="600" spc="-1" strike="noStrike">
                 <a:solidFill>
                   <a:srgbClr val="ffffff"/>
@@ -7757,7 +7757,7 @@
         <p:spPr>
           <a:xfrm>
             <a:off x="6840000" y="810000"/>
-            <a:ext cx="2301840" cy="3507840"/>
+            <a:ext cx="2301480" cy="3507480"/>
           </a:xfrm>
           <a:prstGeom prst="rect">
             <a:avLst/>
@@ -7828,7 +7828,7 @@
         <p:spPr>
           <a:xfrm>
             <a:off x="720000" y="288000"/>
-            <a:ext cx="6621840" cy="501840"/>
+            <a:ext cx="6621480" cy="501480"/>
           </a:xfrm>
           <a:prstGeom prst="rect">
             <a:avLst/>
@@ -7877,7 +7877,7 @@
         <p:spPr>
           <a:xfrm>
             <a:off x="4968000" y="5004000"/>
-            <a:ext cx="3237840" cy="105840"/>
+            <a:ext cx="3237480" cy="105480"/>
           </a:xfrm>
           <a:prstGeom prst="rect">
             <a:avLst/>
@@ -7926,7 +7926,7 @@
         <p:spPr>
           <a:xfrm>
             <a:off x="8280000" y="5004000"/>
-            <a:ext cx="141840" cy="105840"/>
+            <a:ext cx="141480" cy="105480"/>
           </a:xfrm>
           <a:prstGeom prst="rect">
             <a:avLst/>
@@ -7950,7 +7950,7 @@
                 <a:spcPct val="100000"/>
               </a:lnSpc>
             </a:pPr>
-            <a:fld id="{4E3B1490-85DD-4E0C-BB71-CEA20E173028}" type="slidenum">
+            <a:fld id="{5B5057E0-B0A2-4FFF-B2E7-CD80D292CE8F}" type="slidenum">
               <a:rPr b="0" lang="en-US" sz="600" spc="-1" strike="noStrike">
                 <a:solidFill>
                   <a:srgbClr val="ffffff"/>
@@ -7975,7 +7975,7 @@
         <p:spPr>
           <a:xfrm>
             <a:off x="876240" y="778320"/>
-            <a:ext cx="6621840" cy="3885120"/>
+            <a:ext cx="6621480" cy="3884760"/>
           </a:xfrm>
           <a:prstGeom prst="rect">
             <a:avLst/>
@@ -8004,7 +8004,7 @@
             </a:endParaRPr>
           </a:p>
           <a:p>
-            <a:pPr marL="285840" indent="-283680">
+            <a:pPr marL="285840" indent="-283320">
               <a:lnSpc>
                 <a:spcPct val="120000"/>
               </a:lnSpc>
@@ -8029,7 +8029,7 @@
             </a:endParaRPr>
           </a:p>
           <a:p>
-            <a:pPr marL="285840" indent="-283680">
+            <a:pPr marL="285840" indent="-283320">
               <a:lnSpc>
                 <a:spcPct val="120000"/>
               </a:lnSpc>
@@ -8054,7 +8054,7 @@
             </a:endParaRPr>
           </a:p>
           <a:p>
-            <a:pPr marL="285840" indent="-283680">
+            <a:pPr marL="285840" indent="-283320">
               <a:lnSpc>
                 <a:spcPct val="120000"/>
               </a:lnSpc>
@@ -8079,7 +8079,7 @@
             </a:endParaRPr>
           </a:p>
           <a:p>
-            <a:pPr marL="285840" indent="-283680">
+            <a:pPr marL="285840" indent="-283320">
               <a:lnSpc>
                 <a:spcPct val="120000"/>
               </a:lnSpc>
@@ -8104,7 +8104,7 @@
             </a:endParaRPr>
           </a:p>
           <a:p>
-            <a:pPr marL="285840" indent="-283680">
+            <a:pPr marL="285840" indent="-283320">
               <a:lnSpc>
                 <a:spcPct val="120000"/>
               </a:lnSpc>
@@ -8228,7 +8228,7 @@
         <p:spPr>
           <a:xfrm>
             <a:off x="720000" y="288000"/>
-            <a:ext cx="6621840" cy="501840"/>
+            <a:ext cx="6621480" cy="501480"/>
           </a:xfrm>
           <a:prstGeom prst="rect">
             <a:avLst/>
@@ -8277,7 +8277,7 @@
         <p:spPr>
           <a:xfrm>
             <a:off x="4968000" y="5004000"/>
-            <a:ext cx="3237840" cy="105840"/>
+            <a:ext cx="3237480" cy="105480"/>
           </a:xfrm>
           <a:prstGeom prst="rect">
             <a:avLst/>
@@ -8326,7 +8326,7 @@
         <p:spPr>
           <a:xfrm>
             <a:off x="8280000" y="5004000"/>
-            <a:ext cx="141840" cy="105840"/>
+            <a:ext cx="141480" cy="105480"/>
           </a:xfrm>
           <a:prstGeom prst="rect">
             <a:avLst/>
@@ -8350,7 +8350,7 @@
                 <a:spcPct val="100000"/>
               </a:lnSpc>
             </a:pPr>
-            <a:fld id="{F72F2F97-EA1C-4692-BADC-31096DE54B13}" type="slidenum">
+            <a:fld id="{15196F25-95C0-40CB-8F39-CE0D2D816732}" type="slidenum">
               <a:rPr b="0" lang="en-US" sz="600" spc="-1" strike="noStrike">
                 <a:solidFill>
                   <a:srgbClr val="ffffff"/>
@@ -8375,7 +8375,7 @@
         <p:spPr>
           <a:xfrm>
             <a:off x="640080" y="822960"/>
-            <a:ext cx="6621840" cy="3885120"/>
+            <a:ext cx="6621480" cy="3884760"/>
           </a:xfrm>
           <a:prstGeom prst="rect">
             <a:avLst/>
@@ -8404,7 +8404,7 @@
             </a:endParaRPr>
           </a:p>
           <a:p>
-            <a:pPr marL="285840" indent="-283680">
+            <a:pPr marL="285840" indent="-283320">
               <a:lnSpc>
                 <a:spcPct val="120000"/>
               </a:lnSpc>
@@ -8429,7 +8429,7 @@
             </a:endParaRPr>
           </a:p>
           <a:p>
-            <a:pPr marL="285840" indent="-283680">
+            <a:pPr marL="285840" indent="-283320">
               <a:lnSpc>
                 <a:spcPct val="120000"/>
               </a:lnSpc>
@@ -8447,89 +8447,14 @@
                 <a:latin typeface="Arial"/>
                 <a:ea typeface="DejaVu Sans"/>
               </a:rPr>
-              <a:t>Create a function which can be called to handle requests to the back-end using `window.fetch()`.</a:t>
+              <a:t>Create a fetch function which can be called to handle requests to the back-end using `window.fetch()`.</a:t>
             </a:r>
             <a:endParaRPr b="0" lang="en-US" sz="1500" spc="-1" strike="noStrike">
               <a:latin typeface="Arial"/>
             </a:endParaRPr>
           </a:p>
           <a:p>
-            <a:pPr marL="285840" indent="-283680">
-              <a:lnSpc>
-                <a:spcPct val="120000"/>
-              </a:lnSpc>
-              <a:buClr>
-                <a:srgbClr val="000000"/>
-              </a:buClr>
-              <a:buFont typeface="Arial"/>
-              <a:buChar char="•"/>
-            </a:pPr>
-            <a:r>
-              <a:rPr b="0" lang="en-US" sz="1500" spc="-1" strike="noStrike">
-                <a:solidFill>
-                  <a:srgbClr val="000000"/>
-                </a:solidFill>
-                <a:latin typeface="Arial"/>
-                <a:ea typeface="DejaVu Sans"/>
-              </a:rPr>
-              <a:t>As an option, pass the correct headers (`accept: “application/json”`)</a:t>
-            </a:r>
-            <a:endParaRPr b="0" lang="en-US" sz="1500" spc="-1" strike="noStrike">
-              <a:latin typeface="Arial"/>
-            </a:endParaRPr>
-          </a:p>
-          <a:p>
-            <a:pPr marL="285840" indent="-283680">
-              <a:lnSpc>
-                <a:spcPct val="120000"/>
-              </a:lnSpc>
-              <a:buClr>
-                <a:srgbClr val="000000"/>
-              </a:buClr>
-              <a:buFont typeface="Arial"/>
-              <a:buChar char="•"/>
-            </a:pPr>
-            <a:r>
-              <a:rPr b="0" lang="en-US" sz="1500" spc="-1" strike="noStrike">
-                <a:solidFill>
-                  <a:srgbClr val="000000"/>
-                </a:solidFill>
-                <a:latin typeface="Arial"/>
-                <a:ea typeface="DejaVu Sans"/>
-              </a:rPr>
-              <a:t>Add error handling for response errors to this function</a:t>
-            </a:r>
-            <a:endParaRPr b="0" lang="en-US" sz="1500" spc="-1" strike="noStrike">
-              <a:latin typeface="Arial"/>
-            </a:endParaRPr>
-          </a:p>
-          <a:p>
-            <a:pPr marL="285840" indent="-283680">
-              <a:lnSpc>
-                <a:spcPct val="120000"/>
-              </a:lnSpc>
-              <a:buClr>
-                <a:srgbClr val="000000"/>
-              </a:buClr>
-              <a:buFont typeface="Arial"/>
-              <a:buChar char="•"/>
-            </a:pPr>
-            <a:r>
-              <a:rPr b="0" lang="en-US" sz="1500" spc="-1" strike="noStrike">
-                <a:solidFill>
-                  <a:srgbClr val="000000"/>
-                </a:solidFill>
-                <a:latin typeface="Arial"/>
-                <a:ea typeface="DejaVu Sans"/>
-              </a:rPr>
-              <a:t>Add error handling for network errors to this function</a:t>
-            </a:r>
-            <a:endParaRPr b="0" lang="en-US" sz="1500" spc="-1" strike="noStrike">
-              <a:latin typeface="Arial"/>
-            </a:endParaRPr>
-          </a:p>
-          <a:p>
-            <a:pPr marL="285840" indent="-283680">
+            <a:pPr marL="285840" indent="-283320">
               <a:lnSpc>
                 <a:spcPct val="120000"/>
               </a:lnSpc>
@@ -8548,6 +8473,71 @@
                 <a:ea typeface="DejaVu Sans"/>
               </a:rPr>
               <a:t>Use this function to fetch the accommodations in the lifecyclemethod `componentDidMount()` in `Accommodations.js`. Be aware this is an asynchronous process, so return `null` in the render method until the accommodations have been loaded!</a:t>
+            </a:r>
+            <a:endParaRPr b="0" lang="en-US" sz="1500" spc="-1" strike="noStrike">
+              <a:latin typeface="Arial"/>
+            </a:endParaRPr>
+          </a:p>
+          <a:p>
+            <a:pPr marL="285840" indent="-283320">
+              <a:lnSpc>
+                <a:spcPct val="120000"/>
+              </a:lnSpc>
+              <a:buClr>
+                <a:srgbClr val="000000"/>
+              </a:buClr>
+              <a:buFont typeface="Arial"/>
+              <a:buChar char="•"/>
+            </a:pPr>
+            <a:endParaRPr b="0" lang="en-US" sz="1500" spc="-1" strike="noStrike">
+              <a:latin typeface="Arial"/>
+            </a:endParaRPr>
+          </a:p>
+          <a:p>
+            <a:pPr marL="285840" indent="-283320">
+              <a:lnSpc>
+                <a:spcPct val="120000"/>
+              </a:lnSpc>
+              <a:buClr>
+                <a:srgbClr val="000000"/>
+              </a:buClr>
+              <a:buFont typeface="Arial"/>
+              <a:buChar char="•"/>
+            </a:pPr>
+            <a:r>
+              <a:rPr b="0" lang="en-US" sz="1500" spc="-1" strike="noStrike">
+                <a:solidFill>
+                  <a:srgbClr val="000000"/>
+                </a:solidFill>
+                <a:latin typeface="Arial"/>
+                <a:ea typeface="DejaVu Sans"/>
+              </a:rPr>
+              <a:t>Bonus: Add error handling for response errors to your fetch function</a:t>
+            </a:r>
+            <a:endParaRPr b="0" lang="en-US" sz="1500" spc="-1" strike="noStrike">
+              <a:latin typeface="Arial"/>
+            </a:endParaRPr>
+          </a:p>
+          <a:p>
+            <a:pPr marL="285840" indent="-283320">
+              <a:lnSpc>
+                <a:spcPct val="120000"/>
+              </a:lnSpc>
+              <a:buClr>
+                <a:srgbClr val="000000"/>
+              </a:buClr>
+              <a:buFont typeface="Arial"/>
+              <a:buChar char="•"/>
+            </a:pPr>
+            <a:r>
+              <a:rPr b="0" lang="en-US" sz="1500" spc="-1" strike="noStrike">
+                <a:solidFill>
+                  <a:srgbClr val="000000"/>
+                </a:solidFill>
+                <a:latin typeface="Arial"/>
+                <a:ea typeface="DejaVu Sans"/>
+              </a:rPr>
+              <a:t>Bonus: Add error handling for network errors to your fetch function</a:t>
             </a:r>
             <a:endParaRPr b="0" lang="en-US" sz="1500" spc="-1" strike="noStrike">
               <a:latin typeface="Arial"/>

--- a/sig2/slides/SIG react 2.pptx
+++ b/sig2/slides/SIG react 2.pptx
@@ -4059,7 +4059,7 @@
         <p:spPr>
           <a:xfrm>
             <a:off x="7200000" y="360000"/>
-            <a:ext cx="1256400" cy="284040"/>
+            <a:ext cx="1256040" cy="283680"/>
           </a:xfrm>
           <a:prstGeom prst="rect">
             <a:avLst/>
@@ -4082,7 +4082,7 @@
         <p:spPr>
           <a:xfrm>
             <a:off x="0" y="4966560"/>
-            <a:ext cx="9141480" cy="174240"/>
+            <a:ext cx="9141120" cy="173880"/>
           </a:xfrm>
           <a:prstGeom prst="rect">
             <a:avLst/>
@@ -4139,7 +4139,7 @@
         <p:spPr>
           <a:xfrm>
             <a:off x="0" y="4966560"/>
-            <a:ext cx="9141480" cy="174240"/>
+            <a:ext cx="9141120" cy="173880"/>
           </a:xfrm>
           <a:prstGeom prst="rect">
             <a:avLst/>
@@ -4162,7 +4162,7 @@
         <p:spPr>
           <a:xfrm>
             <a:off x="648000" y="108000"/>
-            <a:ext cx="2877840" cy="646560"/>
+            <a:ext cx="2877480" cy="646200"/>
           </a:xfrm>
           <a:prstGeom prst="rect">
             <a:avLst/>
@@ -4443,7 +4443,7 @@
         <p:spPr>
           <a:xfrm>
             <a:off x="7200000" y="360000"/>
-            <a:ext cx="1256400" cy="284040"/>
+            <a:ext cx="1256040" cy="283680"/>
           </a:xfrm>
           <a:prstGeom prst="rect">
             <a:avLst/>
@@ -4466,7 +4466,7 @@
         <p:spPr>
           <a:xfrm>
             <a:off x="0" y="4966560"/>
-            <a:ext cx="9141480" cy="174240"/>
+            <a:ext cx="9141120" cy="173880"/>
           </a:xfrm>
           <a:prstGeom prst="rect">
             <a:avLst/>
@@ -4781,7 +4781,7 @@
         <p:spPr>
           <a:xfrm>
             <a:off x="7200000" y="360000"/>
-            <a:ext cx="1256400" cy="284040"/>
+            <a:ext cx="1256040" cy="283680"/>
           </a:xfrm>
           <a:prstGeom prst="rect">
             <a:avLst/>
@@ -4804,7 +4804,7 @@
         <p:spPr>
           <a:xfrm>
             <a:off x="0" y="4966560"/>
-            <a:ext cx="9141480" cy="174240"/>
+            <a:ext cx="9141120" cy="173880"/>
           </a:xfrm>
           <a:prstGeom prst="rect">
             <a:avLst/>
@@ -4857,7 +4857,7 @@
         <p:spPr>
           <a:xfrm>
             <a:off x="0" y="812880"/>
-            <a:ext cx="9141480" cy="3507480"/>
+            <a:ext cx="9141120" cy="3507120"/>
           </a:xfrm>
           <a:prstGeom prst="rect">
             <a:avLst/>
@@ -5149,7 +5149,7 @@
         <p:spPr>
           <a:xfrm>
             <a:off x="0" y="810000"/>
-            <a:ext cx="9141480" cy="3345480"/>
+            <a:ext cx="9141120" cy="3345120"/>
           </a:xfrm>
           <a:prstGeom prst="rect">
             <a:avLst/>
@@ -5171,7 +5171,7 @@
         <p:spPr>
           <a:xfrm>
             <a:off x="5400000" y="1548000"/>
-            <a:ext cx="3021480" cy="3021480"/>
+            <a:ext cx="3021120" cy="3021120"/>
           </a:xfrm>
           <a:prstGeom prst="rect">
             <a:avLst/>
@@ -5275,14 +5275,14 @@
       </p:grpSpPr>
       <p:sp>
         <p:nvSpPr>
-          <p:cNvPr id="156" name="CustomShape 1"/>
+          <p:cNvPr id="177" name="CustomShape 1"/>
           <p:cNvSpPr/>
           <p:nvPr/>
         </p:nvSpPr>
         <p:spPr>
           <a:xfrm>
             <a:off x="720000" y="288000"/>
-            <a:ext cx="6621480" cy="501480"/>
+            <a:ext cx="6621120" cy="501120"/>
           </a:xfrm>
           <a:prstGeom prst="rect">
             <a:avLst/>
@@ -5324,14 +5324,14 @@
       </p:sp>
       <p:sp>
         <p:nvSpPr>
-          <p:cNvPr id="157" name="CustomShape 2"/>
+          <p:cNvPr id="178" name="CustomShape 2"/>
           <p:cNvSpPr/>
           <p:nvPr/>
         </p:nvSpPr>
         <p:spPr>
           <a:xfrm>
             <a:off x="4968000" y="5004000"/>
-            <a:ext cx="3237480" cy="105480"/>
+            <a:ext cx="3237120" cy="105120"/>
           </a:xfrm>
           <a:prstGeom prst="rect">
             <a:avLst/>
@@ -5373,14 +5373,14 @@
       </p:sp>
       <p:sp>
         <p:nvSpPr>
-          <p:cNvPr id="158" name="CustomShape 3"/>
+          <p:cNvPr id="179" name="CustomShape 3"/>
           <p:cNvSpPr/>
           <p:nvPr/>
         </p:nvSpPr>
         <p:spPr>
           <a:xfrm>
             <a:off x="8280000" y="5004000"/>
-            <a:ext cx="141480" cy="105480"/>
+            <a:ext cx="141120" cy="105120"/>
           </a:xfrm>
           <a:prstGeom prst="rect">
             <a:avLst/>
@@ -5404,7 +5404,7 @@
                 <a:spcPct val="100000"/>
               </a:lnSpc>
             </a:pPr>
-            <a:fld id="{62E884CA-AEFE-4919-99F5-CDA5659E1C2E}" type="slidenum">
+            <a:fld id="{51E2A1BD-09B2-4F0B-A6CF-747868A6B629}" type="slidenum">
               <a:rPr b="0" lang="en-US" sz="600" spc="-1" strike="noStrike">
                 <a:solidFill>
                   <a:srgbClr val="ffffff"/>
@@ -5422,14 +5422,14 @@
       </p:sp>
       <p:sp>
         <p:nvSpPr>
-          <p:cNvPr id="159" name="CustomShape 4"/>
+          <p:cNvPr id="180" name="CustomShape 4"/>
           <p:cNvSpPr/>
           <p:nvPr/>
         </p:nvSpPr>
         <p:spPr>
           <a:xfrm>
             <a:off x="640080" y="822960"/>
-            <a:ext cx="6621480" cy="3884760"/>
+            <a:ext cx="6621120" cy="3884400"/>
           </a:xfrm>
           <a:prstGeom prst="rect">
             <a:avLst/>
@@ -5458,7 +5458,7 @@
             </a:endParaRPr>
           </a:p>
           <a:p>
-            <a:pPr marL="285840" indent="-283320">
+            <a:pPr marL="285840" indent="-282960">
               <a:lnSpc>
                 <a:spcPct val="120000"/>
               </a:lnSpc>
@@ -5476,7 +5476,57 @@
                 <a:latin typeface="Arial"/>
                 <a:ea typeface="DejaVu Sans"/>
               </a:rPr>
-              <a:t>Add PropTypes from the package prop-types</a:t>
+              <a:t>Add PropTypes from the package prop-types to the AppBar and AccommodationCard components</a:t>
+            </a:r>
+            <a:endParaRPr b="0" lang="en-US" sz="1500" spc="-1" strike="noStrike">
+              <a:latin typeface="Arial"/>
+            </a:endParaRPr>
+          </a:p>
+          <a:p>
+            <a:pPr marL="285840" indent="-282960">
+              <a:lnSpc>
+                <a:spcPct val="120000"/>
+              </a:lnSpc>
+              <a:buClr>
+                <a:srgbClr val="000000"/>
+              </a:buClr>
+              <a:buFont typeface="Arial"/>
+              <a:buChar char="•"/>
+            </a:pPr>
+            <a:r>
+              <a:rPr b="0" lang="en-US" sz="1500" spc="-1" strike="noStrike">
+                <a:solidFill>
+                  <a:srgbClr val="000000"/>
+                </a:solidFill>
+                <a:latin typeface="Arial"/>
+                <a:ea typeface="DejaVu Sans"/>
+              </a:rPr>
+              <a:t>Use `PropTypes.shape({...})` to describe an object</a:t>
+            </a:r>
+            <a:endParaRPr b="0" lang="en-US" sz="1500" spc="-1" strike="noStrike">
+              <a:latin typeface="Arial"/>
+            </a:endParaRPr>
+          </a:p>
+          <a:p>
+            <a:pPr marL="285840" indent="-282960">
+              <a:lnSpc>
+                <a:spcPct val="120000"/>
+              </a:lnSpc>
+              <a:buClr>
+                <a:srgbClr val="000000"/>
+              </a:buClr>
+              <a:buFont typeface="Arial"/>
+              <a:buChar char="•"/>
+            </a:pPr>
+            <a:r>
+              <a:rPr b="0" lang="en-US" sz="1500" spc="-1" strike="noStrike">
+                <a:solidFill>
+                  <a:srgbClr val="000000"/>
+                </a:solidFill>
+                <a:latin typeface="Arial"/>
+                <a:ea typeface="DejaVu Sans"/>
+              </a:rPr>
+              <a:t>Give a prop a wrong PropType and open the terminal to see what happens</a:t>
             </a:r>
             <a:endParaRPr b="0" lang="en-US" sz="1500" spc="-1" strike="noStrike">
               <a:latin typeface="Arial"/>
@@ -5545,14 +5595,14 @@
       </p:grpSpPr>
       <p:sp>
         <p:nvSpPr>
-          <p:cNvPr id="160" name="CustomShape 1"/>
+          <p:cNvPr id="181" name="CustomShape 1"/>
           <p:cNvSpPr/>
           <p:nvPr/>
         </p:nvSpPr>
         <p:spPr>
           <a:xfrm>
             <a:off x="720000" y="288000"/>
-            <a:ext cx="6621480" cy="501480"/>
+            <a:ext cx="6621120" cy="501120"/>
           </a:xfrm>
           <a:prstGeom prst="rect">
             <a:avLst/>
@@ -5594,14 +5644,14 @@
       </p:sp>
       <p:sp>
         <p:nvSpPr>
-          <p:cNvPr id="161" name="CustomShape 2"/>
+          <p:cNvPr id="182" name="CustomShape 2"/>
           <p:cNvSpPr/>
           <p:nvPr/>
         </p:nvSpPr>
         <p:spPr>
           <a:xfrm>
             <a:off x="4968000" y="5004000"/>
-            <a:ext cx="3237480" cy="105480"/>
+            <a:ext cx="3237120" cy="105120"/>
           </a:xfrm>
           <a:prstGeom prst="rect">
             <a:avLst/>
@@ -5643,14 +5693,14 @@
       </p:sp>
       <p:sp>
         <p:nvSpPr>
-          <p:cNvPr id="162" name="CustomShape 3"/>
+          <p:cNvPr id="183" name="CustomShape 3"/>
           <p:cNvSpPr/>
           <p:nvPr/>
         </p:nvSpPr>
         <p:spPr>
           <a:xfrm>
             <a:off x="8280000" y="5004000"/>
-            <a:ext cx="141480" cy="105480"/>
+            <a:ext cx="141120" cy="105120"/>
           </a:xfrm>
           <a:prstGeom prst="rect">
             <a:avLst/>
@@ -5674,7 +5724,7 @@
                 <a:spcPct val="100000"/>
               </a:lnSpc>
             </a:pPr>
-            <a:fld id="{0C54FF32-62D1-4BF0-BD68-730A1AEDD802}" type="slidenum">
+            <a:fld id="{0AC73A3B-EBC2-4F1B-AE3A-73149998175B}" type="slidenum">
               <a:rPr b="0" lang="en-US" sz="600" spc="-1" strike="noStrike">
                 <a:solidFill>
                   <a:srgbClr val="ffffff"/>
@@ -5692,14 +5742,14 @@
       </p:sp>
       <p:sp>
         <p:nvSpPr>
-          <p:cNvPr id="163" name="CustomShape 4"/>
+          <p:cNvPr id="184" name="CustomShape 4"/>
           <p:cNvSpPr/>
           <p:nvPr/>
         </p:nvSpPr>
         <p:spPr>
           <a:xfrm>
             <a:off x="640080" y="822960"/>
-            <a:ext cx="6621480" cy="3884760"/>
+            <a:ext cx="6621120" cy="3884400"/>
           </a:xfrm>
           <a:prstGeom prst="rect">
             <a:avLst/>
@@ -5728,7 +5778,7 @@
             </a:endParaRPr>
           </a:p>
           <a:p>
-            <a:pPr marL="285840" indent="-283320">
+            <a:pPr marL="285840" indent="-282960">
               <a:lnSpc>
                 <a:spcPct val="120000"/>
               </a:lnSpc>
@@ -5753,7 +5803,7 @@
             </a:endParaRPr>
           </a:p>
           <a:p>
-            <a:pPr marL="285840" indent="-283320">
+            <a:pPr marL="285840" indent="-282960">
               <a:lnSpc>
                 <a:spcPct val="120000"/>
               </a:lnSpc>
@@ -5778,7 +5828,7 @@
             </a:endParaRPr>
           </a:p>
           <a:p>
-            <a:pPr marL="285840" indent="-283320">
+            <a:pPr marL="285840" indent="-282960">
               <a:lnSpc>
                 <a:spcPct val="120000"/>
               </a:lnSpc>
@@ -5803,7 +5853,7 @@
             </a:endParaRPr>
           </a:p>
           <a:p>
-            <a:pPr marL="285840" indent="-283320">
+            <a:pPr marL="285840" indent="-282960">
               <a:lnSpc>
                 <a:spcPct val="120000"/>
               </a:lnSpc>
@@ -5828,7 +5878,7 @@
             </a:endParaRPr>
           </a:p>
           <a:p>
-            <a:pPr marL="285840" indent="-283320">
+            <a:pPr marL="285840" indent="-282960">
               <a:lnSpc>
                 <a:spcPct val="120000"/>
               </a:lnSpc>
@@ -5853,7 +5903,7 @@
             </a:endParaRPr>
           </a:p>
           <a:p>
-            <a:pPr marL="285840" indent="-283320">
+            <a:pPr marL="285840" indent="-282960">
               <a:lnSpc>
                 <a:spcPct val="120000"/>
               </a:lnSpc>
@@ -5878,7 +5928,7 @@
             </a:endParaRPr>
           </a:p>
           <a:p>
-            <a:pPr marL="285840" indent="-283320">
+            <a:pPr marL="285840" indent="-282960">
               <a:lnSpc>
                 <a:spcPct val="120000"/>
               </a:lnSpc>
@@ -5903,10 +5953,70 @@
             </a:endParaRPr>
           </a:p>
           <a:p>
-            <a:pPr>
+            <a:pPr marL="285840" indent="-282960">
               <a:lnSpc>
                 <a:spcPct val="120000"/>
               </a:lnSpc>
+              <a:buClr>
+                <a:srgbClr val="000000"/>
+              </a:buClr>
+              <a:buFont typeface="Arial"/>
+              <a:buChar char="•"/>
+            </a:pPr>
+            <a:endParaRPr b="0" lang="en-US" sz="1500" spc="-1" strike="noStrike">
+              <a:latin typeface="Arial"/>
+            </a:endParaRPr>
+          </a:p>
+          <a:p>
+            <a:pPr marL="285840" indent="-282960">
+              <a:lnSpc>
+                <a:spcPct val="120000"/>
+              </a:lnSpc>
+              <a:buClr>
+                <a:srgbClr val="000000"/>
+              </a:buClr>
+              <a:buFont typeface="Arial"/>
+              <a:buChar char="•"/>
+            </a:pPr>
+            <a:r>
+              <a:rPr b="0" lang="en-US" sz="1500" spc="-1" strike="noStrike">
+                <a:solidFill>
+                  <a:srgbClr val="000000"/>
+                </a:solidFill>
+                <a:latin typeface="Arial"/>
+                <a:ea typeface="DejaVu Sans"/>
+              </a:rPr>
+              <a:t>Visit localhost:3000/[accommodation id] and see if your detail page renders. Why not?</a:t>
+            </a:r>
+            <a:endParaRPr b="0" lang="en-US" sz="1500" spc="-1" strike="noStrike">
+              <a:latin typeface="Arial"/>
+            </a:endParaRPr>
+          </a:p>
+          <a:p>
+            <a:pPr marL="285840" indent="-282960">
+              <a:lnSpc>
+                <a:spcPct val="120000"/>
+              </a:lnSpc>
+              <a:buClr>
+                <a:srgbClr val="000000"/>
+              </a:buClr>
+              <a:buFont typeface="Arial"/>
+              <a:buChar char="•"/>
+            </a:pPr>
+            <a:endParaRPr b="0" lang="en-US" sz="1500" spc="-1" strike="noStrike">
+              <a:latin typeface="Arial"/>
+            </a:endParaRPr>
+          </a:p>
+          <a:p>
+            <a:pPr marL="285840" indent="-282960">
+              <a:lnSpc>
+                <a:spcPct val="120000"/>
+              </a:lnSpc>
+              <a:buClr>
+                <a:srgbClr val="000000"/>
+              </a:buClr>
+              <a:buFont typeface="Arial"/>
+              <a:buChar char="•"/>
             </a:pPr>
             <a:endParaRPr b="0" lang="en-US" sz="1500" spc="-1" strike="noStrike">
               <a:latin typeface="Arial"/>
@@ -5965,14 +6075,14 @@
       </p:grpSpPr>
       <p:sp>
         <p:nvSpPr>
-          <p:cNvPr id="164" name="CustomShape 1"/>
+          <p:cNvPr id="185" name="CustomShape 1"/>
           <p:cNvSpPr/>
           <p:nvPr/>
         </p:nvSpPr>
         <p:spPr>
           <a:xfrm>
             <a:off x="720000" y="288000"/>
-            <a:ext cx="6621480" cy="501480"/>
+            <a:ext cx="6621120" cy="501120"/>
           </a:xfrm>
           <a:prstGeom prst="rect">
             <a:avLst/>
@@ -6014,14 +6124,14 @@
       </p:sp>
       <p:sp>
         <p:nvSpPr>
-          <p:cNvPr id="165" name="CustomShape 2"/>
+          <p:cNvPr id="186" name="CustomShape 2"/>
           <p:cNvSpPr/>
           <p:nvPr/>
         </p:nvSpPr>
         <p:spPr>
           <a:xfrm>
             <a:off x="4968000" y="5004000"/>
-            <a:ext cx="3237480" cy="105480"/>
+            <a:ext cx="3237120" cy="105120"/>
           </a:xfrm>
           <a:prstGeom prst="rect">
             <a:avLst/>
@@ -6063,14 +6173,14 @@
       </p:sp>
       <p:sp>
         <p:nvSpPr>
-          <p:cNvPr id="166" name="CustomShape 3"/>
+          <p:cNvPr id="187" name="CustomShape 3"/>
           <p:cNvSpPr/>
           <p:nvPr/>
         </p:nvSpPr>
         <p:spPr>
           <a:xfrm>
             <a:off x="8280000" y="5004000"/>
-            <a:ext cx="141480" cy="105480"/>
+            <a:ext cx="141120" cy="105120"/>
           </a:xfrm>
           <a:prstGeom prst="rect">
             <a:avLst/>
@@ -6094,7 +6204,7 @@
                 <a:spcPct val="100000"/>
               </a:lnSpc>
             </a:pPr>
-            <a:fld id="{530E8619-112D-4109-BB18-B52B8EB8B07C}" type="slidenum">
+            <a:fld id="{360B960C-B1BF-4A5A-B963-7CC1A415C9DC}" type="slidenum">
               <a:rPr b="0" lang="en-US" sz="600" spc="-1" strike="noStrike">
                 <a:solidFill>
                   <a:srgbClr val="ffffff"/>
@@ -6112,14 +6222,14 @@
       </p:sp>
       <p:sp>
         <p:nvSpPr>
-          <p:cNvPr id="167" name="CustomShape 4"/>
+          <p:cNvPr id="188" name="CustomShape 4"/>
           <p:cNvSpPr/>
           <p:nvPr/>
         </p:nvSpPr>
         <p:spPr>
           <a:xfrm>
             <a:off x="601560" y="822960"/>
-            <a:ext cx="6621480" cy="3884760"/>
+            <a:ext cx="6621120" cy="3884400"/>
           </a:xfrm>
           <a:prstGeom prst="rect">
             <a:avLst/>
@@ -6148,7 +6258,7 @@
             </a:endParaRPr>
           </a:p>
           <a:p>
-            <a:pPr marL="285840" indent="-283320">
+            <a:pPr marL="285840" indent="-282960">
               <a:lnSpc>
                 <a:spcPct val="120000"/>
               </a:lnSpc>
@@ -6166,7 +6276,117 @@
                 <a:latin typeface="Arial"/>
                 <a:ea typeface="DejaVu Sans"/>
               </a:rPr>
-              <a:t>Replace the CSS with react-jss using withStyles from material-ui </a:t>
+              <a:t>Add a styles object to every styled component:</a:t>
+            </a:r>
+            <a:endParaRPr b="0" lang="en-US" sz="1500" spc="-1" strike="noStrike">
+              <a:latin typeface="Arial"/>
+            </a:endParaRPr>
+          </a:p>
+          <a:p>
+            <a:pPr marL="285840" indent="-282960">
+              <a:lnSpc>
+                <a:spcPct val="120000"/>
+              </a:lnSpc>
+              <a:buClr>
+                <a:srgbClr val="000000"/>
+              </a:buClr>
+              <a:buFont typeface="Arial"/>
+              <a:buChar char="•"/>
+            </a:pPr>
+            <a:endParaRPr b="0" lang="en-US" sz="1500" spc="-1" strike="noStrike">
+              <a:latin typeface="Arial"/>
+            </a:endParaRPr>
+          </a:p>
+          <a:p>
+            <a:pPr marL="285840" indent="-282960">
+              <a:lnSpc>
+                <a:spcPct val="120000"/>
+              </a:lnSpc>
+              <a:buClr>
+                <a:srgbClr val="000000"/>
+              </a:buClr>
+              <a:buFont typeface="Arial"/>
+              <a:buChar char="•"/>
+            </a:pPr>
+            <a:endParaRPr b="0" lang="en-US" sz="1500" spc="-1" strike="noStrike">
+              <a:latin typeface="Arial"/>
+            </a:endParaRPr>
+          </a:p>
+          <a:p>
+            <a:pPr marL="285840" indent="-282960">
+              <a:lnSpc>
+                <a:spcPct val="120000"/>
+              </a:lnSpc>
+              <a:buClr>
+                <a:srgbClr val="000000"/>
+              </a:buClr>
+              <a:buFont typeface="Arial"/>
+              <a:buChar char="•"/>
+            </a:pPr>
+            <a:r>
+              <a:rPr b="0" lang="en-US" sz="1500" spc="-1" strike="noStrike">
+                <a:solidFill>
+                  <a:srgbClr val="000000"/>
+                </a:solidFill>
+                <a:latin typeface="Arial"/>
+                <a:ea typeface="DejaVu Sans"/>
+              </a:rPr>
+              <a:t>Provide the styles to your component in its props:</a:t>
+            </a:r>
+            <a:endParaRPr b="0" lang="en-US" sz="1500" spc="-1" strike="noStrike">
+              <a:latin typeface="Arial"/>
+            </a:endParaRPr>
+          </a:p>
+          <a:p>
+            <a:pPr marL="285840" indent="-282960">
+              <a:lnSpc>
+                <a:spcPct val="120000"/>
+              </a:lnSpc>
+              <a:buClr>
+                <a:srgbClr val="000000"/>
+              </a:buClr>
+              <a:buFont typeface="Arial"/>
+              <a:buChar char="•"/>
+            </a:pPr>
+            <a:endParaRPr b="0" lang="en-US" sz="1500" spc="-1" strike="noStrike">
+              <a:latin typeface="Arial"/>
+            </a:endParaRPr>
+          </a:p>
+          <a:p>
+            <a:pPr marL="285840" indent="-282960">
+              <a:lnSpc>
+                <a:spcPct val="120000"/>
+              </a:lnSpc>
+              <a:buClr>
+                <a:srgbClr val="000000"/>
+              </a:buClr>
+              <a:buFont typeface="Arial"/>
+              <a:buChar char="•"/>
+            </a:pPr>
+            <a:endParaRPr b="0" lang="en-US" sz="1500" spc="-1" strike="noStrike">
+              <a:latin typeface="Arial"/>
+            </a:endParaRPr>
+          </a:p>
+          <a:p>
+            <a:pPr marL="285840" indent="-282960">
+              <a:lnSpc>
+                <a:spcPct val="120000"/>
+              </a:lnSpc>
+              <a:buClr>
+                <a:srgbClr val="000000"/>
+              </a:buClr>
+              <a:buFont typeface="Arial"/>
+              <a:buChar char="•"/>
+            </a:pPr>
+            <a:r>
+              <a:rPr b="0" lang="en-US" sz="1500" spc="-1" strike="noStrike">
+                <a:solidFill>
+                  <a:srgbClr val="000000"/>
+                </a:solidFill>
+                <a:latin typeface="Arial"/>
+                <a:ea typeface="DejaVu Sans"/>
+              </a:rPr>
+              <a:t>Attach the classes to their corresponding elements: </a:t>
             </a:r>
             <a:endParaRPr b="0" lang="en-US" sz="1500" spc="-1" strike="noStrike">
               <a:latin typeface="Arial"/>
@@ -6184,6 +6404,75 @@
           </a:p>
         </p:txBody>
       </p:sp>
+      <p:pic>
+        <p:nvPicPr>
+          <p:cNvPr id="189" name="" descr=""/>
+          <p:cNvPicPr/>
+          <p:nvPr/>
+        </p:nvPicPr>
+        <p:blipFill>
+          <a:blip r:embed="rId1"/>
+          <a:stretch/>
+        </p:blipFill>
+        <p:spPr>
+          <a:xfrm>
+            <a:off x="5394960" y="939600"/>
+            <a:ext cx="1780920" cy="980640"/>
+          </a:xfrm>
+          <a:prstGeom prst="rect">
+            <a:avLst/>
+          </a:prstGeom>
+          <a:ln>
+            <a:noFill/>
+          </a:ln>
+        </p:spPr>
+      </p:pic>
+      <p:pic>
+        <p:nvPicPr>
+          <p:cNvPr id="190" name="" descr=""/>
+          <p:cNvPicPr/>
+          <p:nvPr/>
+        </p:nvPicPr>
+        <p:blipFill>
+          <a:blip r:embed="rId2"/>
+          <a:stretch/>
+        </p:blipFill>
+        <p:spPr>
+          <a:xfrm>
+            <a:off x="5429520" y="2817720"/>
+            <a:ext cx="2800080" cy="199800"/>
+          </a:xfrm>
+          <a:prstGeom prst="rect">
+            <a:avLst/>
+          </a:prstGeom>
+          <a:ln>
+            <a:noFill/>
+          </a:ln>
+        </p:spPr>
+      </p:pic>
+      <p:pic>
+        <p:nvPicPr>
+          <p:cNvPr id="191" name="" descr=""/>
+          <p:cNvPicPr/>
+          <p:nvPr/>
+        </p:nvPicPr>
+        <p:blipFill>
+          <a:blip r:embed="rId3"/>
+          <a:stretch/>
+        </p:blipFill>
+        <p:spPr>
+          <a:xfrm>
+            <a:off x="5394960" y="1920240"/>
+            <a:ext cx="3057120" cy="437760"/>
+          </a:xfrm>
+          <a:prstGeom prst="rect">
+            <a:avLst/>
+          </a:prstGeom>
+          <a:ln>
+            <a:noFill/>
+          </a:ln>
+        </p:spPr>
+      </p:pic>
     </p:spTree>
   </p:cSld>
   <p:timing>
@@ -6235,14 +6524,14 @@
       </p:grpSpPr>
       <p:sp>
         <p:nvSpPr>
-          <p:cNvPr id="168" name="CustomShape 1"/>
+          <p:cNvPr id="192" name="CustomShape 1"/>
           <p:cNvSpPr/>
           <p:nvPr/>
         </p:nvSpPr>
         <p:spPr>
           <a:xfrm>
             <a:off x="720000" y="288000"/>
-            <a:ext cx="6621480" cy="501480"/>
+            <a:ext cx="6621120" cy="501120"/>
           </a:xfrm>
           <a:prstGeom prst="rect">
             <a:avLst/>
@@ -6274,7 +6563,7 @@
                 <a:latin typeface="Arial"/>
                 <a:ea typeface="DejaVu Sans"/>
               </a:rPr>
-              <a:t>Hands-on: Fetching part deux</a:t>
+              <a:t>Hands-on: Fetching and routing part deux</a:t>
             </a:r>
             <a:endParaRPr b="0" lang="en-US" sz="1800" spc="-1" strike="noStrike">
               <a:latin typeface="Arial"/>
@@ -6284,14 +6573,14 @@
       </p:sp>
       <p:sp>
         <p:nvSpPr>
-          <p:cNvPr id="169" name="CustomShape 2"/>
+          <p:cNvPr id="193" name="CustomShape 2"/>
           <p:cNvSpPr/>
           <p:nvPr/>
         </p:nvSpPr>
         <p:spPr>
           <a:xfrm>
             <a:off x="4968000" y="5004000"/>
-            <a:ext cx="3237480" cy="105480"/>
+            <a:ext cx="3237120" cy="105120"/>
           </a:xfrm>
           <a:prstGeom prst="rect">
             <a:avLst/>
@@ -6333,14 +6622,14 @@
       </p:sp>
       <p:sp>
         <p:nvSpPr>
-          <p:cNvPr id="170" name="CustomShape 3"/>
+          <p:cNvPr id="194" name="CustomShape 3"/>
           <p:cNvSpPr/>
           <p:nvPr/>
         </p:nvSpPr>
         <p:spPr>
           <a:xfrm>
             <a:off x="8280000" y="5004000"/>
-            <a:ext cx="141480" cy="105480"/>
+            <a:ext cx="141120" cy="105120"/>
           </a:xfrm>
           <a:prstGeom prst="rect">
             <a:avLst/>
@@ -6364,7 +6653,7 @@
                 <a:spcPct val="100000"/>
               </a:lnSpc>
             </a:pPr>
-            <a:fld id="{F5049480-AF0E-4644-925B-0179361D7E37}" type="slidenum">
+            <a:fld id="{E2059D6F-8486-4FB4-BF31-727DC6FBC308}" type="slidenum">
               <a:rPr b="0" lang="en-US" sz="600" spc="-1" strike="noStrike">
                 <a:solidFill>
                   <a:srgbClr val="ffffff"/>
@@ -6382,14 +6671,14 @@
       </p:sp>
       <p:sp>
         <p:nvSpPr>
-          <p:cNvPr id="171" name="CustomShape 4"/>
+          <p:cNvPr id="195" name="CustomShape 4"/>
           <p:cNvSpPr/>
           <p:nvPr/>
         </p:nvSpPr>
         <p:spPr>
           <a:xfrm>
             <a:off x="601560" y="822960"/>
-            <a:ext cx="6621480" cy="3884760"/>
+            <a:ext cx="6621120" cy="3884400"/>
           </a:xfrm>
           <a:prstGeom prst="rect">
             <a:avLst/>
@@ -6418,7 +6707,37 @@
             </a:endParaRPr>
           </a:p>
           <a:p>
-            <a:pPr marL="285840" indent="-283320">
+            <a:pPr>
+              <a:lnSpc>
+                <a:spcPct val="120000"/>
+              </a:lnSpc>
+            </a:pPr>
+            <a:r>
+              <a:rPr b="0" lang="en-US" sz="1500" spc="-1" strike="noStrike">
+                <a:solidFill>
+                  <a:srgbClr val="000000"/>
+                </a:solidFill>
+                <a:latin typeface="Arial"/>
+                <a:ea typeface="DejaVu Sans"/>
+              </a:rPr>
+              <a:t>Add an onClick function to your AccommodationCard component which implements `this.props.history.push(...)`. This function is provided when you use `export default withRouter(AccommodationCard). WithRouter comes from the package ‘react-router-dom’.</a:t>
+            </a:r>
+            <a:endParaRPr b="0" lang="en-US" sz="1500" spc="-1" strike="noStrike">
+              <a:latin typeface="Arial"/>
+            </a:endParaRPr>
+          </a:p>
+          <a:p>
+            <a:pPr>
+              <a:lnSpc>
+                <a:spcPct val="120000"/>
+              </a:lnSpc>
+            </a:pPr>
+            <a:endParaRPr b="0" lang="en-US" sz="1500" spc="-1" strike="noStrike">
+              <a:latin typeface="Arial"/>
+            </a:endParaRPr>
+          </a:p>
+          <a:p>
+            <a:pPr marL="285840" indent="-282960">
               <a:lnSpc>
                 <a:spcPct val="120000"/>
               </a:lnSpc>
@@ -6436,14 +6755,14 @@
                 <a:latin typeface="Arial"/>
                 <a:ea typeface="DejaVu Sans"/>
               </a:rPr>
-              <a:t>Edit your accommodation detail component to use `export default withRouter(accommodation)`. WithRouter comes from the package react-router-dom.</a:t>
+              <a:t>Edit your accommodation detail component to use `export default withRouter(AccommodationDetail)`.</a:t>
             </a:r>
             <a:endParaRPr b="0" lang="en-US" sz="1500" spc="-1" strike="noStrike">
               <a:latin typeface="Arial"/>
             </a:endParaRPr>
           </a:p>
           <a:p>
-            <a:pPr marL="285840" indent="-283320">
+            <a:pPr marL="285840" indent="-282960">
               <a:lnSpc>
                 <a:spcPct val="120000"/>
               </a:lnSpc>
@@ -6468,7 +6787,7 @@
             </a:endParaRPr>
           </a:p>
           <a:p>
-            <a:pPr marL="285840" indent="-283320">
+            <a:pPr marL="285840" indent="-282960">
               <a:lnSpc>
                 <a:spcPct val="120000"/>
               </a:lnSpc>
@@ -6486,14 +6805,14 @@
                 <a:latin typeface="Arial"/>
                 <a:ea typeface="DejaVu Sans"/>
               </a:rPr>
-              <a:t>Use the ID in the lifecyclemethod `componentDidMount` to fetch the detailed information for the accommodation.</a:t>
+              <a:t>Use the ID in the lifecycle method `componentDidMount` to fetch the detailed information for the accommodation.</a:t>
             </a:r>
             <a:endParaRPr b="0" lang="en-US" sz="1500" spc="-1" strike="noStrike">
               <a:latin typeface="Arial"/>
             </a:endParaRPr>
           </a:p>
           <a:p>
-            <a:pPr marL="285840" indent="-283320">
+            <a:pPr marL="285840" indent="-282960">
               <a:lnSpc>
                 <a:spcPct val="120000"/>
               </a:lnSpc>
@@ -6577,7 +6896,7 @@
         <p:spPr>
           <a:xfrm>
             <a:off x="720000" y="288000"/>
-            <a:ext cx="6621480" cy="501480"/>
+            <a:ext cx="6621120" cy="501120"/>
           </a:xfrm>
           <a:prstGeom prst="rect">
             <a:avLst/>
@@ -6609,7 +6928,7 @@
                 <a:latin typeface="Arial"/>
                 <a:ea typeface="DejaVu Sans"/>
               </a:rPr>
-              <a:t>Fetch API</a:t>
+              <a:t>Lifecycle methods</a:t>
             </a:r>
             <a:endParaRPr b="0" lang="en-US" sz="1800" spc="-1" strike="noStrike">
               <a:latin typeface="Arial"/>
@@ -6626,7 +6945,7 @@
         <p:spPr>
           <a:xfrm>
             <a:off x="4968000" y="5004000"/>
-            <a:ext cx="3237480" cy="105480"/>
+            <a:ext cx="3237120" cy="105120"/>
           </a:xfrm>
           <a:prstGeom prst="rect">
             <a:avLst/>
@@ -6675,7 +6994,7 @@
         <p:spPr>
           <a:xfrm>
             <a:off x="8280000" y="5004000"/>
-            <a:ext cx="141480" cy="105480"/>
+            <a:ext cx="141120" cy="105120"/>
           </a:xfrm>
           <a:prstGeom prst="rect">
             <a:avLst/>
@@ -6699,7 +7018,7 @@
                 <a:spcPct val="100000"/>
               </a:lnSpc>
             </a:pPr>
-            <a:fld id="{DA259B76-D83A-4EE4-8E45-538BA1F1561F}" type="slidenum">
+            <a:fld id="{EF69D8B4-E9B9-469C-BFE6-EEEB3D63A40F}" type="slidenum">
               <a:rPr b="0" lang="en-US" sz="600" spc="-1" strike="noStrike">
                 <a:solidFill>
                   <a:srgbClr val="ffffff"/>
@@ -6707,7 +7026,7 @@
                 <a:latin typeface="Arial"/>
                 <a:ea typeface="DejaVu Sans"/>
               </a:rPr>
-              <a:t>&lt;number&gt;</a:t>
+              <a:t>1</a:t>
             </a:fld>
             <a:endParaRPr b="0" lang="en-US" sz="600" spc="-1" strike="noStrike">
               <a:latin typeface="Arial"/>
@@ -6715,6 +7034,29 @@
           </a:p>
         </p:txBody>
       </p:sp>
+      <p:pic>
+        <p:nvPicPr>
+          <p:cNvPr id="131" name="" descr=""/>
+          <p:cNvPicPr/>
+          <p:nvPr/>
+        </p:nvPicPr>
+        <p:blipFill>
+          <a:blip r:embed="rId1"/>
+          <a:stretch/>
+        </p:blipFill>
+        <p:spPr>
+          <a:xfrm>
+            <a:off x="9720" y="1179000"/>
+            <a:ext cx="9143640" cy="3103560"/>
+          </a:xfrm>
+          <a:prstGeom prst="rect">
+            <a:avLst/>
+          </a:prstGeom>
+          <a:ln>
+            <a:noFill/>
+          </a:ln>
+        </p:spPr>
+      </p:pic>
     </p:spTree>
   </p:cSld>
   <p:timing>
@@ -6766,14 +7108,14 @@
       </p:grpSpPr>
       <p:sp>
         <p:nvSpPr>
-          <p:cNvPr id="131" name="CustomShape 1"/>
+          <p:cNvPr id="132" name="CustomShape 1"/>
           <p:cNvSpPr/>
           <p:nvPr/>
         </p:nvSpPr>
         <p:spPr>
           <a:xfrm>
             <a:off x="720000" y="288000"/>
-            <a:ext cx="6621480" cy="501480"/>
+            <a:ext cx="6621120" cy="501120"/>
           </a:xfrm>
           <a:prstGeom prst="rect">
             <a:avLst/>
@@ -6805,7 +7147,7 @@
                 <a:latin typeface="Arial"/>
                 <a:ea typeface="DejaVu Sans"/>
               </a:rPr>
-              <a:t>Router</a:t>
+              <a:t>Fetch API</a:t>
             </a:r>
             <a:endParaRPr b="0" lang="en-US" sz="1800" spc="-1" strike="noStrike">
               <a:latin typeface="Arial"/>
@@ -6815,14 +7157,14 @@
       </p:sp>
       <p:sp>
         <p:nvSpPr>
-          <p:cNvPr id="132" name="CustomShape 2"/>
+          <p:cNvPr id="133" name="CustomShape 2"/>
           <p:cNvSpPr/>
           <p:nvPr/>
         </p:nvSpPr>
         <p:spPr>
           <a:xfrm>
             <a:off x="4968000" y="5004000"/>
-            <a:ext cx="3237480" cy="105480"/>
+            <a:ext cx="3237120" cy="105120"/>
           </a:xfrm>
           <a:prstGeom prst="rect">
             <a:avLst/>
@@ -6864,14 +7206,14 @@
       </p:sp>
       <p:sp>
         <p:nvSpPr>
-          <p:cNvPr id="133" name="CustomShape 3"/>
+          <p:cNvPr id="134" name="CustomShape 3"/>
           <p:cNvSpPr/>
           <p:nvPr/>
         </p:nvSpPr>
         <p:spPr>
           <a:xfrm>
             <a:off x="8280000" y="5004000"/>
-            <a:ext cx="141480" cy="105480"/>
+            <a:ext cx="141120" cy="105120"/>
           </a:xfrm>
           <a:prstGeom prst="rect">
             <a:avLst/>
@@ -6895,7 +7237,7 @@
                 <a:spcPct val="100000"/>
               </a:lnSpc>
             </a:pPr>
-            <a:fld id="{B34A1996-7766-46C5-A3AA-C9FE23D50D53}" type="slidenum">
+            <a:fld id="{55BC472B-EC9F-42C7-896D-A2F88D5E28CD}" type="slidenum">
               <a:rPr b="0" lang="en-US" sz="600" spc="-1" strike="noStrike">
                 <a:solidFill>
                   <a:srgbClr val="ffffff"/>
@@ -6903,9 +7245,457 @@
                 <a:latin typeface="Arial"/>
                 <a:ea typeface="DejaVu Sans"/>
               </a:rPr>
-              <a:t>&lt;number&gt;</a:t>
+              <a:t>1</a:t>
             </a:fld>
             <a:endParaRPr b="0" lang="en-US" sz="600" spc="-1" strike="noStrike">
+              <a:latin typeface="Arial"/>
+            </a:endParaRPr>
+          </a:p>
+        </p:txBody>
+      </p:sp>
+      <p:sp>
+        <p:nvSpPr>
+          <p:cNvPr id="135" name="CustomShape 4"/>
+          <p:cNvSpPr/>
+          <p:nvPr/>
+        </p:nvSpPr>
+        <p:spPr>
+          <a:xfrm>
+            <a:off x="876240" y="548640"/>
+            <a:ext cx="6621120" cy="3884400"/>
+          </a:xfrm>
+          <a:prstGeom prst="rect">
+            <a:avLst/>
+          </a:prstGeom>
+          <a:noFill/>
+          <a:ln>
+            <a:noFill/>
+          </a:ln>
+        </p:spPr>
+        <p:style>
+          <a:lnRef idx="0"/>
+          <a:fillRef idx="0"/>
+          <a:effectRef idx="0"/>
+          <a:fontRef idx="minor"/>
+        </p:style>
+        <p:txBody>
+          <a:bodyPr lIns="0" rIns="0" tIns="0" bIns="0"/>
+          <a:p>
+            <a:pPr>
+              <a:lnSpc>
+                <a:spcPct val="120000"/>
+              </a:lnSpc>
+            </a:pPr>
+            <a:endParaRPr b="0" lang="en-US" sz="1800" spc="-1" strike="noStrike">
+              <a:latin typeface="Arial"/>
+            </a:endParaRPr>
+          </a:p>
+          <a:p>
+            <a:pPr marL="285840" indent="-282960">
+              <a:lnSpc>
+                <a:spcPct val="120000"/>
+              </a:lnSpc>
+              <a:buClr>
+                <a:srgbClr val="000000"/>
+              </a:buClr>
+              <a:buFont typeface="Arial"/>
+              <a:buChar char="•"/>
+            </a:pPr>
+            <a:r>
+              <a:rPr b="0" lang="en-US" sz="1500" spc="-1" strike="noStrike">
+                <a:solidFill>
+                  <a:srgbClr val="000000"/>
+                </a:solidFill>
+                <a:latin typeface="Arial"/>
+                <a:ea typeface="DejaVu Sans"/>
+              </a:rPr>
+              <a:t>Replaces XMLHttpRequest</a:t>
+            </a:r>
+            <a:endParaRPr b="0" lang="en-US" sz="1500" spc="-1" strike="noStrike">
+              <a:latin typeface="Arial"/>
+            </a:endParaRPr>
+          </a:p>
+          <a:p>
+            <a:pPr marL="285840" indent="-282960">
+              <a:lnSpc>
+                <a:spcPct val="120000"/>
+              </a:lnSpc>
+              <a:buClr>
+                <a:srgbClr val="000000"/>
+              </a:buClr>
+              <a:buFont typeface="Arial"/>
+              <a:buChar char="•"/>
+            </a:pPr>
+            <a:endParaRPr b="0" lang="en-US" sz="1500" spc="-1" strike="noStrike">
+              <a:latin typeface="Arial"/>
+            </a:endParaRPr>
+          </a:p>
+          <a:p>
+            <a:pPr marL="285840" indent="-282960">
+              <a:lnSpc>
+                <a:spcPct val="120000"/>
+              </a:lnSpc>
+              <a:buClr>
+                <a:srgbClr val="000000"/>
+              </a:buClr>
+              <a:buFont typeface="Arial"/>
+              <a:buChar char="•"/>
+            </a:pPr>
+            <a:endParaRPr b="0" lang="en-US" sz="1500" spc="-1" strike="noStrike">
+              <a:latin typeface="Arial"/>
+            </a:endParaRPr>
+          </a:p>
+          <a:p>
+            <a:pPr>
+              <a:lnSpc>
+                <a:spcPct val="120000"/>
+              </a:lnSpc>
+            </a:pPr>
+            <a:endParaRPr b="0" lang="en-US" sz="1500" spc="-1" strike="noStrike">
+              <a:latin typeface="Arial"/>
+            </a:endParaRPr>
+          </a:p>
+        </p:txBody>
+      </p:sp>
+      <p:pic>
+        <p:nvPicPr>
+          <p:cNvPr id="136" name="" descr=""/>
+          <p:cNvPicPr/>
+          <p:nvPr/>
+        </p:nvPicPr>
+        <p:blipFill>
+          <a:blip r:embed="rId1"/>
+          <a:stretch/>
+        </p:blipFill>
+        <p:spPr>
+          <a:xfrm>
+            <a:off x="1737360" y="2314440"/>
+            <a:ext cx="4219200" cy="380520"/>
+          </a:xfrm>
+          <a:prstGeom prst="rect">
+            <a:avLst/>
+          </a:prstGeom>
+          <a:ln>
+            <a:noFill/>
+          </a:ln>
+        </p:spPr>
+      </p:pic>
+      <p:sp>
+        <p:nvSpPr>
+          <p:cNvPr id="137" name="Line 5"/>
+          <p:cNvSpPr/>
+          <p:nvPr/>
+        </p:nvSpPr>
+        <p:spPr>
+          <a:xfrm flipH="1" flipV="1">
+            <a:off x="4297680" y="2651760"/>
+            <a:ext cx="274320" cy="640080"/>
+          </a:xfrm>
+          <a:prstGeom prst="line">
+            <a:avLst/>
+          </a:prstGeom>
+          <a:ln>
+            <a:solidFill>
+              <a:srgbClr val="000000"/>
+            </a:solidFill>
+            <a:tailEnd len="med" type="triangle" w="med"/>
+          </a:ln>
+        </p:spPr>
+        <p:style>
+          <a:lnRef idx="0"/>
+          <a:fillRef idx="0"/>
+          <a:effectRef idx="0"/>
+          <a:fontRef idx="minor"/>
+        </p:style>
+      </p:sp>
+      <p:sp>
+        <p:nvSpPr>
+          <p:cNvPr id="138" name="Line 6"/>
+          <p:cNvSpPr/>
+          <p:nvPr/>
+        </p:nvSpPr>
+        <p:spPr>
+          <a:xfrm flipH="1">
+            <a:off x="5499360" y="1586520"/>
+            <a:ext cx="457200" cy="731520"/>
+          </a:xfrm>
+          <a:prstGeom prst="line">
+            <a:avLst/>
+          </a:prstGeom>
+          <a:ln>
+            <a:solidFill>
+              <a:srgbClr val="000000"/>
+            </a:solidFill>
+            <a:tailEnd len="med" type="triangle" w="med"/>
+          </a:ln>
+        </p:spPr>
+        <p:style>
+          <a:lnRef idx="0"/>
+          <a:fillRef idx="0"/>
+          <a:effectRef idx="0"/>
+          <a:fontRef idx="minor"/>
+        </p:style>
+      </p:sp>
+      <p:sp>
+        <p:nvSpPr>
+          <p:cNvPr id="139" name="Line 7"/>
+          <p:cNvSpPr/>
+          <p:nvPr/>
+        </p:nvSpPr>
+        <p:spPr>
+          <a:xfrm>
+            <a:off x="1645920" y="1737360"/>
+            <a:ext cx="365760" cy="640080"/>
+          </a:xfrm>
+          <a:prstGeom prst="line">
+            <a:avLst/>
+          </a:prstGeom>
+          <a:ln>
+            <a:solidFill>
+              <a:srgbClr val="000000"/>
+            </a:solidFill>
+            <a:tailEnd len="med" type="triangle" w="med"/>
+          </a:ln>
+        </p:spPr>
+        <p:style>
+          <a:lnRef idx="0"/>
+          <a:fillRef idx="0"/>
+          <a:effectRef idx="0"/>
+          <a:fontRef idx="minor"/>
+        </p:style>
+      </p:sp>
+      <p:sp>
+        <p:nvSpPr>
+          <p:cNvPr id="140" name="TextShape 8"/>
+          <p:cNvSpPr txBox="1"/>
+          <p:nvPr/>
+        </p:nvSpPr>
+        <p:spPr>
+          <a:xfrm>
+            <a:off x="0" y="1276560"/>
+            <a:ext cx="2651760" cy="735120"/>
+          </a:xfrm>
+          <a:prstGeom prst="rect">
+            <a:avLst/>
+          </a:prstGeom>
+          <a:noFill/>
+          <a:ln>
+            <a:noFill/>
+          </a:ln>
+        </p:spPr>
+        <p:txBody>
+          <a:bodyPr lIns="90000" rIns="90000" tIns="45000" bIns="45000"/>
+          <a:p>
+            <a:r>
+              <a:rPr b="0" lang="en-US" sz="1800" spc="-1" strike="noStrike">
+                <a:latin typeface="Arial"/>
+              </a:rPr>
+              <a:t>Browser function:</a:t>
+            </a:r>
+            <a:endParaRPr b="0" lang="en-US" sz="1800" spc="-1" strike="noStrike">
+              <a:latin typeface="Arial"/>
+            </a:endParaRPr>
+          </a:p>
+          <a:p>
+            <a:r>
+              <a:rPr b="0" lang="en-US" sz="1800" spc="-1" strike="noStrike">
+                <a:latin typeface="Arial"/>
+              </a:rPr>
+              <a:t>Framework independent</a:t>
+            </a:r>
+            <a:endParaRPr b="0" lang="en-US" sz="1800" spc="-1" strike="noStrike">
+              <a:latin typeface="Arial"/>
+            </a:endParaRPr>
+          </a:p>
+        </p:txBody>
+      </p:sp>
+      <p:sp>
+        <p:nvSpPr>
+          <p:cNvPr id="141" name="Line 9"/>
+          <p:cNvSpPr/>
+          <p:nvPr/>
+        </p:nvSpPr>
+        <p:spPr>
+          <a:xfrm flipV="1">
+            <a:off x="2834640" y="2651760"/>
+            <a:ext cx="274320" cy="914400"/>
+          </a:xfrm>
+          <a:prstGeom prst="line">
+            <a:avLst/>
+          </a:prstGeom>
+          <a:ln>
+            <a:solidFill>
+              <a:srgbClr val="000000"/>
+            </a:solidFill>
+            <a:tailEnd len="med" type="triangle" w="med"/>
+          </a:ln>
+        </p:spPr>
+        <p:style>
+          <a:lnRef idx="0"/>
+          <a:fillRef idx="0"/>
+          <a:effectRef idx="0"/>
+          <a:fontRef idx="minor"/>
+        </p:style>
+      </p:sp>
+      <p:sp>
+        <p:nvSpPr>
+          <p:cNvPr id="142" name="TextShape 10"/>
+          <p:cNvSpPr txBox="1"/>
+          <p:nvPr/>
+        </p:nvSpPr>
+        <p:spPr>
+          <a:xfrm>
+            <a:off x="1920240" y="3383280"/>
+            <a:ext cx="1828800" cy="1164960"/>
+          </a:xfrm>
+          <a:prstGeom prst="rect">
+            <a:avLst/>
+          </a:prstGeom>
+          <a:noFill/>
+          <a:ln>
+            <a:noFill/>
+          </a:ln>
+        </p:spPr>
+        <p:txBody>
+          <a:bodyPr lIns="90000" rIns="90000" tIns="45000" bIns="45000"/>
+          <a:p>
+            <a:r>
+              <a:rPr b="0" lang="en-US" sz="1800" spc="-1" strike="noStrike">
+                <a:latin typeface="Arial"/>
+              </a:rPr>
+              <a:t>{</a:t>
+            </a:r>
+            <a:endParaRPr b="0" lang="en-US" sz="1800" spc="-1" strike="noStrike">
+              <a:latin typeface="Arial"/>
+            </a:endParaRPr>
+          </a:p>
+          <a:p>
+            <a:r>
+              <a:rPr b="0" lang="en-US" sz="1800" spc="-1" strike="noStrike">
+                <a:latin typeface="Arial"/>
+              </a:rPr>
+              <a:t>  </a:t>
+            </a:r>
+            <a:r>
+              <a:rPr b="0" lang="en-US" sz="1800" spc="-1" strike="noStrike">
+                <a:latin typeface="Arial"/>
+              </a:rPr>
+              <a:t>headers: {…}, </a:t>
+            </a:r>
+            <a:endParaRPr b="0" lang="en-US" sz="1800" spc="-1" strike="noStrike">
+              <a:latin typeface="Arial"/>
+            </a:endParaRPr>
+          </a:p>
+          <a:p>
+            <a:r>
+              <a:rPr b="0" lang="en-US" sz="1800" spc="-1" strike="noStrike">
+                <a:latin typeface="Arial"/>
+              </a:rPr>
+              <a:t>  </a:t>
+            </a:r>
+            <a:r>
+              <a:rPr b="0" lang="en-US" sz="1800" spc="-1" strike="noStrike">
+                <a:latin typeface="Arial"/>
+              </a:rPr>
+              <a:t>method: “...”, </a:t>
+            </a:r>
+            <a:endParaRPr b="0" lang="en-US" sz="1800" spc="-1" strike="noStrike">
+              <a:latin typeface="Arial"/>
+            </a:endParaRPr>
+          </a:p>
+          <a:p>
+            <a:r>
+              <a:rPr b="0" lang="en-US" sz="1800" spc="-1" strike="noStrike">
+                <a:latin typeface="Arial"/>
+              </a:rPr>
+              <a:t>  </a:t>
+            </a:r>
+            <a:r>
+              <a:rPr b="0" lang="en-US" sz="1800" spc="-1" strike="noStrike">
+                <a:latin typeface="Arial"/>
+              </a:rPr>
+              <a:t>body: …</a:t>
+            </a:r>
+            <a:endParaRPr b="0" lang="en-US" sz="1800" spc="-1" strike="noStrike">
+              <a:latin typeface="Arial"/>
+            </a:endParaRPr>
+          </a:p>
+          <a:p>
+            <a:r>
+              <a:rPr b="0" lang="en-US" sz="1800" spc="-1" strike="noStrike">
+                <a:latin typeface="Arial"/>
+              </a:rPr>
+              <a:t>}</a:t>
+            </a:r>
+            <a:endParaRPr b="0" lang="en-US" sz="1800" spc="-1" strike="noStrike">
+              <a:latin typeface="Arial"/>
+            </a:endParaRPr>
+          </a:p>
+        </p:txBody>
+      </p:sp>
+      <p:sp>
+        <p:nvSpPr>
+          <p:cNvPr id="143" name="TextShape 11"/>
+          <p:cNvSpPr txBox="1"/>
+          <p:nvPr/>
+        </p:nvSpPr>
+        <p:spPr>
+          <a:xfrm>
+            <a:off x="4297680" y="3352320"/>
+            <a:ext cx="1554480" cy="305280"/>
+          </a:xfrm>
+          <a:prstGeom prst="rect">
+            <a:avLst/>
+          </a:prstGeom>
+          <a:noFill/>
+          <a:ln>
+            <a:noFill/>
+          </a:ln>
+        </p:spPr>
+        <p:txBody>
+          <a:bodyPr lIns="90000" rIns="90000" tIns="45000" bIns="45000"/>
+          <a:p>
+            <a:r>
+              <a:rPr b="0" lang="en-US" sz="1800" spc="-1" strike="noStrike">
+                <a:latin typeface="Arial"/>
+              </a:rPr>
+              <a:t>stream</a:t>
+            </a:r>
+            <a:endParaRPr b="0" lang="en-US" sz="1800" spc="-1" strike="noStrike">
+              <a:latin typeface="Arial"/>
+            </a:endParaRPr>
+          </a:p>
+        </p:txBody>
+      </p:sp>
+      <p:sp>
+        <p:nvSpPr>
+          <p:cNvPr id="144" name="TextShape 12"/>
+          <p:cNvSpPr txBox="1"/>
+          <p:nvPr/>
+        </p:nvSpPr>
+        <p:spPr>
+          <a:xfrm>
+            <a:off x="5852160" y="1066320"/>
+            <a:ext cx="2286000" cy="520200"/>
+          </a:xfrm>
+          <a:prstGeom prst="rect">
+            <a:avLst/>
+          </a:prstGeom>
+          <a:noFill/>
+          <a:ln>
+            <a:noFill/>
+          </a:ln>
+        </p:spPr>
+        <p:txBody>
+          <a:bodyPr lIns="90000" rIns="90000" tIns="45000" bIns="45000"/>
+          <a:p>
+            <a:r>
+              <a:rPr b="0" lang="en-US" sz="1800" spc="-1" strike="noStrike">
+                <a:latin typeface="Arial"/>
+              </a:rPr>
+              <a:t>Promise which returns the json</a:t>
+            </a:r>
+            <a:endParaRPr b="0" lang="en-US" sz="1800" spc="-1" strike="noStrike">
               <a:latin typeface="Arial"/>
             </a:endParaRPr>
           </a:p>
@@ -6962,14 +7752,14 @@
       </p:grpSpPr>
       <p:sp>
         <p:nvSpPr>
-          <p:cNvPr id="134" name="CustomShape 1"/>
+          <p:cNvPr id="145" name="CustomShape 1"/>
           <p:cNvSpPr/>
           <p:nvPr/>
         </p:nvSpPr>
         <p:spPr>
           <a:xfrm>
             <a:off x="720000" y="288000"/>
-            <a:ext cx="6621480" cy="501480"/>
+            <a:ext cx="6621120" cy="501120"/>
           </a:xfrm>
           <a:prstGeom prst="rect">
             <a:avLst/>
@@ -7001,7 +7791,7 @@
                 <a:latin typeface="Arial"/>
                 <a:ea typeface="DejaVu Sans"/>
               </a:rPr>
-              <a:t>Lifecycle methods</a:t>
+              <a:t>Proptypes</a:t>
             </a:r>
             <a:endParaRPr b="0" lang="en-US" sz="1800" spc="-1" strike="noStrike">
               <a:latin typeface="Arial"/>
@@ -7011,14 +7801,14 @@
       </p:sp>
       <p:sp>
         <p:nvSpPr>
-          <p:cNvPr id="135" name="CustomShape 2"/>
+          <p:cNvPr id="146" name="CustomShape 2"/>
           <p:cNvSpPr/>
           <p:nvPr/>
         </p:nvSpPr>
         <p:spPr>
           <a:xfrm>
             <a:off x="4968000" y="5004000"/>
-            <a:ext cx="3237480" cy="105480"/>
+            <a:ext cx="3237120" cy="105120"/>
           </a:xfrm>
           <a:prstGeom prst="rect">
             <a:avLst/>
@@ -7060,14 +7850,14 @@
       </p:sp>
       <p:sp>
         <p:nvSpPr>
-          <p:cNvPr id="136" name="CustomShape 3"/>
+          <p:cNvPr id="147" name="CustomShape 3"/>
           <p:cNvSpPr/>
           <p:nvPr/>
         </p:nvSpPr>
         <p:spPr>
           <a:xfrm>
             <a:off x="8280000" y="5004000"/>
-            <a:ext cx="141480" cy="105480"/>
+            <a:ext cx="141120" cy="105120"/>
           </a:xfrm>
           <a:prstGeom prst="rect">
             <a:avLst/>
@@ -7091,7 +7881,7 @@
                 <a:spcPct val="100000"/>
               </a:lnSpc>
             </a:pPr>
-            <a:fld id="{603D960A-B9C2-409E-B70A-F30568AFC718}" type="slidenum">
+            <a:fld id="{B95735DC-649E-453C-8226-A69B8DE45B41}" type="slidenum">
               <a:rPr b="0" lang="en-US" sz="600" spc="-1" strike="noStrike">
                 <a:solidFill>
                   <a:srgbClr val="ffffff"/>
@@ -7099,9 +7889,211 @@
                 <a:latin typeface="Arial"/>
                 <a:ea typeface="DejaVu Sans"/>
               </a:rPr>
-              <a:t>&lt;number&gt;</a:t>
+              <a:t>1</a:t>
             </a:fld>
             <a:endParaRPr b="0" lang="en-US" sz="600" spc="-1" strike="noStrike">
+              <a:latin typeface="Arial"/>
+            </a:endParaRPr>
+          </a:p>
+        </p:txBody>
+      </p:sp>
+      <p:sp>
+        <p:nvSpPr>
+          <p:cNvPr id="148" name="CustomShape 4"/>
+          <p:cNvSpPr/>
+          <p:nvPr/>
+        </p:nvSpPr>
+        <p:spPr>
+          <a:xfrm>
+            <a:off x="876240" y="548640"/>
+            <a:ext cx="6621120" cy="3884400"/>
+          </a:xfrm>
+          <a:prstGeom prst="rect">
+            <a:avLst/>
+          </a:prstGeom>
+          <a:noFill/>
+          <a:ln>
+            <a:noFill/>
+          </a:ln>
+        </p:spPr>
+        <p:style>
+          <a:lnRef idx="0"/>
+          <a:fillRef idx="0"/>
+          <a:effectRef idx="0"/>
+          <a:fontRef idx="minor"/>
+        </p:style>
+        <p:txBody>
+          <a:bodyPr lIns="0" rIns="0" tIns="0" bIns="0"/>
+          <a:p>
+            <a:pPr>
+              <a:lnSpc>
+                <a:spcPct val="120000"/>
+              </a:lnSpc>
+            </a:pPr>
+            <a:endParaRPr b="0" lang="en-US" sz="1800" spc="-1" strike="noStrike">
+              <a:latin typeface="Arial"/>
+            </a:endParaRPr>
+          </a:p>
+          <a:p>
+            <a:pPr marL="285840" indent="-282960">
+              <a:lnSpc>
+                <a:spcPct val="120000"/>
+              </a:lnSpc>
+              <a:buClr>
+                <a:srgbClr val="000000"/>
+              </a:buClr>
+              <a:buFont typeface="Arial"/>
+              <a:buChar char="•"/>
+            </a:pPr>
+            <a:r>
+              <a:rPr b="0" lang="en-US" sz="1500" spc="-1" strike="noStrike">
+                <a:solidFill>
+                  <a:srgbClr val="000000"/>
+                </a:solidFill>
+                <a:latin typeface="Arial"/>
+                <a:ea typeface="DejaVu Sans"/>
+              </a:rPr>
+              <a:t>Used for typesafety in the props of a component</a:t>
+            </a:r>
+            <a:endParaRPr b="0" lang="en-US" sz="1500" spc="-1" strike="noStrike">
+              <a:latin typeface="Arial"/>
+            </a:endParaRPr>
+          </a:p>
+          <a:p>
+            <a:pPr marL="285840" indent="-282960">
+              <a:lnSpc>
+                <a:spcPct val="120000"/>
+              </a:lnSpc>
+              <a:buClr>
+                <a:srgbClr val="000000"/>
+              </a:buClr>
+              <a:buFont typeface="Arial"/>
+              <a:buChar char="•"/>
+            </a:pPr>
+            <a:endParaRPr b="0" lang="en-US" sz="1500" spc="-1" strike="noStrike">
+              <a:latin typeface="Arial"/>
+            </a:endParaRPr>
+          </a:p>
+          <a:p>
+            <a:pPr>
+              <a:lnSpc>
+                <a:spcPct val="120000"/>
+              </a:lnSpc>
+            </a:pPr>
+            <a:endParaRPr b="0" lang="en-US" sz="1500" spc="-1" strike="noStrike">
+              <a:latin typeface="Arial"/>
+            </a:endParaRPr>
+          </a:p>
+          <a:p>
+            <a:pPr>
+              <a:lnSpc>
+                <a:spcPct val="120000"/>
+              </a:lnSpc>
+            </a:pPr>
+            <a:endParaRPr b="0" lang="en-US" sz="1500" spc="-1" strike="noStrike">
+              <a:latin typeface="Arial"/>
+            </a:endParaRPr>
+          </a:p>
+        </p:txBody>
+      </p:sp>
+      <p:pic>
+        <p:nvPicPr>
+          <p:cNvPr id="149" name="" descr=""/>
+          <p:cNvPicPr/>
+          <p:nvPr/>
+        </p:nvPicPr>
+        <p:blipFill>
+          <a:blip r:embed="rId1"/>
+          <a:stretch/>
+        </p:blipFill>
+        <p:spPr>
+          <a:xfrm>
+            <a:off x="1920600" y="2602800"/>
+            <a:ext cx="3362400" cy="963360"/>
+          </a:xfrm>
+          <a:prstGeom prst="rect">
+            <a:avLst/>
+          </a:prstGeom>
+          <a:ln>
+            <a:noFill/>
+          </a:ln>
+        </p:spPr>
+      </p:pic>
+      <p:pic>
+        <p:nvPicPr>
+          <p:cNvPr id="150" name="" descr=""/>
+          <p:cNvPicPr/>
+          <p:nvPr/>
+        </p:nvPicPr>
+        <p:blipFill>
+          <a:blip r:embed="rId2"/>
+          <a:stretch/>
+        </p:blipFill>
+        <p:spPr>
+          <a:xfrm>
+            <a:off x="1922760" y="1737360"/>
+            <a:ext cx="3023640" cy="259920"/>
+          </a:xfrm>
+          <a:prstGeom prst="rect">
+            <a:avLst/>
+          </a:prstGeom>
+          <a:ln>
+            <a:noFill/>
+          </a:ln>
+        </p:spPr>
+      </p:pic>
+      <p:pic>
+        <p:nvPicPr>
+          <p:cNvPr id="151" name="" descr=""/>
+          <p:cNvPicPr/>
+          <p:nvPr/>
+        </p:nvPicPr>
+        <p:blipFill>
+          <a:blip r:embed="rId3"/>
+          <a:stretch/>
+        </p:blipFill>
+        <p:spPr>
+          <a:xfrm>
+            <a:off x="1927800" y="2227680"/>
+            <a:ext cx="3467160" cy="455400"/>
+          </a:xfrm>
+          <a:prstGeom prst="rect">
+            <a:avLst/>
+          </a:prstGeom>
+          <a:ln>
+            <a:noFill/>
+          </a:ln>
+        </p:spPr>
+      </p:pic>
+      <p:sp>
+        <p:nvSpPr>
+          <p:cNvPr id="152" name="TextShape 5"/>
+          <p:cNvSpPr txBox="1"/>
+          <p:nvPr/>
+        </p:nvSpPr>
+        <p:spPr>
+          <a:xfrm>
+            <a:off x="4663440" y="4357800"/>
+            <a:ext cx="4114080" cy="305640"/>
+          </a:xfrm>
+          <a:prstGeom prst="rect">
+            <a:avLst/>
+          </a:prstGeom>
+          <a:noFill/>
+          <a:ln>
+            <a:noFill/>
+          </a:ln>
+        </p:spPr>
+        <p:txBody>
+          <a:bodyPr lIns="90000" rIns="90000" tIns="45000" bIns="45000"/>
+          <a:p>
+            <a:r>
+              <a:rPr b="0" lang="en-US" sz="1800" spc="-1" strike="noStrike">
+                <a:latin typeface="Arial"/>
+              </a:rPr>
+              <a:t>https://github.com/facebook/prop-types</a:t>
+            </a:r>
+            <a:endParaRPr b="0" lang="en-US" sz="1800" spc="-1" strike="noStrike">
               <a:latin typeface="Arial"/>
             </a:endParaRPr>
           </a:p>
@@ -7158,14 +8150,14 @@
       </p:grpSpPr>
       <p:sp>
         <p:nvSpPr>
-          <p:cNvPr id="137" name="CustomShape 1"/>
+          <p:cNvPr id="153" name="CustomShape 1"/>
           <p:cNvSpPr/>
           <p:nvPr/>
         </p:nvSpPr>
         <p:spPr>
           <a:xfrm>
             <a:off x="720000" y="288000"/>
-            <a:ext cx="6621480" cy="501480"/>
+            <a:ext cx="6621120" cy="501120"/>
           </a:xfrm>
           <a:prstGeom prst="rect">
             <a:avLst/>
@@ -7197,7 +8189,7 @@
                 <a:latin typeface="Arial"/>
                 <a:ea typeface="DejaVu Sans"/>
               </a:rPr>
-              <a:t>JSS</a:t>
+              <a:t>Router</a:t>
             </a:r>
             <a:endParaRPr b="0" lang="en-US" sz="1800" spc="-1" strike="noStrike">
               <a:latin typeface="Arial"/>
@@ -7207,14 +8199,14 @@
       </p:sp>
       <p:sp>
         <p:nvSpPr>
-          <p:cNvPr id="138" name="CustomShape 2"/>
+          <p:cNvPr id="154" name="CustomShape 2"/>
           <p:cNvSpPr/>
           <p:nvPr/>
         </p:nvSpPr>
         <p:spPr>
           <a:xfrm>
             <a:off x="4968000" y="5004000"/>
-            <a:ext cx="3237480" cy="105480"/>
+            <a:ext cx="3237120" cy="105120"/>
           </a:xfrm>
           <a:prstGeom prst="rect">
             <a:avLst/>
@@ -7256,14 +8248,14 @@
       </p:sp>
       <p:sp>
         <p:nvSpPr>
-          <p:cNvPr id="139" name="CustomShape 3"/>
+          <p:cNvPr id="155" name="CustomShape 3"/>
           <p:cNvSpPr/>
           <p:nvPr/>
         </p:nvSpPr>
         <p:spPr>
           <a:xfrm>
             <a:off x="8280000" y="5004000"/>
-            <a:ext cx="141480" cy="105480"/>
+            <a:ext cx="141120" cy="105120"/>
           </a:xfrm>
           <a:prstGeom prst="rect">
             <a:avLst/>
@@ -7287,7 +8279,7 @@
                 <a:spcPct val="100000"/>
               </a:lnSpc>
             </a:pPr>
-            <a:fld id="{C8A8612E-A9C3-411B-96DB-E3415CE6B460}" type="slidenum">
+            <a:fld id="{B9B59A02-D775-4ECB-BFD2-9E78C2BAB5B1}" type="slidenum">
               <a:rPr b="0" lang="en-US" sz="600" spc="-1" strike="noStrike">
                 <a:solidFill>
                   <a:srgbClr val="ffffff"/>
@@ -7295,7 +8287,7 @@
                 <a:latin typeface="Arial"/>
                 <a:ea typeface="DejaVu Sans"/>
               </a:rPr>
-              <a:t>&lt;number&gt;</a:t>
+              <a:t>1</a:t>
             </a:fld>
             <a:endParaRPr b="0" lang="en-US" sz="600" spc="-1" strike="noStrike">
               <a:latin typeface="Arial"/>
@@ -7303,6 +8295,2332 @@
           </a:p>
         </p:txBody>
       </p:sp>
+      <p:sp>
+        <p:nvSpPr>
+          <p:cNvPr id="156" name="CustomShape 4"/>
+          <p:cNvSpPr/>
+          <p:nvPr/>
+        </p:nvSpPr>
+        <p:spPr>
+          <a:xfrm>
+            <a:off x="602640" y="504720"/>
+            <a:ext cx="6621120" cy="3884400"/>
+          </a:xfrm>
+          <a:prstGeom prst="rect">
+            <a:avLst/>
+          </a:prstGeom>
+          <a:noFill/>
+          <a:ln>
+            <a:noFill/>
+          </a:ln>
+        </p:spPr>
+        <p:style>
+          <a:lnRef idx="0"/>
+          <a:fillRef idx="0"/>
+          <a:effectRef idx="0"/>
+          <a:fontRef idx="minor"/>
+        </p:style>
+        <p:txBody>
+          <a:bodyPr lIns="0" rIns="0" tIns="0" bIns="0"/>
+          <a:p>
+            <a:pPr>
+              <a:lnSpc>
+                <a:spcPct val="120000"/>
+              </a:lnSpc>
+            </a:pPr>
+            <a:endParaRPr b="0" lang="en-US" sz="1800" spc="-1" strike="noStrike">
+              <a:latin typeface="Arial"/>
+            </a:endParaRPr>
+          </a:p>
+          <a:p>
+            <a:pPr marL="285840" indent="-282960">
+              <a:lnSpc>
+                <a:spcPct val="120000"/>
+              </a:lnSpc>
+              <a:buClr>
+                <a:srgbClr val="000000"/>
+              </a:buClr>
+              <a:buFont typeface="Arial"/>
+              <a:buChar char="•"/>
+            </a:pPr>
+            <a:r>
+              <a:rPr b="0" lang="en-US" sz="1500" spc="-1" strike="noStrike">
+                <a:solidFill>
+                  <a:srgbClr val="000000"/>
+                </a:solidFill>
+                <a:latin typeface="Arial"/>
+                <a:ea typeface="DejaVu Sans"/>
+              </a:rPr>
+              <a:t>P</a:t>
+            </a:r>
+            <a:r>
+              <a:rPr b="0" lang="en-US" sz="1500" spc="-1" strike="noStrike">
+                <a:solidFill>
+                  <a:srgbClr val="000000"/>
+                </a:solidFill>
+                <a:latin typeface="Arial"/>
+                <a:ea typeface="DejaVu Sans"/>
+              </a:rPr>
+              <a:t>a</a:t>
+            </a:r>
+            <a:r>
+              <a:rPr b="0" lang="en-US" sz="1500" spc="-1" strike="noStrike">
+                <a:solidFill>
+                  <a:srgbClr val="000000"/>
+                </a:solidFill>
+                <a:latin typeface="Arial"/>
+                <a:ea typeface="DejaVu Sans"/>
+              </a:rPr>
+              <a:t>c</a:t>
+            </a:r>
+            <a:r>
+              <a:rPr b="0" lang="en-US" sz="1500" spc="-1" strike="noStrike">
+                <a:solidFill>
+                  <a:srgbClr val="000000"/>
+                </a:solidFill>
+                <a:latin typeface="Arial"/>
+                <a:ea typeface="DejaVu Sans"/>
+              </a:rPr>
+              <a:t>k</a:t>
+            </a:r>
+            <a:r>
+              <a:rPr b="0" lang="en-US" sz="1500" spc="-1" strike="noStrike">
+                <a:solidFill>
+                  <a:srgbClr val="000000"/>
+                </a:solidFill>
+                <a:latin typeface="Arial"/>
+                <a:ea typeface="DejaVu Sans"/>
+              </a:rPr>
+              <a:t>a</a:t>
+            </a:r>
+            <a:r>
+              <a:rPr b="0" lang="en-US" sz="1500" spc="-1" strike="noStrike">
+                <a:solidFill>
+                  <a:srgbClr val="000000"/>
+                </a:solidFill>
+                <a:latin typeface="Arial"/>
+                <a:ea typeface="DejaVu Sans"/>
+              </a:rPr>
+              <a:t>g</a:t>
+            </a:r>
+            <a:r>
+              <a:rPr b="0" lang="en-US" sz="1500" spc="-1" strike="noStrike">
+                <a:solidFill>
+                  <a:srgbClr val="000000"/>
+                </a:solidFill>
+                <a:latin typeface="Arial"/>
+                <a:ea typeface="DejaVu Sans"/>
+              </a:rPr>
+              <a:t>e</a:t>
+            </a:r>
+            <a:r>
+              <a:rPr b="0" lang="en-US" sz="1500" spc="-1" strike="noStrike">
+                <a:solidFill>
+                  <a:srgbClr val="000000"/>
+                </a:solidFill>
+                <a:latin typeface="Arial"/>
+                <a:ea typeface="DejaVu Sans"/>
+              </a:rPr>
+              <a:t> </a:t>
+            </a:r>
+            <a:r>
+              <a:rPr b="0" lang="en-US" sz="1500" spc="-1" strike="noStrike">
+                <a:solidFill>
+                  <a:srgbClr val="000000"/>
+                </a:solidFill>
+                <a:latin typeface="Arial"/>
+                <a:ea typeface="DejaVu Sans"/>
+              </a:rPr>
+              <a:t>‘</a:t>
+            </a:r>
+            <a:r>
+              <a:rPr b="0" lang="en-US" sz="1500" spc="-1" strike="noStrike">
+                <a:solidFill>
+                  <a:srgbClr val="000000"/>
+                </a:solidFill>
+                <a:latin typeface="Arial"/>
+                <a:ea typeface="DejaVu Sans"/>
+              </a:rPr>
+              <a:t>r</a:t>
+            </a:r>
+            <a:r>
+              <a:rPr b="0" lang="en-US" sz="1500" spc="-1" strike="noStrike">
+                <a:solidFill>
+                  <a:srgbClr val="000000"/>
+                </a:solidFill>
+                <a:latin typeface="Arial"/>
+                <a:ea typeface="DejaVu Sans"/>
+              </a:rPr>
+              <a:t>e</a:t>
+            </a:r>
+            <a:r>
+              <a:rPr b="0" lang="en-US" sz="1500" spc="-1" strike="noStrike">
+                <a:solidFill>
+                  <a:srgbClr val="000000"/>
+                </a:solidFill>
+                <a:latin typeface="Arial"/>
+                <a:ea typeface="DejaVu Sans"/>
+              </a:rPr>
+              <a:t>a</a:t>
+            </a:r>
+            <a:r>
+              <a:rPr b="0" lang="en-US" sz="1500" spc="-1" strike="noStrike">
+                <a:solidFill>
+                  <a:srgbClr val="000000"/>
+                </a:solidFill>
+                <a:latin typeface="Arial"/>
+                <a:ea typeface="DejaVu Sans"/>
+              </a:rPr>
+              <a:t>c</a:t>
+            </a:r>
+            <a:r>
+              <a:rPr b="0" lang="en-US" sz="1500" spc="-1" strike="noStrike">
+                <a:solidFill>
+                  <a:srgbClr val="000000"/>
+                </a:solidFill>
+                <a:latin typeface="Arial"/>
+                <a:ea typeface="DejaVu Sans"/>
+              </a:rPr>
+              <a:t>t</a:t>
+            </a:r>
+            <a:r>
+              <a:rPr b="0" lang="en-US" sz="1500" spc="-1" strike="noStrike">
+                <a:solidFill>
+                  <a:srgbClr val="000000"/>
+                </a:solidFill>
+                <a:latin typeface="Arial"/>
+                <a:ea typeface="DejaVu Sans"/>
+              </a:rPr>
+              <a:t>-</a:t>
+            </a:r>
+            <a:r>
+              <a:rPr b="0" lang="en-US" sz="1500" spc="-1" strike="noStrike">
+                <a:solidFill>
+                  <a:srgbClr val="000000"/>
+                </a:solidFill>
+                <a:latin typeface="Arial"/>
+                <a:ea typeface="DejaVu Sans"/>
+              </a:rPr>
+              <a:t>r</a:t>
+            </a:r>
+            <a:r>
+              <a:rPr b="0" lang="en-US" sz="1500" spc="-1" strike="noStrike">
+                <a:solidFill>
+                  <a:srgbClr val="000000"/>
+                </a:solidFill>
+                <a:latin typeface="Arial"/>
+                <a:ea typeface="DejaVu Sans"/>
+              </a:rPr>
+              <a:t>o</a:t>
+            </a:r>
+            <a:r>
+              <a:rPr b="0" lang="en-US" sz="1500" spc="-1" strike="noStrike">
+                <a:solidFill>
+                  <a:srgbClr val="000000"/>
+                </a:solidFill>
+                <a:latin typeface="Arial"/>
+                <a:ea typeface="DejaVu Sans"/>
+              </a:rPr>
+              <a:t>u</a:t>
+            </a:r>
+            <a:r>
+              <a:rPr b="0" lang="en-US" sz="1500" spc="-1" strike="noStrike">
+                <a:solidFill>
+                  <a:srgbClr val="000000"/>
+                </a:solidFill>
+                <a:latin typeface="Arial"/>
+                <a:ea typeface="DejaVu Sans"/>
+              </a:rPr>
+              <a:t>t</a:t>
+            </a:r>
+            <a:r>
+              <a:rPr b="0" lang="en-US" sz="1500" spc="-1" strike="noStrike">
+                <a:solidFill>
+                  <a:srgbClr val="000000"/>
+                </a:solidFill>
+                <a:latin typeface="Arial"/>
+                <a:ea typeface="DejaVu Sans"/>
+              </a:rPr>
+              <a:t>e</a:t>
+            </a:r>
+            <a:r>
+              <a:rPr b="0" lang="en-US" sz="1500" spc="-1" strike="noStrike">
+                <a:solidFill>
+                  <a:srgbClr val="000000"/>
+                </a:solidFill>
+                <a:latin typeface="Arial"/>
+                <a:ea typeface="DejaVu Sans"/>
+              </a:rPr>
+              <a:t>r</a:t>
+            </a:r>
+            <a:r>
+              <a:rPr b="0" lang="en-US" sz="1500" spc="-1" strike="noStrike">
+                <a:solidFill>
+                  <a:srgbClr val="000000"/>
+                </a:solidFill>
+                <a:latin typeface="Arial"/>
+                <a:ea typeface="DejaVu Sans"/>
+              </a:rPr>
+              <a:t>-</a:t>
+            </a:r>
+            <a:r>
+              <a:rPr b="0" lang="en-US" sz="1500" spc="-1" strike="noStrike">
+                <a:solidFill>
+                  <a:srgbClr val="000000"/>
+                </a:solidFill>
+                <a:latin typeface="Arial"/>
+                <a:ea typeface="DejaVu Sans"/>
+              </a:rPr>
+              <a:t>d</a:t>
+            </a:r>
+            <a:r>
+              <a:rPr b="0" lang="en-US" sz="1500" spc="-1" strike="noStrike">
+                <a:solidFill>
+                  <a:srgbClr val="000000"/>
+                </a:solidFill>
+                <a:latin typeface="Arial"/>
+                <a:ea typeface="DejaVu Sans"/>
+              </a:rPr>
+              <a:t>o</a:t>
+            </a:r>
+            <a:r>
+              <a:rPr b="0" lang="en-US" sz="1500" spc="-1" strike="noStrike">
+                <a:solidFill>
+                  <a:srgbClr val="000000"/>
+                </a:solidFill>
+                <a:latin typeface="Arial"/>
+                <a:ea typeface="DejaVu Sans"/>
+              </a:rPr>
+              <a:t>m</a:t>
+            </a:r>
+            <a:r>
+              <a:rPr b="0" lang="en-US" sz="1500" spc="-1" strike="noStrike">
+                <a:solidFill>
+                  <a:srgbClr val="000000"/>
+                </a:solidFill>
+                <a:latin typeface="Arial"/>
+                <a:ea typeface="DejaVu Sans"/>
+              </a:rPr>
+              <a:t>’</a:t>
+            </a:r>
+            <a:endParaRPr b="0" lang="en-US" sz="1500" spc="-1" strike="noStrike">
+              <a:latin typeface="Arial"/>
+            </a:endParaRPr>
+          </a:p>
+          <a:p>
+            <a:pPr marL="285840" indent="-282960">
+              <a:lnSpc>
+                <a:spcPct val="120000"/>
+              </a:lnSpc>
+              <a:buClr>
+                <a:srgbClr val="000000"/>
+              </a:buClr>
+              <a:buFont typeface="Arial"/>
+              <a:buChar char="•"/>
+            </a:pPr>
+            <a:endParaRPr b="0" lang="en-US" sz="1500" spc="-1" strike="noStrike">
+              <a:latin typeface="Arial"/>
+            </a:endParaRPr>
+          </a:p>
+          <a:p>
+            <a:pPr marL="285840" indent="-282960">
+              <a:lnSpc>
+                <a:spcPct val="120000"/>
+              </a:lnSpc>
+              <a:buClr>
+                <a:srgbClr val="000000"/>
+              </a:buClr>
+              <a:buFont typeface="Arial"/>
+              <a:buChar char="•"/>
+            </a:pPr>
+            <a:r>
+              <a:rPr b="0" lang="en-US" sz="1500" spc="-1" strike="noStrike">
+                <a:solidFill>
+                  <a:srgbClr val="000000"/>
+                </a:solidFill>
+                <a:latin typeface="Arial"/>
+                <a:ea typeface="DejaVu Sans"/>
+              </a:rPr>
+              <a:t>&lt;</a:t>
+            </a:r>
+            <a:r>
+              <a:rPr b="0" lang="en-US" sz="1500" spc="-1" strike="noStrike">
+                <a:solidFill>
+                  <a:srgbClr val="000000"/>
+                </a:solidFill>
+                <a:latin typeface="Arial"/>
+                <a:ea typeface="DejaVu Sans"/>
+              </a:rPr>
+              <a:t>R</a:t>
+            </a:r>
+            <a:r>
+              <a:rPr b="0" lang="en-US" sz="1500" spc="-1" strike="noStrike">
+                <a:solidFill>
+                  <a:srgbClr val="000000"/>
+                </a:solidFill>
+                <a:latin typeface="Arial"/>
+                <a:ea typeface="DejaVu Sans"/>
+              </a:rPr>
+              <a:t>o</a:t>
+            </a:r>
+            <a:r>
+              <a:rPr b="0" lang="en-US" sz="1500" spc="-1" strike="noStrike">
+                <a:solidFill>
+                  <a:srgbClr val="000000"/>
+                </a:solidFill>
+                <a:latin typeface="Arial"/>
+                <a:ea typeface="DejaVu Sans"/>
+              </a:rPr>
+              <a:t>u</a:t>
+            </a:r>
+            <a:r>
+              <a:rPr b="0" lang="en-US" sz="1500" spc="-1" strike="noStrike">
+                <a:solidFill>
+                  <a:srgbClr val="000000"/>
+                </a:solidFill>
+                <a:latin typeface="Arial"/>
+                <a:ea typeface="DejaVu Sans"/>
+              </a:rPr>
+              <a:t>t</a:t>
+            </a:r>
+            <a:r>
+              <a:rPr b="0" lang="en-US" sz="1500" spc="-1" strike="noStrike">
+                <a:solidFill>
+                  <a:srgbClr val="000000"/>
+                </a:solidFill>
+                <a:latin typeface="Arial"/>
+                <a:ea typeface="DejaVu Sans"/>
+              </a:rPr>
+              <a:t>e</a:t>
+            </a:r>
+            <a:r>
+              <a:rPr b="0" lang="en-US" sz="1500" spc="-1" strike="noStrike">
+                <a:solidFill>
+                  <a:srgbClr val="000000"/>
+                </a:solidFill>
+                <a:latin typeface="Arial"/>
+                <a:ea typeface="DejaVu Sans"/>
+              </a:rPr>
+              <a:t>r</a:t>
+            </a:r>
+            <a:r>
+              <a:rPr b="0" lang="en-US" sz="1500" spc="-1" strike="noStrike">
+                <a:solidFill>
+                  <a:srgbClr val="000000"/>
+                </a:solidFill>
+                <a:latin typeface="Arial"/>
+                <a:ea typeface="DejaVu Sans"/>
+              </a:rPr>
+              <a:t>&gt;</a:t>
+            </a:r>
+            <a:r>
+              <a:rPr b="0" lang="en-US" sz="1500" spc="-1" strike="noStrike">
+                <a:solidFill>
+                  <a:srgbClr val="000000"/>
+                </a:solidFill>
+                <a:latin typeface="Arial"/>
+                <a:ea typeface="DejaVu Sans"/>
+              </a:rPr>
+              <a:t> </a:t>
+            </a:r>
+            <a:r>
+              <a:rPr b="0" lang="en-US" sz="1500" spc="-1" strike="noStrike">
+                <a:solidFill>
+                  <a:srgbClr val="000000"/>
+                </a:solidFill>
+                <a:latin typeface="Arial"/>
+                <a:ea typeface="DejaVu Sans"/>
+              </a:rPr>
+              <a:t>…</a:t>
+            </a:r>
+            <a:r>
+              <a:rPr b="0" lang="en-US" sz="1500" spc="-1" strike="noStrike">
+                <a:solidFill>
+                  <a:srgbClr val="000000"/>
+                </a:solidFill>
+                <a:latin typeface="Arial"/>
+                <a:ea typeface="DejaVu Sans"/>
+              </a:rPr>
+              <a:t> </a:t>
+            </a:r>
+            <a:r>
+              <a:rPr b="0" lang="en-US" sz="1500" spc="-1" strike="noStrike">
+                <a:solidFill>
+                  <a:srgbClr val="000000"/>
+                </a:solidFill>
+                <a:latin typeface="Arial"/>
+                <a:ea typeface="DejaVu Sans"/>
+              </a:rPr>
+              <a:t>&lt;</a:t>
+            </a:r>
+            <a:r>
+              <a:rPr b="0" lang="en-US" sz="1500" spc="-1" strike="noStrike">
+                <a:solidFill>
+                  <a:srgbClr val="000000"/>
+                </a:solidFill>
+                <a:latin typeface="Arial"/>
+                <a:ea typeface="DejaVu Sans"/>
+              </a:rPr>
+              <a:t>/</a:t>
+            </a:r>
+            <a:r>
+              <a:rPr b="0" lang="en-US" sz="1500" spc="-1" strike="noStrike">
+                <a:solidFill>
+                  <a:srgbClr val="000000"/>
+                </a:solidFill>
+                <a:latin typeface="Arial"/>
+                <a:ea typeface="DejaVu Sans"/>
+              </a:rPr>
+              <a:t>R</a:t>
+            </a:r>
+            <a:r>
+              <a:rPr b="0" lang="en-US" sz="1500" spc="-1" strike="noStrike">
+                <a:solidFill>
+                  <a:srgbClr val="000000"/>
+                </a:solidFill>
+                <a:latin typeface="Arial"/>
+                <a:ea typeface="DejaVu Sans"/>
+              </a:rPr>
+              <a:t>o</a:t>
+            </a:r>
+            <a:r>
+              <a:rPr b="0" lang="en-US" sz="1500" spc="-1" strike="noStrike">
+                <a:solidFill>
+                  <a:srgbClr val="000000"/>
+                </a:solidFill>
+                <a:latin typeface="Arial"/>
+                <a:ea typeface="DejaVu Sans"/>
+              </a:rPr>
+              <a:t>u</a:t>
+            </a:r>
+            <a:r>
+              <a:rPr b="0" lang="en-US" sz="1500" spc="-1" strike="noStrike">
+                <a:solidFill>
+                  <a:srgbClr val="000000"/>
+                </a:solidFill>
+                <a:latin typeface="Arial"/>
+                <a:ea typeface="DejaVu Sans"/>
+              </a:rPr>
+              <a:t>t</a:t>
+            </a:r>
+            <a:r>
+              <a:rPr b="0" lang="en-US" sz="1500" spc="-1" strike="noStrike">
+                <a:solidFill>
+                  <a:srgbClr val="000000"/>
+                </a:solidFill>
+                <a:latin typeface="Arial"/>
+                <a:ea typeface="DejaVu Sans"/>
+              </a:rPr>
+              <a:t>e</a:t>
+            </a:r>
+            <a:r>
+              <a:rPr b="0" lang="en-US" sz="1500" spc="-1" strike="noStrike">
+                <a:solidFill>
+                  <a:srgbClr val="000000"/>
+                </a:solidFill>
+                <a:latin typeface="Arial"/>
+                <a:ea typeface="DejaVu Sans"/>
+              </a:rPr>
+              <a:t>r</a:t>
+            </a:r>
+            <a:r>
+              <a:rPr b="0" lang="en-US" sz="1500" spc="-1" strike="noStrike">
+                <a:solidFill>
+                  <a:srgbClr val="000000"/>
+                </a:solidFill>
+                <a:latin typeface="Arial"/>
+                <a:ea typeface="DejaVu Sans"/>
+              </a:rPr>
+              <a:t>&gt;</a:t>
+            </a:r>
+            <a:r>
+              <a:rPr b="0" lang="en-US" sz="1500" spc="-1" strike="noStrike">
+                <a:solidFill>
+                  <a:srgbClr val="000000"/>
+                </a:solidFill>
+                <a:latin typeface="Arial"/>
+                <a:ea typeface="DejaVu Sans"/>
+              </a:rPr>
+              <a:t> </a:t>
+            </a:r>
+            <a:r>
+              <a:rPr b="0" lang="en-US" sz="1500" spc="-1" strike="noStrike">
+                <a:solidFill>
+                  <a:srgbClr val="000000"/>
+                </a:solidFill>
+                <a:latin typeface="Arial"/>
+                <a:ea typeface="DejaVu Sans"/>
+              </a:rPr>
+              <a:t>s</a:t>
+            </a:r>
+            <a:r>
+              <a:rPr b="0" lang="en-US" sz="1500" spc="-1" strike="noStrike">
+                <a:solidFill>
+                  <a:srgbClr val="000000"/>
+                </a:solidFill>
+                <a:latin typeface="Arial"/>
+                <a:ea typeface="DejaVu Sans"/>
+              </a:rPr>
+              <a:t>e</a:t>
+            </a:r>
+            <a:r>
+              <a:rPr b="0" lang="en-US" sz="1500" spc="-1" strike="noStrike">
+                <a:solidFill>
+                  <a:srgbClr val="000000"/>
+                </a:solidFill>
+                <a:latin typeface="Arial"/>
+                <a:ea typeface="DejaVu Sans"/>
+              </a:rPr>
+              <a:t>t</a:t>
+            </a:r>
+            <a:r>
+              <a:rPr b="0" lang="en-US" sz="1500" spc="-1" strike="noStrike">
+                <a:solidFill>
+                  <a:srgbClr val="000000"/>
+                </a:solidFill>
+                <a:latin typeface="Arial"/>
+                <a:ea typeface="DejaVu Sans"/>
+              </a:rPr>
+              <a:t>s</a:t>
+            </a:r>
+            <a:r>
+              <a:rPr b="0" lang="en-US" sz="1500" spc="-1" strike="noStrike">
+                <a:solidFill>
+                  <a:srgbClr val="000000"/>
+                </a:solidFill>
+                <a:latin typeface="Arial"/>
+                <a:ea typeface="DejaVu Sans"/>
+              </a:rPr>
+              <a:t> </a:t>
+            </a:r>
+            <a:r>
+              <a:rPr b="0" lang="en-US" sz="1500" spc="-1" strike="noStrike">
+                <a:solidFill>
+                  <a:srgbClr val="000000"/>
+                </a:solidFill>
+                <a:latin typeface="Arial"/>
+                <a:ea typeface="DejaVu Sans"/>
+              </a:rPr>
+              <a:t>u</a:t>
+            </a:r>
+            <a:r>
+              <a:rPr b="0" lang="en-US" sz="1500" spc="-1" strike="noStrike">
+                <a:solidFill>
+                  <a:srgbClr val="000000"/>
+                </a:solidFill>
+                <a:latin typeface="Arial"/>
+                <a:ea typeface="DejaVu Sans"/>
+              </a:rPr>
+              <a:t>p</a:t>
+            </a:r>
+            <a:r>
+              <a:rPr b="0" lang="en-US" sz="1500" spc="-1" strike="noStrike">
+                <a:solidFill>
+                  <a:srgbClr val="000000"/>
+                </a:solidFill>
+                <a:latin typeface="Arial"/>
+                <a:ea typeface="DejaVu Sans"/>
+              </a:rPr>
+              <a:t> </a:t>
+            </a:r>
+            <a:r>
+              <a:rPr b="0" lang="en-US" sz="1500" spc="-1" strike="noStrike">
+                <a:solidFill>
+                  <a:srgbClr val="000000"/>
+                </a:solidFill>
+                <a:latin typeface="Arial"/>
+                <a:ea typeface="DejaVu Sans"/>
+              </a:rPr>
+              <a:t>t</a:t>
+            </a:r>
+            <a:r>
+              <a:rPr b="0" lang="en-US" sz="1500" spc="-1" strike="noStrike">
+                <a:solidFill>
+                  <a:srgbClr val="000000"/>
+                </a:solidFill>
+                <a:latin typeface="Arial"/>
+                <a:ea typeface="DejaVu Sans"/>
+              </a:rPr>
+              <a:t>h</a:t>
+            </a:r>
+            <a:r>
+              <a:rPr b="0" lang="en-US" sz="1500" spc="-1" strike="noStrike">
+                <a:solidFill>
+                  <a:srgbClr val="000000"/>
+                </a:solidFill>
+                <a:latin typeface="Arial"/>
+                <a:ea typeface="DejaVu Sans"/>
+              </a:rPr>
+              <a:t>e</a:t>
+            </a:r>
+            <a:r>
+              <a:rPr b="0" lang="en-US" sz="1500" spc="-1" strike="noStrike">
+                <a:solidFill>
+                  <a:srgbClr val="000000"/>
+                </a:solidFill>
+                <a:latin typeface="Arial"/>
+                <a:ea typeface="DejaVu Sans"/>
+              </a:rPr>
+              <a:t> </a:t>
+            </a:r>
+            <a:r>
+              <a:rPr b="0" lang="en-US" sz="1500" spc="-1" strike="noStrike">
+                <a:solidFill>
+                  <a:srgbClr val="000000"/>
+                </a:solidFill>
+                <a:latin typeface="Arial"/>
+                <a:ea typeface="DejaVu Sans"/>
+              </a:rPr>
+              <a:t>r</a:t>
+            </a:r>
+            <a:r>
+              <a:rPr b="0" lang="en-US" sz="1500" spc="-1" strike="noStrike">
+                <a:solidFill>
+                  <a:srgbClr val="000000"/>
+                </a:solidFill>
+                <a:latin typeface="Arial"/>
+                <a:ea typeface="DejaVu Sans"/>
+              </a:rPr>
+              <a:t>o</a:t>
+            </a:r>
+            <a:r>
+              <a:rPr b="0" lang="en-US" sz="1500" spc="-1" strike="noStrike">
+                <a:solidFill>
+                  <a:srgbClr val="000000"/>
+                </a:solidFill>
+                <a:latin typeface="Arial"/>
+                <a:ea typeface="DejaVu Sans"/>
+              </a:rPr>
+              <a:t>u</a:t>
+            </a:r>
+            <a:r>
+              <a:rPr b="0" lang="en-US" sz="1500" spc="-1" strike="noStrike">
+                <a:solidFill>
+                  <a:srgbClr val="000000"/>
+                </a:solidFill>
+                <a:latin typeface="Arial"/>
+                <a:ea typeface="DejaVu Sans"/>
+              </a:rPr>
+              <a:t>t</a:t>
+            </a:r>
+            <a:r>
+              <a:rPr b="0" lang="en-US" sz="1500" spc="-1" strike="noStrike">
+                <a:solidFill>
+                  <a:srgbClr val="000000"/>
+                </a:solidFill>
+                <a:latin typeface="Arial"/>
+                <a:ea typeface="DejaVu Sans"/>
+              </a:rPr>
+              <a:t>e</a:t>
+            </a:r>
+            <a:r>
+              <a:rPr b="0" lang="en-US" sz="1500" spc="-1" strike="noStrike">
+                <a:solidFill>
+                  <a:srgbClr val="000000"/>
+                </a:solidFill>
+                <a:latin typeface="Arial"/>
+                <a:ea typeface="DejaVu Sans"/>
+              </a:rPr>
+              <a:t>r</a:t>
+            </a:r>
+            <a:endParaRPr b="0" lang="en-US" sz="1500" spc="-1" strike="noStrike">
+              <a:latin typeface="Arial"/>
+            </a:endParaRPr>
+          </a:p>
+          <a:p>
+            <a:pPr marL="285840" indent="-282960">
+              <a:lnSpc>
+                <a:spcPct val="120000"/>
+              </a:lnSpc>
+              <a:buClr>
+                <a:srgbClr val="000000"/>
+              </a:buClr>
+              <a:buFont typeface="Arial"/>
+              <a:buChar char="•"/>
+            </a:pPr>
+            <a:endParaRPr b="0" lang="en-US" sz="1500" spc="-1" strike="noStrike">
+              <a:latin typeface="Arial"/>
+            </a:endParaRPr>
+          </a:p>
+          <a:p>
+            <a:pPr marL="285840" indent="-282960">
+              <a:lnSpc>
+                <a:spcPct val="120000"/>
+              </a:lnSpc>
+              <a:buClr>
+                <a:srgbClr val="000000"/>
+              </a:buClr>
+              <a:buFont typeface="Arial"/>
+              <a:buChar char="•"/>
+            </a:pPr>
+            <a:r>
+              <a:rPr b="0" lang="en-US" sz="1500" spc="-1" strike="noStrike">
+                <a:solidFill>
+                  <a:srgbClr val="000000"/>
+                </a:solidFill>
+                <a:latin typeface="Arial"/>
+                <a:ea typeface="DejaVu Sans"/>
+              </a:rPr>
+              <a:t>&lt;</a:t>
+            </a:r>
+            <a:r>
+              <a:rPr b="0" lang="en-US" sz="1500" spc="-1" strike="noStrike">
+                <a:solidFill>
+                  <a:srgbClr val="000000"/>
+                </a:solidFill>
+                <a:latin typeface="Arial"/>
+                <a:ea typeface="DejaVu Sans"/>
+              </a:rPr>
+              <a:t>S</a:t>
+            </a:r>
+            <a:r>
+              <a:rPr b="0" lang="en-US" sz="1500" spc="-1" strike="noStrike">
+                <a:solidFill>
+                  <a:srgbClr val="000000"/>
+                </a:solidFill>
+                <a:latin typeface="Arial"/>
+                <a:ea typeface="DejaVu Sans"/>
+              </a:rPr>
+              <a:t>w</a:t>
+            </a:r>
+            <a:r>
+              <a:rPr b="0" lang="en-US" sz="1500" spc="-1" strike="noStrike">
+                <a:solidFill>
+                  <a:srgbClr val="000000"/>
+                </a:solidFill>
+                <a:latin typeface="Arial"/>
+                <a:ea typeface="DejaVu Sans"/>
+              </a:rPr>
+              <a:t>i</a:t>
+            </a:r>
+            <a:r>
+              <a:rPr b="0" lang="en-US" sz="1500" spc="-1" strike="noStrike">
+                <a:solidFill>
+                  <a:srgbClr val="000000"/>
+                </a:solidFill>
+                <a:latin typeface="Arial"/>
+                <a:ea typeface="DejaVu Sans"/>
+              </a:rPr>
+              <a:t>t</a:t>
+            </a:r>
+            <a:r>
+              <a:rPr b="0" lang="en-US" sz="1500" spc="-1" strike="noStrike">
+                <a:solidFill>
+                  <a:srgbClr val="000000"/>
+                </a:solidFill>
+                <a:latin typeface="Arial"/>
+                <a:ea typeface="DejaVu Sans"/>
+              </a:rPr>
+              <a:t>c</a:t>
+            </a:r>
+            <a:r>
+              <a:rPr b="0" lang="en-US" sz="1500" spc="-1" strike="noStrike">
+                <a:solidFill>
+                  <a:srgbClr val="000000"/>
+                </a:solidFill>
+                <a:latin typeface="Arial"/>
+                <a:ea typeface="DejaVu Sans"/>
+              </a:rPr>
+              <a:t>h</a:t>
+            </a:r>
+            <a:r>
+              <a:rPr b="0" lang="en-US" sz="1500" spc="-1" strike="noStrike">
+                <a:solidFill>
+                  <a:srgbClr val="000000"/>
+                </a:solidFill>
+                <a:latin typeface="Arial"/>
+                <a:ea typeface="DejaVu Sans"/>
+              </a:rPr>
+              <a:t>&gt;</a:t>
+            </a:r>
+            <a:r>
+              <a:rPr b="0" lang="en-US" sz="1500" spc="-1" strike="noStrike">
+                <a:solidFill>
+                  <a:srgbClr val="000000"/>
+                </a:solidFill>
+                <a:latin typeface="Arial"/>
+                <a:ea typeface="DejaVu Sans"/>
+              </a:rPr>
+              <a:t> </a:t>
+            </a:r>
+            <a:r>
+              <a:rPr b="0" lang="en-US" sz="1500" spc="-1" strike="noStrike">
+                <a:solidFill>
+                  <a:srgbClr val="000000"/>
+                </a:solidFill>
+                <a:latin typeface="Arial"/>
+                <a:ea typeface="DejaVu Sans"/>
+              </a:rPr>
+              <a:t>.</a:t>
+            </a:r>
+            <a:r>
+              <a:rPr b="0" lang="en-US" sz="1500" spc="-1" strike="noStrike">
+                <a:solidFill>
+                  <a:srgbClr val="000000"/>
+                </a:solidFill>
+                <a:latin typeface="Arial"/>
+                <a:ea typeface="DejaVu Sans"/>
+              </a:rPr>
+              <a:t>.</a:t>
+            </a:r>
+            <a:r>
+              <a:rPr b="0" lang="en-US" sz="1500" spc="-1" strike="noStrike">
+                <a:solidFill>
+                  <a:srgbClr val="000000"/>
+                </a:solidFill>
+                <a:latin typeface="Arial"/>
+                <a:ea typeface="DejaVu Sans"/>
+              </a:rPr>
+              <a:t>.</a:t>
+            </a:r>
+            <a:r>
+              <a:rPr b="0" lang="en-US" sz="1500" spc="-1" strike="noStrike">
+                <a:solidFill>
+                  <a:srgbClr val="000000"/>
+                </a:solidFill>
+                <a:latin typeface="Arial"/>
+                <a:ea typeface="DejaVu Sans"/>
+              </a:rPr>
+              <a:t> </a:t>
+            </a:r>
+            <a:r>
+              <a:rPr b="0" lang="en-US" sz="1500" spc="-1" strike="noStrike">
+                <a:solidFill>
+                  <a:srgbClr val="000000"/>
+                </a:solidFill>
+                <a:latin typeface="Arial"/>
+                <a:ea typeface="DejaVu Sans"/>
+              </a:rPr>
+              <a:t>&lt;</a:t>
+            </a:r>
+            <a:r>
+              <a:rPr b="0" lang="en-US" sz="1500" spc="-1" strike="noStrike">
+                <a:solidFill>
+                  <a:srgbClr val="000000"/>
+                </a:solidFill>
+                <a:latin typeface="Arial"/>
+                <a:ea typeface="DejaVu Sans"/>
+              </a:rPr>
+              <a:t>/</a:t>
+            </a:r>
+            <a:r>
+              <a:rPr b="0" lang="en-US" sz="1500" spc="-1" strike="noStrike">
+                <a:solidFill>
+                  <a:srgbClr val="000000"/>
+                </a:solidFill>
+                <a:latin typeface="Arial"/>
+                <a:ea typeface="DejaVu Sans"/>
+              </a:rPr>
+              <a:t>S</a:t>
+            </a:r>
+            <a:r>
+              <a:rPr b="0" lang="en-US" sz="1500" spc="-1" strike="noStrike">
+                <a:solidFill>
+                  <a:srgbClr val="000000"/>
+                </a:solidFill>
+                <a:latin typeface="Arial"/>
+                <a:ea typeface="DejaVu Sans"/>
+              </a:rPr>
+              <a:t>w</a:t>
+            </a:r>
+            <a:r>
+              <a:rPr b="0" lang="en-US" sz="1500" spc="-1" strike="noStrike">
+                <a:solidFill>
+                  <a:srgbClr val="000000"/>
+                </a:solidFill>
+                <a:latin typeface="Arial"/>
+                <a:ea typeface="DejaVu Sans"/>
+              </a:rPr>
+              <a:t>i</a:t>
+            </a:r>
+            <a:r>
+              <a:rPr b="0" lang="en-US" sz="1500" spc="-1" strike="noStrike">
+                <a:solidFill>
+                  <a:srgbClr val="000000"/>
+                </a:solidFill>
+                <a:latin typeface="Arial"/>
+                <a:ea typeface="DejaVu Sans"/>
+              </a:rPr>
+              <a:t>t</a:t>
+            </a:r>
+            <a:r>
+              <a:rPr b="0" lang="en-US" sz="1500" spc="-1" strike="noStrike">
+                <a:solidFill>
+                  <a:srgbClr val="000000"/>
+                </a:solidFill>
+                <a:latin typeface="Arial"/>
+                <a:ea typeface="DejaVu Sans"/>
+              </a:rPr>
+              <a:t>c</a:t>
+            </a:r>
+            <a:r>
+              <a:rPr b="0" lang="en-US" sz="1500" spc="-1" strike="noStrike">
+                <a:solidFill>
+                  <a:srgbClr val="000000"/>
+                </a:solidFill>
+                <a:latin typeface="Arial"/>
+                <a:ea typeface="DejaVu Sans"/>
+              </a:rPr>
+              <a:t>h</a:t>
+            </a:r>
+            <a:r>
+              <a:rPr b="0" lang="en-US" sz="1500" spc="-1" strike="noStrike">
+                <a:solidFill>
+                  <a:srgbClr val="000000"/>
+                </a:solidFill>
+                <a:latin typeface="Arial"/>
+                <a:ea typeface="DejaVu Sans"/>
+              </a:rPr>
+              <a:t>&gt;</a:t>
+            </a:r>
+            <a:r>
+              <a:rPr b="0" lang="en-US" sz="1500" spc="-1" strike="noStrike">
+                <a:solidFill>
+                  <a:srgbClr val="000000"/>
+                </a:solidFill>
+                <a:latin typeface="Arial"/>
+                <a:ea typeface="DejaVu Sans"/>
+              </a:rPr>
+              <a:t> </a:t>
+            </a:r>
+            <a:r>
+              <a:rPr b="0" lang="en-US" sz="1500" spc="-1" strike="noStrike">
+                <a:solidFill>
+                  <a:srgbClr val="000000"/>
+                </a:solidFill>
+                <a:latin typeface="Arial"/>
+                <a:ea typeface="DejaVu Sans"/>
+              </a:rPr>
+              <a:t>t</a:t>
+            </a:r>
+            <a:r>
+              <a:rPr b="0" lang="en-US" sz="1500" spc="-1" strike="noStrike">
+                <a:solidFill>
+                  <a:srgbClr val="000000"/>
+                </a:solidFill>
+                <a:latin typeface="Arial"/>
+                <a:ea typeface="DejaVu Sans"/>
+              </a:rPr>
+              <a:t>a</a:t>
+            </a:r>
+            <a:r>
+              <a:rPr b="0" lang="en-US" sz="1500" spc="-1" strike="noStrike">
+                <a:solidFill>
+                  <a:srgbClr val="000000"/>
+                </a:solidFill>
+                <a:latin typeface="Arial"/>
+                <a:ea typeface="DejaVu Sans"/>
+              </a:rPr>
+              <a:t>k</a:t>
+            </a:r>
+            <a:r>
+              <a:rPr b="0" lang="en-US" sz="1500" spc="-1" strike="noStrike">
+                <a:solidFill>
+                  <a:srgbClr val="000000"/>
+                </a:solidFill>
+                <a:latin typeface="Arial"/>
+                <a:ea typeface="DejaVu Sans"/>
+              </a:rPr>
+              <a:t>e</a:t>
+            </a:r>
+            <a:r>
+              <a:rPr b="0" lang="en-US" sz="1500" spc="-1" strike="noStrike">
+                <a:solidFill>
+                  <a:srgbClr val="000000"/>
+                </a:solidFill>
+                <a:latin typeface="Arial"/>
+                <a:ea typeface="DejaVu Sans"/>
+              </a:rPr>
+              <a:t>s</a:t>
+            </a:r>
+            <a:r>
+              <a:rPr b="0" lang="en-US" sz="1500" spc="-1" strike="noStrike">
+                <a:solidFill>
+                  <a:srgbClr val="000000"/>
+                </a:solidFill>
+                <a:latin typeface="Arial"/>
+                <a:ea typeface="DejaVu Sans"/>
+              </a:rPr>
+              <a:t> </a:t>
+            </a:r>
+            <a:r>
+              <a:rPr b="0" lang="en-US" sz="1500" spc="-1" strike="noStrike">
+                <a:solidFill>
+                  <a:srgbClr val="000000"/>
+                </a:solidFill>
+                <a:latin typeface="Arial"/>
+                <a:ea typeface="DejaVu Sans"/>
+              </a:rPr>
+              <a:t>c</a:t>
+            </a:r>
+            <a:r>
+              <a:rPr b="0" lang="en-US" sz="1500" spc="-1" strike="noStrike">
+                <a:solidFill>
+                  <a:srgbClr val="000000"/>
+                </a:solidFill>
+                <a:latin typeface="Arial"/>
+                <a:ea typeface="DejaVu Sans"/>
+              </a:rPr>
+              <a:t>a</a:t>
+            </a:r>
+            <a:r>
+              <a:rPr b="0" lang="en-US" sz="1500" spc="-1" strike="noStrike">
+                <a:solidFill>
+                  <a:srgbClr val="000000"/>
+                </a:solidFill>
+                <a:latin typeface="Arial"/>
+                <a:ea typeface="DejaVu Sans"/>
+              </a:rPr>
+              <a:t>r</a:t>
+            </a:r>
+            <a:r>
+              <a:rPr b="0" lang="en-US" sz="1500" spc="-1" strike="noStrike">
+                <a:solidFill>
+                  <a:srgbClr val="000000"/>
+                </a:solidFill>
+                <a:latin typeface="Arial"/>
+                <a:ea typeface="DejaVu Sans"/>
+              </a:rPr>
+              <a:t>e</a:t>
+            </a:r>
+            <a:r>
+              <a:rPr b="0" lang="en-US" sz="1500" spc="-1" strike="noStrike">
+                <a:solidFill>
+                  <a:srgbClr val="000000"/>
+                </a:solidFill>
+                <a:latin typeface="Arial"/>
+                <a:ea typeface="DejaVu Sans"/>
+              </a:rPr>
+              <a:t> </a:t>
+            </a:r>
+            <a:r>
+              <a:rPr b="0" lang="en-US" sz="1500" spc="-1" strike="noStrike">
+                <a:solidFill>
+                  <a:srgbClr val="000000"/>
+                </a:solidFill>
+                <a:latin typeface="Arial"/>
+                <a:ea typeface="DejaVu Sans"/>
+              </a:rPr>
+              <a:t>o</a:t>
+            </a:r>
+            <a:r>
+              <a:rPr b="0" lang="en-US" sz="1500" spc="-1" strike="noStrike">
+                <a:solidFill>
+                  <a:srgbClr val="000000"/>
+                </a:solidFill>
+                <a:latin typeface="Arial"/>
+                <a:ea typeface="DejaVu Sans"/>
+              </a:rPr>
+              <a:t>f</a:t>
+            </a:r>
+            <a:r>
+              <a:rPr b="0" lang="en-US" sz="1500" spc="-1" strike="noStrike">
+                <a:solidFill>
+                  <a:srgbClr val="000000"/>
+                </a:solidFill>
+                <a:latin typeface="Arial"/>
+                <a:ea typeface="DejaVu Sans"/>
+              </a:rPr>
+              <a:t> </a:t>
+            </a:r>
+            <a:r>
+              <a:rPr b="0" lang="en-US" sz="1500" spc="-1" strike="noStrike">
+                <a:solidFill>
+                  <a:srgbClr val="000000"/>
+                </a:solidFill>
+                <a:latin typeface="Arial"/>
+                <a:ea typeface="DejaVu Sans"/>
+              </a:rPr>
+              <a:t>e</a:t>
+            </a:r>
+            <a:r>
+              <a:rPr b="0" lang="en-US" sz="1500" spc="-1" strike="noStrike">
+                <a:solidFill>
+                  <a:srgbClr val="000000"/>
+                </a:solidFill>
+                <a:latin typeface="Arial"/>
+                <a:ea typeface="DejaVu Sans"/>
+              </a:rPr>
+              <a:t>x</a:t>
+            </a:r>
+            <a:r>
+              <a:rPr b="0" lang="en-US" sz="1500" spc="-1" strike="noStrike">
+                <a:solidFill>
+                  <a:srgbClr val="000000"/>
+                </a:solidFill>
+                <a:latin typeface="Arial"/>
+                <a:ea typeface="DejaVu Sans"/>
+              </a:rPr>
+              <a:t>c</a:t>
+            </a:r>
+            <a:r>
+              <a:rPr b="0" lang="en-US" sz="1500" spc="-1" strike="noStrike">
+                <a:solidFill>
+                  <a:srgbClr val="000000"/>
+                </a:solidFill>
+                <a:latin typeface="Arial"/>
+                <a:ea typeface="DejaVu Sans"/>
+              </a:rPr>
+              <a:t>l</a:t>
+            </a:r>
+            <a:r>
+              <a:rPr b="0" lang="en-US" sz="1500" spc="-1" strike="noStrike">
+                <a:solidFill>
+                  <a:srgbClr val="000000"/>
+                </a:solidFill>
+                <a:latin typeface="Arial"/>
+                <a:ea typeface="DejaVu Sans"/>
+              </a:rPr>
+              <a:t>u</a:t>
+            </a:r>
+            <a:r>
+              <a:rPr b="0" lang="en-US" sz="1500" spc="-1" strike="noStrike">
+                <a:solidFill>
+                  <a:srgbClr val="000000"/>
+                </a:solidFill>
+                <a:latin typeface="Arial"/>
+                <a:ea typeface="DejaVu Sans"/>
+              </a:rPr>
+              <a:t>s</a:t>
+            </a:r>
+            <a:r>
+              <a:rPr b="0" lang="en-US" sz="1500" spc="-1" strike="noStrike">
+                <a:solidFill>
+                  <a:srgbClr val="000000"/>
+                </a:solidFill>
+                <a:latin typeface="Arial"/>
+                <a:ea typeface="DejaVu Sans"/>
+              </a:rPr>
+              <a:t>i</a:t>
+            </a:r>
+            <a:r>
+              <a:rPr b="0" lang="en-US" sz="1500" spc="-1" strike="noStrike">
+                <a:solidFill>
+                  <a:srgbClr val="000000"/>
+                </a:solidFill>
+                <a:latin typeface="Arial"/>
+                <a:ea typeface="DejaVu Sans"/>
+              </a:rPr>
+              <a:t>v</a:t>
+            </a:r>
+            <a:r>
+              <a:rPr b="0" lang="en-US" sz="1500" spc="-1" strike="noStrike">
+                <a:solidFill>
+                  <a:srgbClr val="000000"/>
+                </a:solidFill>
+                <a:latin typeface="Arial"/>
+                <a:ea typeface="DejaVu Sans"/>
+              </a:rPr>
+              <a:t>i</a:t>
+            </a:r>
+            <a:r>
+              <a:rPr b="0" lang="en-US" sz="1500" spc="-1" strike="noStrike">
+                <a:solidFill>
+                  <a:srgbClr val="000000"/>
+                </a:solidFill>
+                <a:latin typeface="Arial"/>
+                <a:ea typeface="DejaVu Sans"/>
+              </a:rPr>
+              <a:t>t</a:t>
+            </a:r>
+            <a:r>
+              <a:rPr b="0" lang="en-US" sz="1500" spc="-1" strike="noStrike">
+                <a:solidFill>
+                  <a:srgbClr val="000000"/>
+                </a:solidFill>
+                <a:latin typeface="Arial"/>
+                <a:ea typeface="DejaVu Sans"/>
+              </a:rPr>
+              <a:t>y</a:t>
+            </a:r>
+            <a:endParaRPr b="0" lang="en-US" sz="1500" spc="-1" strike="noStrike">
+              <a:latin typeface="Arial"/>
+            </a:endParaRPr>
+          </a:p>
+          <a:p>
+            <a:pPr lvl="1" marL="432000" indent="-216000">
+              <a:lnSpc>
+                <a:spcPct val="120000"/>
+              </a:lnSpc>
+              <a:buClr>
+                <a:srgbClr val="000000"/>
+              </a:buClr>
+              <a:buSzPct val="45000"/>
+              <a:buFont typeface="Wingdings" charset="2"/>
+              <a:buChar char=""/>
+            </a:pPr>
+            <a:endParaRPr b="0" lang="en-US" sz="1500" spc="-1" strike="noStrike">
+              <a:latin typeface="Arial"/>
+            </a:endParaRPr>
+          </a:p>
+          <a:p>
+            <a:pPr marL="285840" indent="-282960">
+              <a:lnSpc>
+                <a:spcPct val="120000"/>
+              </a:lnSpc>
+              <a:buClr>
+                <a:srgbClr val="000000"/>
+              </a:buClr>
+              <a:buFont typeface="Arial"/>
+              <a:buChar char="•"/>
+            </a:pPr>
+            <a:r>
+              <a:rPr b="0" lang="en-US" sz="1500" spc="-1" strike="noStrike">
+                <a:solidFill>
+                  <a:srgbClr val="000000"/>
+                </a:solidFill>
+                <a:latin typeface="Arial"/>
+                <a:ea typeface="DejaVu Sans"/>
+              </a:rPr>
+              <a:t>&lt;</a:t>
+            </a:r>
+            <a:r>
+              <a:rPr b="0" lang="en-US" sz="1500" spc="-1" strike="noStrike">
+                <a:solidFill>
+                  <a:srgbClr val="000000"/>
+                </a:solidFill>
+                <a:latin typeface="Arial"/>
+                <a:ea typeface="DejaVu Sans"/>
+              </a:rPr>
+              <a:t>R</a:t>
+            </a:r>
+            <a:r>
+              <a:rPr b="0" lang="en-US" sz="1500" spc="-1" strike="noStrike">
+                <a:solidFill>
+                  <a:srgbClr val="000000"/>
+                </a:solidFill>
+                <a:latin typeface="Arial"/>
+                <a:ea typeface="DejaVu Sans"/>
+              </a:rPr>
+              <a:t>o</a:t>
+            </a:r>
+            <a:r>
+              <a:rPr b="0" lang="en-US" sz="1500" spc="-1" strike="noStrike">
+                <a:solidFill>
+                  <a:srgbClr val="000000"/>
+                </a:solidFill>
+                <a:latin typeface="Arial"/>
+                <a:ea typeface="DejaVu Sans"/>
+              </a:rPr>
+              <a:t>u</a:t>
+            </a:r>
+            <a:r>
+              <a:rPr b="0" lang="en-US" sz="1500" spc="-1" strike="noStrike">
+                <a:solidFill>
+                  <a:srgbClr val="000000"/>
+                </a:solidFill>
+                <a:latin typeface="Arial"/>
+                <a:ea typeface="DejaVu Sans"/>
+              </a:rPr>
+              <a:t>t</a:t>
+            </a:r>
+            <a:r>
+              <a:rPr b="0" lang="en-US" sz="1500" spc="-1" strike="noStrike">
+                <a:solidFill>
+                  <a:srgbClr val="000000"/>
+                </a:solidFill>
+                <a:latin typeface="Arial"/>
+                <a:ea typeface="DejaVu Sans"/>
+              </a:rPr>
+              <a:t>e</a:t>
+            </a:r>
+            <a:r>
+              <a:rPr b="0" lang="en-US" sz="1500" spc="-1" strike="noStrike">
+                <a:solidFill>
+                  <a:srgbClr val="000000"/>
+                </a:solidFill>
+                <a:latin typeface="Arial"/>
+                <a:ea typeface="DejaVu Sans"/>
+              </a:rPr>
+              <a:t> </a:t>
+            </a:r>
+            <a:r>
+              <a:rPr b="0" lang="en-US" sz="1500" spc="-1" strike="noStrike">
+                <a:solidFill>
+                  <a:srgbClr val="000000"/>
+                </a:solidFill>
+                <a:latin typeface="Arial"/>
+                <a:ea typeface="DejaVu Sans"/>
+              </a:rPr>
+              <a:t>/</a:t>
+            </a:r>
+            <a:r>
+              <a:rPr b="0" lang="en-US" sz="1500" spc="-1" strike="noStrike">
+                <a:solidFill>
+                  <a:srgbClr val="000000"/>
+                </a:solidFill>
+                <a:latin typeface="Arial"/>
+                <a:ea typeface="DejaVu Sans"/>
+              </a:rPr>
+              <a:t>&gt;</a:t>
+            </a:r>
+            <a:r>
+              <a:rPr b="0" lang="en-US" sz="1500" spc="-1" strike="noStrike">
+                <a:solidFill>
+                  <a:srgbClr val="000000"/>
+                </a:solidFill>
+                <a:latin typeface="Arial"/>
+                <a:ea typeface="DejaVu Sans"/>
+              </a:rPr>
+              <a:t> </a:t>
+            </a:r>
+            <a:r>
+              <a:rPr b="0" lang="en-US" sz="1500" spc="-1" strike="noStrike">
+                <a:solidFill>
+                  <a:srgbClr val="000000"/>
+                </a:solidFill>
+                <a:latin typeface="Arial"/>
+                <a:ea typeface="DejaVu Sans"/>
+              </a:rPr>
+              <a:t>b</a:t>
+            </a:r>
+            <a:r>
+              <a:rPr b="0" lang="en-US" sz="1500" spc="-1" strike="noStrike">
+                <a:solidFill>
+                  <a:srgbClr val="000000"/>
+                </a:solidFill>
+                <a:latin typeface="Arial"/>
+                <a:ea typeface="DejaVu Sans"/>
+              </a:rPr>
+              <a:t>i</a:t>
+            </a:r>
+            <a:r>
+              <a:rPr b="0" lang="en-US" sz="1500" spc="-1" strike="noStrike">
+                <a:solidFill>
+                  <a:srgbClr val="000000"/>
+                </a:solidFill>
+                <a:latin typeface="Arial"/>
+                <a:ea typeface="DejaVu Sans"/>
+              </a:rPr>
+              <a:t>n</a:t>
+            </a:r>
+            <a:r>
+              <a:rPr b="0" lang="en-US" sz="1500" spc="-1" strike="noStrike">
+                <a:solidFill>
+                  <a:srgbClr val="000000"/>
+                </a:solidFill>
+                <a:latin typeface="Arial"/>
+                <a:ea typeface="DejaVu Sans"/>
+              </a:rPr>
+              <a:t>d</a:t>
+            </a:r>
+            <a:r>
+              <a:rPr b="0" lang="en-US" sz="1500" spc="-1" strike="noStrike">
+                <a:solidFill>
+                  <a:srgbClr val="000000"/>
+                </a:solidFill>
+                <a:latin typeface="Arial"/>
+                <a:ea typeface="DejaVu Sans"/>
+              </a:rPr>
+              <a:t>s</a:t>
+            </a:r>
+            <a:r>
+              <a:rPr b="0" lang="en-US" sz="1500" spc="-1" strike="noStrike">
+                <a:solidFill>
+                  <a:srgbClr val="000000"/>
+                </a:solidFill>
+                <a:latin typeface="Arial"/>
+                <a:ea typeface="DejaVu Sans"/>
+              </a:rPr>
+              <a:t> </a:t>
+            </a:r>
+            <a:r>
+              <a:rPr b="0" lang="en-US" sz="1500" spc="-1" strike="noStrike">
+                <a:solidFill>
+                  <a:srgbClr val="000000"/>
+                </a:solidFill>
+                <a:latin typeface="Arial"/>
+                <a:ea typeface="DejaVu Sans"/>
+              </a:rPr>
+              <a:t>a</a:t>
+            </a:r>
+            <a:r>
+              <a:rPr b="0" lang="en-US" sz="1500" spc="-1" strike="noStrike">
+                <a:solidFill>
+                  <a:srgbClr val="000000"/>
+                </a:solidFill>
+                <a:latin typeface="Arial"/>
+                <a:ea typeface="DejaVu Sans"/>
+              </a:rPr>
+              <a:t> </a:t>
+            </a:r>
+            <a:r>
+              <a:rPr b="0" lang="en-US" sz="1500" spc="-1" strike="noStrike">
+                <a:solidFill>
+                  <a:srgbClr val="000000"/>
+                </a:solidFill>
+                <a:latin typeface="Arial"/>
+                <a:ea typeface="DejaVu Sans"/>
+              </a:rPr>
+              <a:t>p</a:t>
+            </a:r>
+            <a:r>
+              <a:rPr b="0" lang="en-US" sz="1500" spc="-1" strike="noStrike">
+                <a:solidFill>
+                  <a:srgbClr val="000000"/>
+                </a:solidFill>
+                <a:latin typeface="Arial"/>
+                <a:ea typeface="DejaVu Sans"/>
+              </a:rPr>
+              <a:t>a</a:t>
+            </a:r>
+            <a:r>
+              <a:rPr b="0" lang="en-US" sz="1500" spc="-1" strike="noStrike">
+                <a:solidFill>
+                  <a:srgbClr val="000000"/>
+                </a:solidFill>
+                <a:latin typeface="Arial"/>
+                <a:ea typeface="DejaVu Sans"/>
+              </a:rPr>
+              <a:t>t</a:t>
+            </a:r>
+            <a:r>
+              <a:rPr b="0" lang="en-US" sz="1500" spc="-1" strike="noStrike">
+                <a:solidFill>
+                  <a:srgbClr val="000000"/>
+                </a:solidFill>
+                <a:latin typeface="Arial"/>
+                <a:ea typeface="DejaVu Sans"/>
+              </a:rPr>
+              <a:t>h</a:t>
+            </a:r>
+            <a:r>
+              <a:rPr b="0" lang="en-US" sz="1500" spc="-1" strike="noStrike">
+                <a:solidFill>
+                  <a:srgbClr val="000000"/>
+                </a:solidFill>
+                <a:latin typeface="Arial"/>
+                <a:ea typeface="DejaVu Sans"/>
+              </a:rPr>
+              <a:t> </a:t>
+            </a:r>
+            <a:r>
+              <a:rPr b="0" lang="en-US" sz="1500" spc="-1" strike="noStrike">
+                <a:solidFill>
+                  <a:srgbClr val="000000"/>
+                </a:solidFill>
+                <a:latin typeface="Arial"/>
+                <a:ea typeface="DejaVu Sans"/>
+              </a:rPr>
+              <a:t>t</a:t>
+            </a:r>
+            <a:r>
+              <a:rPr b="0" lang="en-US" sz="1500" spc="-1" strike="noStrike">
+                <a:solidFill>
+                  <a:srgbClr val="000000"/>
+                </a:solidFill>
+                <a:latin typeface="Arial"/>
+                <a:ea typeface="DejaVu Sans"/>
+              </a:rPr>
+              <a:t>o</a:t>
+            </a:r>
+            <a:r>
+              <a:rPr b="0" lang="en-US" sz="1500" spc="-1" strike="noStrike">
+                <a:solidFill>
+                  <a:srgbClr val="000000"/>
+                </a:solidFill>
+                <a:latin typeface="Arial"/>
+                <a:ea typeface="DejaVu Sans"/>
+              </a:rPr>
+              <a:t> </a:t>
+            </a:r>
+            <a:r>
+              <a:rPr b="0" lang="en-US" sz="1500" spc="-1" strike="noStrike">
+                <a:solidFill>
+                  <a:srgbClr val="000000"/>
+                </a:solidFill>
+                <a:latin typeface="Arial"/>
+                <a:ea typeface="DejaVu Sans"/>
+              </a:rPr>
+              <a:t>a</a:t>
+            </a:r>
+            <a:r>
+              <a:rPr b="0" lang="en-US" sz="1500" spc="-1" strike="noStrike">
+                <a:solidFill>
+                  <a:srgbClr val="000000"/>
+                </a:solidFill>
+                <a:latin typeface="Arial"/>
+                <a:ea typeface="DejaVu Sans"/>
+              </a:rPr>
+              <a:t> </a:t>
+            </a:r>
+            <a:r>
+              <a:rPr b="0" lang="en-US" sz="1500" spc="-1" strike="noStrike">
+                <a:solidFill>
+                  <a:srgbClr val="000000"/>
+                </a:solidFill>
+                <a:latin typeface="Arial"/>
+                <a:ea typeface="DejaVu Sans"/>
+              </a:rPr>
+              <a:t>c</a:t>
+            </a:r>
+            <a:r>
+              <a:rPr b="0" lang="en-US" sz="1500" spc="-1" strike="noStrike">
+                <a:solidFill>
+                  <a:srgbClr val="000000"/>
+                </a:solidFill>
+                <a:latin typeface="Arial"/>
+                <a:ea typeface="DejaVu Sans"/>
+              </a:rPr>
+              <a:t>o</a:t>
+            </a:r>
+            <a:r>
+              <a:rPr b="0" lang="en-US" sz="1500" spc="-1" strike="noStrike">
+                <a:solidFill>
+                  <a:srgbClr val="000000"/>
+                </a:solidFill>
+                <a:latin typeface="Arial"/>
+                <a:ea typeface="DejaVu Sans"/>
+              </a:rPr>
+              <a:t>m</a:t>
+            </a:r>
+            <a:r>
+              <a:rPr b="0" lang="en-US" sz="1500" spc="-1" strike="noStrike">
+                <a:solidFill>
+                  <a:srgbClr val="000000"/>
+                </a:solidFill>
+                <a:latin typeface="Arial"/>
+                <a:ea typeface="DejaVu Sans"/>
+              </a:rPr>
+              <a:t>p</a:t>
+            </a:r>
+            <a:r>
+              <a:rPr b="0" lang="en-US" sz="1500" spc="-1" strike="noStrike">
+                <a:solidFill>
+                  <a:srgbClr val="000000"/>
+                </a:solidFill>
+                <a:latin typeface="Arial"/>
+                <a:ea typeface="DejaVu Sans"/>
+              </a:rPr>
+              <a:t>o</a:t>
+            </a:r>
+            <a:r>
+              <a:rPr b="0" lang="en-US" sz="1500" spc="-1" strike="noStrike">
+                <a:solidFill>
+                  <a:srgbClr val="000000"/>
+                </a:solidFill>
+                <a:latin typeface="Arial"/>
+                <a:ea typeface="DejaVu Sans"/>
+              </a:rPr>
+              <a:t>n</a:t>
+            </a:r>
+            <a:r>
+              <a:rPr b="0" lang="en-US" sz="1500" spc="-1" strike="noStrike">
+                <a:solidFill>
+                  <a:srgbClr val="000000"/>
+                </a:solidFill>
+                <a:latin typeface="Arial"/>
+                <a:ea typeface="DejaVu Sans"/>
+              </a:rPr>
+              <a:t>e</a:t>
+            </a:r>
+            <a:r>
+              <a:rPr b="0" lang="en-US" sz="1500" spc="-1" strike="noStrike">
+                <a:solidFill>
+                  <a:srgbClr val="000000"/>
+                </a:solidFill>
+                <a:latin typeface="Arial"/>
+                <a:ea typeface="DejaVu Sans"/>
+              </a:rPr>
+              <a:t>n</a:t>
+            </a:r>
+            <a:r>
+              <a:rPr b="0" lang="en-US" sz="1500" spc="-1" strike="noStrike">
+                <a:solidFill>
+                  <a:srgbClr val="000000"/>
+                </a:solidFill>
+                <a:latin typeface="Arial"/>
+                <a:ea typeface="DejaVu Sans"/>
+              </a:rPr>
+              <a:t>t</a:t>
+            </a:r>
+            <a:endParaRPr b="0" lang="en-US" sz="1500" spc="-1" strike="noStrike">
+              <a:latin typeface="Arial"/>
+            </a:endParaRPr>
+          </a:p>
+          <a:p>
+            <a:pPr marL="285840" indent="-282960">
+              <a:lnSpc>
+                <a:spcPct val="120000"/>
+              </a:lnSpc>
+              <a:buClr>
+                <a:srgbClr val="000000"/>
+              </a:buClr>
+              <a:buFont typeface="Arial"/>
+              <a:buChar char="•"/>
+            </a:pPr>
+            <a:endParaRPr b="0" lang="en-US" sz="1500" spc="-1" strike="noStrike">
+              <a:latin typeface="Arial"/>
+            </a:endParaRPr>
+          </a:p>
+          <a:p>
+            <a:pPr marL="285840" indent="-282960">
+              <a:lnSpc>
+                <a:spcPct val="120000"/>
+              </a:lnSpc>
+              <a:buClr>
+                <a:srgbClr val="000000"/>
+              </a:buClr>
+              <a:buFont typeface="Arial"/>
+              <a:buChar char="•"/>
+            </a:pPr>
+            <a:endParaRPr b="0" lang="en-US" sz="1500" spc="-1" strike="noStrike">
+              <a:latin typeface="Arial"/>
+            </a:endParaRPr>
+          </a:p>
+          <a:p>
+            <a:pPr marL="285840" indent="-282960">
+              <a:lnSpc>
+                <a:spcPct val="120000"/>
+              </a:lnSpc>
+              <a:buClr>
+                <a:srgbClr val="000000"/>
+              </a:buClr>
+              <a:buFont typeface="Arial"/>
+              <a:buChar char="•"/>
+            </a:pPr>
+            <a:r>
+              <a:rPr b="0" lang="en-US" sz="1500" spc="-1" strike="noStrike">
+                <a:solidFill>
+                  <a:srgbClr val="000000"/>
+                </a:solidFill>
+                <a:latin typeface="Arial"/>
+                <a:ea typeface="DejaVu Sans"/>
+              </a:rPr>
+              <a:t>D</a:t>
+            </a:r>
+            <a:r>
+              <a:rPr b="0" lang="en-US" sz="1500" spc="-1" strike="noStrike">
+                <a:solidFill>
+                  <a:srgbClr val="000000"/>
+                </a:solidFill>
+                <a:latin typeface="Arial"/>
+                <a:ea typeface="DejaVu Sans"/>
+              </a:rPr>
+              <a:t>e</a:t>
+            </a:r>
+            <a:r>
+              <a:rPr b="0" lang="en-US" sz="1500" spc="-1" strike="noStrike">
+                <a:solidFill>
+                  <a:srgbClr val="000000"/>
+                </a:solidFill>
+                <a:latin typeface="Arial"/>
+                <a:ea typeface="DejaVu Sans"/>
+              </a:rPr>
+              <a:t>c</a:t>
+            </a:r>
+            <a:r>
+              <a:rPr b="0" lang="en-US" sz="1500" spc="-1" strike="noStrike">
+                <a:solidFill>
+                  <a:srgbClr val="000000"/>
+                </a:solidFill>
+                <a:latin typeface="Arial"/>
+                <a:ea typeface="DejaVu Sans"/>
+              </a:rPr>
+              <a:t>l</a:t>
+            </a:r>
+            <a:r>
+              <a:rPr b="0" lang="en-US" sz="1500" spc="-1" strike="noStrike">
+                <a:solidFill>
+                  <a:srgbClr val="000000"/>
+                </a:solidFill>
+                <a:latin typeface="Arial"/>
+                <a:ea typeface="DejaVu Sans"/>
+              </a:rPr>
+              <a:t>a</a:t>
+            </a:r>
+            <a:r>
+              <a:rPr b="0" lang="en-US" sz="1500" spc="-1" strike="noStrike">
+                <a:solidFill>
+                  <a:srgbClr val="000000"/>
+                </a:solidFill>
+                <a:latin typeface="Arial"/>
+                <a:ea typeface="DejaVu Sans"/>
+              </a:rPr>
+              <a:t>r</a:t>
+            </a:r>
+            <a:r>
+              <a:rPr b="0" lang="en-US" sz="1500" spc="-1" strike="noStrike">
+                <a:solidFill>
+                  <a:srgbClr val="000000"/>
+                </a:solidFill>
+                <a:latin typeface="Arial"/>
+                <a:ea typeface="DejaVu Sans"/>
+              </a:rPr>
+              <a:t>a</a:t>
+            </a:r>
+            <a:r>
+              <a:rPr b="0" lang="en-US" sz="1500" spc="-1" strike="noStrike">
+                <a:solidFill>
+                  <a:srgbClr val="000000"/>
+                </a:solidFill>
+                <a:latin typeface="Arial"/>
+                <a:ea typeface="DejaVu Sans"/>
+              </a:rPr>
+              <a:t>t</a:t>
+            </a:r>
+            <a:r>
+              <a:rPr b="0" lang="en-US" sz="1500" spc="-1" strike="noStrike">
+                <a:solidFill>
+                  <a:srgbClr val="000000"/>
+                </a:solidFill>
+                <a:latin typeface="Arial"/>
+                <a:ea typeface="DejaVu Sans"/>
+              </a:rPr>
+              <a:t>i</a:t>
+            </a:r>
+            <a:r>
+              <a:rPr b="0" lang="en-US" sz="1500" spc="-1" strike="noStrike">
+                <a:solidFill>
+                  <a:srgbClr val="000000"/>
+                </a:solidFill>
+                <a:latin typeface="Arial"/>
+                <a:ea typeface="DejaVu Sans"/>
+              </a:rPr>
+              <a:t>v</a:t>
+            </a:r>
+            <a:r>
+              <a:rPr b="0" lang="en-US" sz="1500" spc="-1" strike="noStrike">
+                <a:solidFill>
+                  <a:srgbClr val="000000"/>
+                </a:solidFill>
+                <a:latin typeface="Arial"/>
+                <a:ea typeface="DejaVu Sans"/>
+              </a:rPr>
+              <a:t>e</a:t>
+            </a:r>
+            <a:r>
+              <a:rPr b="0" lang="en-US" sz="1500" spc="-1" strike="noStrike">
+                <a:solidFill>
+                  <a:srgbClr val="000000"/>
+                </a:solidFill>
+                <a:latin typeface="Arial"/>
+                <a:ea typeface="DejaVu Sans"/>
+              </a:rPr>
+              <a:t> </a:t>
+            </a:r>
+            <a:r>
+              <a:rPr b="0" lang="en-US" sz="1500" spc="-1" strike="noStrike">
+                <a:solidFill>
+                  <a:srgbClr val="000000"/>
+                </a:solidFill>
+                <a:latin typeface="Arial"/>
+                <a:ea typeface="DejaVu Sans"/>
+              </a:rPr>
+              <a:t>r</a:t>
+            </a:r>
+            <a:r>
+              <a:rPr b="0" lang="en-US" sz="1500" spc="-1" strike="noStrike">
+                <a:solidFill>
+                  <a:srgbClr val="000000"/>
+                </a:solidFill>
+                <a:latin typeface="Arial"/>
+                <a:ea typeface="DejaVu Sans"/>
+              </a:rPr>
+              <a:t>o</a:t>
+            </a:r>
+            <a:r>
+              <a:rPr b="0" lang="en-US" sz="1500" spc="-1" strike="noStrike">
+                <a:solidFill>
+                  <a:srgbClr val="000000"/>
+                </a:solidFill>
+                <a:latin typeface="Arial"/>
+                <a:ea typeface="DejaVu Sans"/>
+              </a:rPr>
+              <a:t>u</a:t>
+            </a:r>
+            <a:r>
+              <a:rPr b="0" lang="en-US" sz="1500" spc="-1" strike="noStrike">
+                <a:solidFill>
+                  <a:srgbClr val="000000"/>
+                </a:solidFill>
+                <a:latin typeface="Arial"/>
+                <a:ea typeface="DejaVu Sans"/>
+              </a:rPr>
+              <a:t>t</a:t>
+            </a:r>
+            <a:r>
+              <a:rPr b="0" lang="en-US" sz="1500" spc="-1" strike="noStrike">
+                <a:solidFill>
+                  <a:srgbClr val="000000"/>
+                </a:solidFill>
+                <a:latin typeface="Arial"/>
+                <a:ea typeface="DejaVu Sans"/>
+              </a:rPr>
+              <a:t>i</a:t>
+            </a:r>
+            <a:r>
+              <a:rPr b="0" lang="en-US" sz="1500" spc="-1" strike="noStrike">
+                <a:solidFill>
+                  <a:srgbClr val="000000"/>
+                </a:solidFill>
+                <a:latin typeface="Arial"/>
+                <a:ea typeface="DejaVu Sans"/>
+              </a:rPr>
+              <a:t>n</a:t>
+            </a:r>
+            <a:r>
+              <a:rPr b="0" lang="en-US" sz="1500" spc="-1" strike="noStrike">
+                <a:solidFill>
+                  <a:srgbClr val="000000"/>
+                </a:solidFill>
+                <a:latin typeface="Arial"/>
+                <a:ea typeface="DejaVu Sans"/>
+              </a:rPr>
+              <a:t>g</a:t>
+            </a:r>
+            <a:r>
+              <a:rPr b="0" lang="en-US" sz="1500" spc="-1" strike="noStrike">
+                <a:solidFill>
+                  <a:srgbClr val="000000"/>
+                </a:solidFill>
+                <a:latin typeface="Arial"/>
+                <a:ea typeface="DejaVu Sans"/>
+              </a:rPr>
+              <a:t>!</a:t>
+            </a:r>
+            <a:r>
+              <a:rPr b="0" lang="en-US" sz="1500" spc="-1" strike="noStrike">
+                <a:solidFill>
+                  <a:srgbClr val="000000"/>
+                </a:solidFill>
+                <a:latin typeface="Arial"/>
+                <a:ea typeface="DejaVu Sans"/>
+              </a:rPr>
+              <a:t> </a:t>
+            </a:r>
+            <a:endParaRPr b="0" lang="en-US" sz="1500" spc="-1" strike="noStrike">
+              <a:latin typeface="Arial"/>
+            </a:endParaRPr>
+          </a:p>
+          <a:p>
+            <a:pPr marL="285840" indent="-282960">
+              <a:lnSpc>
+                <a:spcPct val="120000"/>
+              </a:lnSpc>
+              <a:buClr>
+                <a:srgbClr val="000000"/>
+              </a:buClr>
+              <a:buFont typeface="Arial"/>
+              <a:buChar char="•"/>
+            </a:pPr>
+            <a:r>
+              <a:rPr b="0" lang="en-US" sz="1500" spc="-1" strike="noStrike">
+                <a:solidFill>
+                  <a:srgbClr val="000000"/>
+                </a:solidFill>
+                <a:latin typeface="Arial"/>
+                <a:ea typeface="DejaVu Sans"/>
+              </a:rPr>
+              <a:t>A</a:t>
+            </a:r>
+            <a:r>
+              <a:rPr b="0" lang="en-US" sz="1500" spc="-1" strike="noStrike">
+                <a:solidFill>
+                  <a:srgbClr val="000000"/>
+                </a:solidFill>
+                <a:latin typeface="Arial"/>
+                <a:ea typeface="DejaVu Sans"/>
+              </a:rPr>
+              <a:t>d</a:t>
+            </a:r>
+            <a:r>
+              <a:rPr b="0" lang="en-US" sz="1500" spc="-1" strike="noStrike">
+                <a:solidFill>
+                  <a:srgbClr val="000000"/>
+                </a:solidFill>
+                <a:latin typeface="Arial"/>
+                <a:ea typeface="DejaVu Sans"/>
+              </a:rPr>
+              <a:t>d</a:t>
+            </a:r>
+            <a:r>
+              <a:rPr b="0" lang="en-US" sz="1500" spc="-1" strike="noStrike">
+                <a:solidFill>
+                  <a:srgbClr val="000000"/>
+                </a:solidFill>
+                <a:latin typeface="Arial"/>
+                <a:ea typeface="DejaVu Sans"/>
+              </a:rPr>
+              <a:t> </a:t>
+            </a:r>
+            <a:r>
+              <a:rPr b="0" lang="en-US" sz="1500" spc="-1" strike="noStrike">
+                <a:solidFill>
+                  <a:srgbClr val="000000"/>
+                </a:solidFill>
+                <a:latin typeface="Arial"/>
+                <a:ea typeface="DejaVu Sans"/>
+              </a:rPr>
+              <a:t>e</a:t>
+            </a:r>
+            <a:r>
+              <a:rPr b="0" lang="en-US" sz="1500" spc="-1" strike="noStrike">
+                <a:solidFill>
+                  <a:srgbClr val="000000"/>
+                </a:solidFill>
+                <a:latin typeface="Arial"/>
+                <a:ea typeface="DejaVu Sans"/>
+              </a:rPr>
+              <a:t>x</a:t>
+            </a:r>
+            <a:r>
+              <a:rPr b="0" lang="en-US" sz="1500" spc="-1" strike="noStrike">
+                <a:solidFill>
+                  <a:srgbClr val="000000"/>
+                </a:solidFill>
+                <a:latin typeface="Arial"/>
+                <a:ea typeface="DejaVu Sans"/>
+              </a:rPr>
+              <a:t>t</a:t>
+            </a:r>
+            <a:r>
+              <a:rPr b="0" lang="en-US" sz="1500" spc="-1" strike="noStrike">
+                <a:solidFill>
+                  <a:srgbClr val="000000"/>
+                </a:solidFill>
+                <a:latin typeface="Arial"/>
+                <a:ea typeface="DejaVu Sans"/>
+              </a:rPr>
+              <a:t>r</a:t>
+            </a:r>
+            <a:r>
+              <a:rPr b="0" lang="en-US" sz="1500" spc="-1" strike="noStrike">
+                <a:solidFill>
+                  <a:srgbClr val="000000"/>
+                </a:solidFill>
+                <a:latin typeface="Arial"/>
+                <a:ea typeface="DejaVu Sans"/>
+              </a:rPr>
+              <a:t>a</a:t>
+            </a:r>
+            <a:r>
+              <a:rPr b="0" lang="en-US" sz="1500" spc="-1" strike="noStrike">
+                <a:solidFill>
+                  <a:srgbClr val="000000"/>
+                </a:solidFill>
+                <a:latin typeface="Arial"/>
+                <a:ea typeface="DejaVu Sans"/>
+              </a:rPr>
+              <a:t> </a:t>
+            </a:r>
+            <a:r>
+              <a:rPr b="0" lang="en-US" sz="1500" spc="-1" strike="noStrike">
+                <a:solidFill>
+                  <a:srgbClr val="000000"/>
+                </a:solidFill>
+                <a:latin typeface="Arial"/>
+                <a:ea typeface="DejaVu Sans"/>
+              </a:rPr>
+              <a:t>r</a:t>
+            </a:r>
+            <a:r>
+              <a:rPr b="0" lang="en-US" sz="1500" spc="-1" strike="noStrike">
+                <a:solidFill>
+                  <a:srgbClr val="000000"/>
+                </a:solidFill>
+                <a:latin typeface="Arial"/>
+                <a:ea typeface="DejaVu Sans"/>
+              </a:rPr>
+              <a:t>o</a:t>
+            </a:r>
+            <a:r>
+              <a:rPr b="0" lang="en-US" sz="1500" spc="-1" strike="noStrike">
+                <a:solidFill>
+                  <a:srgbClr val="000000"/>
+                </a:solidFill>
+                <a:latin typeface="Arial"/>
+                <a:ea typeface="DejaVu Sans"/>
+              </a:rPr>
+              <a:t>u</a:t>
+            </a:r>
+            <a:r>
+              <a:rPr b="0" lang="en-US" sz="1500" spc="-1" strike="noStrike">
+                <a:solidFill>
+                  <a:srgbClr val="000000"/>
+                </a:solidFill>
+                <a:latin typeface="Arial"/>
+                <a:ea typeface="DejaVu Sans"/>
+              </a:rPr>
+              <a:t>t</a:t>
+            </a:r>
+            <a:r>
+              <a:rPr b="0" lang="en-US" sz="1500" spc="-1" strike="noStrike">
+                <a:solidFill>
+                  <a:srgbClr val="000000"/>
+                </a:solidFill>
+                <a:latin typeface="Arial"/>
+                <a:ea typeface="DejaVu Sans"/>
+              </a:rPr>
+              <a:t>e</a:t>
+            </a:r>
+            <a:r>
+              <a:rPr b="0" lang="en-US" sz="1500" spc="-1" strike="noStrike">
+                <a:solidFill>
+                  <a:srgbClr val="000000"/>
+                </a:solidFill>
+                <a:latin typeface="Arial"/>
+                <a:ea typeface="DejaVu Sans"/>
+              </a:rPr>
+              <a:t>s</a:t>
+            </a:r>
+            <a:r>
+              <a:rPr b="0" lang="en-US" sz="1500" spc="-1" strike="noStrike">
+                <a:solidFill>
+                  <a:srgbClr val="000000"/>
+                </a:solidFill>
+                <a:latin typeface="Arial"/>
+                <a:ea typeface="DejaVu Sans"/>
+              </a:rPr>
+              <a:t> </a:t>
+            </a:r>
+            <a:r>
+              <a:rPr b="0" lang="en-US" sz="1500" spc="-1" strike="noStrike">
+                <a:solidFill>
+                  <a:srgbClr val="000000"/>
+                </a:solidFill>
+                <a:latin typeface="Arial"/>
+                <a:ea typeface="DejaVu Sans"/>
+              </a:rPr>
+              <a:t>w</a:t>
+            </a:r>
+            <a:r>
+              <a:rPr b="0" lang="en-US" sz="1500" spc="-1" strike="noStrike">
+                <a:solidFill>
+                  <a:srgbClr val="000000"/>
+                </a:solidFill>
+                <a:latin typeface="Arial"/>
+                <a:ea typeface="DejaVu Sans"/>
+              </a:rPr>
+              <a:t>h</a:t>
+            </a:r>
+            <a:r>
+              <a:rPr b="0" lang="en-US" sz="1500" spc="-1" strike="noStrike">
+                <a:solidFill>
+                  <a:srgbClr val="000000"/>
+                </a:solidFill>
+                <a:latin typeface="Arial"/>
+                <a:ea typeface="DejaVu Sans"/>
+              </a:rPr>
+              <a:t>e</a:t>
+            </a:r>
+            <a:r>
+              <a:rPr b="0" lang="en-US" sz="1500" spc="-1" strike="noStrike">
+                <a:solidFill>
+                  <a:srgbClr val="000000"/>
+                </a:solidFill>
+                <a:latin typeface="Arial"/>
+                <a:ea typeface="DejaVu Sans"/>
+              </a:rPr>
+              <a:t>r</a:t>
+            </a:r>
+            <a:r>
+              <a:rPr b="0" lang="en-US" sz="1500" spc="-1" strike="noStrike">
+                <a:solidFill>
+                  <a:srgbClr val="000000"/>
+                </a:solidFill>
+                <a:latin typeface="Arial"/>
+                <a:ea typeface="DejaVu Sans"/>
+              </a:rPr>
+              <a:t>e</a:t>
+            </a:r>
+            <a:r>
+              <a:rPr b="0" lang="en-US" sz="1500" spc="-1" strike="noStrike">
+                <a:solidFill>
+                  <a:srgbClr val="000000"/>
+                </a:solidFill>
+                <a:latin typeface="Arial"/>
+                <a:ea typeface="DejaVu Sans"/>
+              </a:rPr>
+              <a:t>v</a:t>
+            </a:r>
+            <a:r>
+              <a:rPr b="0" lang="en-US" sz="1500" spc="-1" strike="noStrike">
+                <a:solidFill>
+                  <a:srgbClr val="000000"/>
+                </a:solidFill>
+                <a:latin typeface="Arial"/>
+                <a:ea typeface="DejaVu Sans"/>
+              </a:rPr>
+              <a:t>e</a:t>
+            </a:r>
+            <a:r>
+              <a:rPr b="0" lang="en-US" sz="1500" spc="-1" strike="noStrike">
+                <a:solidFill>
+                  <a:srgbClr val="000000"/>
+                </a:solidFill>
+                <a:latin typeface="Arial"/>
+                <a:ea typeface="DejaVu Sans"/>
+              </a:rPr>
+              <a:t>r</a:t>
+            </a:r>
+            <a:r>
+              <a:rPr b="0" lang="en-US" sz="1500" spc="-1" strike="noStrike">
+                <a:solidFill>
+                  <a:srgbClr val="000000"/>
+                </a:solidFill>
+                <a:latin typeface="Arial"/>
+                <a:ea typeface="DejaVu Sans"/>
+              </a:rPr>
+              <a:t> </a:t>
+            </a:r>
+            <a:r>
+              <a:rPr b="0" lang="en-US" sz="1500" spc="-1" strike="noStrike">
+                <a:solidFill>
+                  <a:srgbClr val="000000"/>
+                </a:solidFill>
+                <a:latin typeface="Arial"/>
+                <a:ea typeface="DejaVu Sans"/>
+              </a:rPr>
+              <a:t>y</a:t>
+            </a:r>
+            <a:r>
+              <a:rPr b="0" lang="en-US" sz="1500" spc="-1" strike="noStrike">
+                <a:solidFill>
+                  <a:srgbClr val="000000"/>
+                </a:solidFill>
+                <a:latin typeface="Arial"/>
+                <a:ea typeface="DejaVu Sans"/>
+              </a:rPr>
+              <a:t>o</a:t>
+            </a:r>
+            <a:r>
+              <a:rPr b="0" lang="en-US" sz="1500" spc="-1" strike="noStrike">
+                <a:solidFill>
+                  <a:srgbClr val="000000"/>
+                </a:solidFill>
+                <a:latin typeface="Arial"/>
+                <a:ea typeface="DejaVu Sans"/>
+              </a:rPr>
+              <a:t>u</a:t>
+            </a:r>
+            <a:r>
+              <a:rPr b="0" lang="en-US" sz="1500" spc="-1" strike="noStrike">
+                <a:solidFill>
+                  <a:srgbClr val="000000"/>
+                </a:solidFill>
+                <a:latin typeface="Arial"/>
+                <a:ea typeface="DejaVu Sans"/>
+              </a:rPr>
+              <a:t> </a:t>
+            </a:r>
+            <a:r>
+              <a:rPr b="0" lang="en-US" sz="1500" spc="-1" strike="noStrike">
+                <a:solidFill>
+                  <a:srgbClr val="000000"/>
+                </a:solidFill>
+                <a:latin typeface="Arial"/>
+                <a:ea typeface="DejaVu Sans"/>
+              </a:rPr>
+              <a:t>w</a:t>
+            </a:r>
+            <a:r>
+              <a:rPr b="0" lang="en-US" sz="1500" spc="-1" strike="noStrike">
+                <a:solidFill>
+                  <a:srgbClr val="000000"/>
+                </a:solidFill>
+                <a:latin typeface="Arial"/>
+                <a:ea typeface="DejaVu Sans"/>
+              </a:rPr>
+              <a:t>a</a:t>
+            </a:r>
+            <a:r>
+              <a:rPr b="0" lang="en-US" sz="1500" spc="-1" strike="noStrike">
+                <a:solidFill>
+                  <a:srgbClr val="000000"/>
+                </a:solidFill>
+                <a:latin typeface="Arial"/>
+                <a:ea typeface="DejaVu Sans"/>
+              </a:rPr>
+              <a:t>n</a:t>
+            </a:r>
+            <a:r>
+              <a:rPr b="0" lang="en-US" sz="1500" spc="-1" strike="noStrike">
+                <a:solidFill>
+                  <a:srgbClr val="000000"/>
+                </a:solidFill>
+                <a:latin typeface="Arial"/>
+                <a:ea typeface="DejaVu Sans"/>
+              </a:rPr>
+              <a:t>t</a:t>
+            </a:r>
+            <a:r>
+              <a:rPr b="0" lang="en-US" sz="1500" spc="-1" strike="noStrike">
+                <a:solidFill>
+                  <a:srgbClr val="000000"/>
+                </a:solidFill>
+                <a:latin typeface="Arial"/>
+                <a:ea typeface="DejaVu Sans"/>
+              </a:rPr>
+              <a:t>!</a:t>
+            </a:r>
+            <a:endParaRPr b="0" lang="en-US" sz="1500" spc="-1" strike="noStrike">
+              <a:latin typeface="Arial"/>
+            </a:endParaRPr>
+          </a:p>
+          <a:p>
+            <a:pPr marL="285840" indent="-282960">
+              <a:lnSpc>
+                <a:spcPct val="120000"/>
+              </a:lnSpc>
+              <a:buClr>
+                <a:srgbClr val="000000"/>
+              </a:buClr>
+              <a:buFont typeface="Arial"/>
+              <a:buChar char="•"/>
+            </a:pPr>
+            <a:endParaRPr b="0" lang="en-US" sz="1500" spc="-1" strike="noStrike">
+              <a:latin typeface="Arial"/>
+            </a:endParaRPr>
+          </a:p>
+        </p:txBody>
+      </p:sp>
+      <p:pic>
+        <p:nvPicPr>
+          <p:cNvPr id="157" name="" descr=""/>
+          <p:cNvPicPr/>
+          <p:nvPr/>
+        </p:nvPicPr>
+        <p:blipFill>
+          <a:blip r:embed="rId1"/>
+          <a:stretch/>
+        </p:blipFill>
+        <p:spPr>
+          <a:xfrm>
+            <a:off x="5265720" y="1019520"/>
+            <a:ext cx="3695400" cy="1266480"/>
+          </a:xfrm>
+          <a:prstGeom prst="rect">
+            <a:avLst/>
+          </a:prstGeom>
+          <a:ln>
+            <a:noFill/>
+          </a:ln>
+        </p:spPr>
+      </p:pic>
+      <p:pic>
+        <p:nvPicPr>
+          <p:cNvPr id="158" name="" descr=""/>
+          <p:cNvPicPr/>
+          <p:nvPr/>
+        </p:nvPicPr>
+        <p:blipFill>
+          <a:blip r:embed="rId2"/>
+          <a:stretch/>
+        </p:blipFill>
+        <p:spPr>
+          <a:xfrm>
+            <a:off x="4431240" y="2468880"/>
+            <a:ext cx="4438440" cy="2418840"/>
+          </a:xfrm>
+          <a:prstGeom prst="rect">
+            <a:avLst/>
+          </a:prstGeom>
+          <a:ln>
+            <a:noFill/>
+          </a:ln>
+        </p:spPr>
+      </p:pic>
     </p:spTree>
   </p:cSld>
   <p:timing>
@@ -7354,14 +10672,14 @@
       </p:grpSpPr>
       <p:sp>
         <p:nvSpPr>
-          <p:cNvPr id="140" name="CustomShape 1"/>
+          <p:cNvPr id="159" name="CustomShape 1"/>
           <p:cNvSpPr/>
           <p:nvPr/>
         </p:nvSpPr>
         <p:spPr>
           <a:xfrm>
             <a:off x="720000" y="288000"/>
-            <a:ext cx="6621480" cy="501480"/>
+            <a:ext cx="6621120" cy="501120"/>
           </a:xfrm>
           <a:prstGeom prst="rect">
             <a:avLst/>
@@ -7393,7 +10711,7 @@
                 <a:latin typeface="Arial"/>
                 <a:ea typeface="DejaVu Sans"/>
               </a:rPr>
-              <a:t>Proptypes</a:t>
+              <a:t>JSS</a:t>
             </a:r>
             <a:endParaRPr b="0" lang="en-US" sz="1800" spc="-1" strike="noStrike">
               <a:latin typeface="Arial"/>
@@ -7403,14 +10721,14 @@
       </p:sp>
       <p:sp>
         <p:nvSpPr>
-          <p:cNvPr id="141" name="CustomShape 2"/>
+          <p:cNvPr id="160" name="CustomShape 2"/>
           <p:cNvSpPr/>
           <p:nvPr/>
         </p:nvSpPr>
         <p:spPr>
           <a:xfrm>
             <a:off x="4968000" y="5004000"/>
-            <a:ext cx="3237480" cy="105480"/>
+            <a:ext cx="3237120" cy="105120"/>
           </a:xfrm>
           <a:prstGeom prst="rect">
             <a:avLst/>
@@ -7452,14 +10770,14 @@
       </p:sp>
       <p:sp>
         <p:nvSpPr>
-          <p:cNvPr id="142" name="CustomShape 3"/>
+          <p:cNvPr id="161" name="CustomShape 3"/>
           <p:cNvSpPr/>
           <p:nvPr/>
         </p:nvSpPr>
         <p:spPr>
           <a:xfrm>
             <a:off x="8280000" y="5004000"/>
-            <a:ext cx="141480" cy="105480"/>
+            <a:ext cx="141120" cy="105120"/>
           </a:xfrm>
           <a:prstGeom prst="rect">
             <a:avLst/>
@@ -7483,7 +10801,7 @@
                 <a:spcPct val="100000"/>
               </a:lnSpc>
             </a:pPr>
-            <a:fld id="{E96F4A3B-0C9A-41E5-B4F0-FB6B212F1093}" type="slidenum">
+            <a:fld id="{B9B533BD-1935-4691-AADE-278AE636D4C1}" type="slidenum">
               <a:rPr b="0" lang="en-US" sz="600" spc="-1" strike="noStrike">
                 <a:solidFill>
                   <a:srgbClr val="ffffff"/>
@@ -7499,6 +10817,228 @@
           </a:p>
         </p:txBody>
       </p:sp>
+      <p:sp>
+        <p:nvSpPr>
+          <p:cNvPr id="162" name="CustomShape 4"/>
+          <p:cNvSpPr/>
+          <p:nvPr/>
+        </p:nvSpPr>
+        <p:spPr>
+          <a:xfrm>
+            <a:off x="602640" y="504720"/>
+            <a:ext cx="6621120" cy="3884400"/>
+          </a:xfrm>
+          <a:prstGeom prst="rect">
+            <a:avLst/>
+          </a:prstGeom>
+          <a:noFill/>
+          <a:ln>
+            <a:noFill/>
+          </a:ln>
+        </p:spPr>
+        <p:style>
+          <a:lnRef idx="0"/>
+          <a:fillRef idx="0"/>
+          <a:effectRef idx="0"/>
+          <a:fontRef idx="minor"/>
+        </p:style>
+        <p:txBody>
+          <a:bodyPr lIns="0" rIns="0" tIns="0" bIns="0"/>
+          <a:p>
+            <a:pPr>
+              <a:lnSpc>
+                <a:spcPct val="120000"/>
+              </a:lnSpc>
+            </a:pPr>
+            <a:endParaRPr b="0" lang="en-US" sz="1800" spc="-1" strike="noStrike">
+              <a:latin typeface="Arial"/>
+            </a:endParaRPr>
+          </a:p>
+          <a:p>
+            <a:pPr marL="285840" indent="-282960">
+              <a:lnSpc>
+                <a:spcPct val="120000"/>
+              </a:lnSpc>
+              <a:buClr>
+                <a:srgbClr val="000000"/>
+              </a:buClr>
+              <a:buFont typeface="Arial"/>
+              <a:buChar char="•"/>
+            </a:pPr>
+            <a:r>
+              <a:rPr b="0" lang="en-US" sz="1500" spc="-1" strike="noStrike">
+                <a:solidFill>
+                  <a:srgbClr val="000000"/>
+                </a:solidFill>
+                <a:latin typeface="Arial"/>
+                <a:ea typeface="DejaVu Sans"/>
+              </a:rPr>
+              <a:t>Styled components</a:t>
+            </a:r>
+            <a:endParaRPr b="0" lang="en-US" sz="1500" spc="-1" strike="noStrike">
+              <a:latin typeface="Arial"/>
+            </a:endParaRPr>
+          </a:p>
+          <a:p>
+            <a:pPr marL="285840" indent="-282960">
+              <a:lnSpc>
+                <a:spcPct val="120000"/>
+              </a:lnSpc>
+              <a:buClr>
+                <a:srgbClr val="000000"/>
+              </a:buClr>
+              <a:buFont typeface="Arial"/>
+              <a:buChar char="•"/>
+            </a:pPr>
+            <a:endParaRPr b="0" lang="en-US" sz="1500" spc="-1" strike="noStrike">
+              <a:latin typeface="Arial"/>
+            </a:endParaRPr>
+          </a:p>
+          <a:p>
+            <a:pPr marL="285840" indent="-282960">
+              <a:lnSpc>
+                <a:spcPct val="120000"/>
+              </a:lnSpc>
+              <a:buClr>
+                <a:srgbClr val="000000"/>
+              </a:buClr>
+              <a:buFont typeface="Arial"/>
+              <a:buChar char="•"/>
+            </a:pPr>
+            <a:r>
+              <a:rPr b="0" lang="en-US" sz="1500" spc="-1" strike="noStrike">
+                <a:solidFill>
+                  <a:srgbClr val="000000"/>
+                </a:solidFill>
+                <a:latin typeface="Arial"/>
+                <a:ea typeface="DejaVu Sans"/>
+              </a:rPr>
+              <a:t>Easy use of variables</a:t>
+            </a:r>
+            <a:endParaRPr b="0" lang="en-US" sz="1500" spc="-1" strike="noStrike">
+              <a:latin typeface="Arial"/>
+            </a:endParaRPr>
+          </a:p>
+          <a:p>
+            <a:pPr marL="285840" indent="-282960">
+              <a:lnSpc>
+                <a:spcPct val="120000"/>
+              </a:lnSpc>
+              <a:buClr>
+                <a:srgbClr val="000000"/>
+              </a:buClr>
+              <a:buFont typeface="Arial"/>
+              <a:buChar char="•"/>
+            </a:pPr>
+            <a:endParaRPr b="0" lang="en-US" sz="1500" spc="-1" strike="noStrike">
+              <a:latin typeface="Arial"/>
+            </a:endParaRPr>
+          </a:p>
+          <a:p>
+            <a:pPr marL="285840" indent="-282960">
+              <a:lnSpc>
+                <a:spcPct val="120000"/>
+              </a:lnSpc>
+              <a:buClr>
+                <a:srgbClr val="000000"/>
+              </a:buClr>
+              <a:buFont typeface="Arial"/>
+              <a:buChar char="•"/>
+            </a:pPr>
+            <a:r>
+              <a:rPr b="0" lang="en-US" sz="1500" spc="-1" strike="noStrike">
+                <a:solidFill>
+                  <a:srgbClr val="000000"/>
+                </a:solidFill>
+                <a:latin typeface="Arial"/>
+                <a:ea typeface="DejaVu Sans"/>
+              </a:rPr>
+              <a:t>No automatic inheritance</a:t>
+            </a:r>
+            <a:endParaRPr b="0" lang="en-US" sz="1500" spc="-1" strike="noStrike">
+              <a:latin typeface="Arial"/>
+            </a:endParaRPr>
+          </a:p>
+          <a:p>
+            <a:pPr marL="285840" indent="-282960">
+              <a:lnSpc>
+                <a:spcPct val="120000"/>
+              </a:lnSpc>
+              <a:buClr>
+                <a:srgbClr val="000000"/>
+              </a:buClr>
+              <a:buFont typeface="Arial"/>
+              <a:buChar char="•"/>
+            </a:pPr>
+            <a:endParaRPr b="0" lang="en-US" sz="1500" spc="-1" strike="noStrike">
+              <a:latin typeface="Arial"/>
+            </a:endParaRPr>
+          </a:p>
+          <a:p>
+            <a:pPr marL="285840" indent="-282960">
+              <a:lnSpc>
+                <a:spcPct val="120000"/>
+              </a:lnSpc>
+              <a:buClr>
+                <a:srgbClr val="000000"/>
+              </a:buClr>
+              <a:buFont typeface="Arial"/>
+              <a:buChar char="•"/>
+            </a:pPr>
+            <a:r>
+              <a:rPr b="0" lang="en-US" sz="1500" spc="-1" strike="noStrike">
+                <a:solidFill>
+                  <a:srgbClr val="000000"/>
+                </a:solidFill>
+                <a:latin typeface="Arial"/>
+                <a:ea typeface="DejaVu Sans"/>
+              </a:rPr>
+              <a:t>Scoped: no side effects!</a:t>
+            </a:r>
+            <a:endParaRPr b="0" lang="en-US" sz="1500" spc="-1" strike="noStrike">
+              <a:latin typeface="Arial"/>
+            </a:endParaRPr>
+          </a:p>
+          <a:p>
+            <a:pPr marL="285840" indent="-282960">
+              <a:lnSpc>
+                <a:spcPct val="120000"/>
+              </a:lnSpc>
+              <a:buClr>
+                <a:srgbClr val="000000"/>
+              </a:buClr>
+              <a:buFont typeface="Arial"/>
+              <a:buChar char="•"/>
+            </a:pPr>
+            <a:endParaRPr b="0" lang="en-US" sz="1500" spc="-1" strike="noStrike">
+              <a:latin typeface="Arial"/>
+            </a:endParaRPr>
+          </a:p>
+        </p:txBody>
+      </p:sp>
+      <p:pic>
+        <p:nvPicPr>
+          <p:cNvPr id="163" name="" descr=""/>
+          <p:cNvPicPr/>
+          <p:nvPr/>
+        </p:nvPicPr>
+        <p:blipFill>
+          <a:blip r:embed="rId1"/>
+          <a:stretch/>
+        </p:blipFill>
+        <p:spPr>
+          <a:xfrm>
+            <a:off x="4663440" y="52920"/>
+            <a:ext cx="4466880" cy="5028840"/>
+          </a:xfrm>
+          <a:prstGeom prst="rect">
+            <a:avLst/>
+          </a:prstGeom>
+          <a:ln>
+            <a:noFill/>
+          </a:ln>
+        </p:spPr>
+      </p:pic>
     </p:spTree>
   </p:cSld>
   <p:timing>
@@ -7550,14 +11090,14 @@
       </p:grpSpPr>
       <p:sp>
         <p:nvSpPr>
-          <p:cNvPr id="143" name="CustomShape 1"/>
+          <p:cNvPr id="164" name="CustomShape 1"/>
           <p:cNvSpPr/>
           <p:nvPr/>
         </p:nvSpPr>
         <p:spPr>
           <a:xfrm>
             <a:off x="720000" y="288000"/>
-            <a:ext cx="6621480" cy="501480"/>
+            <a:ext cx="6621120" cy="501120"/>
           </a:xfrm>
           <a:prstGeom prst="rect">
             <a:avLst/>
@@ -7599,14 +11139,14 @@
       </p:sp>
       <p:sp>
         <p:nvSpPr>
-          <p:cNvPr id="144" name="CustomShape 2"/>
+          <p:cNvPr id="165" name="CustomShape 2"/>
           <p:cNvSpPr/>
           <p:nvPr/>
         </p:nvSpPr>
         <p:spPr>
           <a:xfrm>
             <a:off x="2347200" y="2194560"/>
-            <a:ext cx="2405520" cy="776520"/>
+            <a:ext cx="2405160" cy="776160"/>
           </a:xfrm>
           <a:prstGeom prst="rect">
             <a:avLst/>
@@ -7648,14 +11188,14 @@
       </p:sp>
       <p:sp>
         <p:nvSpPr>
-          <p:cNvPr id="145" name="CustomShape 3"/>
+          <p:cNvPr id="166" name="CustomShape 3"/>
           <p:cNvSpPr/>
           <p:nvPr/>
         </p:nvSpPr>
         <p:spPr>
           <a:xfrm>
             <a:off x="4968000" y="5004000"/>
-            <a:ext cx="3237480" cy="105480"/>
+            <a:ext cx="3237120" cy="105120"/>
           </a:xfrm>
           <a:prstGeom prst="rect">
             <a:avLst/>
@@ -7697,14 +11237,14 @@
       </p:sp>
       <p:sp>
         <p:nvSpPr>
-          <p:cNvPr id="146" name="CustomShape 4"/>
+          <p:cNvPr id="167" name="CustomShape 4"/>
           <p:cNvSpPr/>
           <p:nvPr/>
         </p:nvSpPr>
         <p:spPr>
           <a:xfrm>
             <a:off x="8280000" y="5004000"/>
-            <a:ext cx="141480" cy="105480"/>
+            <a:ext cx="141120" cy="105120"/>
           </a:xfrm>
           <a:prstGeom prst="rect">
             <a:avLst/>
@@ -7728,7 +11268,7 @@
                 <a:spcPct val="100000"/>
               </a:lnSpc>
             </a:pPr>
-            <a:fld id="{04FF087D-2C17-4D5A-9F14-EF270898002C}" type="slidenum">
+            <a:fld id="{C20E6E1C-27C4-4778-97CC-EC6C832AC7D0}" type="slidenum">
               <a:rPr b="0" lang="en-US" sz="600" spc="-1" strike="noStrike">
                 <a:solidFill>
                   <a:srgbClr val="ffffff"/>
@@ -7746,7 +11286,7 @@
       </p:sp>
       <p:pic>
         <p:nvPicPr>
-          <p:cNvPr id="147" name="Picture Placeholder 6" descr=""/>
+          <p:cNvPr id="168" name="Picture Placeholder 6" descr=""/>
           <p:cNvPicPr/>
           <p:nvPr/>
         </p:nvPicPr>
@@ -7757,7 +11297,7 @@
         <p:spPr>
           <a:xfrm>
             <a:off x="6840000" y="810000"/>
-            <a:ext cx="2301480" cy="3507480"/>
+            <a:ext cx="2301120" cy="3507120"/>
           </a:xfrm>
           <a:prstGeom prst="rect">
             <a:avLst/>
@@ -7821,14 +11361,14 @@
       </p:grpSpPr>
       <p:sp>
         <p:nvSpPr>
-          <p:cNvPr id="148" name="CustomShape 1"/>
+          <p:cNvPr id="169" name="CustomShape 1"/>
           <p:cNvSpPr/>
           <p:nvPr/>
         </p:nvSpPr>
         <p:spPr>
           <a:xfrm>
             <a:off x="720000" y="288000"/>
-            <a:ext cx="6621480" cy="501480"/>
+            <a:ext cx="6621120" cy="501120"/>
           </a:xfrm>
           <a:prstGeom prst="rect">
             <a:avLst/>
@@ -7870,14 +11410,14 @@
       </p:sp>
       <p:sp>
         <p:nvSpPr>
-          <p:cNvPr id="149" name="CustomShape 2"/>
+          <p:cNvPr id="170" name="CustomShape 2"/>
           <p:cNvSpPr/>
           <p:nvPr/>
         </p:nvSpPr>
         <p:spPr>
           <a:xfrm>
             <a:off x="4968000" y="5004000"/>
-            <a:ext cx="3237480" cy="105480"/>
+            <a:ext cx="3237120" cy="105120"/>
           </a:xfrm>
           <a:prstGeom prst="rect">
             <a:avLst/>
@@ -7919,14 +11459,14 @@
       </p:sp>
       <p:sp>
         <p:nvSpPr>
-          <p:cNvPr id="150" name="CustomShape 3"/>
+          <p:cNvPr id="171" name="CustomShape 3"/>
           <p:cNvSpPr/>
           <p:nvPr/>
         </p:nvSpPr>
         <p:spPr>
           <a:xfrm>
             <a:off x="8280000" y="5004000"/>
-            <a:ext cx="141480" cy="105480"/>
+            <a:ext cx="141120" cy="105120"/>
           </a:xfrm>
           <a:prstGeom prst="rect">
             <a:avLst/>
@@ -7950,7 +11490,7 @@
                 <a:spcPct val="100000"/>
               </a:lnSpc>
             </a:pPr>
-            <a:fld id="{5B5057E0-B0A2-4FFF-B2E7-CD80D292CE8F}" type="slidenum">
+            <a:fld id="{95BF1A23-CFD5-4CC0-B530-4B4E499ED455}" type="slidenum">
               <a:rPr b="0" lang="en-US" sz="600" spc="-1" strike="noStrike">
                 <a:solidFill>
                   <a:srgbClr val="ffffff"/>
@@ -7968,14 +11508,14 @@
       </p:sp>
       <p:sp>
         <p:nvSpPr>
-          <p:cNvPr id="151" name="CustomShape 4"/>
+          <p:cNvPr id="172" name="CustomShape 4"/>
           <p:cNvSpPr/>
           <p:nvPr/>
         </p:nvSpPr>
         <p:spPr>
           <a:xfrm>
-            <a:off x="876240" y="778320"/>
-            <a:ext cx="6621480" cy="3884760"/>
+            <a:off x="876240" y="548640"/>
+            <a:ext cx="6621120" cy="3884400"/>
           </a:xfrm>
           <a:prstGeom prst="rect">
             <a:avLst/>
@@ -8004,7 +11544,7 @@
             </a:endParaRPr>
           </a:p>
           <a:p>
-            <a:pPr marL="285840" indent="-283320">
+            <a:pPr marL="285840" indent="-282960">
               <a:lnSpc>
                 <a:spcPct val="120000"/>
               </a:lnSpc>
@@ -8022,14 +11562,25 @@
                 <a:latin typeface="Arial"/>
                 <a:ea typeface="DejaVu Sans"/>
               </a:rPr>
-              <a:t>Git clone https://github.com/AMIS-Services/react-series</a:t>
+              <a:t>Git clone </a:t>
+            </a:r>
+            <a:r>
+              <a:rPr b="0" lang="en-US" sz="1500" spc="-1" strike="noStrike">
+                <a:solidFill>
+                  <a:srgbClr val="000000"/>
+                </a:solidFill>
+                <a:latin typeface="Arial"/>
+                <a:ea typeface="DejaVu Sans"/>
+                <a:hlinkClick r:id="rId1"/>
+              </a:rPr>
+              <a:t>https://github.com/AMIS-Services/react-series</a:t>
             </a:r>
             <a:endParaRPr b="0" lang="en-US" sz="1500" spc="-1" strike="noStrike">
               <a:latin typeface="Arial"/>
             </a:endParaRPr>
           </a:p>
           <a:p>
-            <a:pPr marL="285840" indent="-283320">
+            <a:pPr marL="285840" indent="-282960">
               <a:lnSpc>
                 <a:spcPct val="120000"/>
               </a:lnSpc>
@@ -8039,22 +11590,12 @@
               <a:buFont typeface="Arial"/>
               <a:buChar char="•"/>
             </a:pPr>
-            <a:r>
-              <a:rPr b="0" lang="en-US" sz="1500" spc="-1" strike="noStrike">
-                <a:solidFill>
-                  <a:srgbClr val="000000"/>
-                </a:solidFill>
-                <a:latin typeface="Arial"/>
-                <a:ea typeface="DejaVu Sans"/>
-              </a:rPr>
-              <a:t>Cd into dir sig2/exercise/koa, run `yarn install`, `yarn start-db`, `yarn start`, `yarn seed-db`</a:t>
-            </a:r>
             <a:endParaRPr b="0" lang="en-US" sz="1500" spc="-1" strike="noStrike">
               <a:latin typeface="Arial"/>
             </a:endParaRPr>
           </a:p>
           <a:p>
-            <a:pPr marL="285840" indent="-283320">
+            <a:pPr marL="285840" indent="-282960">
               <a:lnSpc>
                 <a:spcPct val="120000"/>
               </a:lnSpc>
@@ -8072,14 +11613,118 @@
                 <a:latin typeface="Arial"/>
                 <a:ea typeface="DejaVu Sans"/>
               </a:rPr>
-              <a:t>Visit localhost:3030/accomodations to verify back-end is working</a:t>
+              <a:t>Cd into dir sig2/exercise/koa, run:</a:t>
             </a:r>
             <a:endParaRPr b="0" lang="en-US" sz="1500" spc="-1" strike="noStrike">
               <a:latin typeface="Arial"/>
             </a:endParaRPr>
           </a:p>
           <a:p>
-            <a:pPr marL="285840" indent="-283320">
+            <a:pPr lvl="1" marL="432000" indent="-216000">
+              <a:lnSpc>
+                <a:spcPct val="120000"/>
+              </a:lnSpc>
+              <a:buClr>
+                <a:srgbClr val="000000"/>
+              </a:buClr>
+              <a:buSzPct val="45000"/>
+              <a:buFont typeface="Wingdings" charset="2"/>
+              <a:buChar char=""/>
+            </a:pPr>
+            <a:r>
+              <a:rPr b="0" lang="en-US" sz="1500" spc="-1" strike="noStrike">
+                <a:solidFill>
+                  <a:srgbClr val="000000"/>
+                </a:solidFill>
+                <a:latin typeface="Arial"/>
+                <a:ea typeface="DejaVu Sans"/>
+              </a:rPr>
+              <a:t>`yarn install`</a:t>
+            </a:r>
+            <a:endParaRPr b="0" lang="en-US" sz="1500" spc="-1" strike="noStrike">
+              <a:latin typeface="Arial"/>
+            </a:endParaRPr>
+          </a:p>
+          <a:p>
+            <a:pPr lvl="1" marL="432000" indent="-216000">
+              <a:lnSpc>
+                <a:spcPct val="120000"/>
+              </a:lnSpc>
+              <a:buClr>
+                <a:srgbClr val="000000"/>
+              </a:buClr>
+              <a:buSzPct val="45000"/>
+              <a:buFont typeface="Wingdings" charset="2"/>
+              <a:buChar char=""/>
+            </a:pPr>
+            <a:r>
+              <a:rPr b="0" lang="en-US" sz="1500" spc="-1" strike="noStrike">
+                <a:solidFill>
+                  <a:srgbClr val="000000"/>
+                </a:solidFill>
+                <a:latin typeface="Arial"/>
+                <a:ea typeface="DejaVu Sans"/>
+              </a:rPr>
+              <a:t>`yarn start-db`</a:t>
+            </a:r>
+            <a:endParaRPr b="0" lang="en-US" sz="1500" spc="-1" strike="noStrike">
+              <a:latin typeface="Arial"/>
+            </a:endParaRPr>
+          </a:p>
+          <a:p>
+            <a:pPr lvl="1" marL="432000" indent="-216000">
+              <a:lnSpc>
+                <a:spcPct val="120000"/>
+              </a:lnSpc>
+              <a:buClr>
+                <a:srgbClr val="000000"/>
+              </a:buClr>
+              <a:buSzPct val="45000"/>
+              <a:buFont typeface="Wingdings" charset="2"/>
+              <a:buChar char=""/>
+            </a:pPr>
+            <a:r>
+              <a:rPr b="0" lang="en-US" sz="1500" spc="-1" strike="noStrike">
+                <a:solidFill>
+                  <a:srgbClr val="000000"/>
+                </a:solidFill>
+                <a:latin typeface="Arial"/>
+                <a:ea typeface="DejaVu Sans"/>
+              </a:rPr>
+              <a:t>`yarn start`</a:t>
+            </a:r>
+            <a:endParaRPr b="0" lang="en-US" sz="1500" spc="-1" strike="noStrike">
+              <a:latin typeface="Arial"/>
+            </a:endParaRPr>
+          </a:p>
+          <a:p>
+            <a:pPr lvl="1" marL="432000" indent="-216000">
+              <a:lnSpc>
+                <a:spcPct val="120000"/>
+              </a:lnSpc>
+              <a:buClr>
+                <a:srgbClr val="000000"/>
+              </a:buClr>
+              <a:buSzPct val="45000"/>
+              <a:buFont typeface="Wingdings" charset="2"/>
+              <a:buChar char=""/>
+            </a:pPr>
+            <a:r>
+              <a:rPr b="0" lang="en-US" sz="1500" spc="-1" strike="noStrike">
+                <a:solidFill>
+                  <a:srgbClr val="000000"/>
+                </a:solidFill>
+                <a:latin typeface="Arial"/>
+                <a:ea typeface="DejaVu Sans"/>
+              </a:rPr>
+              <a:t>`yarn seed-db`</a:t>
+            </a:r>
+            <a:endParaRPr b="0" lang="en-US" sz="1500" spc="-1" strike="noStrike">
+              <a:latin typeface="Arial"/>
+            </a:endParaRPr>
+          </a:p>
+          <a:p>
+            <a:pPr marL="285840" indent="-282960">
               <a:lnSpc>
                 <a:spcPct val="120000"/>
               </a:lnSpc>
@@ -8097,6 +11742,46 @@
                 <a:latin typeface="Arial"/>
                 <a:ea typeface="DejaVu Sans"/>
               </a:rPr>
+              <a:t>Visit localhost:3030/accommodations to verify back-end is working</a:t>
+            </a:r>
+            <a:endParaRPr b="0" lang="en-US" sz="1500" spc="-1" strike="noStrike">
+              <a:latin typeface="Arial"/>
+            </a:endParaRPr>
+          </a:p>
+          <a:p>
+            <a:pPr marL="285840" indent="-282960">
+              <a:lnSpc>
+                <a:spcPct val="120000"/>
+              </a:lnSpc>
+              <a:buClr>
+                <a:srgbClr val="000000"/>
+              </a:buClr>
+              <a:buFont typeface="Arial"/>
+              <a:buChar char="•"/>
+            </a:pPr>
+            <a:endParaRPr b="0" lang="en-US" sz="1500" spc="-1" strike="noStrike">
+              <a:latin typeface="Arial"/>
+            </a:endParaRPr>
+          </a:p>
+          <a:p>
+            <a:pPr marL="285840" indent="-282960">
+              <a:lnSpc>
+                <a:spcPct val="120000"/>
+              </a:lnSpc>
+              <a:buClr>
+                <a:srgbClr val="000000"/>
+              </a:buClr>
+              <a:buFont typeface="Arial"/>
+              <a:buChar char="•"/>
+            </a:pPr>
+            <a:r>
+              <a:rPr b="0" lang="en-US" sz="1500" spc="-1" strike="noStrike">
+                <a:solidFill>
+                  <a:srgbClr val="000000"/>
+                </a:solidFill>
+                <a:latin typeface="Arial"/>
+                <a:ea typeface="DejaVu Sans"/>
+              </a:rPr>
               <a:t>Cd into dir sig2/exercise/react, run `yarn install` and `yarn start`</a:t>
             </a:r>
             <a:endParaRPr b="0" lang="en-US" sz="1500" spc="-1" strike="noStrike">
@@ -8104,7 +11789,7 @@
             </a:endParaRPr>
           </a:p>
           <a:p>
-            <a:pPr marL="285840" indent="-283320">
+            <a:pPr marL="285840" indent="-282960">
               <a:lnSpc>
                 <a:spcPct val="120000"/>
               </a:lnSpc>
@@ -8221,14 +11906,14 @@
       </p:grpSpPr>
       <p:sp>
         <p:nvSpPr>
-          <p:cNvPr id="152" name="CustomShape 1"/>
+          <p:cNvPr id="173" name="CustomShape 1"/>
           <p:cNvSpPr/>
           <p:nvPr/>
         </p:nvSpPr>
         <p:spPr>
           <a:xfrm>
             <a:off x="720000" y="288000"/>
-            <a:ext cx="6621480" cy="501480"/>
+            <a:ext cx="6621120" cy="501120"/>
           </a:xfrm>
           <a:prstGeom prst="rect">
             <a:avLst/>
@@ -8270,14 +11955,14 @@
       </p:sp>
       <p:sp>
         <p:nvSpPr>
-          <p:cNvPr id="153" name="CustomShape 2"/>
+          <p:cNvPr id="174" name="CustomShape 2"/>
           <p:cNvSpPr/>
           <p:nvPr/>
         </p:nvSpPr>
         <p:spPr>
           <a:xfrm>
             <a:off x="4968000" y="5004000"/>
-            <a:ext cx="3237480" cy="105480"/>
+            <a:ext cx="3237120" cy="105120"/>
           </a:xfrm>
           <a:prstGeom prst="rect">
             <a:avLst/>
@@ -8319,14 +12004,14 @@
       </p:sp>
       <p:sp>
         <p:nvSpPr>
-          <p:cNvPr id="154" name="CustomShape 3"/>
+          <p:cNvPr id="175" name="CustomShape 3"/>
           <p:cNvSpPr/>
           <p:nvPr/>
         </p:nvSpPr>
         <p:spPr>
           <a:xfrm>
             <a:off x="8280000" y="5004000"/>
-            <a:ext cx="141480" cy="105480"/>
+            <a:ext cx="141120" cy="105120"/>
           </a:xfrm>
           <a:prstGeom prst="rect">
             <a:avLst/>
@@ -8350,7 +12035,7 @@
                 <a:spcPct val="100000"/>
               </a:lnSpc>
             </a:pPr>
-            <a:fld id="{15196F25-95C0-40CB-8F39-CE0D2D816732}" type="slidenum">
+            <a:fld id="{3EE55890-C57A-4115-9A4A-875F25B02EA2}" type="slidenum">
               <a:rPr b="0" lang="en-US" sz="600" spc="-1" strike="noStrike">
                 <a:solidFill>
                   <a:srgbClr val="ffffff"/>
@@ -8368,14 +12053,14 @@
       </p:sp>
       <p:sp>
         <p:nvSpPr>
-          <p:cNvPr id="155" name="CustomShape 4"/>
+          <p:cNvPr id="176" name="CustomShape 4"/>
           <p:cNvSpPr/>
           <p:nvPr/>
         </p:nvSpPr>
         <p:spPr>
           <a:xfrm>
             <a:off x="640080" y="822960"/>
-            <a:ext cx="6621480" cy="3884760"/>
+            <a:ext cx="6621120" cy="3884400"/>
           </a:xfrm>
           <a:prstGeom prst="rect">
             <a:avLst/>
@@ -8404,7 +12089,7 @@
             </a:endParaRPr>
           </a:p>
           <a:p>
-            <a:pPr marL="285840" indent="-283320">
+            <a:pPr marL="285840" indent="-282960">
               <a:lnSpc>
                 <a:spcPct val="120000"/>
               </a:lnSpc>
@@ -8429,7 +12114,7 @@
             </a:endParaRPr>
           </a:p>
           <a:p>
-            <a:pPr marL="285840" indent="-283320">
+            <a:pPr marL="285840" indent="-282960">
               <a:lnSpc>
                 <a:spcPct val="120000"/>
               </a:lnSpc>
@@ -8454,7 +12139,7 @@
             </a:endParaRPr>
           </a:p>
           <a:p>
-            <a:pPr marL="285840" indent="-283320">
+            <a:pPr marL="285840" indent="-282960">
               <a:lnSpc>
                 <a:spcPct val="120000"/>
               </a:lnSpc>
@@ -8479,7 +12164,7 @@
             </a:endParaRPr>
           </a:p>
           <a:p>
-            <a:pPr marL="285840" indent="-283320">
+            <a:pPr marL="285840" indent="-282960">
               <a:lnSpc>
                 <a:spcPct val="120000"/>
               </a:lnSpc>
@@ -8489,12 +12174,32 @@
               <a:buFont typeface="Arial"/>
               <a:buChar char="•"/>
             </a:pPr>
+            <a:r>
+              <a:rPr b="0" lang="en-US" sz="1500" spc="-1" strike="noStrike">
+                <a:solidFill>
+                  <a:srgbClr val="000000"/>
+                </a:solidFill>
+                <a:latin typeface="Arial"/>
+                <a:ea typeface="DejaVu Sans"/>
+              </a:rPr>
+              <a:t>Have a change in the ‘favorite’ state persisted in the back-end by using `{method: ‘PUT’, ... }` as an option.</a:t>
+            </a:r>
             <a:endParaRPr b="0" lang="en-US" sz="1500" spc="-1" strike="noStrike">
               <a:latin typeface="Arial"/>
             </a:endParaRPr>
           </a:p>
           <a:p>
-            <a:pPr marL="285840" indent="-283320">
+            <a:pPr>
+              <a:lnSpc>
+                <a:spcPct val="120000"/>
+              </a:lnSpc>
+            </a:pPr>
+            <a:endParaRPr b="0" lang="en-US" sz="1500" spc="-1" strike="noStrike">
+              <a:latin typeface="Arial"/>
+            </a:endParaRPr>
+          </a:p>
+          <a:p>
+            <a:pPr marL="285840" indent="-282960">
               <a:lnSpc>
                 <a:spcPct val="120000"/>
               </a:lnSpc>
@@ -8519,7 +12224,7 @@
             </a:endParaRPr>
           </a:p>
           <a:p>
-            <a:pPr marL="285840" indent="-283320">
+            <a:pPr marL="285840" indent="-282960">
               <a:lnSpc>
                 <a:spcPct val="120000"/>
               </a:lnSpc>

--- a/sig2/slides/SIG react 2.pptx
+++ b/sig2/slides/SIG react 2.pptx
@@ -4059,7 +4059,7 @@
         <p:spPr>
           <a:xfrm>
             <a:off x="7200000" y="360000"/>
-            <a:ext cx="1256040" cy="283680"/>
+            <a:ext cx="1255680" cy="283320"/>
           </a:xfrm>
           <a:prstGeom prst="rect">
             <a:avLst/>
@@ -4082,7 +4082,7 @@
         <p:spPr>
           <a:xfrm>
             <a:off x="0" y="4966560"/>
-            <a:ext cx="9141120" cy="173880"/>
+            <a:ext cx="9140760" cy="173520"/>
           </a:xfrm>
           <a:prstGeom prst="rect">
             <a:avLst/>
@@ -4139,7 +4139,7 @@
         <p:spPr>
           <a:xfrm>
             <a:off x="0" y="4966560"/>
-            <a:ext cx="9141120" cy="173880"/>
+            <a:ext cx="9140760" cy="173520"/>
           </a:xfrm>
           <a:prstGeom prst="rect">
             <a:avLst/>
@@ -4162,7 +4162,7 @@
         <p:spPr>
           <a:xfrm>
             <a:off x="648000" y="108000"/>
-            <a:ext cx="2877480" cy="646200"/>
+            <a:ext cx="2877120" cy="645840"/>
           </a:xfrm>
           <a:prstGeom prst="rect">
             <a:avLst/>
@@ -4443,7 +4443,7 @@
         <p:spPr>
           <a:xfrm>
             <a:off x="7200000" y="360000"/>
-            <a:ext cx="1256040" cy="283680"/>
+            <a:ext cx="1255680" cy="283320"/>
           </a:xfrm>
           <a:prstGeom prst="rect">
             <a:avLst/>
@@ -4466,7 +4466,7 @@
         <p:spPr>
           <a:xfrm>
             <a:off x="0" y="4966560"/>
-            <a:ext cx="9141120" cy="173880"/>
+            <a:ext cx="9140760" cy="173520"/>
           </a:xfrm>
           <a:prstGeom prst="rect">
             <a:avLst/>
@@ -4781,7 +4781,7 @@
         <p:spPr>
           <a:xfrm>
             <a:off x="7200000" y="360000"/>
-            <a:ext cx="1256040" cy="283680"/>
+            <a:ext cx="1255680" cy="283320"/>
           </a:xfrm>
           <a:prstGeom prst="rect">
             <a:avLst/>
@@ -4804,7 +4804,7 @@
         <p:spPr>
           <a:xfrm>
             <a:off x="0" y="4966560"/>
-            <a:ext cx="9141120" cy="173880"/>
+            <a:ext cx="9140760" cy="173520"/>
           </a:xfrm>
           <a:prstGeom prst="rect">
             <a:avLst/>
@@ -4857,7 +4857,7 @@
         <p:spPr>
           <a:xfrm>
             <a:off x="0" y="812880"/>
-            <a:ext cx="9141120" cy="3507120"/>
+            <a:ext cx="9140760" cy="3506760"/>
           </a:xfrm>
           <a:prstGeom prst="rect">
             <a:avLst/>
@@ -5149,7 +5149,7 @@
         <p:spPr>
           <a:xfrm>
             <a:off x="0" y="810000"/>
-            <a:ext cx="9141120" cy="3345120"/>
+            <a:ext cx="9140760" cy="3344760"/>
           </a:xfrm>
           <a:prstGeom prst="rect">
             <a:avLst/>
@@ -5171,7 +5171,7 @@
         <p:spPr>
           <a:xfrm>
             <a:off x="5400000" y="1548000"/>
-            <a:ext cx="3021120" cy="3021120"/>
+            <a:ext cx="3020760" cy="3020760"/>
           </a:xfrm>
           <a:prstGeom prst="rect">
             <a:avLst/>
@@ -5282,7 +5282,7 @@
         <p:spPr>
           <a:xfrm>
             <a:off x="720000" y="288000"/>
-            <a:ext cx="6621120" cy="501120"/>
+            <a:ext cx="6620760" cy="500760"/>
           </a:xfrm>
           <a:prstGeom prst="rect">
             <a:avLst/>
@@ -5331,7 +5331,7 @@
         <p:spPr>
           <a:xfrm>
             <a:off x="4968000" y="5004000"/>
-            <a:ext cx="3237120" cy="105120"/>
+            <a:ext cx="3236760" cy="104760"/>
           </a:xfrm>
           <a:prstGeom prst="rect">
             <a:avLst/>
@@ -5380,7 +5380,7 @@
         <p:spPr>
           <a:xfrm>
             <a:off x="8280000" y="5004000"/>
-            <a:ext cx="141120" cy="105120"/>
+            <a:ext cx="140760" cy="104760"/>
           </a:xfrm>
           <a:prstGeom prst="rect">
             <a:avLst/>
@@ -5404,7 +5404,7 @@
                 <a:spcPct val="100000"/>
               </a:lnSpc>
             </a:pPr>
-            <a:fld id="{51E2A1BD-09B2-4F0B-A6CF-747868A6B629}" type="slidenum">
+            <a:fld id="{AB8FE0E9-4FFB-4223-991E-2DD492E3AFB5}" type="slidenum">
               <a:rPr b="0" lang="en-US" sz="600" spc="-1" strike="noStrike">
                 <a:solidFill>
                   <a:srgbClr val="ffffff"/>
@@ -5412,7 +5412,7 @@
                 <a:latin typeface="Arial"/>
                 <a:ea typeface="DejaVu Sans"/>
               </a:rPr>
-              <a:t>&lt;number&gt;</a:t>
+              <a:t>1</a:t>
             </a:fld>
             <a:endParaRPr b="0" lang="en-US" sz="600" spc="-1" strike="noStrike">
               <a:latin typeface="Arial"/>
@@ -5429,7 +5429,7 @@
         <p:spPr>
           <a:xfrm>
             <a:off x="640080" y="822960"/>
-            <a:ext cx="6621120" cy="3884400"/>
+            <a:ext cx="6620760" cy="3884040"/>
           </a:xfrm>
           <a:prstGeom prst="rect">
             <a:avLst/>
@@ -5458,7 +5458,7 @@
             </a:endParaRPr>
           </a:p>
           <a:p>
-            <a:pPr marL="285840" indent="-282960">
+            <a:pPr marL="285840" indent="-282600">
               <a:lnSpc>
                 <a:spcPct val="120000"/>
               </a:lnSpc>
@@ -5483,7 +5483,7 @@
             </a:endParaRPr>
           </a:p>
           <a:p>
-            <a:pPr marL="285840" indent="-282960">
+            <a:pPr marL="285840" indent="-282600">
               <a:lnSpc>
                 <a:spcPct val="120000"/>
               </a:lnSpc>
@@ -5508,7 +5508,7 @@
             </a:endParaRPr>
           </a:p>
           <a:p>
-            <a:pPr marL="285840" indent="-282960">
+            <a:pPr marL="285840" indent="-282600">
               <a:lnSpc>
                 <a:spcPct val="120000"/>
               </a:lnSpc>
@@ -5602,7 +5602,7 @@
         <p:spPr>
           <a:xfrm>
             <a:off x="720000" y="288000"/>
-            <a:ext cx="6621120" cy="501120"/>
+            <a:ext cx="6620760" cy="500760"/>
           </a:xfrm>
           <a:prstGeom prst="rect">
             <a:avLst/>
@@ -5651,7 +5651,7 @@
         <p:spPr>
           <a:xfrm>
             <a:off x="4968000" y="5004000"/>
-            <a:ext cx="3237120" cy="105120"/>
+            <a:ext cx="3236760" cy="104760"/>
           </a:xfrm>
           <a:prstGeom prst="rect">
             <a:avLst/>
@@ -5700,7 +5700,7 @@
         <p:spPr>
           <a:xfrm>
             <a:off x="8280000" y="5004000"/>
-            <a:ext cx="141120" cy="105120"/>
+            <a:ext cx="140760" cy="104760"/>
           </a:xfrm>
           <a:prstGeom prst="rect">
             <a:avLst/>
@@ -5724,7 +5724,7 @@
                 <a:spcPct val="100000"/>
               </a:lnSpc>
             </a:pPr>
-            <a:fld id="{0AC73A3B-EBC2-4F1B-AE3A-73149998175B}" type="slidenum">
+            <a:fld id="{9792DA0E-1C02-4126-853B-2C4A35832AD1}" type="slidenum">
               <a:rPr b="0" lang="en-US" sz="600" spc="-1" strike="noStrike">
                 <a:solidFill>
                   <a:srgbClr val="ffffff"/>
@@ -5732,7 +5732,7 @@
                 <a:latin typeface="Arial"/>
                 <a:ea typeface="DejaVu Sans"/>
               </a:rPr>
-              <a:t>&lt;number&gt;</a:t>
+              <a:t>1</a:t>
             </a:fld>
             <a:endParaRPr b="0" lang="en-US" sz="600" spc="-1" strike="noStrike">
               <a:latin typeface="Arial"/>
@@ -5749,7 +5749,7 @@
         <p:spPr>
           <a:xfrm>
             <a:off x="640080" y="822960"/>
-            <a:ext cx="6621120" cy="3884400"/>
+            <a:ext cx="6620760" cy="3884040"/>
           </a:xfrm>
           <a:prstGeom prst="rect">
             <a:avLst/>
@@ -5778,7 +5778,7 @@
             </a:endParaRPr>
           </a:p>
           <a:p>
-            <a:pPr marL="285840" indent="-282960">
+            <a:pPr marL="285840" indent="-282600">
               <a:lnSpc>
                 <a:spcPct val="120000"/>
               </a:lnSpc>
@@ -5803,7 +5803,7 @@
             </a:endParaRPr>
           </a:p>
           <a:p>
-            <a:pPr marL="285840" indent="-282960">
+            <a:pPr marL="285840" indent="-282600">
               <a:lnSpc>
                 <a:spcPct val="120000"/>
               </a:lnSpc>
@@ -5828,7 +5828,7 @@
             </a:endParaRPr>
           </a:p>
           <a:p>
-            <a:pPr marL="285840" indent="-282960">
+            <a:pPr marL="285840" indent="-282600">
               <a:lnSpc>
                 <a:spcPct val="120000"/>
               </a:lnSpc>
@@ -5853,7 +5853,7 @@
             </a:endParaRPr>
           </a:p>
           <a:p>
-            <a:pPr marL="285840" indent="-282960">
+            <a:pPr marL="285840" indent="-282600">
               <a:lnSpc>
                 <a:spcPct val="120000"/>
               </a:lnSpc>
@@ -5871,14 +5871,14 @@
                 <a:latin typeface="Arial"/>
                 <a:ea typeface="DejaVu Sans"/>
               </a:rPr>
-              <a:t>Add a Switch component</a:t>
+              <a:t>Import createHistory function from history/createBrowserHistory and pass it in the history prop of the router element</a:t>
             </a:r>
             <a:endParaRPr b="0" lang="en-US" sz="1500" spc="-1" strike="noStrike">
               <a:latin typeface="Arial"/>
             </a:endParaRPr>
           </a:p>
           <a:p>
-            <a:pPr marL="285840" indent="-282960">
+            <a:pPr marL="285840" indent="-282600">
               <a:lnSpc>
                 <a:spcPct val="120000"/>
               </a:lnSpc>
@@ -5896,14 +5896,14 @@
                 <a:latin typeface="Arial"/>
                 <a:ea typeface="DejaVu Sans"/>
               </a:rPr>
-              <a:t>Add a `&lt;Route …/&gt;` for path `”/”` to your accommodations component</a:t>
+              <a:t>Add a Switch component</a:t>
             </a:r>
             <a:endParaRPr b="0" lang="en-US" sz="1500" spc="-1" strike="noStrike">
               <a:latin typeface="Arial"/>
             </a:endParaRPr>
           </a:p>
           <a:p>
-            <a:pPr marL="285840" indent="-282960">
+            <a:pPr marL="285840" indent="-282600">
               <a:lnSpc>
                 <a:spcPct val="120000"/>
               </a:lnSpc>
@@ -5921,14 +5921,14 @@
                 <a:latin typeface="Arial"/>
                 <a:ea typeface="DejaVu Sans"/>
               </a:rPr>
-              <a:t>Add a route for path `”/:id”` to your accommodation detail component</a:t>
+              <a:t>Add a `&lt;Route …/&gt;` for path `”/”` to your accommodations component</a:t>
             </a:r>
             <a:endParaRPr b="0" lang="en-US" sz="1500" spc="-1" strike="noStrike">
               <a:latin typeface="Arial"/>
             </a:endParaRPr>
           </a:p>
           <a:p>
-            <a:pPr marL="285840" indent="-282960">
+            <a:pPr marL="285840" indent="-282600">
               <a:lnSpc>
                 <a:spcPct val="120000"/>
               </a:lnSpc>
@@ -5946,14 +5946,14 @@
                 <a:latin typeface="Arial"/>
                 <a:ea typeface="DejaVu Sans"/>
               </a:rPr>
-              <a:t>Add a route for path `”*”` to your 404 component</a:t>
+              <a:t>Add a route for path `”/:id”` to your accommodation detail component</a:t>
             </a:r>
             <a:endParaRPr b="0" lang="en-US" sz="1500" spc="-1" strike="noStrike">
               <a:latin typeface="Arial"/>
             </a:endParaRPr>
           </a:p>
           <a:p>
-            <a:pPr marL="285840" indent="-282960">
+            <a:pPr marL="285840" indent="-282600">
               <a:lnSpc>
                 <a:spcPct val="120000"/>
               </a:lnSpc>
@@ -5963,12 +5963,32 @@
               <a:buFont typeface="Arial"/>
               <a:buChar char="•"/>
             </a:pPr>
+            <a:r>
+              <a:rPr b="0" lang="en-US" sz="1500" spc="-1" strike="noStrike">
+                <a:solidFill>
+                  <a:srgbClr val="000000"/>
+                </a:solidFill>
+                <a:latin typeface="Arial"/>
+                <a:ea typeface="DejaVu Sans"/>
+              </a:rPr>
+              <a:t>Add a route for path `”*”` to your 404 component</a:t>
+            </a:r>
             <a:endParaRPr b="0" lang="en-US" sz="1500" spc="-1" strike="noStrike">
               <a:latin typeface="Arial"/>
             </a:endParaRPr>
           </a:p>
           <a:p>
-            <a:pPr marL="285840" indent="-282960">
+            <a:pPr>
+              <a:lnSpc>
+                <a:spcPct val="120000"/>
+              </a:lnSpc>
+            </a:pPr>
+            <a:endParaRPr b="0" lang="en-US" sz="1500" spc="-1" strike="noStrike">
+              <a:latin typeface="Arial"/>
+            </a:endParaRPr>
+          </a:p>
+          <a:p>
+            <a:pPr marL="285840" indent="-282600">
               <a:lnSpc>
                 <a:spcPct val="120000"/>
               </a:lnSpc>
@@ -5993,30 +6013,20 @@
             </a:endParaRPr>
           </a:p>
           <a:p>
-            <a:pPr marL="285840" indent="-282960">
+            <a:pPr>
               <a:lnSpc>
                 <a:spcPct val="120000"/>
               </a:lnSpc>
-              <a:buClr>
-                <a:srgbClr val="000000"/>
-              </a:buClr>
-              <a:buFont typeface="Arial"/>
-              <a:buChar char="•"/>
             </a:pPr>
             <a:endParaRPr b="0" lang="en-US" sz="1500" spc="-1" strike="noStrike">
               <a:latin typeface="Arial"/>
             </a:endParaRPr>
           </a:p>
           <a:p>
-            <a:pPr marL="285840" indent="-282960">
+            <a:pPr>
               <a:lnSpc>
                 <a:spcPct val="120000"/>
               </a:lnSpc>
-              <a:buClr>
-                <a:srgbClr val="000000"/>
-              </a:buClr>
-              <a:buFont typeface="Arial"/>
-              <a:buChar char="•"/>
             </a:pPr>
             <a:endParaRPr b="0" lang="en-US" sz="1500" spc="-1" strike="noStrike">
               <a:latin typeface="Arial"/>
@@ -6082,7 +6092,7 @@
         <p:spPr>
           <a:xfrm>
             <a:off x="720000" y="288000"/>
-            <a:ext cx="6621120" cy="501120"/>
+            <a:ext cx="6620760" cy="500760"/>
           </a:xfrm>
           <a:prstGeom prst="rect">
             <a:avLst/>
@@ -6131,7 +6141,7 @@
         <p:spPr>
           <a:xfrm>
             <a:off x="4968000" y="5004000"/>
-            <a:ext cx="3237120" cy="105120"/>
+            <a:ext cx="3236760" cy="104760"/>
           </a:xfrm>
           <a:prstGeom prst="rect">
             <a:avLst/>
@@ -6180,7 +6190,7 @@
         <p:spPr>
           <a:xfrm>
             <a:off x="8280000" y="5004000"/>
-            <a:ext cx="141120" cy="105120"/>
+            <a:ext cx="140760" cy="104760"/>
           </a:xfrm>
           <a:prstGeom prst="rect">
             <a:avLst/>
@@ -6204,7 +6214,7 @@
                 <a:spcPct val="100000"/>
               </a:lnSpc>
             </a:pPr>
-            <a:fld id="{360B960C-B1BF-4A5A-B963-7CC1A415C9DC}" type="slidenum">
+            <a:fld id="{11EDDBC2-666D-4829-94FD-B6C3967F3E29}" type="slidenum">
               <a:rPr b="0" lang="en-US" sz="600" spc="-1" strike="noStrike">
                 <a:solidFill>
                   <a:srgbClr val="ffffff"/>
@@ -6212,7 +6222,7 @@
                 <a:latin typeface="Arial"/>
                 <a:ea typeface="DejaVu Sans"/>
               </a:rPr>
-              <a:t>&lt;number&gt;</a:t>
+              <a:t>1</a:t>
             </a:fld>
             <a:endParaRPr b="0" lang="en-US" sz="600" spc="-1" strike="noStrike">
               <a:latin typeface="Arial"/>
@@ -6229,7 +6239,7 @@
         <p:spPr>
           <a:xfrm>
             <a:off x="601560" y="822960"/>
-            <a:ext cx="6621120" cy="3884400"/>
+            <a:ext cx="6620760" cy="3884040"/>
           </a:xfrm>
           <a:prstGeom prst="rect">
             <a:avLst/>
@@ -6258,7 +6268,7 @@
             </a:endParaRPr>
           </a:p>
           <a:p>
-            <a:pPr marL="285840" indent="-282960">
+            <a:pPr marL="285840" indent="-282600">
               <a:lnSpc>
                 <a:spcPct val="120000"/>
               </a:lnSpc>
@@ -6283,7 +6293,27 @@
             </a:endParaRPr>
           </a:p>
           <a:p>
-            <a:pPr marL="285840" indent="-282960">
+            <a:pPr>
+              <a:lnSpc>
+                <a:spcPct val="120000"/>
+              </a:lnSpc>
+            </a:pPr>
+            <a:endParaRPr b="0" lang="en-US" sz="1500" spc="-1" strike="noStrike">
+              <a:latin typeface="Arial"/>
+            </a:endParaRPr>
+          </a:p>
+          <a:p>
+            <a:pPr>
+              <a:lnSpc>
+                <a:spcPct val="120000"/>
+              </a:lnSpc>
+            </a:pPr>
+            <a:endParaRPr b="0" lang="en-US" sz="1500" spc="-1" strike="noStrike">
+              <a:latin typeface="Arial"/>
+            </a:endParaRPr>
+          </a:p>
+          <a:p>
+            <a:pPr marL="285840" indent="-282600">
               <a:lnSpc>
                 <a:spcPct val="120000"/>
               </a:lnSpc>
@@ -6293,36 +6323,6 @@
               <a:buFont typeface="Arial"/>
               <a:buChar char="•"/>
             </a:pPr>
-            <a:endParaRPr b="0" lang="en-US" sz="1500" spc="-1" strike="noStrike">
-              <a:latin typeface="Arial"/>
-            </a:endParaRPr>
-          </a:p>
-          <a:p>
-            <a:pPr marL="285840" indent="-282960">
-              <a:lnSpc>
-                <a:spcPct val="120000"/>
-              </a:lnSpc>
-              <a:buClr>
-                <a:srgbClr val="000000"/>
-              </a:buClr>
-              <a:buFont typeface="Arial"/>
-              <a:buChar char="•"/>
-            </a:pPr>
-            <a:endParaRPr b="0" lang="en-US" sz="1500" spc="-1" strike="noStrike">
-              <a:latin typeface="Arial"/>
-            </a:endParaRPr>
-          </a:p>
-          <a:p>
-            <a:pPr marL="285840" indent="-282960">
-              <a:lnSpc>
-                <a:spcPct val="120000"/>
-              </a:lnSpc>
-              <a:buClr>
-                <a:srgbClr val="000000"/>
-              </a:buClr>
-              <a:buFont typeface="Arial"/>
-              <a:buChar char="•"/>
-            </a:pPr>
             <a:r>
               <a:rPr b="0" lang="en-US" sz="1500" spc="-1" strike="noStrike">
                 <a:solidFill>
@@ -6338,37 +6338,27 @@
             </a:endParaRPr>
           </a:p>
           <a:p>
-            <a:pPr marL="285840" indent="-282960">
+            <a:pPr>
               <a:lnSpc>
                 <a:spcPct val="120000"/>
               </a:lnSpc>
-              <a:buClr>
-                <a:srgbClr val="000000"/>
-              </a:buClr>
-              <a:buFont typeface="Arial"/>
-              <a:buChar char="•"/>
             </a:pPr>
             <a:endParaRPr b="0" lang="en-US" sz="1500" spc="-1" strike="noStrike">
               <a:latin typeface="Arial"/>
             </a:endParaRPr>
           </a:p>
           <a:p>
-            <a:pPr marL="285840" indent="-282960">
+            <a:pPr>
               <a:lnSpc>
                 <a:spcPct val="120000"/>
               </a:lnSpc>
-              <a:buClr>
-                <a:srgbClr val="000000"/>
-              </a:buClr>
-              <a:buFont typeface="Arial"/>
-              <a:buChar char="•"/>
             </a:pPr>
             <a:endParaRPr b="0" lang="en-US" sz="1500" spc="-1" strike="noStrike">
               <a:latin typeface="Arial"/>
             </a:endParaRPr>
           </a:p>
           <a:p>
-            <a:pPr marL="285840" indent="-282960">
+            <a:pPr marL="285840" indent="-282600">
               <a:lnSpc>
                 <a:spcPct val="120000"/>
               </a:lnSpc>
@@ -6417,7 +6407,7 @@
         <p:spPr>
           <a:xfrm>
             <a:off x="5394960" y="939600"/>
-            <a:ext cx="1780920" cy="980640"/>
+            <a:ext cx="1780560" cy="980280"/>
           </a:xfrm>
           <a:prstGeom prst="rect">
             <a:avLst/>
@@ -6440,7 +6430,7 @@
         <p:spPr>
           <a:xfrm>
             <a:off x="5429520" y="2817720"/>
-            <a:ext cx="2800080" cy="199800"/>
+            <a:ext cx="2799720" cy="199440"/>
           </a:xfrm>
           <a:prstGeom prst="rect">
             <a:avLst/>
@@ -6463,7 +6453,7 @@
         <p:spPr>
           <a:xfrm>
             <a:off x="5394960" y="1920240"/>
-            <a:ext cx="3057120" cy="437760"/>
+            <a:ext cx="3056760" cy="437400"/>
           </a:xfrm>
           <a:prstGeom prst="rect">
             <a:avLst/>
@@ -6531,7 +6521,7 @@
         <p:spPr>
           <a:xfrm>
             <a:off x="720000" y="288000"/>
-            <a:ext cx="6621120" cy="501120"/>
+            <a:ext cx="6620760" cy="500760"/>
           </a:xfrm>
           <a:prstGeom prst="rect">
             <a:avLst/>
@@ -6580,7 +6570,7 @@
         <p:spPr>
           <a:xfrm>
             <a:off x="4968000" y="5004000"/>
-            <a:ext cx="3237120" cy="105120"/>
+            <a:ext cx="3236760" cy="104760"/>
           </a:xfrm>
           <a:prstGeom prst="rect">
             <a:avLst/>
@@ -6629,7 +6619,7 @@
         <p:spPr>
           <a:xfrm>
             <a:off x="8280000" y="5004000"/>
-            <a:ext cx="141120" cy="105120"/>
+            <a:ext cx="140760" cy="104760"/>
           </a:xfrm>
           <a:prstGeom prst="rect">
             <a:avLst/>
@@ -6653,7 +6643,7 @@
                 <a:spcPct val="100000"/>
               </a:lnSpc>
             </a:pPr>
-            <a:fld id="{E2059D6F-8486-4FB4-BF31-727DC6FBC308}" type="slidenum">
+            <a:fld id="{41414F70-E12C-4014-99BD-D07DAA1BEA43}" type="slidenum">
               <a:rPr b="0" lang="en-US" sz="600" spc="-1" strike="noStrike">
                 <a:solidFill>
                   <a:srgbClr val="ffffff"/>
@@ -6678,7 +6668,7 @@
         <p:spPr>
           <a:xfrm>
             <a:off x="601560" y="822960"/>
-            <a:ext cx="6621120" cy="3884400"/>
+            <a:ext cx="6620760" cy="3884040"/>
           </a:xfrm>
           <a:prstGeom prst="rect">
             <a:avLst/>
@@ -6737,7 +6727,7 @@
             </a:endParaRPr>
           </a:p>
           <a:p>
-            <a:pPr marL="285840" indent="-282960">
+            <a:pPr marL="285840" indent="-282600">
               <a:lnSpc>
                 <a:spcPct val="120000"/>
               </a:lnSpc>
@@ -6762,7 +6752,7 @@
             </a:endParaRPr>
           </a:p>
           <a:p>
-            <a:pPr marL="285840" indent="-282960">
+            <a:pPr marL="285840" indent="-282600">
               <a:lnSpc>
                 <a:spcPct val="120000"/>
               </a:lnSpc>
@@ -6787,7 +6777,7 @@
             </a:endParaRPr>
           </a:p>
           <a:p>
-            <a:pPr marL="285840" indent="-282960">
+            <a:pPr marL="285840" indent="-282600">
               <a:lnSpc>
                 <a:spcPct val="120000"/>
               </a:lnSpc>
@@ -6812,7 +6802,7 @@
             </a:endParaRPr>
           </a:p>
           <a:p>
-            <a:pPr marL="285840" indent="-282960">
+            <a:pPr marL="285840" indent="-282600">
               <a:lnSpc>
                 <a:spcPct val="120000"/>
               </a:lnSpc>
@@ -6896,7 +6886,7 @@
         <p:spPr>
           <a:xfrm>
             <a:off x="720000" y="288000"/>
-            <a:ext cx="6621120" cy="501120"/>
+            <a:ext cx="6620760" cy="500760"/>
           </a:xfrm>
           <a:prstGeom prst="rect">
             <a:avLst/>
@@ -6945,7 +6935,7 @@
         <p:spPr>
           <a:xfrm>
             <a:off x="4968000" y="5004000"/>
-            <a:ext cx="3237120" cy="105120"/>
+            <a:ext cx="3236760" cy="104760"/>
           </a:xfrm>
           <a:prstGeom prst="rect">
             <a:avLst/>
@@ -6994,7 +6984,7 @@
         <p:spPr>
           <a:xfrm>
             <a:off x="8280000" y="5004000"/>
-            <a:ext cx="141120" cy="105120"/>
+            <a:ext cx="140760" cy="104760"/>
           </a:xfrm>
           <a:prstGeom prst="rect">
             <a:avLst/>
@@ -7018,7 +7008,7 @@
                 <a:spcPct val="100000"/>
               </a:lnSpc>
             </a:pPr>
-            <a:fld id="{EF69D8B4-E9B9-469C-BFE6-EEEB3D63A40F}" type="slidenum">
+            <a:fld id="{09C55BB2-193D-4A54-B695-FB9F5D9D6964}" type="slidenum">
               <a:rPr b="0" lang="en-US" sz="600" spc="-1" strike="noStrike">
                 <a:solidFill>
                   <a:srgbClr val="ffffff"/>
@@ -7047,7 +7037,7 @@
         <p:spPr>
           <a:xfrm>
             <a:off x="9720" y="1179000"/>
-            <a:ext cx="9143640" cy="3103560"/>
+            <a:ext cx="9143280" cy="3103200"/>
           </a:xfrm>
           <a:prstGeom prst="rect">
             <a:avLst/>
@@ -7115,7 +7105,7 @@
         <p:spPr>
           <a:xfrm>
             <a:off x="720000" y="288000"/>
-            <a:ext cx="6621120" cy="501120"/>
+            <a:ext cx="6620760" cy="500760"/>
           </a:xfrm>
           <a:prstGeom prst="rect">
             <a:avLst/>
@@ -7164,7 +7154,7 @@
         <p:spPr>
           <a:xfrm>
             <a:off x="4968000" y="5004000"/>
-            <a:ext cx="3237120" cy="105120"/>
+            <a:ext cx="3236760" cy="104760"/>
           </a:xfrm>
           <a:prstGeom prst="rect">
             <a:avLst/>
@@ -7213,7 +7203,7 @@
         <p:spPr>
           <a:xfrm>
             <a:off x="8280000" y="5004000"/>
-            <a:ext cx="141120" cy="105120"/>
+            <a:ext cx="140760" cy="104760"/>
           </a:xfrm>
           <a:prstGeom prst="rect">
             <a:avLst/>
@@ -7237,7 +7227,7 @@
                 <a:spcPct val="100000"/>
               </a:lnSpc>
             </a:pPr>
-            <a:fld id="{55BC472B-EC9F-42C7-896D-A2F88D5E28CD}" type="slidenum">
+            <a:fld id="{F213E286-C769-46A0-BB40-F5B98EFCAA92}" type="slidenum">
               <a:rPr b="0" lang="en-US" sz="600" spc="-1" strike="noStrike">
                 <a:solidFill>
                   <a:srgbClr val="ffffff"/>
@@ -7262,7 +7252,7 @@
         <p:spPr>
           <a:xfrm>
             <a:off x="876240" y="548640"/>
-            <a:ext cx="6621120" cy="3884400"/>
+            <a:ext cx="6620760" cy="3884040"/>
           </a:xfrm>
           <a:prstGeom prst="rect">
             <a:avLst/>
@@ -7291,7 +7281,7 @@
             </a:endParaRPr>
           </a:p>
           <a:p>
-            <a:pPr marL="285840" indent="-282960">
+            <a:pPr marL="285840" indent="-282600">
               <a:lnSpc>
                 <a:spcPct val="120000"/>
               </a:lnSpc>
@@ -7316,30 +7306,20 @@
             </a:endParaRPr>
           </a:p>
           <a:p>
-            <a:pPr marL="285840" indent="-282960">
+            <a:pPr>
               <a:lnSpc>
                 <a:spcPct val="120000"/>
               </a:lnSpc>
-              <a:buClr>
-                <a:srgbClr val="000000"/>
-              </a:buClr>
-              <a:buFont typeface="Arial"/>
-              <a:buChar char="•"/>
             </a:pPr>
             <a:endParaRPr b="0" lang="en-US" sz="1500" spc="-1" strike="noStrike">
               <a:latin typeface="Arial"/>
             </a:endParaRPr>
           </a:p>
           <a:p>
-            <a:pPr marL="285840" indent="-282960">
+            <a:pPr>
               <a:lnSpc>
                 <a:spcPct val="120000"/>
               </a:lnSpc>
-              <a:buClr>
-                <a:srgbClr val="000000"/>
-              </a:buClr>
-              <a:buFont typeface="Arial"/>
-              <a:buChar char="•"/>
             </a:pPr>
             <a:endParaRPr b="0" lang="en-US" sz="1500" spc="-1" strike="noStrike">
               <a:latin typeface="Arial"/>
@@ -7370,7 +7350,7 @@
         <p:spPr>
           <a:xfrm>
             <a:off x="1737360" y="2314440"/>
-            <a:ext cx="4219200" cy="380520"/>
+            <a:ext cx="4218840" cy="380160"/>
           </a:xfrm>
           <a:prstGeom prst="rect">
             <a:avLst/>
@@ -7466,14 +7446,14 @@
       </p:sp>
       <p:sp>
         <p:nvSpPr>
-          <p:cNvPr id="140" name="TextShape 8"/>
-          <p:cNvSpPr txBox="1"/>
+          <p:cNvPr id="140" name="CustomShape 8"/>
+          <p:cNvSpPr/>
           <p:nvPr/>
         </p:nvSpPr>
         <p:spPr>
           <a:xfrm>
             <a:off x="0" y="1276560"/>
-            <a:ext cx="2651760" cy="735120"/>
+            <a:ext cx="2651400" cy="734760"/>
           </a:xfrm>
           <a:prstGeom prst="rect">
             <a:avLst/>
@@ -7483,9 +7463,20 @@
             <a:noFill/>
           </a:ln>
         </p:spPr>
+        <p:style>
+          <a:lnRef idx="0"/>
+          <a:fillRef idx="0"/>
+          <a:effectRef idx="0"/>
+          <a:fontRef idx="minor"/>
+        </p:style>
         <p:txBody>
           <a:bodyPr lIns="90000" rIns="90000" tIns="45000" bIns="45000"/>
           <a:p>
+            <a:pPr>
+              <a:lnSpc>
+                <a:spcPct val="100000"/>
+              </a:lnSpc>
+            </a:pPr>
             <a:r>
               <a:rPr b="0" lang="en-US" sz="1800" spc="-1" strike="noStrike">
                 <a:latin typeface="Arial"/>
@@ -7497,6 +7488,11 @@
             </a:endParaRPr>
           </a:p>
           <a:p>
+            <a:pPr>
+              <a:lnSpc>
+                <a:spcPct val="100000"/>
+              </a:lnSpc>
+            </a:pPr>
             <a:r>
               <a:rPr b="0" lang="en-US" sz="1800" spc="-1" strike="noStrike">
                 <a:latin typeface="Arial"/>
@@ -7539,14 +7535,14 @@
       </p:sp>
       <p:sp>
         <p:nvSpPr>
-          <p:cNvPr id="142" name="TextShape 10"/>
-          <p:cNvSpPr txBox="1"/>
+          <p:cNvPr id="142" name="CustomShape 10"/>
+          <p:cNvSpPr/>
           <p:nvPr/>
         </p:nvSpPr>
         <p:spPr>
           <a:xfrm>
             <a:off x="1920240" y="3383280"/>
-            <a:ext cx="1828800" cy="1164960"/>
+            <a:ext cx="1828440" cy="1164600"/>
           </a:xfrm>
           <a:prstGeom prst="rect">
             <a:avLst/>
@@ -7556,9 +7552,20 @@
             <a:noFill/>
           </a:ln>
         </p:spPr>
+        <p:style>
+          <a:lnRef idx="0"/>
+          <a:fillRef idx="0"/>
+          <a:effectRef idx="0"/>
+          <a:fontRef idx="minor"/>
+        </p:style>
         <p:txBody>
           <a:bodyPr lIns="90000" rIns="90000" tIns="45000" bIns="45000"/>
           <a:p>
+            <a:pPr>
+              <a:lnSpc>
+                <a:spcPct val="100000"/>
+              </a:lnSpc>
+            </a:pPr>
             <a:r>
               <a:rPr b="0" lang="en-US" sz="1800" spc="-1" strike="noStrike">
                 <a:latin typeface="Arial"/>
@@ -7570,6 +7577,11 @@
             </a:endParaRPr>
           </a:p>
           <a:p>
+            <a:pPr>
+              <a:lnSpc>
+                <a:spcPct val="100000"/>
+              </a:lnSpc>
+            </a:pPr>
             <a:r>
               <a:rPr b="0" lang="en-US" sz="1800" spc="-1" strike="noStrike">
                 <a:latin typeface="Arial"/>
@@ -7587,6 +7599,11 @@
             </a:endParaRPr>
           </a:p>
           <a:p>
+            <a:pPr>
+              <a:lnSpc>
+                <a:spcPct val="100000"/>
+              </a:lnSpc>
+            </a:pPr>
             <a:r>
               <a:rPr b="0" lang="en-US" sz="1800" spc="-1" strike="noStrike">
                 <a:latin typeface="Arial"/>
@@ -7604,6 +7621,11 @@
             </a:endParaRPr>
           </a:p>
           <a:p>
+            <a:pPr>
+              <a:lnSpc>
+                <a:spcPct val="100000"/>
+              </a:lnSpc>
+            </a:pPr>
             <a:r>
               <a:rPr b="0" lang="en-US" sz="1800" spc="-1" strike="noStrike">
                 <a:latin typeface="Arial"/>
@@ -7621,6 +7643,11 @@
             </a:endParaRPr>
           </a:p>
           <a:p>
+            <a:pPr>
+              <a:lnSpc>
+                <a:spcPct val="100000"/>
+              </a:lnSpc>
+            </a:pPr>
             <a:r>
               <a:rPr b="0" lang="en-US" sz="1800" spc="-1" strike="noStrike">
                 <a:latin typeface="Arial"/>
@@ -7635,14 +7662,14 @@
       </p:sp>
       <p:sp>
         <p:nvSpPr>
-          <p:cNvPr id="143" name="TextShape 11"/>
-          <p:cNvSpPr txBox="1"/>
+          <p:cNvPr id="143" name="CustomShape 11"/>
+          <p:cNvSpPr/>
           <p:nvPr/>
         </p:nvSpPr>
         <p:spPr>
           <a:xfrm>
             <a:off x="4297680" y="3352320"/>
-            <a:ext cx="1554480" cy="305280"/>
+            <a:ext cx="1554120" cy="304920"/>
           </a:xfrm>
           <a:prstGeom prst="rect">
             <a:avLst/>
@@ -7652,9 +7679,20 @@
             <a:noFill/>
           </a:ln>
         </p:spPr>
+        <p:style>
+          <a:lnRef idx="0"/>
+          <a:fillRef idx="0"/>
+          <a:effectRef idx="0"/>
+          <a:fontRef idx="minor"/>
+        </p:style>
         <p:txBody>
           <a:bodyPr lIns="90000" rIns="90000" tIns="45000" bIns="45000"/>
           <a:p>
+            <a:pPr>
+              <a:lnSpc>
+                <a:spcPct val="100000"/>
+              </a:lnSpc>
+            </a:pPr>
             <a:r>
               <a:rPr b="0" lang="en-US" sz="1800" spc="-1" strike="noStrike">
                 <a:latin typeface="Arial"/>
@@ -7669,14 +7707,14 @@
       </p:sp>
       <p:sp>
         <p:nvSpPr>
-          <p:cNvPr id="144" name="TextShape 12"/>
-          <p:cNvSpPr txBox="1"/>
+          <p:cNvPr id="144" name="CustomShape 12"/>
+          <p:cNvSpPr/>
           <p:nvPr/>
         </p:nvSpPr>
         <p:spPr>
           <a:xfrm>
             <a:off x="5852160" y="1066320"/>
-            <a:ext cx="2286000" cy="520200"/>
+            <a:ext cx="2285640" cy="519840"/>
           </a:xfrm>
           <a:prstGeom prst="rect">
             <a:avLst/>
@@ -7686,9 +7724,20 @@
             <a:noFill/>
           </a:ln>
         </p:spPr>
+        <p:style>
+          <a:lnRef idx="0"/>
+          <a:fillRef idx="0"/>
+          <a:effectRef idx="0"/>
+          <a:fontRef idx="minor"/>
+        </p:style>
         <p:txBody>
           <a:bodyPr lIns="90000" rIns="90000" tIns="45000" bIns="45000"/>
           <a:p>
+            <a:pPr>
+              <a:lnSpc>
+                <a:spcPct val="100000"/>
+              </a:lnSpc>
+            </a:pPr>
             <a:r>
               <a:rPr b="0" lang="en-US" sz="1800" spc="-1" strike="noStrike">
                 <a:latin typeface="Arial"/>
@@ -7759,7 +7808,7 @@
         <p:spPr>
           <a:xfrm>
             <a:off x="720000" y="288000"/>
-            <a:ext cx="6621120" cy="501120"/>
+            <a:ext cx="6620760" cy="500760"/>
           </a:xfrm>
           <a:prstGeom prst="rect">
             <a:avLst/>
@@ -7808,7 +7857,7 @@
         <p:spPr>
           <a:xfrm>
             <a:off x="4968000" y="5004000"/>
-            <a:ext cx="3237120" cy="105120"/>
+            <a:ext cx="3236760" cy="104760"/>
           </a:xfrm>
           <a:prstGeom prst="rect">
             <a:avLst/>
@@ -7857,7 +7906,7 @@
         <p:spPr>
           <a:xfrm>
             <a:off x="8280000" y="5004000"/>
-            <a:ext cx="141120" cy="105120"/>
+            <a:ext cx="140760" cy="104760"/>
           </a:xfrm>
           <a:prstGeom prst="rect">
             <a:avLst/>
@@ -7881,7 +7930,7 @@
                 <a:spcPct val="100000"/>
               </a:lnSpc>
             </a:pPr>
-            <a:fld id="{B95735DC-649E-453C-8226-A69B8DE45B41}" type="slidenum">
+            <a:fld id="{08BFC5F9-84E3-4CCC-AAD4-C5FDB34BF3F3}" type="slidenum">
               <a:rPr b="0" lang="en-US" sz="600" spc="-1" strike="noStrike">
                 <a:solidFill>
                   <a:srgbClr val="ffffff"/>
@@ -7906,7 +7955,7 @@
         <p:spPr>
           <a:xfrm>
             <a:off x="876240" y="548640"/>
-            <a:ext cx="6621120" cy="3884400"/>
+            <a:ext cx="6620760" cy="3884040"/>
           </a:xfrm>
           <a:prstGeom prst="rect">
             <a:avLst/>
@@ -7935,7 +7984,7 @@
             </a:endParaRPr>
           </a:p>
           <a:p>
-            <a:pPr marL="285840" indent="-282960">
+            <a:pPr marL="285840" indent="-282600">
               <a:lnSpc>
                 <a:spcPct val="120000"/>
               </a:lnSpc>
@@ -7960,15 +8009,10 @@
             </a:endParaRPr>
           </a:p>
           <a:p>
-            <a:pPr marL="285840" indent="-282960">
+            <a:pPr>
               <a:lnSpc>
                 <a:spcPct val="120000"/>
               </a:lnSpc>
-              <a:buClr>
-                <a:srgbClr val="000000"/>
-              </a:buClr>
-              <a:buFont typeface="Arial"/>
-              <a:buChar char="•"/>
             </a:pPr>
             <a:endParaRPr b="0" lang="en-US" sz="1500" spc="-1" strike="noStrike">
               <a:latin typeface="Arial"/>
@@ -8009,7 +8053,7 @@
         <p:spPr>
           <a:xfrm>
             <a:off x="1920600" y="2602800"/>
-            <a:ext cx="3362400" cy="963360"/>
+            <a:ext cx="3362040" cy="963000"/>
           </a:xfrm>
           <a:prstGeom prst="rect">
             <a:avLst/>
@@ -8032,7 +8076,7 @@
         <p:spPr>
           <a:xfrm>
             <a:off x="1922760" y="1737360"/>
-            <a:ext cx="3023640" cy="259920"/>
+            <a:ext cx="3023280" cy="259560"/>
           </a:xfrm>
           <a:prstGeom prst="rect">
             <a:avLst/>
@@ -8055,7 +8099,7 @@
         <p:spPr>
           <a:xfrm>
             <a:off x="1927800" y="2227680"/>
-            <a:ext cx="3467160" cy="455400"/>
+            <a:ext cx="3466800" cy="455040"/>
           </a:xfrm>
           <a:prstGeom prst="rect">
             <a:avLst/>
@@ -8067,14 +8111,14 @@
       </p:pic>
       <p:sp>
         <p:nvSpPr>
-          <p:cNvPr id="152" name="TextShape 5"/>
-          <p:cNvSpPr txBox="1"/>
+          <p:cNvPr id="152" name="CustomShape 5"/>
+          <p:cNvSpPr/>
           <p:nvPr/>
         </p:nvSpPr>
         <p:spPr>
           <a:xfrm>
             <a:off x="4663440" y="4357800"/>
-            <a:ext cx="4114080" cy="305640"/>
+            <a:ext cx="4113720" cy="305280"/>
           </a:xfrm>
           <a:prstGeom prst="rect">
             <a:avLst/>
@@ -8084,9 +8128,20 @@
             <a:noFill/>
           </a:ln>
         </p:spPr>
+        <p:style>
+          <a:lnRef idx="0"/>
+          <a:fillRef idx="0"/>
+          <a:effectRef idx="0"/>
+          <a:fontRef idx="minor"/>
+        </p:style>
         <p:txBody>
           <a:bodyPr lIns="90000" rIns="90000" tIns="45000" bIns="45000"/>
           <a:p>
+            <a:pPr>
+              <a:lnSpc>
+                <a:spcPct val="100000"/>
+              </a:lnSpc>
+            </a:pPr>
             <a:r>
               <a:rPr b="0" lang="en-US" sz="1800" spc="-1" strike="noStrike">
                 <a:latin typeface="Arial"/>
@@ -8157,7 +8212,7 @@
         <p:spPr>
           <a:xfrm>
             <a:off x="720000" y="288000"/>
-            <a:ext cx="6621120" cy="501120"/>
+            <a:ext cx="6620760" cy="500760"/>
           </a:xfrm>
           <a:prstGeom prst="rect">
             <a:avLst/>
@@ -8206,7 +8261,7 @@
         <p:spPr>
           <a:xfrm>
             <a:off x="4968000" y="5004000"/>
-            <a:ext cx="3237120" cy="105120"/>
+            <a:ext cx="3236760" cy="104760"/>
           </a:xfrm>
           <a:prstGeom prst="rect">
             <a:avLst/>
@@ -8255,7 +8310,7 @@
         <p:spPr>
           <a:xfrm>
             <a:off x="8280000" y="5004000"/>
-            <a:ext cx="141120" cy="105120"/>
+            <a:ext cx="140760" cy="104760"/>
           </a:xfrm>
           <a:prstGeom prst="rect">
             <a:avLst/>
@@ -8279,7 +8334,7 @@
                 <a:spcPct val="100000"/>
               </a:lnSpc>
             </a:pPr>
-            <a:fld id="{B9B59A02-D775-4ECB-BFD2-9E78C2BAB5B1}" type="slidenum">
+            <a:fld id="{A751B332-276B-49F0-ABD5-5477911B3948}" type="slidenum">
               <a:rPr b="0" lang="en-US" sz="600" spc="-1" strike="noStrike">
                 <a:solidFill>
                   <a:srgbClr val="ffffff"/>
@@ -8304,7 +8359,7 @@
         <p:spPr>
           <a:xfrm>
             <a:off x="602640" y="504720"/>
-            <a:ext cx="6621120" cy="3884400"/>
+            <a:ext cx="6620760" cy="3884040"/>
           </a:xfrm>
           <a:prstGeom prst="rect">
             <a:avLst/>
@@ -8333,7 +8388,7 @@
             </a:endParaRPr>
           </a:p>
           <a:p>
-            <a:pPr marL="285840" indent="-282960">
+            <a:pPr marL="285840" indent="-282600">
               <a:lnSpc>
                 <a:spcPct val="120000"/>
               </a:lnSpc>
@@ -8351,264 +8406,24 @@
                 <a:latin typeface="Arial"/>
                 <a:ea typeface="DejaVu Sans"/>
               </a:rPr>
-              <a:t>P</a:t>
-            </a:r>
-            <a:r>
-              <a:rPr b="0" lang="en-US" sz="1500" spc="-1" strike="noStrike">
-                <a:solidFill>
-                  <a:srgbClr val="000000"/>
-                </a:solidFill>
-                <a:latin typeface="Arial"/>
-                <a:ea typeface="DejaVu Sans"/>
-              </a:rPr>
-              <a:t>a</a:t>
-            </a:r>
-            <a:r>
-              <a:rPr b="0" lang="en-US" sz="1500" spc="-1" strike="noStrike">
-                <a:solidFill>
-                  <a:srgbClr val="000000"/>
-                </a:solidFill>
-                <a:latin typeface="Arial"/>
-                <a:ea typeface="DejaVu Sans"/>
-              </a:rPr>
-              <a:t>c</a:t>
-            </a:r>
-            <a:r>
-              <a:rPr b="0" lang="en-US" sz="1500" spc="-1" strike="noStrike">
-                <a:solidFill>
-                  <a:srgbClr val="000000"/>
-                </a:solidFill>
-                <a:latin typeface="Arial"/>
-                <a:ea typeface="DejaVu Sans"/>
-              </a:rPr>
-              <a:t>k</a:t>
-            </a:r>
-            <a:r>
-              <a:rPr b="0" lang="en-US" sz="1500" spc="-1" strike="noStrike">
-                <a:solidFill>
-                  <a:srgbClr val="000000"/>
-                </a:solidFill>
-                <a:latin typeface="Arial"/>
-                <a:ea typeface="DejaVu Sans"/>
-              </a:rPr>
-              <a:t>a</a:t>
-            </a:r>
-            <a:r>
-              <a:rPr b="0" lang="en-US" sz="1500" spc="-1" strike="noStrike">
-                <a:solidFill>
-                  <a:srgbClr val="000000"/>
-                </a:solidFill>
-                <a:latin typeface="Arial"/>
-                <a:ea typeface="DejaVu Sans"/>
-              </a:rPr>
-              <a:t>g</a:t>
-            </a:r>
-            <a:r>
-              <a:rPr b="0" lang="en-US" sz="1500" spc="-1" strike="noStrike">
-                <a:solidFill>
-                  <a:srgbClr val="000000"/>
-                </a:solidFill>
-                <a:latin typeface="Arial"/>
-                <a:ea typeface="DejaVu Sans"/>
-              </a:rPr>
-              <a:t>e</a:t>
-            </a:r>
-            <a:r>
-              <a:rPr b="0" lang="en-US" sz="1500" spc="-1" strike="noStrike">
-                <a:solidFill>
-                  <a:srgbClr val="000000"/>
-                </a:solidFill>
-                <a:latin typeface="Arial"/>
-                <a:ea typeface="DejaVu Sans"/>
-              </a:rPr>
-              <a:t> </a:t>
-            </a:r>
-            <a:r>
-              <a:rPr b="0" lang="en-US" sz="1500" spc="-1" strike="noStrike">
-                <a:solidFill>
-                  <a:srgbClr val="000000"/>
-                </a:solidFill>
-                <a:latin typeface="Arial"/>
-                <a:ea typeface="DejaVu Sans"/>
-              </a:rPr>
-              <a:t>‘</a:t>
-            </a:r>
-            <a:r>
-              <a:rPr b="0" lang="en-US" sz="1500" spc="-1" strike="noStrike">
-                <a:solidFill>
-                  <a:srgbClr val="000000"/>
-                </a:solidFill>
-                <a:latin typeface="Arial"/>
-                <a:ea typeface="DejaVu Sans"/>
-              </a:rPr>
-              <a:t>r</a:t>
-            </a:r>
-            <a:r>
-              <a:rPr b="0" lang="en-US" sz="1500" spc="-1" strike="noStrike">
-                <a:solidFill>
-                  <a:srgbClr val="000000"/>
-                </a:solidFill>
-                <a:latin typeface="Arial"/>
-                <a:ea typeface="DejaVu Sans"/>
-              </a:rPr>
-              <a:t>e</a:t>
-            </a:r>
-            <a:r>
-              <a:rPr b="0" lang="en-US" sz="1500" spc="-1" strike="noStrike">
-                <a:solidFill>
-                  <a:srgbClr val="000000"/>
-                </a:solidFill>
-                <a:latin typeface="Arial"/>
-                <a:ea typeface="DejaVu Sans"/>
-              </a:rPr>
-              <a:t>a</a:t>
-            </a:r>
-            <a:r>
-              <a:rPr b="0" lang="en-US" sz="1500" spc="-1" strike="noStrike">
-                <a:solidFill>
-                  <a:srgbClr val="000000"/>
-                </a:solidFill>
-                <a:latin typeface="Arial"/>
-                <a:ea typeface="DejaVu Sans"/>
-              </a:rPr>
-              <a:t>c</a:t>
-            </a:r>
-            <a:r>
-              <a:rPr b="0" lang="en-US" sz="1500" spc="-1" strike="noStrike">
-                <a:solidFill>
-                  <a:srgbClr val="000000"/>
-                </a:solidFill>
-                <a:latin typeface="Arial"/>
-                <a:ea typeface="DejaVu Sans"/>
-              </a:rPr>
-              <a:t>t</a:t>
-            </a:r>
-            <a:r>
-              <a:rPr b="0" lang="en-US" sz="1500" spc="-1" strike="noStrike">
-                <a:solidFill>
-                  <a:srgbClr val="000000"/>
-                </a:solidFill>
-                <a:latin typeface="Arial"/>
-                <a:ea typeface="DejaVu Sans"/>
-              </a:rPr>
-              <a:t>-</a:t>
-            </a:r>
-            <a:r>
-              <a:rPr b="0" lang="en-US" sz="1500" spc="-1" strike="noStrike">
-                <a:solidFill>
-                  <a:srgbClr val="000000"/>
-                </a:solidFill>
-                <a:latin typeface="Arial"/>
-                <a:ea typeface="DejaVu Sans"/>
-              </a:rPr>
-              <a:t>r</a:t>
-            </a:r>
-            <a:r>
-              <a:rPr b="0" lang="en-US" sz="1500" spc="-1" strike="noStrike">
-                <a:solidFill>
-                  <a:srgbClr val="000000"/>
-                </a:solidFill>
-                <a:latin typeface="Arial"/>
-                <a:ea typeface="DejaVu Sans"/>
-              </a:rPr>
-              <a:t>o</a:t>
-            </a:r>
-            <a:r>
-              <a:rPr b="0" lang="en-US" sz="1500" spc="-1" strike="noStrike">
-                <a:solidFill>
-                  <a:srgbClr val="000000"/>
-                </a:solidFill>
-                <a:latin typeface="Arial"/>
-                <a:ea typeface="DejaVu Sans"/>
-              </a:rPr>
-              <a:t>u</a:t>
-            </a:r>
-            <a:r>
-              <a:rPr b="0" lang="en-US" sz="1500" spc="-1" strike="noStrike">
-                <a:solidFill>
-                  <a:srgbClr val="000000"/>
-                </a:solidFill>
-                <a:latin typeface="Arial"/>
-                <a:ea typeface="DejaVu Sans"/>
-              </a:rPr>
-              <a:t>t</a:t>
-            </a:r>
-            <a:r>
-              <a:rPr b="0" lang="en-US" sz="1500" spc="-1" strike="noStrike">
-                <a:solidFill>
-                  <a:srgbClr val="000000"/>
-                </a:solidFill>
-                <a:latin typeface="Arial"/>
-                <a:ea typeface="DejaVu Sans"/>
-              </a:rPr>
-              <a:t>e</a:t>
-            </a:r>
-            <a:r>
-              <a:rPr b="0" lang="en-US" sz="1500" spc="-1" strike="noStrike">
-                <a:solidFill>
-                  <a:srgbClr val="000000"/>
-                </a:solidFill>
-                <a:latin typeface="Arial"/>
-                <a:ea typeface="DejaVu Sans"/>
-              </a:rPr>
-              <a:t>r</a:t>
-            </a:r>
-            <a:r>
-              <a:rPr b="0" lang="en-US" sz="1500" spc="-1" strike="noStrike">
-                <a:solidFill>
-                  <a:srgbClr val="000000"/>
-                </a:solidFill>
-                <a:latin typeface="Arial"/>
-                <a:ea typeface="DejaVu Sans"/>
-              </a:rPr>
-              <a:t>-</a:t>
-            </a:r>
-            <a:r>
-              <a:rPr b="0" lang="en-US" sz="1500" spc="-1" strike="noStrike">
-                <a:solidFill>
-                  <a:srgbClr val="000000"/>
-                </a:solidFill>
-                <a:latin typeface="Arial"/>
-                <a:ea typeface="DejaVu Sans"/>
-              </a:rPr>
-              <a:t>d</a:t>
-            </a:r>
-            <a:r>
-              <a:rPr b="0" lang="en-US" sz="1500" spc="-1" strike="noStrike">
-                <a:solidFill>
-                  <a:srgbClr val="000000"/>
-                </a:solidFill>
-                <a:latin typeface="Arial"/>
-                <a:ea typeface="DejaVu Sans"/>
-              </a:rPr>
-              <a:t>o</a:t>
-            </a:r>
-            <a:r>
-              <a:rPr b="0" lang="en-US" sz="1500" spc="-1" strike="noStrike">
-                <a:solidFill>
-                  <a:srgbClr val="000000"/>
-                </a:solidFill>
-                <a:latin typeface="Arial"/>
-                <a:ea typeface="DejaVu Sans"/>
-              </a:rPr>
-              <a:t>m</a:t>
-            </a:r>
-            <a:r>
-              <a:rPr b="0" lang="en-US" sz="1500" spc="-1" strike="noStrike">
-                <a:solidFill>
-                  <a:srgbClr val="000000"/>
-                </a:solidFill>
-                <a:latin typeface="Arial"/>
-                <a:ea typeface="DejaVu Sans"/>
-              </a:rPr>
-              <a:t>’</a:t>
+              <a:t>Package ‘react-router-dom’</a:t>
             </a:r>
             <a:endParaRPr b="0" lang="en-US" sz="1500" spc="-1" strike="noStrike">
               <a:latin typeface="Arial"/>
             </a:endParaRPr>
           </a:p>
           <a:p>
-            <a:pPr marL="285840" indent="-282960">
+            <a:pPr>
+              <a:lnSpc>
+                <a:spcPct val="120000"/>
+              </a:lnSpc>
+            </a:pPr>
+            <a:endParaRPr b="0" lang="en-US" sz="1500" spc="-1" strike="noStrike">
+              <a:latin typeface="Arial"/>
+            </a:endParaRPr>
+          </a:p>
+          <a:p>
+            <a:pPr marL="285840" indent="-282600">
               <a:lnSpc>
                 <a:spcPct val="120000"/>
               </a:lnSpc>
@@ -8618,12 +8433,32 @@
               <a:buFont typeface="Arial"/>
               <a:buChar char="•"/>
             </a:pPr>
+            <a:r>
+              <a:rPr b="0" lang="en-US" sz="1500" spc="-1" strike="noStrike">
+                <a:solidFill>
+                  <a:srgbClr val="000000"/>
+                </a:solidFill>
+                <a:latin typeface="Arial"/>
+                <a:ea typeface="DejaVu Sans"/>
+              </a:rPr>
+              <a:t>&lt;Router&gt; … &lt;/Router&gt; sets up the router</a:t>
+            </a:r>
             <a:endParaRPr b="0" lang="en-US" sz="1500" spc="-1" strike="noStrike">
               <a:latin typeface="Arial"/>
             </a:endParaRPr>
           </a:p>
           <a:p>
-            <a:pPr marL="285840" indent="-282960">
+            <a:pPr>
+              <a:lnSpc>
+                <a:spcPct val="120000"/>
+              </a:lnSpc>
+            </a:pPr>
+            <a:endParaRPr b="0" lang="en-US" sz="1500" spc="-1" strike="noStrike">
+              <a:latin typeface="Arial"/>
+            </a:endParaRPr>
+          </a:p>
+          <a:p>
+            <a:pPr marL="285840" indent="-282600">
               <a:lnSpc>
                 <a:spcPct val="120000"/>
               </a:lnSpc>
@@ -8641,394 +8476,24 @@
                 <a:latin typeface="Arial"/>
                 <a:ea typeface="DejaVu Sans"/>
               </a:rPr>
-              <a:t>&lt;</a:t>
-            </a:r>
-            <a:r>
-              <a:rPr b="0" lang="en-US" sz="1500" spc="-1" strike="noStrike">
-                <a:solidFill>
-                  <a:srgbClr val="000000"/>
-                </a:solidFill>
-                <a:latin typeface="Arial"/>
-                <a:ea typeface="DejaVu Sans"/>
-              </a:rPr>
-              <a:t>R</a:t>
-            </a:r>
-            <a:r>
-              <a:rPr b="0" lang="en-US" sz="1500" spc="-1" strike="noStrike">
-                <a:solidFill>
-                  <a:srgbClr val="000000"/>
-                </a:solidFill>
-                <a:latin typeface="Arial"/>
-                <a:ea typeface="DejaVu Sans"/>
-              </a:rPr>
-              <a:t>o</a:t>
-            </a:r>
-            <a:r>
-              <a:rPr b="0" lang="en-US" sz="1500" spc="-1" strike="noStrike">
-                <a:solidFill>
-                  <a:srgbClr val="000000"/>
-                </a:solidFill>
-                <a:latin typeface="Arial"/>
-                <a:ea typeface="DejaVu Sans"/>
-              </a:rPr>
-              <a:t>u</a:t>
-            </a:r>
-            <a:r>
-              <a:rPr b="0" lang="en-US" sz="1500" spc="-1" strike="noStrike">
-                <a:solidFill>
-                  <a:srgbClr val="000000"/>
-                </a:solidFill>
-                <a:latin typeface="Arial"/>
-                <a:ea typeface="DejaVu Sans"/>
-              </a:rPr>
-              <a:t>t</a:t>
-            </a:r>
-            <a:r>
-              <a:rPr b="0" lang="en-US" sz="1500" spc="-1" strike="noStrike">
-                <a:solidFill>
-                  <a:srgbClr val="000000"/>
-                </a:solidFill>
-                <a:latin typeface="Arial"/>
-                <a:ea typeface="DejaVu Sans"/>
-              </a:rPr>
-              <a:t>e</a:t>
-            </a:r>
-            <a:r>
-              <a:rPr b="0" lang="en-US" sz="1500" spc="-1" strike="noStrike">
-                <a:solidFill>
-                  <a:srgbClr val="000000"/>
-                </a:solidFill>
-                <a:latin typeface="Arial"/>
-                <a:ea typeface="DejaVu Sans"/>
-              </a:rPr>
-              <a:t>r</a:t>
-            </a:r>
-            <a:r>
-              <a:rPr b="0" lang="en-US" sz="1500" spc="-1" strike="noStrike">
-                <a:solidFill>
-                  <a:srgbClr val="000000"/>
-                </a:solidFill>
-                <a:latin typeface="Arial"/>
-                <a:ea typeface="DejaVu Sans"/>
-              </a:rPr>
-              <a:t>&gt;</a:t>
-            </a:r>
-            <a:r>
-              <a:rPr b="0" lang="en-US" sz="1500" spc="-1" strike="noStrike">
-                <a:solidFill>
-                  <a:srgbClr val="000000"/>
-                </a:solidFill>
-                <a:latin typeface="Arial"/>
-                <a:ea typeface="DejaVu Sans"/>
-              </a:rPr>
-              <a:t> </a:t>
-            </a:r>
-            <a:r>
-              <a:rPr b="0" lang="en-US" sz="1500" spc="-1" strike="noStrike">
-                <a:solidFill>
-                  <a:srgbClr val="000000"/>
-                </a:solidFill>
-                <a:latin typeface="Arial"/>
-                <a:ea typeface="DejaVu Sans"/>
-              </a:rPr>
-              <a:t>…</a:t>
-            </a:r>
-            <a:r>
-              <a:rPr b="0" lang="en-US" sz="1500" spc="-1" strike="noStrike">
-                <a:solidFill>
-                  <a:srgbClr val="000000"/>
-                </a:solidFill>
-                <a:latin typeface="Arial"/>
-                <a:ea typeface="DejaVu Sans"/>
-              </a:rPr>
-              <a:t> </a:t>
-            </a:r>
-            <a:r>
-              <a:rPr b="0" lang="en-US" sz="1500" spc="-1" strike="noStrike">
-                <a:solidFill>
-                  <a:srgbClr val="000000"/>
-                </a:solidFill>
-                <a:latin typeface="Arial"/>
-                <a:ea typeface="DejaVu Sans"/>
-              </a:rPr>
-              <a:t>&lt;</a:t>
-            </a:r>
-            <a:r>
-              <a:rPr b="0" lang="en-US" sz="1500" spc="-1" strike="noStrike">
-                <a:solidFill>
-                  <a:srgbClr val="000000"/>
-                </a:solidFill>
-                <a:latin typeface="Arial"/>
-                <a:ea typeface="DejaVu Sans"/>
-              </a:rPr>
-              <a:t>/</a:t>
-            </a:r>
-            <a:r>
-              <a:rPr b="0" lang="en-US" sz="1500" spc="-1" strike="noStrike">
-                <a:solidFill>
-                  <a:srgbClr val="000000"/>
-                </a:solidFill>
-                <a:latin typeface="Arial"/>
-                <a:ea typeface="DejaVu Sans"/>
-              </a:rPr>
-              <a:t>R</a:t>
-            </a:r>
-            <a:r>
-              <a:rPr b="0" lang="en-US" sz="1500" spc="-1" strike="noStrike">
-                <a:solidFill>
-                  <a:srgbClr val="000000"/>
-                </a:solidFill>
-                <a:latin typeface="Arial"/>
-                <a:ea typeface="DejaVu Sans"/>
-              </a:rPr>
-              <a:t>o</a:t>
-            </a:r>
-            <a:r>
-              <a:rPr b="0" lang="en-US" sz="1500" spc="-1" strike="noStrike">
-                <a:solidFill>
-                  <a:srgbClr val="000000"/>
-                </a:solidFill>
-                <a:latin typeface="Arial"/>
-                <a:ea typeface="DejaVu Sans"/>
-              </a:rPr>
-              <a:t>u</a:t>
-            </a:r>
-            <a:r>
-              <a:rPr b="0" lang="en-US" sz="1500" spc="-1" strike="noStrike">
-                <a:solidFill>
-                  <a:srgbClr val="000000"/>
-                </a:solidFill>
-                <a:latin typeface="Arial"/>
-                <a:ea typeface="DejaVu Sans"/>
-              </a:rPr>
-              <a:t>t</a:t>
-            </a:r>
-            <a:r>
-              <a:rPr b="0" lang="en-US" sz="1500" spc="-1" strike="noStrike">
-                <a:solidFill>
-                  <a:srgbClr val="000000"/>
-                </a:solidFill>
-                <a:latin typeface="Arial"/>
-                <a:ea typeface="DejaVu Sans"/>
-              </a:rPr>
-              <a:t>e</a:t>
-            </a:r>
-            <a:r>
-              <a:rPr b="0" lang="en-US" sz="1500" spc="-1" strike="noStrike">
-                <a:solidFill>
-                  <a:srgbClr val="000000"/>
-                </a:solidFill>
-                <a:latin typeface="Arial"/>
-                <a:ea typeface="DejaVu Sans"/>
-              </a:rPr>
-              <a:t>r</a:t>
-            </a:r>
-            <a:r>
-              <a:rPr b="0" lang="en-US" sz="1500" spc="-1" strike="noStrike">
-                <a:solidFill>
-                  <a:srgbClr val="000000"/>
-                </a:solidFill>
-                <a:latin typeface="Arial"/>
-                <a:ea typeface="DejaVu Sans"/>
-              </a:rPr>
-              <a:t>&gt;</a:t>
-            </a:r>
-            <a:r>
-              <a:rPr b="0" lang="en-US" sz="1500" spc="-1" strike="noStrike">
-                <a:solidFill>
-                  <a:srgbClr val="000000"/>
-                </a:solidFill>
-                <a:latin typeface="Arial"/>
-                <a:ea typeface="DejaVu Sans"/>
-              </a:rPr>
-              <a:t> </a:t>
-            </a:r>
-            <a:r>
-              <a:rPr b="0" lang="en-US" sz="1500" spc="-1" strike="noStrike">
-                <a:solidFill>
-                  <a:srgbClr val="000000"/>
-                </a:solidFill>
-                <a:latin typeface="Arial"/>
-                <a:ea typeface="DejaVu Sans"/>
-              </a:rPr>
-              <a:t>s</a:t>
-            </a:r>
-            <a:r>
-              <a:rPr b="0" lang="en-US" sz="1500" spc="-1" strike="noStrike">
-                <a:solidFill>
-                  <a:srgbClr val="000000"/>
-                </a:solidFill>
-                <a:latin typeface="Arial"/>
-                <a:ea typeface="DejaVu Sans"/>
-              </a:rPr>
-              <a:t>e</a:t>
-            </a:r>
-            <a:r>
-              <a:rPr b="0" lang="en-US" sz="1500" spc="-1" strike="noStrike">
-                <a:solidFill>
-                  <a:srgbClr val="000000"/>
-                </a:solidFill>
-                <a:latin typeface="Arial"/>
-                <a:ea typeface="DejaVu Sans"/>
-              </a:rPr>
-              <a:t>t</a:t>
-            </a:r>
-            <a:r>
-              <a:rPr b="0" lang="en-US" sz="1500" spc="-1" strike="noStrike">
-                <a:solidFill>
-                  <a:srgbClr val="000000"/>
-                </a:solidFill>
-                <a:latin typeface="Arial"/>
-                <a:ea typeface="DejaVu Sans"/>
-              </a:rPr>
-              <a:t>s</a:t>
-            </a:r>
-            <a:r>
-              <a:rPr b="0" lang="en-US" sz="1500" spc="-1" strike="noStrike">
-                <a:solidFill>
-                  <a:srgbClr val="000000"/>
-                </a:solidFill>
-                <a:latin typeface="Arial"/>
-                <a:ea typeface="DejaVu Sans"/>
-              </a:rPr>
-              <a:t> </a:t>
-            </a:r>
-            <a:r>
-              <a:rPr b="0" lang="en-US" sz="1500" spc="-1" strike="noStrike">
-                <a:solidFill>
-                  <a:srgbClr val="000000"/>
-                </a:solidFill>
-                <a:latin typeface="Arial"/>
-                <a:ea typeface="DejaVu Sans"/>
-              </a:rPr>
-              <a:t>u</a:t>
-            </a:r>
-            <a:r>
-              <a:rPr b="0" lang="en-US" sz="1500" spc="-1" strike="noStrike">
-                <a:solidFill>
-                  <a:srgbClr val="000000"/>
-                </a:solidFill>
-                <a:latin typeface="Arial"/>
-                <a:ea typeface="DejaVu Sans"/>
-              </a:rPr>
-              <a:t>p</a:t>
-            </a:r>
-            <a:r>
-              <a:rPr b="0" lang="en-US" sz="1500" spc="-1" strike="noStrike">
-                <a:solidFill>
-                  <a:srgbClr val="000000"/>
-                </a:solidFill>
-                <a:latin typeface="Arial"/>
-                <a:ea typeface="DejaVu Sans"/>
-              </a:rPr>
-              <a:t> </a:t>
-            </a:r>
-            <a:r>
-              <a:rPr b="0" lang="en-US" sz="1500" spc="-1" strike="noStrike">
-                <a:solidFill>
-                  <a:srgbClr val="000000"/>
-                </a:solidFill>
-                <a:latin typeface="Arial"/>
-                <a:ea typeface="DejaVu Sans"/>
-              </a:rPr>
-              <a:t>t</a:t>
-            </a:r>
-            <a:r>
-              <a:rPr b="0" lang="en-US" sz="1500" spc="-1" strike="noStrike">
-                <a:solidFill>
-                  <a:srgbClr val="000000"/>
-                </a:solidFill>
-                <a:latin typeface="Arial"/>
-                <a:ea typeface="DejaVu Sans"/>
-              </a:rPr>
-              <a:t>h</a:t>
-            </a:r>
-            <a:r>
-              <a:rPr b="0" lang="en-US" sz="1500" spc="-1" strike="noStrike">
-                <a:solidFill>
-                  <a:srgbClr val="000000"/>
-                </a:solidFill>
-                <a:latin typeface="Arial"/>
-                <a:ea typeface="DejaVu Sans"/>
-              </a:rPr>
-              <a:t>e</a:t>
-            </a:r>
-            <a:r>
-              <a:rPr b="0" lang="en-US" sz="1500" spc="-1" strike="noStrike">
-                <a:solidFill>
-                  <a:srgbClr val="000000"/>
-                </a:solidFill>
-                <a:latin typeface="Arial"/>
-                <a:ea typeface="DejaVu Sans"/>
-              </a:rPr>
-              <a:t> </a:t>
-            </a:r>
-            <a:r>
-              <a:rPr b="0" lang="en-US" sz="1500" spc="-1" strike="noStrike">
-                <a:solidFill>
-                  <a:srgbClr val="000000"/>
-                </a:solidFill>
-                <a:latin typeface="Arial"/>
-                <a:ea typeface="DejaVu Sans"/>
-              </a:rPr>
-              <a:t>r</a:t>
-            </a:r>
-            <a:r>
-              <a:rPr b="0" lang="en-US" sz="1500" spc="-1" strike="noStrike">
-                <a:solidFill>
-                  <a:srgbClr val="000000"/>
-                </a:solidFill>
-                <a:latin typeface="Arial"/>
-                <a:ea typeface="DejaVu Sans"/>
-              </a:rPr>
-              <a:t>o</a:t>
-            </a:r>
-            <a:r>
-              <a:rPr b="0" lang="en-US" sz="1500" spc="-1" strike="noStrike">
-                <a:solidFill>
-                  <a:srgbClr val="000000"/>
-                </a:solidFill>
-                <a:latin typeface="Arial"/>
-                <a:ea typeface="DejaVu Sans"/>
-              </a:rPr>
-              <a:t>u</a:t>
-            </a:r>
-            <a:r>
-              <a:rPr b="0" lang="en-US" sz="1500" spc="-1" strike="noStrike">
-                <a:solidFill>
-                  <a:srgbClr val="000000"/>
-                </a:solidFill>
-                <a:latin typeface="Arial"/>
-                <a:ea typeface="DejaVu Sans"/>
-              </a:rPr>
-              <a:t>t</a:t>
-            </a:r>
-            <a:r>
-              <a:rPr b="0" lang="en-US" sz="1500" spc="-1" strike="noStrike">
-                <a:solidFill>
-                  <a:srgbClr val="000000"/>
-                </a:solidFill>
-                <a:latin typeface="Arial"/>
-                <a:ea typeface="DejaVu Sans"/>
-              </a:rPr>
-              <a:t>e</a:t>
-            </a:r>
-            <a:r>
-              <a:rPr b="0" lang="en-US" sz="1500" spc="-1" strike="noStrike">
-                <a:solidFill>
-                  <a:srgbClr val="000000"/>
-                </a:solidFill>
-                <a:latin typeface="Arial"/>
-                <a:ea typeface="DejaVu Sans"/>
-              </a:rPr>
-              <a:t>r</a:t>
+              <a:t>&lt;Switch&gt; ... &lt;/Switch&gt; takes care of exclusivity</a:t>
             </a:r>
             <a:endParaRPr b="0" lang="en-US" sz="1500" spc="-1" strike="noStrike">
               <a:latin typeface="Arial"/>
             </a:endParaRPr>
           </a:p>
           <a:p>
-            <a:pPr marL="285840" indent="-282960">
+            <a:pPr>
+              <a:lnSpc>
+                <a:spcPct val="120000"/>
+              </a:lnSpc>
+            </a:pPr>
+            <a:endParaRPr b="0" lang="en-US" sz="1500" spc="-1" strike="noStrike">
+              <a:latin typeface="Arial"/>
+            </a:endParaRPr>
+          </a:p>
+          <a:p>
+            <a:pPr marL="285840" indent="-282600">
               <a:lnSpc>
                 <a:spcPct val="120000"/>
               </a:lnSpc>
@@ -9038,12 +8503,42 @@
               <a:buFont typeface="Arial"/>
               <a:buChar char="•"/>
             </a:pPr>
+            <a:r>
+              <a:rPr b="0" lang="en-US" sz="1500" spc="-1" strike="noStrike">
+                <a:solidFill>
+                  <a:srgbClr val="000000"/>
+                </a:solidFill>
+                <a:latin typeface="Arial"/>
+                <a:ea typeface="DejaVu Sans"/>
+              </a:rPr>
+              <a:t>&lt;Route /&gt; binds a path to a component</a:t>
+            </a:r>
             <a:endParaRPr b="0" lang="en-US" sz="1500" spc="-1" strike="noStrike">
               <a:latin typeface="Arial"/>
             </a:endParaRPr>
           </a:p>
           <a:p>
-            <a:pPr marL="285840" indent="-282960">
+            <a:pPr>
+              <a:lnSpc>
+                <a:spcPct val="120000"/>
+              </a:lnSpc>
+            </a:pPr>
+            <a:endParaRPr b="0" lang="en-US" sz="1500" spc="-1" strike="noStrike">
+              <a:latin typeface="Arial"/>
+            </a:endParaRPr>
+          </a:p>
+          <a:p>
+            <a:pPr>
+              <a:lnSpc>
+                <a:spcPct val="120000"/>
+              </a:lnSpc>
+            </a:pPr>
+            <a:endParaRPr b="0" lang="en-US" sz="1500" spc="-1" strike="noStrike">
+              <a:latin typeface="Arial"/>
+            </a:endParaRPr>
+          </a:p>
+          <a:p>
+            <a:pPr marL="285840" indent="-282600">
               <a:lnSpc>
                 <a:spcPct val="120000"/>
               </a:lnSpc>
@@ -9061,500 +8556,14 @@
                 <a:latin typeface="Arial"/>
                 <a:ea typeface="DejaVu Sans"/>
               </a:rPr>
-              <a:t>&lt;</a:t>
-            </a:r>
-            <a:r>
-              <a:rPr b="0" lang="en-US" sz="1500" spc="-1" strike="noStrike">
-                <a:solidFill>
-                  <a:srgbClr val="000000"/>
-                </a:solidFill>
-                <a:latin typeface="Arial"/>
-                <a:ea typeface="DejaVu Sans"/>
-              </a:rPr>
-              <a:t>S</a:t>
-            </a:r>
-            <a:r>
-              <a:rPr b="0" lang="en-US" sz="1500" spc="-1" strike="noStrike">
-                <a:solidFill>
-                  <a:srgbClr val="000000"/>
-                </a:solidFill>
-                <a:latin typeface="Arial"/>
-                <a:ea typeface="DejaVu Sans"/>
-              </a:rPr>
-              <a:t>w</a:t>
-            </a:r>
-            <a:r>
-              <a:rPr b="0" lang="en-US" sz="1500" spc="-1" strike="noStrike">
-                <a:solidFill>
-                  <a:srgbClr val="000000"/>
-                </a:solidFill>
-                <a:latin typeface="Arial"/>
-                <a:ea typeface="DejaVu Sans"/>
-              </a:rPr>
-              <a:t>i</a:t>
-            </a:r>
-            <a:r>
-              <a:rPr b="0" lang="en-US" sz="1500" spc="-1" strike="noStrike">
-                <a:solidFill>
-                  <a:srgbClr val="000000"/>
-                </a:solidFill>
-                <a:latin typeface="Arial"/>
-                <a:ea typeface="DejaVu Sans"/>
-              </a:rPr>
-              <a:t>t</a:t>
-            </a:r>
-            <a:r>
-              <a:rPr b="0" lang="en-US" sz="1500" spc="-1" strike="noStrike">
-                <a:solidFill>
-                  <a:srgbClr val="000000"/>
-                </a:solidFill>
-                <a:latin typeface="Arial"/>
-                <a:ea typeface="DejaVu Sans"/>
-              </a:rPr>
-              <a:t>c</a:t>
-            </a:r>
-            <a:r>
-              <a:rPr b="0" lang="en-US" sz="1500" spc="-1" strike="noStrike">
-                <a:solidFill>
-                  <a:srgbClr val="000000"/>
-                </a:solidFill>
-                <a:latin typeface="Arial"/>
-                <a:ea typeface="DejaVu Sans"/>
-              </a:rPr>
-              <a:t>h</a:t>
-            </a:r>
-            <a:r>
-              <a:rPr b="0" lang="en-US" sz="1500" spc="-1" strike="noStrike">
-                <a:solidFill>
-                  <a:srgbClr val="000000"/>
-                </a:solidFill>
-                <a:latin typeface="Arial"/>
-                <a:ea typeface="DejaVu Sans"/>
-              </a:rPr>
-              <a:t>&gt;</a:t>
-            </a:r>
-            <a:r>
-              <a:rPr b="0" lang="en-US" sz="1500" spc="-1" strike="noStrike">
-                <a:solidFill>
-                  <a:srgbClr val="000000"/>
-                </a:solidFill>
-                <a:latin typeface="Arial"/>
-                <a:ea typeface="DejaVu Sans"/>
-              </a:rPr>
-              <a:t> </a:t>
-            </a:r>
-            <a:r>
-              <a:rPr b="0" lang="en-US" sz="1500" spc="-1" strike="noStrike">
-                <a:solidFill>
-                  <a:srgbClr val="000000"/>
-                </a:solidFill>
-                <a:latin typeface="Arial"/>
-                <a:ea typeface="DejaVu Sans"/>
-              </a:rPr>
-              <a:t>.</a:t>
-            </a:r>
-            <a:r>
-              <a:rPr b="0" lang="en-US" sz="1500" spc="-1" strike="noStrike">
-                <a:solidFill>
-                  <a:srgbClr val="000000"/>
-                </a:solidFill>
-                <a:latin typeface="Arial"/>
-                <a:ea typeface="DejaVu Sans"/>
-              </a:rPr>
-              <a:t>.</a:t>
-            </a:r>
-            <a:r>
-              <a:rPr b="0" lang="en-US" sz="1500" spc="-1" strike="noStrike">
-                <a:solidFill>
-                  <a:srgbClr val="000000"/>
-                </a:solidFill>
-                <a:latin typeface="Arial"/>
-                <a:ea typeface="DejaVu Sans"/>
-              </a:rPr>
-              <a:t>.</a:t>
-            </a:r>
-            <a:r>
-              <a:rPr b="0" lang="en-US" sz="1500" spc="-1" strike="noStrike">
-                <a:solidFill>
-                  <a:srgbClr val="000000"/>
-                </a:solidFill>
-                <a:latin typeface="Arial"/>
-                <a:ea typeface="DejaVu Sans"/>
-              </a:rPr>
-              <a:t> </a:t>
-            </a:r>
-            <a:r>
-              <a:rPr b="0" lang="en-US" sz="1500" spc="-1" strike="noStrike">
-                <a:solidFill>
-                  <a:srgbClr val="000000"/>
-                </a:solidFill>
-                <a:latin typeface="Arial"/>
-                <a:ea typeface="DejaVu Sans"/>
-              </a:rPr>
-              <a:t>&lt;</a:t>
-            </a:r>
-            <a:r>
-              <a:rPr b="0" lang="en-US" sz="1500" spc="-1" strike="noStrike">
-                <a:solidFill>
-                  <a:srgbClr val="000000"/>
-                </a:solidFill>
-                <a:latin typeface="Arial"/>
-                <a:ea typeface="DejaVu Sans"/>
-              </a:rPr>
-              <a:t>/</a:t>
-            </a:r>
-            <a:r>
-              <a:rPr b="0" lang="en-US" sz="1500" spc="-1" strike="noStrike">
-                <a:solidFill>
-                  <a:srgbClr val="000000"/>
-                </a:solidFill>
-                <a:latin typeface="Arial"/>
-                <a:ea typeface="DejaVu Sans"/>
-              </a:rPr>
-              <a:t>S</a:t>
-            </a:r>
-            <a:r>
-              <a:rPr b="0" lang="en-US" sz="1500" spc="-1" strike="noStrike">
-                <a:solidFill>
-                  <a:srgbClr val="000000"/>
-                </a:solidFill>
-                <a:latin typeface="Arial"/>
-                <a:ea typeface="DejaVu Sans"/>
-              </a:rPr>
-              <a:t>w</a:t>
-            </a:r>
-            <a:r>
-              <a:rPr b="0" lang="en-US" sz="1500" spc="-1" strike="noStrike">
-                <a:solidFill>
-                  <a:srgbClr val="000000"/>
-                </a:solidFill>
-                <a:latin typeface="Arial"/>
-                <a:ea typeface="DejaVu Sans"/>
-              </a:rPr>
-              <a:t>i</a:t>
-            </a:r>
-            <a:r>
-              <a:rPr b="0" lang="en-US" sz="1500" spc="-1" strike="noStrike">
-                <a:solidFill>
-                  <a:srgbClr val="000000"/>
-                </a:solidFill>
-                <a:latin typeface="Arial"/>
-                <a:ea typeface="DejaVu Sans"/>
-              </a:rPr>
-              <a:t>t</a:t>
-            </a:r>
-            <a:r>
-              <a:rPr b="0" lang="en-US" sz="1500" spc="-1" strike="noStrike">
-                <a:solidFill>
-                  <a:srgbClr val="000000"/>
-                </a:solidFill>
-                <a:latin typeface="Arial"/>
-                <a:ea typeface="DejaVu Sans"/>
-              </a:rPr>
-              <a:t>c</a:t>
-            </a:r>
-            <a:r>
-              <a:rPr b="0" lang="en-US" sz="1500" spc="-1" strike="noStrike">
-                <a:solidFill>
-                  <a:srgbClr val="000000"/>
-                </a:solidFill>
-                <a:latin typeface="Arial"/>
-                <a:ea typeface="DejaVu Sans"/>
-              </a:rPr>
-              <a:t>h</a:t>
-            </a:r>
-            <a:r>
-              <a:rPr b="0" lang="en-US" sz="1500" spc="-1" strike="noStrike">
-                <a:solidFill>
-                  <a:srgbClr val="000000"/>
-                </a:solidFill>
-                <a:latin typeface="Arial"/>
-                <a:ea typeface="DejaVu Sans"/>
-              </a:rPr>
-              <a:t>&gt;</a:t>
-            </a:r>
-            <a:r>
-              <a:rPr b="0" lang="en-US" sz="1500" spc="-1" strike="noStrike">
-                <a:solidFill>
-                  <a:srgbClr val="000000"/>
-                </a:solidFill>
-                <a:latin typeface="Arial"/>
-                <a:ea typeface="DejaVu Sans"/>
-              </a:rPr>
-              <a:t> </a:t>
-            </a:r>
-            <a:r>
-              <a:rPr b="0" lang="en-US" sz="1500" spc="-1" strike="noStrike">
-                <a:solidFill>
-                  <a:srgbClr val="000000"/>
-                </a:solidFill>
-                <a:latin typeface="Arial"/>
-                <a:ea typeface="DejaVu Sans"/>
-              </a:rPr>
-              <a:t>t</a:t>
-            </a:r>
-            <a:r>
-              <a:rPr b="0" lang="en-US" sz="1500" spc="-1" strike="noStrike">
-                <a:solidFill>
-                  <a:srgbClr val="000000"/>
-                </a:solidFill>
-                <a:latin typeface="Arial"/>
-                <a:ea typeface="DejaVu Sans"/>
-              </a:rPr>
-              <a:t>a</a:t>
-            </a:r>
-            <a:r>
-              <a:rPr b="0" lang="en-US" sz="1500" spc="-1" strike="noStrike">
-                <a:solidFill>
-                  <a:srgbClr val="000000"/>
-                </a:solidFill>
-                <a:latin typeface="Arial"/>
-                <a:ea typeface="DejaVu Sans"/>
-              </a:rPr>
-              <a:t>k</a:t>
-            </a:r>
-            <a:r>
-              <a:rPr b="0" lang="en-US" sz="1500" spc="-1" strike="noStrike">
-                <a:solidFill>
-                  <a:srgbClr val="000000"/>
-                </a:solidFill>
-                <a:latin typeface="Arial"/>
-                <a:ea typeface="DejaVu Sans"/>
-              </a:rPr>
-              <a:t>e</a:t>
-            </a:r>
-            <a:r>
-              <a:rPr b="0" lang="en-US" sz="1500" spc="-1" strike="noStrike">
-                <a:solidFill>
-                  <a:srgbClr val="000000"/>
-                </a:solidFill>
-                <a:latin typeface="Arial"/>
-                <a:ea typeface="DejaVu Sans"/>
-              </a:rPr>
-              <a:t>s</a:t>
-            </a:r>
-            <a:r>
-              <a:rPr b="0" lang="en-US" sz="1500" spc="-1" strike="noStrike">
-                <a:solidFill>
-                  <a:srgbClr val="000000"/>
-                </a:solidFill>
-                <a:latin typeface="Arial"/>
-                <a:ea typeface="DejaVu Sans"/>
-              </a:rPr>
-              <a:t> </a:t>
-            </a:r>
-            <a:r>
-              <a:rPr b="0" lang="en-US" sz="1500" spc="-1" strike="noStrike">
-                <a:solidFill>
-                  <a:srgbClr val="000000"/>
-                </a:solidFill>
-                <a:latin typeface="Arial"/>
-                <a:ea typeface="DejaVu Sans"/>
-              </a:rPr>
-              <a:t>c</a:t>
-            </a:r>
-            <a:r>
-              <a:rPr b="0" lang="en-US" sz="1500" spc="-1" strike="noStrike">
-                <a:solidFill>
-                  <a:srgbClr val="000000"/>
-                </a:solidFill>
-                <a:latin typeface="Arial"/>
-                <a:ea typeface="DejaVu Sans"/>
-              </a:rPr>
-              <a:t>a</a:t>
-            </a:r>
-            <a:r>
-              <a:rPr b="0" lang="en-US" sz="1500" spc="-1" strike="noStrike">
-                <a:solidFill>
-                  <a:srgbClr val="000000"/>
-                </a:solidFill>
-                <a:latin typeface="Arial"/>
-                <a:ea typeface="DejaVu Sans"/>
-              </a:rPr>
-              <a:t>r</a:t>
-            </a:r>
-            <a:r>
-              <a:rPr b="0" lang="en-US" sz="1500" spc="-1" strike="noStrike">
-                <a:solidFill>
-                  <a:srgbClr val="000000"/>
-                </a:solidFill>
-                <a:latin typeface="Arial"/>
-                <a:ea typeface="DejaVu Sans"/>
-              </a:rPr>
-              <a:t>e</a:t>
-            </a:r>
-            <a:r>
-              <a:rPr b="0" lang="en-US" sz="1500" spc="-1" strike="noStrike">
-                <a:solidFill>
-                  <a:srgbClr val="000000"/>
-                </a:solidFill>
-                <a:latin typeface="Arial"/>
-                <a:ea typeface="DejaVu Sans"/>
-              </a:rPr>
-              <a:t> </a:t>
-            </a:r>
-            <a:r>
-              <a:rPr b="0" lang="en-US" sz="1500" spc="-1" strike="noStrike">
-                <a:solidFill>
-                  <a:srgbClr val="000000"/>
-                </a:solidFill>
-                <a:latin typeface="Arial"/>
-                <a:ea typeface="DejaVu Sans"/>
-              </a:rPr>
-              <a:t>o</a:t>
-            </a:r>
-            <a:r>
-              <a:rPr b="0" lang="en-US" sz="1500" spc="-1" strike="noStrike">
-                <a:solidFill>
-                  <a:srgbClr val="000000"/>
-                </a:solidFill>
-                <a:latin typeface="Arial"/>
-                <a:ea typeface="DejaVu Sans"/>
-              </a:rPr>
-              <a:t>f</a:t>
-            </a:r>
-            <a:r>
-              <a:rPr b="0" lang="en-US" sz="1500" spc="-1" strike="noStrike">
-                <a:solidFill>
-                  <a:srgbClr val="000000"/>
-                </a:solidFill>
-                <a:latin typeface="Arial"/>
-                <a:ea typeface="DejaVu Sans"/>
-              </a:rPr>
-              <a:t> </a:t>
-            </a:r>
-            <a:r>
-              <a:rPr b="0" lang="en-US" sz="1500" spc="-1" strike="noStrike">
-                <a:solidFill>
-                  <a:srgbClr val="000000"/>
-                </a:solidFill>
-                <a:latin typeface="Arial"/>
-                <a:ea typeface="DejaVu Sans"/>
-              </a:rPr>
-              <a:t>e</a:t>
-            </a:r>
-            <a:r>
-              <a:rPr b="0" lang="en-US" sz="1500" spc="-1" strike="noStrike">
-                <a:solidFill>
-                  <a:srgbClr val="000000"/>
-                </a:solidFill>
-                <a:latin typeface="Arial"/>
-                <a:ea typeface="DejaVu Sans"/>
-              </a:rPr>
-              <a:t>x</a:t>
-            </a:r>
-            <a:r>
-              <a:rPr b="0" lang="en-US" sz="1500" spc="-1" strike="noStrike">
-                <a:solidFill>
-                  <a:srgbClr val="000000"/>
-                </a:solidFill>
-                <a:latin typeface="Arial"/>
-                <a:ea typeface="DejaVu Sans"/>
-              </a:rPr>
-              <a:t>c</a:t>
-            </a:r>
-            <a:r>
-              <a:rPr b="0" lang="en-US" sz="1500" spc="-1" strike="noStrike">
-                <a:solidFill>
-                  <a:srgbClr val="000000"/>
-                </a:solidFill>
-                <a:latin typeface="Arial"/>
-                <a:ea typeface="DejaVu Sans"/>
-              </a:rPr>
-              <a:t>l</a:t>
-            </a:r>
-            <a:r>
-              <a:rPr b="0" lang="en-US" sz="1500" spc="-1" strike="noStrike">
-                <a:solidFill>
-                  <a:srgbClr val="000000"/>
-                </a:solidFill>
-                <a:latin typeface="Arial"/>
-                <a:ea typeface="DejaVu Sans"/>
-              </a:rPr>
-              <a:t>u</a:t>
-            </a:r>
-            <a:r>
-              <a:rPr b="0" lang="en-US" sz="1500" spc="-1" strike="noStrike">
-                <a:solidFill>
-                  <a:srgbClr val="000000"/>
-                </a:solidFill>
-                <a:latin typeface="Arial"/>
-                <a:ea typeface="DejaVu Sans"/>
-              </a:rPr>
-              <a:t>s</a:t>
-            </a:r>
-            <a:r>
-              <a:rPr b="0" lang="en-US" sz="1500" spc="-1" strike="noStrike">
-                <a:solidFill>
-                  <a:srgbClr val="000000"/>
-                </a:solidFill>
-                <a:latin typeface="Arial"/>
-                <a:ea typeface="DejaVu Sans"/>
-              </a:rPr>
-              <a:t>i</a:t>
-            </a:r>
-            <a:r>
-              <a:rPr b="0" lang="en-US" sz="1500" spc="-1" strike="noStrike">
-                <a:solidFill>
-                  <a:srgbClr val="000000"/>
-                </a:solidFill>
-                <a:latin typeface="Arial"/>
-                <a:ea typeface="DejaVu Sans"/>
-              </a:rPr>
-              <a:t>v</a:t>
-            </a:r>
-            <a:r>
-              <a:rPr b="0" lang="en-US" sz="1500" spc="-1" strike="noStrike">
-                <a:solidFill>
-                  <a:srgbClr val="000000"/>
-                </a:solidFill>
-                <a:latin typeface="Arial"/>
-                <a:ea typeface="DejaVu Sans"/>
-              </a:rPr>
-              <a:t>i</a:t>
-            </a:r>
-            <a:r>
-              <a:rPr b="0" lang="en-US" sz="1500" spc="-1" strike="noStrike">
-                <a:solidFill>
-                  <a:srgbClr val="000000"/>
-                </a:solidFill>
-                <a:latin typeface="Arial"/>
-                <a:ea typeface="DejaVu Sans"/>
-              </a:rPr>
-              <a:t>t</a:t>
-            </a:r>
-            <a:r>
-              <a:rPr b="0" lang="en-US" sz="1500" spc="-1" strike="noStrike">
-                <a:solidFill>
-                  <a:srgbClr val="000000"/>
-                </a:solidFill>
-                <a:latin typeface="Arial"/>
-                <a:ea typeface="DejaVu Sans"/>
-              </a:rPr>
-              <a:t>y</a:t>
+              <a:t>Declarative routing! </a:t>
             </a:r>
             <a:endParaRPr b="0" lang="en-US" sz="1500" spc="-1" strike="noStrike">
               <a:latin typeface="Arial"/>
             </a:endParaRPr>
           </a:p>
           <a:p>
-            <a:pPr lvl="1" marL="432000" indent="-216000">
-              <a:lnSpc>
-                <a:spcPct val="120000"/>
-              </a:lnSpc>
-              <a:buClr>
-                <a:srgbClr val="000000"/>
-              </a:buClr>
-              <a:buSzPct val="45000"/>
-              <a:buFont typeface="Wingdings" charset="2"/>
-              <a:buChar char=""/>
-            </a:pPr>
-            <a:endParaRPr b="0" lang="en-US" sz="1500" spc="-1" strike="noStrike">
-              <a:latin typeface="Arial"/>
-            </a:endParaRPr>
-          </a:p>
-          <a:p>
-            <a:pPr marL="285840" indent="-282960">
+            <a:pPr marL="285840" indent="-282600">
               <a:lnSpc>
                 <a:spcPct val="120000"/>
               </a:lnSpc>
@@ -9572,1002 +8581,17 @@
                 <a:latin typeface="Arial"/>
                 <a:ea typeface="DejaVu Sans"/>
               </a:rPr>
-              <a:t>&lt;</a:t>
-            </a:r>
-            <a:r>
-              <a:rPr b="0" lang="en-US" sz="1500" spc="-1" strike="noStrike">
-                <a:solidFill>
-                  <a:srgbClr val="000000"/>
-                </a:solidFill>
-                <a:latin typeface="Arial"/>
-                <a:ea typeface="DejaVu Sans"/>
-              </a:rPr>
-              <a:t>R</a:t>
-            </a:r>
-            <a:r>
-              <a:rPr b="0" lang="en-US" sz="1500" spc="-1" strike="noStrike">
-                <a:solidFill>
-                  <a:srgbClr val="000000"/>
-                </a:solidFill>
-                <a:latin typeface="Arial"/>
-                <a:ea typeface="DejaVu Sans"/>
-              </a:rPr>
-              <a:t>o</a:t>
-            </a:r>
-            <a:r>
-              <a:rPr b="0" lang="en-US" sz="1500" spc="-1" strike="noStrike">
-                <a:solidFill>
-                  <a:srgbClr val="000000"/>
-                </a:solidFill>
-                <a:latin typeface="Arial"/>
-                <a:ea typeface="DejaVu Sans"/>
-              </a:rPr>
-              <a:t>u</a:t>
-            </a:r>
-            <a:r>
-              <a:rPr b="0" lang="en-US" sz="1500" spc="-1" strike="noStrike">
-                <a:solidFill>
-                  <a:srgbClr val="000000"/>
-                </a:solidFill>
-                <a:latin typeface="Arial"/>
-                <a:ea typeface="DejaVu Sans"/>
-              </a:rPr>
-              <a:t>t</a:t>
-            </a:r>
-            <a:r>
-              <a:rPr b="0" lang="en-US" sz="1500" spc="-1" strike="noStrike">
-                <a:solidFill>
-                  <a:srgbClr val="000000"/>
-                </a:solidFill>
-                <a:latin typeface="Arial"/>
-                <a:ea typeface="DejaVu Sans"/>
-              </a:rPr>
-              <a:t>e</a:t>
-            </a:r>
-            <a:r>
-              <a:rPr b="0" lang="en-US" sz="1500" spc="-1" strike="noStrike">
-                <a:solidFill>
-                  <a:srgbClr val="000000"/>
-                </a:solidFill>
-                <a:latin typeface="Arial"/>
-                <a:ea typeface="DejaVu Sans"/>
-              </a:rPr>
-              <a:t> </a:t>
-            </a:r>
-            <a:r>
-              <a:rPr b="0" lang="en-US" sz="1500" spc="-1" strike="noStrike">
-                <a:solidFill>
-                  <a:srgbClr val="000000"/>
-                </a:solidFill>
-                <a:latin typeface="Arial"/>
-                <a:ea typeface="DejaVu Sans"/>
-              </a:rPr>
-              <a:t>/</a:t>
-            </a:r>
-            <a:r>
-              <a:rPr b="0" lang="en-US" sz="1500" spc="-1" strike="noStrike">
-                <a:solidFill>
-                  <a:srgbClr val="000000"/>
-                </a:solidFill>
-                <a:latin typeface="Arial"/>
-                <a:ea typeface="DejaVu Sans"/>
-              </a:rPr>
-              <a:t>&gt;</a:t>
-            </a:r>
-            <a:r>
-              <a:rPr b="0" lang="en-US" sz="1500" spc="-1" strike="noStrike">
-                <a:solidFill>
-                  <a:srgbClr val="000000"/>
-                </a:solidFill>
-                <a:latin typeface="Arial"/>
-                <a:ea typeface="DejaVu Sans"/>
-              </a:rPr>
-              <a:t> </a:t>
-            </a:r>
-            <a:r>
-              <a:rPr b="0" lang="en-US" sz="1500" spc="-1" strike="noStrike">
-                <a:solidFill>
-                  <a:srgbClr val="000000"/>
-                </a:solidFill>
-                <a:latin typeface="Arial"/>
-                <a:ea typeface="DejaVu Sans"/>
-              </a:rPr>
-              <a:t>b</a:t>
-            </a:r>
-            <a:r>
-              <a:rPr b="0" lang="en-US" sz="1500" spc="-1" strike="noStrike">
-                <a:solidFill>
-                  <a:srgbClr val="000000"/>
-                </a:solidFill>
-                <a:latin typeface="Arial"/>
-                <a:ea typeface="DejaVu Sans"/>
-              </a:rPr>
-              <a:t>i</a:t>
-            </a:r>
-            <a:r>
-              <a:rPr b="0" lang="en-US" sz="1500" spc="-1" strike="noStrike">
-                <a:solidFill>
-                  <a:srgbClr val="000000"/>
-                </a:solidFill>
-                <a:latin typeface="Arial"/>
-                <a:ea typeface="DejaVu Sans"/>
-              </a:rPr>
-              <a:t>n</a:t>
-            </a:r>
-            <a:r>
-              <a:rPr b="0" lang="en-US" sz="1500" spc="-1" strike="noStrike">
-                <a:solidFill>
-                  <a:srgbClr val="000000"/>
-                </a:solidFill>
-                <a:latin typeface="Arial"/>
-                <a:ea typeface="DejaVu Sans"/>
-              </a:rPr>
-              <a:t>d</a:t>
-            </a:r>
-            <a:r>
-              <a:rPr b="0" lang="en-US" sz="1500" spc="-1" strike="noStrike">
-                <a:solidFill>
-                  <a:srgbClr val="000000"/>
-                </a:solidFill>
-                <a:latin typeface="Arial"/>
-                <a:ea typeface="DejaVu Sans"/>
-              </a:rPr>
-              <a:t>s</a:t>
-            </a:r>
-            <a:r>
-              <a:rPr b="0" lang="en-US" sz="1500" spc="-1" strike="noStrike">
-                <a:solidFill>
-                  <a:srgbClr val="000000"/>
-                </a:solidFill>
-                <a:latin typeface="Arial"/>
-                <a:ea typeface="DejaVu Sans"/>
-              </a:rPr>
-              <a:t> </a:t>
-            </a:r>
-            <a:r>
-              <a:rPr b="0" lang="en-US" sz="1500" spc="-1" strike="noStrike">
-                <a:solidFill>
-                  <a:srgbClr val="000000"/>
-                </a:solidFill>
-                <a:latin typeface="Arial"/>
-                <a:ea typeface="DejaVu Sans"/>
-              </a:rPr>
-              <a:t>a</a:t>
-            </a:r>
-            <a:r>
-              <a:rPr b="0" lang="en-US" sz="1500" spc="-1" strike="noStrike">
-                <a:solidFill>
-                  <a:srgbClr val="000000"/>
-                </a:solidFill>
-                <a:latin typeface="Arial"/>
-                <a:ea typeface="DejaVu Sans"/>
-              </a:rPr>
-              <a:t> </a:t>
-            </a:r>
-            <a:r>
-              <a:rPr b="0" lang="en-US" sz="1500" spc="-1" strike="noStrike">
-                <a:solidFill>
-                  <a:srgbClr val="000000"/>
-                </a:solidFill>
-                <a:latin typeface="Arial"/>
-                <a:ea typeface="DejaVu Sans"/>
-              </a:rPr>
-              <a:t>p</a:t>
-            </a:r>
-            <a:r>
-              <a:rPr b="0" lang="en-US" sz="1500" spc="-1" strike="noStrike">
-                <a:solidFill>
-                  <a:srgbClr val="000000"/>
-                </a:solidFill>
-                <a:latin typeface="Arial"/>
-                <a:ea typeface="DejaVu Sans"/>
-              </a:rPr>
-              <a:t>a</a:t>
-            </a:r>
-            <a:r>
-              <a:rPr b="0" lang="en-US" sz="1500" spc="-1" strike="noStrike">
-                <a:solidFill>
-                  <a:srgbClr val="000000"/>
-                </a:solidFill>
-                <a:latin typeface="Arial"/>
-                <a:ea typeface="DejaVu Sans"/>
-              </a:rPr>
-              <a:t>t</a:t>
-            </a:r>
-            <a:r>
-              <a:rPr b="0" lang="en-US" sz="1500" spc="-1" strike="noStrike">
-                <a:solidFill>
-                  <a:srgbClr val="000000"/>
-                </a:solidFill>
-                <a:latin typeface="Arial"/>
-                <a:ea typeface="DejaVu Sans"/>
-              </a:rPr>
-              <a:t>h</a:t>
-            </a:r>
-            <a:r>
-              <a:rPr b="0" lang="en-US" sz="1500" spc="-1" strike="noStrike">
-                <a:solidFill>
-                  <a:srgbClr val="000000"/>
-                </a:solidFill>
-                <a:latin typeface="Arial"/>
-                <a:ea typeface="DejaVu Sans"/>
-              </a:rPr>
-              <a:t> </a:t>
-            </a:r>
-            <a:r>
-              <a:rPr b="0" lang="en-US" sz="1500" spc="-1" strike="noStrike">
-                <a:solidFill>
-                  <a:srgbClr val="000000"/>
-                </a:solidFill>
-                <a:latin typeface="Arial"/>
-                <a:ea typeface="DejaVu Sans"/>
-              </a:rPr>
-              <a:t>t</a:t>
-            </a:r>
-            <a:r>
-              <a:rPr b="0" lang="en-US" sz="1500" spc="-1" strike="noStrike">
-                <a:solidFill>
-                  <a:srgbClr val="000000"/>
-                </a:solidFill>
-                <a:latin typeface="Arial"/>
-                <a:ea typeface="DejaVu Sans"/>
-              </a:rPr>
-              <a:t>o</a:t>
-            </a:r>
-            <a:r>
-              <a:rPr b="0" lang="en-US" sz="1500" spc="-1" strike="noStrike">
-                <a:solidFill>
-                  <a:srgbClr val="000000"/>
-                </a:solidFill>
-                <a:latin typeface="Arial"/>
-                <a:ea typeface="DejaVu Sans"/>
-              </a:rPr>
-              <a:t> </a:t>
-            </a:r>
-            <a:r>
-              <a:rPr b="0" lang="en-US" sz="1500" spc="-1" strike="noStrike">
-                <a:solidFill>
-                  <a:srgbClr val="000000"/>
-                </a:solidFill>
-                <a:latin typeface="Arial"/>
-                <a:ea typeface="DejaVu Sans"/>
-              </a:rPr>
-              <a:t>a</a:t>
-            </a:r>
-            <a:r>
-              <a:rPr b="0" lang="en-US" sz="1500" spc="-1" strike="noStrike">
-                <a:solidFill>
-                  <a:srgbClr val="000000"/>
-                </a:solidFill>
-                <a:latin typeface="Arial"/>
-                <a:ea typeface="DejaVu Sans"/>
-              </a:rPr>
-              <a:t> </a:t>
-            </a:r>
-            <a:r>
-              <a:rPr b="0" lang="en-US" sz="1500" spc="-1" strike="noStrike">
-                <a:solidFill>
-                  <a:srgbClr val="000000"/>
-                </a:solidFill>
-                <a:latin typeface="Arial"/>
-                <a:ea typeface="DejaVu Sans"/>
-              </a:rPr>
-              <a:t>c</a:t>
-            </a:r>
-            <a:r>
-              <a:rPr b="0" lang="en-US" sz="1500" spc="-1" strike="noStrike">
-                <a:solidFill>
-                  <a:srgbClr val="000000"/>
-                </a:solidFill>
-                <a:latin typeface="Arial"/>
-                <a:ea typeface="DejaVu Sans"/>
-              </a:rPr>
-              <a:t>o</a:t>
-            </a:r>
-            <a:r>
-              <a:rPr b="0" lang="en-US" sz="1500" spc="-1" strike="noStrike">
-                <a:solidFill>
-                  <a:srgbClr val="000000"/>
-                </a:solidFill>
-                <a:latin typeface="Arial"/>
-                <a:ea typeface="DejaVu Sans"/>
-              </a:rPr>
-              <a:t>m</a:t>
-            </a:r>
-            <a:r>
-              <a:rPr b="0" lang="en-US" sz="1500" spc="-1" strike="noStrike">
-                <a:solidFill>
-                  <a:srgbClr val="000000"/>
-                </a:solidFill>
-                <a:latin typeface="Arial"/>
-                <a:ea typeface="DejaVu Sans"/>
-              </a:rPr>
-              <a:t>p</a:t>
-            </a:r>
-            <a:r>
-              <a:rPr b="0" lang="en-US" sz="1500" spc="-1" strike="noStrike">
-                <a:solidFill>
-                  <a:srgbClr val="000000"/>
-                </a:solidFill>
-                <a:latin typeface="Arial"/>
-                <a:ea typeface="DejaVu Sans"/>
-              </a:rPr>
-              <a:t>o</a:t>
-            </a:r>
-            <a:r>
-              <a:rPr b="0" lang="en-US" sz="1500" spc="-1" strike="noStrike">
-                <a:solidFill>
-                  <a:srgbClr val="000000"/>
-                </a:solidFill>
-                <a:latin typeface="Arial"/>
-                <a:ea typeface="DejaVu Sans"/>
-              </a:rPr>
-              <a:t>n</a:t>
-            </a:r>
-            <a:r>
-              <a:rPr b="0" lang="en-US" sz="1500" spc="-1" strike="noStrike">
-                <a:solidFill>
-                  <a:srgbClr val="000000"/>
-                </a:solidFill>
-                <a:latin typeface="Arial"/>
-                <a:ea typeface="DejaVu Sans"/>
-              </a:rPr>
-              <a:t>e</a:t>
-            </a:r>
-            <a:r>
-              <a:rPr b="0" lang="en-US" sz="1500" spc="-1" strike="noStrike">
-                <a:solidFill>
-                  <a:srgbClr val="000000"/>
-                </a:solidFill>
-                <a:latin typeface="Arial"/>
-                <a:ea typeface="DejaVu Sans"/>
-              </a:rPr>
-              <a:t>n</a:t>
-            </a:r>
-            <a:r>
-              <a:rPr b="0" lang="en-US" sz="1500" spc="-1" strike="noStrike">
-                <a:solidFill>
-                  <a:srgbClr val="000000"/>
-                </a:solidFill>
-                <a:latin typeface="Arial"/>
-                <a:ea typeface="DejaVu Sans"/>
-              </a:rPr>
-              <a:t>t</a:t>
+              <a:t>Add extra routes wherever you want!</a:t>
             </a:r>
             <a:endParaRPr b="0" lang="en-US" sz="1500" spc="-1" strike="noStrike">
               <a:latin typeface="Arial"/>
             </a:endParaRPr>
           </a:p>
           <a:p>
-            <a:pPr marL="285840" indent="-282960">
+            <a:pPr>
               <a:lnSpc>
                 <a:spcPct val="120000"/>
               </a:lnSpc>
-              <a:buClr>
-                <a:srgbClr val="000000"/>
-              </a:buClr>
-              <a:buFont typeface="Arial"/>
-              <a:buChar char="•"/>
-            </a:pPr>
-            <a:endParaRPr b="0" lang="en-US" sz="1500" spc="-1" strike="noStrike">
-              <a:latin typeface="Arial"/>
-            </a:endParaRPr>
-          </a:p>
-          <a:p>
-            <a:pPr marL="285840" indent="-282960">
-              <a:lnSpc>
-                <a:spcPct val="120000"/>
-              </a:lnSpc>
-              <a:buClr>
-                <a:srgbClr val="000000"/>
-              </a:buClr>
-              <a:buFont typeface="Arial"/>
-              <a:buChar char="•"/>
-            </a:pPr>
-            <a:endParaRPr b="0" lang="en-US" sz="1500" spc="-1" strike="noStrike">
-              <a:latin typeface="Arial"/>
-            </a:endParaRPr>
-          </a:p>
-          <a:p>
-            <a:pPr marL="285840" indent="-282960">
-              <a:lnSpc>
-                <a:spcPct val="120000"/>
-              </a:lnSpc>
-              <a:buClr>
-                <a:srgbClr val="000000"/>
-              </a:buClr>
-              <a:buFont typeface="Arial"/>
-              <a:buChar char="•"/>
-            </a:pPr>
-            <a:r>
-              <a:rPr b="0" lang="en-US" sz="1500" spc="-1" strike="noStrike">
-                <a:solidFill>
-                  <a:srgbClr val="000000"/>
-                </a:solidFill>
-                <a:latin typeface="Arial"/>
-                <a:ea typeface="DejaVu Sans"/>
-              </a:rPr>
-              <a:t>D</a:t>
-            </a:r>
-            <a:r>
-              <a:rPr b="0" lang="en-US" sz="1500" spc="-1" strike="noStrike">
-                <a:solidFill>
-                  <a:srgbClr val="000000"/>
-                </a:solidFill>
-                <a:latin typeface="Arial"/>
-                <a:ea typeface="DejaVu Sans"/>
-              </a:rPr>
-              <a:t>e</a:t>
-            </a:r>
-            <a:r>
-              <a:rPr b="0" lang="en-US" sz="1500" spc="-1" strike="noStrike">
-                <a:solidFill>
-                  <a:srgbClr val="000000"/>
-                </a:solidFill>
-                <a:latin typeface="Arial"/>
-                <a:ea typeface="DejaVu Sans"/>
-              </a:rPr>
-              <a:t>c</a:t>
-            </a:r>
-            <a:r>
-              <a:rPr b="0" lang="en-US" sz="1500" spc="-1" strike="noStrike">
-                <a:solidFill>
-                  <a:srgbClr val="000000"/>
-                </a:solidFill>
-                <a:latin typeface="Arial"/>
-                <a:ea typeface="DejaVu Sans"/>
-              </a:rPr>
-              <a:t>l</a:t>
-            </a:r>
-            <a:r>
-              <a:rPr b="0" lang="en-US" sz="1500" spc="-1" strike="noStrike">
-                <a:solidFill>
-                  <a:srgbClr val="000000"/>
-                </a:solidFill>
-                <a:latin typeface="Arial"/>
-                <a:ea typeface="DejaVu Sans"/>
-              </a:rPr>
-              <a:t>a</a:t>
-            </a:r>
-            <a:r>
-              <a:rPr b="0" lang="en-US" sz="1500" spc="-1" strike="noStrike">
-                <a:solidFill>
-                  <a:srgbClr val="000000"/>
-                </a:solidFill>
-                <a:latin typeface="Arial"/>
-                <a:ea typeface="DejaVu Sans"/>
-              </a:rPr>
-              <a:t>r</a:t>
-            </a:r>
-            <a:r>
-              <a:rPr b="0" lang="en-US" sz="1500" spc="-1" strike="noStrike">
-                <a:solidFill>
-                  <a:srgbClr val="000000"/>
-                </a:solidFill>
-                <a:latin typeface="Arial"/>
-                <a:ea typeface="DejaVu Sans"/>
-              </a:rPr>
-              <a:t>a</a:t>
-            </a:r>
-            <a:r>
-              <a:rPr b="0" lang="en-US" sz="1500" spc="-1" strike="noStrike">
-                <a:solidFill>
-                  <a:srgbClr val="000000"/>
-                </a:solidFill>
-                <a:latin typeface="Arial"/>
-                <a:ea typeface="DejaVu Sans"/>
-              </a:rPr>
-              <a:t>t</a:t>
-            </a:r>
-            <a:r>
-              <a:rPr b="0" lang="en-US" sz="1500" spc="-1" strike="noStrike">
-                <a:solidFill>
-                  <a:srgbClr val="000000"/>
-                </a:solidFill>
-                <a:latin typeface="Arial"/>
-                <a:ea typeface="DejaVu Sans"/>
-              </a:rPr>
-              <a:t>i</a:t>
-            </a:r>
-            <a:r>
-              <a:rPr b="0" lang="en-US" sz="1500" spc="-1" strike="noStrike">
-                <a:solidFill>
-                  <a:srgbClr val="000000"/>
-                </a:solidFill>
-                <a:latin typeface="Arial"/>
-                <a:ea typeface="DejaVu Sans"/>
-              </a:rPr>
-              <a:t>v</a:t>
-            </a:r>
-            <a:r>
-              <a:rPr b="0" lang="en-US" sz="1500" spc="-1" strike="noStrike">
-                <a:solidFill>
-                  <a:srgbClr val="000000"/>
-                </a:solidFill>
-                <a:latin typeface="Arial"/>
-                <a:ea typeface="DejaVu Sans"/>
-              </a:rPr>
-              <a:t>e</a:t>
-            </a:r>
-            <a:r>
-              <a:rPr b="0" lang="en-US" sz="1500" spc="-1" strike="noStrike">
-                <a:solidFill>
-                  <a:srgbClr val="000000"/>
-                </a:solidFill>
-                <a:latin typeface="Arial"/>
-                <a:ea typeface="DejaVu Sans"/>
-              </a:rPr>
-              <a:t> </a:t>
-            </a:r>
-            <a:r>
-              <a:rPr b="0" lang="en-US" sz="1500" spc="-1" strike="noStrike">
-                <a:solidFill>
-                  <a:srgbClr val="000000"/>
-                </a:solidFill>
-                <a:latin typeface="Arial"/>
-                <a:ea typeface="DejaVu Sans"/>
-              </a:rPr>
-              <a:t>r</a:t>
-            </a:r>
-            <a:r>
-              <a:rPr b="0" lang="en-US" sz="1500" spc="-1" strike="noStrike">
-                <a:solidFill>
-                  <a:srgbClr val="000000"/>
-                </a:solidFill>
-                <a:latin typeface="Arial"/>
-                <a:ea typeface="DejaVu Sans"/>
-              </a:rPr>
-              <a:t>o</a:t>
-            </a:r>
-            <a:r>
-              <a:rPr b="0" lang="en-US" sz="1500" spc="-1" strike="noStrike">
-                <a:solidFill>
-                  <a:srgbClr val="000000"/>
-                </a:solidFill>
-                <a:latin typeface="Arial"/>
-                <a:ea typeface="DejaVu Sans"/>
-              </a:rPr>
-              <a:t>u</a:t>
-            </a:r>
-            <a:r>
-              <a:rPr b="0" lang="en-US" sz="1500" spc="-1" strike="noStrike">
-                <a:solidFill>
-                  <a:srgbClr val="000000"/>
-                </a:solidFill>
-                <a:latin typeface="Arial"/>
-                <a:ea typeface="DejaVu Sans"/>
-              </a:rPr>
-              <a:t>t</a:t>
-            </a:r>
-            <a:r>
-              <a:rPr b="0" lang="en-US" sz="1500" spc="-1" strike="noStrike">
-                <a:solidFill>
-                  <a:srgbClr val="000000"/>
-                </a:solidFill>
-                <a:latin typeface="Arial"/>
-                <a:ea typeface="DejaVu Sans"/>
-              </a:rPr>
-              <a:t>i</a:t>
-            </a:r>
-            <a:r>
-              <a:rPr b="0" lang="en-US" sz="1500" spc="-1" strike="noStrike">
-                <a:solidFill>
-                  <a:srgbClr val="000000"/>
-                </a:solidFill>
-                <a:latin typeface="Arial"/>
-                <a:ea typeface="DejaVu Sans"/>
-              </a:rPr>
-              <a:t>n</a:t>
-            </a:r>
-            <a:r>
-              <a:rPr b="0" lang="en-US" sz="1500" spc="-1" strike="noStrike">
-                <a:solidFill>
-                  <a:srgbClr val="000000"/>
-                </a:solidFill>
-                <a:latin typeface="Arial"/>
-                <a:ea typeface="DejaVu Sans"/>
-              </a:rPr>
-              <a:t>g</a:t>
-            </a:r>
-            <a:r>
-              <a:rPr b="0" lang="en-US" sz="1500" spc="-1" strike="noStrike">
-                <a:solidFill>
-                  <a:srgbClr val="000000"/>
-                </a:solidFill>
-                <a:latin typeface="Arial"/>
-                <a:ea typeface="DejaVu Sans"/>
-              </a:rPr>
-              <a:t>!</a:t>
-            </a:r>
-            <a:r>
-              <a:rPr b="0" lang="en-US" sz="1500" spc="-1" strike="noStrike">
-                <a:solidFill>
-                  <a:srgbClr val="000000"/>
-                </a:solidFill>
-                <a:latin typeface="Arial"/>
-                <a:ea typeface="DejaVu Sans"/>
-              </a:rPr>
-              <a:t> </a:t>
-            </a:r>
-            <a:endParaRPr b="0" lang="en-US" sz="1500" spc="-1" strike="noStrike">
-              <a:latin typeface="Arial"/>
-            </a:endParaRPr>
-          </a:p>
-          <a:p>
-            <a:pPr marL="285840" indent="-282960">
-              <a:lnSpc>
-                <a:spcPct val="120000"/>
-              </a:lnSpc>
-              <a:buClr>
-                <a:srgbClr val="000000"/>
-              </a:buClr>
-              <a:buFont typeface="Arial"/>
-              <a:buChar char="•"/>
-            </a:pPr>
-            <a:r>
-              <a:rPr b="0" lang="en-US" sz="1500" spc="-1" strike="noStrike">
-                <a:solidFill>
-                  <a:srgbClr val="000000"/>
-                </a:solidFill>
-                <a:latin typeface="Arial"/>
-                <a:ea typeface="DejaVu Sans"/>
-              </a:rPr>
-              <a:t>A</a:t>
-            </a:r>
-            <a:r>
-              <a:rPr b="0" lang="en-US" sz="1500" spc="-1" strike="noStrike">
-                <a:solidFill>
-                  <a:srgbClr val="000000"/>
-                </a:solidFill>
-                <a:latin typeface="Arial"/>
-                <a:ea typeface="DejaVu Sans"/>
-              </a:rPr>
-              <a:t>d</a:t>
-            </a:r>
-            <a:r>
-              <a:rPr b="0" lang="en-US" sz="1500" spc="-1" strike="noStrike">
-                <a:solidFill>
-                  <a:srgbClr val="000000"/>
-                </a:solidFill>
-                <a:latin typeface="Arial"/>
-                <a:ea typeface="DejaVu Sans"/>
-              </a:rPr>
-              <a:t>d</a:t>
-            </a:r>
-            <a:r>
-              <a:rPr b="0" lang="en-US" sz="1500" spc="-1" strike="noStrike">
-                <a:solidFill>
-                  <a:srgbClr val="000000"/>
-                </a:solidFill>
-                <a:latin typeface="Arial"/>
-                <a:ea typeface="DejaVu Sans"/>
-              </a:rPr>
-              <a:t> </a:t>
-            </a:r>
-            <a:r>
-              <a:rPr b="0" lang="en-US" sz="1500" spc="-1" strike="noStrike">
-                <a:solidFill>
-                  <a:srgbClr val="000000"/>
-                </a:solidFill>
-                <a:latin typeface="Arial"/>
-                <a:ea typeface="DejaVu Sans"/>
-              </a:rPr>
-              <a:t>e</a:t>
-            </a:r>
-            <a:r>
-              <a:rPr b="0" lang="en-US" sz="1500" spc="-1" strike="noStrike">
-                <a:solidFill>
-                  <a:srgbClr val="000000"/>
-                </a:solidFill>
-                <a:latin typeface="Arial"/>
-                <a:ea typeface="DejaVu Sans"/>
-              </a:rPr>
-              <a:t>x</a:t>
-            </a:r>
-            <a:r>
-              <a:rPr b="0" lang="en-US" sz="1500" spc="-1" strike="noStrike">
-                <a:solidFill>
-                  <a:srgbClr val="000000"/>
-                </a:solidFill>
-                <a:latin typeface="Arial"/>
-                <a:ea typeface="DejaVu Sans"/>
-              </a:rPr>
-              <a:t>t</a:t>
-            </a:r>
-            <a:r>
-              <a:rPr b="0" lang="en-US" sz="1500" spc="-1" strike="noStrike">
-                <a:solidFill>
-                  <a:srgbClr val="000000"/>
-                </a:solidFill>
-                <a:latin typeface="Arial"/>
-                <a:ea typeface="DejaVu Sans"/>
-              </a:rPr>
-              <a:t>r</a:t>
-            </a:r>
-            <a:r>
-              <a:rPr b="0" lang="en-US" sz="1500" spc="-1" strike="noStrike">
-                <a:solidFill>
-                  <a:srgbClr val="000000"/>
-                </a:solidFill>
-                <a:latin typeface="Arial"/>
-                <a:ea typeface="DejaVu Sans"/>
-              </a:rPr>
-              <a:t>a</a:t>
-            </a:r>
-            <a:r>
-              <a:rPr b="0" lang="en-US" sz="1500" spc="-1" strike="noStrike">
-                <a:solidFill>
-                  <a:srgbClr val="000000"/>
-                </a:solidFill>
-                <a:latin typeface="Arial"/>
-                <a:ea typeface="DejaVu Sans"/>
-              </a:rPr>
-              <a:t> </a:t>
-            </a:r>
-            <a:r>
-              <a:rPr b="0" lang="en-US" sz="1500" spc="-1" strike="noStrike">
-                <a:solidFill>
-                  <a:srgbClr val="000000"/>
-                </a:solidFill>
-                <a:latin typeface="Arial"/>
-                <a:ea typeface="DejaVu Sans"/>
-              </a:rPr>
-              <a:t>r</a:t>
-            </a:r>
-            <a:r>
-              <a:rPr b="0" lang="en-US" sz="1500" spc="-1" strike="noStrike">
-                <a:solidFill>
-                  <a:srgbClr val="000000"/>
-                </a:solidFill>
-                <a:latin typeface="Arial"/>
-                <a:ea typeface="DejaVu Sans"/>
-              </a:rPr>
-              <a:t>o</a:t>
-            </a:r>
-            <a:r>
-              <a:rPr b="0" lang="en-US" sz="1500" spc="-1" strike="noStrike">
-                <a:solidFill>
-                  <a:srgbClr val="000000"/>
-                </a:solidFill>
-                <a:latin typeface="Arial"/>
-                <a:ea typeface="DejaVu Sans"/>
-              </a:rPr>
-              <a:t>u</a:t>
-            </a:r>
-            <a:r>
-              <a:rPr b="0" lang="en-US" sz="1500" spc="-1" strike="noStrike">
-                <a:solidFill>
-                  <a:srgbClr val="000000"/>
-                </a:solidFill>
-                <a:latin typeface="Arial"/>
-                <a:ea typeface="DejaVu Sans"/>
-              </a:rPr>
-              <a:t>t</a:t>
-            </a:r>
-            <a:r>
-              <a:rPr b="0" lang="en-US" sz="1500" spc="-1" strike="noStrike">
-                <a:solidFill>
-                  <a:srgbClr val="000000"/>
-                </a:solidFill>
-                <a:latin typeface="Arial"/>
-                <a:ea typeface="DejaVu Sans"/>
-              </a:rPr>
-              <a:t>e</a:t>
-            </a:r>
-            <a:r>
-              <a:rPr b="0" lang="en-US" sz="1500" spc="-1" strike="noStrike">
-                <a:solidFill>
-                  <a:srgbClr val="000000"/>
-                </a:solidFill>
-                <a:latin typeface="Arial"/>
-                <a:ea typeface="DejaVu Sans"/>
-              </a:rPr>
-              <a:t>s</a:t>
-            </a:r>
-            <a:r>
-              <a:rPr b="0" lang="en-US" sz="1500" spc="-1" strike="noStrike">
-                <a:solidFill>
-                  <a:srgbClr val="000000"/>
-                </a:solidFill>
-                <a:latin typeface="Arial"/>
-                <a:ea typeface="DejaVu Sans"/>
-              </a:rPr>
-              <a:t> </a:t>
-            </a:r>
-            <a:r>
-              <a:rPr b="0" lang="en-US" sz="1500" spc="-1" strike="noStrike">
-                <a:solidFill>
-                  <a:srgbClr val="000000"/>
-                </a:solidFill>
-                <a:latin typeface="Arial"/>
-                <a:ea typeface="DejaVu Sans"/>
-              </a:rPr>
-              <a:t>w</a:t>
-            </a:r>
-            <a:r>
-              <a:rPr b="0" lang="en-US" sz="1500" spc="-1" strike="noStrike">
-                <a:solidFill>
-                  <a:srgbClr val="000000"/>
-                </a:solidFill>
-                <a:latin typeface="Arial"/>
-                <a:ea typeface="DejaVu Sans"/>
-              </a:rPr>
-              <a:t>h</a:t>
-            </a:r>
-            <a:r>
-              <a:rPr b="0" lang="en-US" sz="1500" spc="-1" strike="noStrike">
-                <a:solidFill>
-                  <a:srgbClr val="000000"/>
-                </a:solidFill>
-                <a:latin typeface="Arial"/>
-                <a:ea typeface="DejaVu Sans"/>
-              </a:rPr>
-              <a:t>e</a:t>
-            </a:r>
-            <a:r>
-              <a:rPr b="0" lang="en-US" sz="1500" spc="-1" strike="noStrike">
-                <a:solidFill>
-                  <a:srgbClr val="000000"/>
-                </a:solidFill>
-                <a:latin typeface="Arial"/>
-                <a:ea typeface="DejaVu Sans"/>
-              </a:rPr>
-              <a:t>r</a:t>
-            </a:r>
-            <a:r>
-              <a:rPr b="0" lang="en-US" sz="1500" spc="-1" strike="noStrike">
-                <a:solidFill>
-                  <a:srgbClr val="000000"/>
-                </a:solidFill>
-                <a:latin typeface="Arial"/>
-                <a:ea typeface="DejaVu Sans"/>
-              </a:rPr>
-              <a:t>e</a:t>
-            </a:r>
-            <a:r>
-              <a:rPr b="0" lang="en-US" sz="1500" spc="-1" strike="noStrike">
-                <a:solidFill>
-                  <a:srgbClr val="000000"/>
-                </a:solidFill>
-                <a:latin typeface="Arial"/>
-                <a:ea typeface="DejaVu Sans"/>
-              </a:rPr>
-              <a:t>v</a:t>
-            </a:r>
-            <a:r>
-              <a:rPr b="0" lang="en-US" sz="1500" spc="-1" strike="noStrike">
-                <a:solidFill>
-                  <a:srgbClr val="000000"/>
-                </a:solidFill>
-                <a:latin typeface="Arial"/>
-                <a:ea typeface="DejaVu Sans"/>
-              </a:rPr>
-              <a:t>e</a:t>
-            </a:r>
-            <a:r>
-              <a:rPr b="0" lang="en-US" sz="1500" spc="-1" strike="noStrike">
-                <a:solidFill>
-                  <a:srgbClr val="000000"/>
-                </a:solidFill>
-                <a:latin typeface="Arial"/>
-                <a:ea typeface="DejaVu Sans"/>
-              </a:rPr>
-              <a:t>r</a:t>
-            </a:r>
-            <a:r>
-              <a:rPr b="0" lang="en-US" sz="1500" spc="-1" strike="noStrike">
-                <a:solidFill>
-                  <a:srgbClr val="000000"/>
-                </a:solidFill>
-                <a:latin typeface="Arial"/>
-                <a:ea typeface="DejaVu Sans"/>
-              </a:rPr>
-              <a:t> </a:t>
-            </a:r>
-            <a:r>
-              <a:rPr b="0" lang="en-US" sz="1500" spc="-1" strike="noStrike">
-                <a:solidFill>
-                  <a:srgbClr val="000000"/>
-                </a:solidFill>
-                <a:latin typeface="Arial"/>
-                <a:ea typeface="DejaVu Sans"/>
-              </a:rPr>
-              <a:t>y</a:t>
-            </a:r>
-            <a:r>
-              <a:rPr b="0" lang="en-US" sz="1500" spc="-1" strike="noStrike">
-                <a:solidFill>
-                  <a:srgbClr val="000000"/>
-                </a:solidFill>
-                <a:latin typeface="Arial"/>
-                <a:ea typeface="DejaVu Sans"/>
-              </a:rPr>
-              <a:t>o</a:t>
-            </a:r>
-            <a:r>
-              <a:rPr b="0" lang="en-US" sz="1500" spc="-1" strike="noStrike">
-                <a:solidFill>
-                  <a:srgbClr val="000000"/>
-                </a:solidFill>
-                <a:latin typeface="Arial"/>
-                <a:ea typeface="DejaVu Sans"/>
-              </a:rPr>
-              <a:t>u</a:t>
-            </a:r>
-            <a:r>
-              <a:rPr b="0" lang="en-US" sz="1500" spc="-1" strike="noStrike">
-                <a:solidFill>
-                  <a:srgbClr val="000000"/>
-                </a:solidFill>
-                <a:latin typeface="Arial"/>
-                <a:ea typeface="DejaVu Sans"/>
-              </a:rPr>
-              <a:t> </a:t>
-            </a:r>
-            <a:r>
-              <a:rPr b="0" lang="en-US" sz="1500" spc="-1" strike="noStrike">
-                <a:solidFill>
-                  <a:srgbClr val="000000"/>
-                </a:solidFill>
-                <a:latin typeface="Arial"/>
-                <a:ea typeface="DejaVu Sans"/>
-              </a:rPr>
-              <a:t>w</a:t>
-            </a:r>
-            <a:r>
-              <a:rPr b="0" lang="en-US" sz="1500" spc="-1" strike="noStrike">
-                <a:solidFill>
-                  <a:srgbClr val="000000"/>
-                </a:solidFill>
-                <a:latin typeface="Arial"/>
-                <a:ea typeface="DejaVu Sans"/>
-              </a:rPr>
-              <a:t>a</a:t>
-            </a:r>
-            <a:r>
-              <a:rPr b="0" lang="en-US" sz="1500" spc="-1" strike="noStrike">
-                <a:solidFill>
-                  <a:srgbClr val="000000"/>
-                </a:solidFill>
-                <a:latin typeface="Arial"/>
-                <a:ea typeface="DejaVu Sans"/>
-              </a:rPr>
-              <a:t>n</a:t>
-            </a:r>
-            <a:r>
-              <a:rPr b="0" lang="en-US" sz="1500" spc="-1" strike="noStrike">
-                <a:solidFill>
-                  <a:srgbClr val="000000"/>
-                </a:solidFill>
-                <a:latin typeface="Arial"/>
-                <a:ea typeface="DejaVu Sans"/>
-              </a:rPr>
-              <a:t>t</a:t>
-            </a:r>
-            <a:r>
-              <a:rPr b="0" lang="en-US" sz="1500" spc="-1" strike="noStrike">
-                <a:solidFill>
-                  <a:srgbClr val="000000"/>
-                </a:solidFill>
-                <a:latin typeface="Arial"/>
-                <a:ea typeface="DejaVu Sans"/>
-              </a:rPr>
-              <a:t>!</a:t>
-            </a:r>
-            <a:endParaRPr b="0" lang="en-US" sz="1500" spc="-1" strike="noStrike">
-              <a:latin typeface="Arial"/>
-            </a:endParaRPr>
-          </a:p>
-          <a:p>
-            <a:pPr marL="285840" indent="-282960">
-              <a:lnSpc>
-                <a:spcPct val="120000"/>
-              </a:lnSpc>
-              <a:buClr>
-                <a:srgbClr val="000000"/>
-              </a:buClr>
-              <a:buFont typeface="Arial"/>
-              <a:buChar char="•"/>
             </a:pPr>
             <a:endParaRPr b="0" lang="en-US" sz="1500" spc="-1" strike="noStrike">
               <a:latin typeface="Arial"/>
@@ -10588,7 +8612,7 @@
         <p:spPr>
           <a:xfrm>
             <a:off x="5265720" y="1019520"/>
-            <a:ext cx="3695400" cy="1266480"/>
+            <a:ext cx="3695040" cy="1266120"/>
           </a:xfrm>
           <a:prstGeom prst="rect">
             <a:avLst/>
@@ -10611,7 +8635,7 @@
         <p:spPr>
           <a:xfrm>
             <a:off x="4431240" y="2468880"/>
-            <a:ext cx="4438440" cy="2418840"/>
+            <a:ext cx="4438080" cy="2418480"/>
           </a:xfrm>
           <a:prstGeom prst="rect">
             <a:avLst/>
@@ -10679,7 +8703,7 @@
         <p:spPr>
           <a:xfrm>
             <a:off x="720000" y="288000"/>
-            <a:ext cx="6621120" cy="501120"/>
+            <a:ext cx="6620760" cy="500760"/>
           </a:xfrm>
           <a:prstGeom prst="rect">
             <a:avLst/>
@@ -10728,7 +8752,7 @@
         <p:spPr>
           <a:xfrm>
             <a:off x="4968000" y="5004000"/>
-            <a:ext cx="3237120" cy="105120"/>
+            <a:ext cx="3236760" cy="104760"/>
           </a:xfrm>
           <a:prstGeom prst="rect">
             <a:avLst/>
@@ -10777,7 +8801,7 @@
         <p:spPr>
           <a:xfrm>
             <a:off x="8280000" y="5004000"/>
-            <a:ext cx="141120" cy="105120"/>
+            <a:ext cx="140760" cy="104760"/>
           </a:xfrm>
           <a:prstGeom prst="rect">
             <a:avLst/>
@@ -10801,7 +8825,7 @@
                 <a:spcPct val="100000"/>
               </a:lnSpc>
             </a:pPr>
-            <a:fld id="{B9B533BD-1935-4691-AADE-278AE636D4C1}" type="slidenum">
+            <a:fld id="{3A08AC68-AA4A-4E69-B0BF-3E8F30CBEA2B}" type="slidenum">
               <a:rPr b="0" lang="en-US" sz="600" spc="-1" strike="noStrike">
                 <a:solidFill>
                   <a:srgbClr val="ffffff"/>
@@ -10809,7 +8833,7 @@
                 <a:latin typeface="Arial"/>
                 <a:ea typeface="DejaVu Sans"/>
               </a:rPr>
-              <a:t>&lt;number&gt;</a:t>
+              <a:t>1</a:t>
             </a:fld>
             <a:endParaRPr b="0" lang="en-US" sz="600" spc="-1" strike="noStrike">
               <a:latin typeface="Arial"/>
@@ -10826,7 +8850,7 @@
         <p:spPr>
           <a:xfrm>
             <a:off x="602640" y="504720"/>
-            <a:ext cx="6621120" cy="3884400"/>
+            <a:ext cx="6620760" cy="3884040"/>
           </a:xfrm>
           <a:prstGeom prst="rect">
             <a:avLst/>
@@ -10855,7 +8879,7 @@
             </a:endParaRPr>
           </a:p>
           <a:p>
-            <a:pPr marL="285840" indent="-282960">
+            <a:pPr marL="285840" indent="-282600">
               <a:lnSpc>
                 <a:spcPct val="120000"/>
               </a:lnSpc>
@@ -10880,7 +8904,17 @@
             </a:endParaRPr>
           </a:p>
           <a:p>
-            <a:pPr marL="285840" indent="-282960">
+            <a:pPr>
+              <a:lnSpc>
+                <a:spcPct val="120000"/>
+              </a:lnSpc>
+            </a:pPr>
+            <a:endParaRPr b="0" lang="en-US" sz="1500" spc="-1" strike="noStrike">
+              <a:latin typeface="Arial"/>
+            </a:endParaRPr>
+          </a:p>
+          <a:p>
+            <a:pPr marL="285840" indent="-282600">
               <a:lnSpc>
                 <a:spcPct val="120000"/>
               </a:lnSpc>
@@ -10890,12 +8924,32 @@
               <a:buFont typeface="Arial"/>
               <a:buChar char="•"/>
             </a:pPr>
+            <a:r>
+              <a:rPr b="0" lang="en-US" sz="1500" spc="-1" strike="noStrike">
+                <a:solidFill>
+                  <a:srgbClr val="000000"/>
+                </a:solidFill>
+                <a:latin typeface="Arial"/>
+                <a:ea typeface="DejaVu Sans"/>
+              </a:rPr>
+              <a:t>Easy use of variables</a:t>
+            </a:r>
             <a:endParaRPr b="0" lang="en-US" sz="1500" spc="-1" strike="noStrike">
               <a:latin typeface="Arial"/>
             </a:endParaRPr>
           </a:p>
           <a:p>
-            <a:pPr marL="285840" indent="-282960">
+            <a:pPr>
+              <a:lnSpc>
+                <a:spcPct val="120000"/>
+              </a:lnSpc>
+            </a:pPr>
+            <a:endParaRPr b="0" lang="en-US" sz="1500" spc="-1" strike="noStrike">
+              <a:latin typeface="Arial"/>
+            </a:endParaRPr>
+          </a:p>
+          <a:p>
+            <a:pPr marL="285840" indent="-282600">
               <a:lnSpc>
                 <a:spcPct val="120000"/>
               </a:lnSpc>
@@ -10913,14 +8967,24 @@
                 <a:latin typeface="Arial"/>
                 <a:ea typeface="DejaVu Sans"/>
               </a:rPr>
-              <a:t>Easy use of variables</a:t>
+              <a:t>No automatic inheritance</a:t>
             </a:r>
             <a:endParaRPr b="0" lang="en-US" sz="1500" spc="-1" strike="noStrike">
               <a:latin typeface="Arial"/>
             </a:endParaRPr>
           </a:p>
           <a:p>
-            <a:pPr marL="285840" indent="-282960">
+            <a:pPr>
+              <a:lnSpc>
+                <a:spcPct val="120000"/>
+              </a:lnSpc>
+            </a:pPr>
+            <a:endParaRPr b="0" lang="en-US" sz="1500" spc="-1" strike="noStrike">
+              <a:latin typeface="Arial"/>
+            </a:endParaRPr>
+          </a:p>
+          <a:p>
+            <a:pPr marL="285840" indent="-282600">
               <a:lnSpc>
                 <a:spcPct val="120000"/>
               </a:lnSpc>
@@ -10930,21 +8994,6 @@
               <a:buFont typeface="Arial"/>
               <a:buChar char="•"/>
             </a:pPr>
-            <a:endParaRPr b="0" lang="en-US" sz="1500" spc="-1" strike="noStrike">
-              <a:latin typeface="Arial"/>
-            </a:endParaRPr>
-          </a:p>
-          <a:p>
-            <a:pPr marL="285840" indent="-282960">
-              <a:lnSpc>
-                <a:spcPct val="120000"/>
-              </a:lnSpc>
-              <a:buClr>
-                <a:srgbClr val="000000"/>
-              </a:buClr>
-              <a:buFont typeface="Arial"/>
-              <a:buChar char="•"/>
-            </a:pPr>
             <a:r>
               <a:rPr b="0" lang="en-US" sz="1500" spc="-1" strike="noStrike">
                 <a:solidFill>
@@ -10953,62 +9002,17 @@
                 <a:latin typeface="Arial"/>
                 <a:ea typeface="DejaVu Sans"/>
               </a:rPr>
-              <a:t>No automatic inheritance</a:t>
+              <a:t>Scoped: no side effects!</a:t>
             </a:r>
             <a:endParaRPr b="0" lang="en-US" sz="1500" spc="-1" strike="noStrike">
               <a:latin typeface="Arial"/>
             </a:endParaRPr>
           </a:p>
           <a:p>
-            <a:pPr marL="285840" indent="-282960">
+            <a:pPr>
               <a:lnSpc>
                 <a:spcPct val="120000"/>
               </a:lnSpc>
-              <a:buClr>
-                <a:srgbClr val="000000"/>
-              </a:buClr>
-              <a:buFont typeface="Arial"/>
-              <a:buChar char="•"/>
-            </a:pPr>
-            <a:endParaRPr b="0" lang="en-US" sz="1500" spc="-1" strike="noStrike">
-              <a:latin typeface="Arial"/>
-            </a:endParaRPr>
-          </a:p>
-          <a:p>
-            <a:pPr marL="285840" indent="-282960">
-              <a:lnSpc>
-                <a:spcPct val="120000"/>
-              </a:lnSpc>
-              <a:buClr>
-                <a:srgbClr val="000000"/>
-              </a:buClr>
-              <a:buFont typeface="Arial"/>
-              <a:buChar char="•"/>
-            </a:pPr>
-            <a:r>
-              <a:rPr b="0" lang="en-US" sz="1500" spc="-1" strike="noStrike">
-                <a:solidFill>
-                  <a:srgbClr val="000000"/>
-                </a:solidFill>
-                <a:latin typeface="Arial"/>
-                <a:ea typeface="DejaVu Sans"/>
-              </a:rPr>
-              <a:t>Scoped: no side effects!</a:t>
-            </a:r>
-            <a:endParaRPr b="0" lang="en-US" sz="1500" spc="-1" strike="noStrike">
-              <a:latin typeface="Arial"/>
-            </a:endParaRPr>
-          </a:p>
-          <a:p>
-            <a:pPr marL="285840" indent="-282960">
-              <a:lnSpc>
-                <a:spcPct val="120000"/>
-              </a:lnSpc>
-              <a:buClr>
-                <a:srgbClr val="000000"/>
-              </a:buClr>
-              <a:buFont typeface="Arial"/>
-              <a:buChar char="•"/>
             </a:pPr>
             <a:endParaRPr b="0" lang="en-US" sz="1500" spc="-1" strike="noStrike">
               <a:latin typeface="Arial"/>
@@ -11029,7 +9033,7 @@
         <p:spPr>
           <a:xfrm>
             <a:off x="4663440" y="52920"/>
-            <a:ext cx="4466880" cy="5028840"/>
+            <a:ext cx="4466520" cy="5028480"/>
           </a:xfrm>
           <a:prstGeom prst="rect">
             <a:avLst/>
@@ -11097,7 +9101,7 @@
         <p:spPr>
           <a:xfrm>
             <a:off x="720000" y="288000"/>
-            <a:ext cx="6621120" cy="501120"/>
+            <a:ext cx="6620760" cy="500760"/>
           </a:xfrm>
           <a:prstGeom prst="rect">
             <a:avLst/>
@@ -11146,7 +9150,7 @@
         <p:spPr>
           <a:xfrm>
             <a:off x="2347200" y="2194560"/>
-            <a:ext cx="2405160" cy="776160"/>
+            <a:ext cx="2404800" cy="775800"/>
           </a:xfrm>
           <a:prstGeom prst="rect">
             <a:avLst/>
@@ -11195,7 +9199,7 @@
         <p:spPr>
           <a:xfrm>
             <a:off x="4968000" y="5004000"/>
-            <a:ext cx="3237120" cy="105120"/>
+            <a:ext cx="3236760" cy="104760"/>
           </a:xfrm>
           <a:prstGeom prst="rect">
             <a:avLst/>
@@ -11244,7 +9248,7 @@
         <p:spPr>
           <a:xfrm>
             <a:off x="8280000" y="5004000"/>
-            <a:ext cx="141120" cy="105120"/>
+            <a:ext cx="140760" cy="104760"/>
           </a:xfrm>
           <a:prstGeom prst="rect">
             <a:avLst/>
@@ -11268,7 +9272,7 @@
                 <a:spcPct val="100000"/>
               </a:lnSpc>
             </a:pPr>
-            <a:fld id="{C20E6E1C-27C4-4778-97CC-EC6C832AC7D0}" type="slidenum">
+            <a:fld id="{460BD974-67AE-484E-92D0-EE9D36FAA119}" type="slidenum">
               <a:rPr b="0" lang="en-US" sz="600" spc="-1" strike="noStrike">
                 <a:solidFill>
                   <a:srgbClr val="ffffff"/>
@@ -11276,7 +9280,7 @@
                 <a:latin typeface="Arial"/>
                 <a:ea typeface="DejaVu Sans"/>
               </a:rPr>
-              <a:t>&lt;number&gt;</a:t>
+              <a:t>1</a:t>
             </a:fld>
             <a:endParaRPr b="0" lang="en-US" sz="600" spc="-1" strike="noStrike">
               <a:latin typeface="Arial"/>
@@ -11297,7 +9301,7 @@
         <p:spPr>
           <a:xfrm>
             <a:off x="6840000" y="810000"/>
-            <a:ext cx="2301120" cy="3507120"/>
+            <a:ext cx="2300760" cy="3506760"/>
           </a:xfrm>
           <a:prstGeom prst="rect">
             <a:avLst/>
@@ -11368,7 +9372,7 @@
         <p:spPr>
           <a:xfrm>
             <a:off x="720000" y="288000"/>
-            <a:ext cx="6621120" cy="501120"/>
+            <a:ext cx="6620760" cy="500760"/>
           </a:xfrm>
           <a:prstGeom prst="rect">
             <a:avLst/>
@@ -11417,7 +9421,7 @@
         <p:spPr>
           <a:xfrm>
             <a:off x="4968000" y="5004000"/>
-            <a:ext cx="3237120" cy="105120"/>
+            <a:ext cx="3236760" cy="104760"/>
           </a:xfrm>
           <a:prstGeom prst="rect">
             <a:avLst/>
@@ -11466,7 +9470,7 @@
         <p:spPr>
           <a:xfrm>
             <a:off x="8280000" y="5004000"/>
-            <a:ext cx="141120" cy="105120"/>
+            <a:ext cx="140760" cy="104760"/>
           </a:xfrm>
           <a:prstGeom prst="rect">
             <a:avLst/>
@@ -11490,7 +9494,7 @@
                 <a:spcPct val="100000"/>
               </a:lnSpc>
             </a:pPr>
-            <a:fld id="{95BF1A23-CFD5-4CC0-B530-4B4E499ED455}" type="slidenum">
+            <a:fld id="{8E4E9DC4-5F85-4657-83EC-1FE2F390D17A}" type="slidenum">
               <a:rPr b="0" lang="en-US" sz="600" spc="-1" strike="noStrike">
                 <a:solidFill>
                   <a:srgbClr val="ffffff"/>
@@ -11498,7 +9502,7 @@
                 <a:latin typeface="Arial"/>
                 <a:ea typeface="DejaVu Sans"/>
               </a:rPr>
-              <a:t>&lt;number&gt;</a:t>
+              <a:t>1</a:t>
             </a:fld>
             <a:endParaRPr b="0" lang="en-US" sz="600" spc="-1" strike="noStrike">
               <a:latin typeface="Arial"/>
@@ -11515,7 +9519,7 @@
         <p:spPr>
           <a:xfrm>
             <a:off x="876240" y="548640"/>
-            <a:ext cx="6621120" cy="3884400"/>
+            <a:ext cx="6620760" cy="3884040"/>
           </a:xfrm>
           <a:prstGeom prst="rect">
             <a:avLst/>
@@ -11544,7 +9548,7 @@
             </a:endParaRPr>
           </a:p>
           <a:p>
-            <a:pPr marL="285840" indent="-282960">
+            <a:pPr marL="285840" indent="-282600">
               <a:lnSpc>
                 <a:spcPct val="120000"/>
               </a:lnSpc>
@@ -11565,10 +9569,11 @@
               <a:t>Git clone </a:t>
             </a:r>
             <a:r>
-              <a:rPr b="0" lang="en-US" sz="1500" spc="-1" strike="noStrike">
+              <a:rPr b="0" lang="en-US" sz="1500" spc="-1" strike="noStrike" u="sng">
                 <a:solidFill>
-                  <a:srgbClr val="000000"/>
+                  <a:srgbClr val="0000ff"/>
                 </a:solidFill>
+                <a:uFillTx/>
                 <a:latin typeface="Arial"/>
                 <a:ea typeface="DejaVu Sans"/>
                 <a:hlinkClick r:id="rId1"/>
@@ -11580,7 +9585,17 @@
             </a:endParaRPr>
           </a:p>
           <a:p>
-            <a:pPr marL="285840" indent="-282960">
+            <a:pPr>
+              <a:lnSpc>
+                <a:spcPct val="120000"/>
+              </a:lnSpc>
+            </a:pPr>
+            <a:endParaRPr b="0" lang="en-US" sz="1500" spc="-1" strike="noStrike">
+              <a:latin typeface="Arial"/>
+            </a:endParaRPr>
+          </a:p>
+          <a:p>
+            <a:pPr marL="285840" indent="-282600">
               <a:lnSpc>
                 <a:spcPct val="120000"/>
               </a:lnSpc>
@@ -11590,21 +9605,6 @@
               <a:buFont typeface="Arial"/>
               <a:buChar char="•"/>
             </a:pPr>
-            <a:endParaRPr b="0" lang="en-US" sz="1500" spc="-1" strike="noStrike">
-              <a:latin typeface="Arial"/>
-            </a:endParaRPr>
-          </a:p>
-          <a:p>
-            <a:pPr marL="285840" indent="-282960">
-              <a:lnSpc>
-                <a:spcPct val="120000"/>
-              </a:lnSpc>
-              <a:buClr>
-                <a:srgbClr val="000000"/>
-              </a:buClr>
-              <a:buFont typeface="Arial"/>
-              <a:buChar char="•"/>
-            </a:pPr>
             <a:r>
               <a:rPr b="0" lang="en-US" sz="1500" spc="-1" strike="noStrike">
                 <a:solidFill>
@@ -11620,7 +9620,7 @@
             </a:endParaRPr>
           </a:p>
           <a:p>
-            <a:pPr lvl="1" marL="432000" indent="-216000">
+            <a:pPr lvl="1" marL="432000" indent="-215640">
               <a:lnSpc>
                 <a:spcPct val="120000"/>
               </a:lnSpc>
@@ -11646,7 +9646,7 @@
             </a:endParaRPr>
           </a:p>
           <a:p>
-            <a:pPr lvl="1" marL="432000" indent="-216000">
+            <a:pPr lvl="1" marL="432000" indent="-215640">
               <a:lnSpc>
                 <a:spcPct val="120000"/>
               </a:lnSpc>
@@ -11672,7 +9672,7 @@
             </a:endParaRPr>
           </a:p>
           <a:p>
-            <a:pPr lvl="1" marL="432000" indent="-216000">
+            <a:pPr lvl="1" marL="432000" indent="-215640">
               <a:lnSpc>
                 <a:spcPct val="120000"/>
               </a:lnSpc>
@@ -11698,7 +9698,7 @@
             </a:endParaRPr>
           </a:p>
           <a:p>
-            <a:pPr lvl="1" marL="432000" indent="-216000">
+            <a:pPr lvl="1" marL="432000" indent="-215640">
               <a:lnSpc>
                 <a:spcPct val="120000"/>
               </a:lnSpc>
@@ -11724,7 +9724,7 @@
             </a:endParaRPr>
           </a:p>
           <a:p>
-            <a:pPr marL="285840" indent="-282960">
+            <a:pPr marL="285840" indent="-282600">
               <a:lnSpc>
                 <a:spcPct val="120000"/>
               </a:lnSpc>
@@ -11749,7 +9749,17 @@
             </a:endParaRPr>
           </a:p>
           <a:p>
-            <a:pPr marL="285840" indent="-282960">
+            <a:pPr>
+              <a:lnSpc>
+                <a:spcPct val="120000"/>
+              </a:lnSpc>
+            </a:pPr>
+            <a:endParaRPr b="0" lang="en-US" sz="1500" spc="-1" strike="noStrike">
+              <a:latin typeface="Arial"/>
+            </a:endParaRPr>
+          </a:p>
+          <a:p>
+            <a:pPr marL="285840" indent="-282600">
               <a:lnSpc>
                 <a:spcPct val="120000"/>
               </a:lnSpc>
@@ -11759,21 +9769,6 @@
               <a:buFont typeface="Arial"/>
               <a:buChar char="•"/>
             </a:pPr>
-            <a:endParaRPr b="0" lang="en-US" sz="1500" spc="-1" strike="noStrike">
-              <a:latin typeface="Arial"/>
-            </a:endParaRPr>
-          </a:p>
-          <a:p>
-            <a:pPr marL="285840" indent="-282960">
-              <a:lnSpc>
-                <a:spcPct val="120000"/>
-              </a:lnSpc>
-              <a:buClr>
-                <a:srgbClr val="000000"/>
-              </a:buClr>
-              <a:buFont typeface="Arial"/>
-              <a:buChar char="•"/>
-            </a:pPr>
             <a:r>
               <a:rPr b="0" lang="en-US" sz="1500" spc="-1" strike="noStrike">
                 <a:solidFill>
@@ -11789,7 +9784,7 @@
             </a:endParaRPr>
           </a:p>
           <a:p>
-            <a:pPr marL="285840" indent="-282960">
+            <a:pPr marL="285840" indent="-282600">
               <a:lnSpc>
                 <a:spcPct val="120000"/>
               </a:lnSpc>
@@ -11913,7 +9908,7 @@
         <p:spPr>
           <a:xfrm>
             <a:off x="720000" y="288000"/>
-            <a:ext cx="6621120" cy="501120"/>
+            <a:ext cx="6620760" cy="500760"/>
           </a:xfrm>
           <a:prstGeom prst="rect">
             <a:avLst/>
@@ -11962,7 +9957,7 @@
         <p:spPr>
           <a:xfrm>
             <a:off x="4968000" y="5004000"/>
-            <a:ext cx="3237120" cy="105120"/>
+            <a:ext cx="3236760" cy="104760"/>
           </a:xfrm>
           <a:prstGeom prst="rect">
             <a:avLst/>
@@ -12011,7 +10006,7 @@
         <p:spPr>
           <a:xfrm>
             <a:off x="8280000" y="5004000"/>
-            <a:ext cx="141120" cy="105120"/>
+            <a:ext cx="140760" cy="104760"/>
           </a:xfrm>
           <a:prstGeom prst="rect">
             <a:avLst/>
@@ -12035,7 +10030,7 @@
                 <a:spcPct val="100000"/>
               </a:lnSpc>
             </a:pPr>
-            <a:fld id="{3EE55890-C57A-4115-9A4A-875F25B02EA2}" type="slidenum">
+            <a:fld id="{D1B0438D-7380-4452-887B-87AE7960867B}" type="slidenum">
               <a:rPr b="0" lang="en-US" sz="600" spc="-1" strike="noStrike">
                 <a:solidFill>
                   <a:srgbClr val="ffffff"/>
@@ -12043,7 +10038,7 @@
                 <a:latin typeface="Arial"/>
                 <a:ea typeface="DejaVu Sans"/>
               </a:rPr>
-              <a:t>&lt;number&gt;</a:t>
+              <a:t>1</a:t>
             </a:fld>
             <a:endParaRPr b="0" lang="en-US" sz="600" spc="-1" strike="noStrike">
               <a:latin typeface="Arial"/>
@@ -12060,7 +10055,7 @@
         <p:spPr>
           <a:xfrm>
             <a:off x="640080" y="822960"/>
-            <a:ext cx="6621120" cy="3884400"/>
+            <a:ext cx="6620760" cy="3884040"/>
           </a:xfrm>
           <a:prstGeom prst="rect">
             <a:avLst/>
@@ -12089,7 +10084,7 @@
             </a:endParaRPr>
           </a:p>
           <a:p>
-            <a:pPr marL="285840" indent="-282960">
+            <a:pPr marL="285840" indent="-282600">
               <a:lnSpc>
                 <a:spcPct val="120000"/>
               </a:lnSpc>
@@ -12114,7 +10109,7 @@
             </a:endParaRPr>
           </a:p>
           <a:p>
-            <a:pPr marL="285840" indent="-282960">
+            <a:pPr marL="285840" indent="-282600">
               <a:lnSpc>
                 <a:spcPct val="120000"/>
               </a:lnSpc>
@@ -12139,7 +10134,7 @@
             </a:endParaRPr>
           </a:p>
           <a:p>
-            <a:pPr marL="285840" indent="-282960">
+            <a:pPr marL="285840" indent="-282600">
               <a:lnSpc>
                 <a:spcPct val="120000"/>
               </a:lnSpc>
@@ -12164,7 +10159,7 @@
             </a:endParaRPr>
           </a:p>
           <a:p>
-            <a:pPr marL="285840" indent="-282960">
+            <a:pPr marL="285840" indent="-282600">
               <a:lnSpc>
                 <a:spcPct val="120000"/>
               </a:lnSpc>
@@ -12199,7 +10194,7 @@
             </a:endParaRPr>
           </a:p>
           <a:p>
-            <a:pPr marL="285840" indent="-282960">
+            <a:pPr marL="285840" indent="-282600">
               <a:lnSpc>
                 <a:spcPct val="120000"/>
               </a:lnSpc>
@@ -12224,7 +10219,7 @@
             </a:endParaRPr>
           </a:p>
           <a:p>
-            <a:pPr marL="285840" indent="-282960">
+            <a:pPr marL="285840" indent="-282600">
               <a:lnSpc>
                 <a:spcPct val="120000"/>
               </a:lnSpc>

--- a/sig2/slides/SIG react 2.pptx
+++ b/sig2/slides/SIG react 2.pptx
@@ -4059,7 +4059,7 @@
         <p:spPr>
           <a:xfrm>
             <a:off x="7200000" y="360000"/>
-            <a:ext cx="1255680" cy="283320"/>
+            <a:ext cx="1255320" cy="282960"/>
           </a:xfrm>
           <a:prstGeom prst="rect">
             <a:avLst/>
@@ -4082,7 +4082,7 @@
         <p:spPr>
           <a:xfrm>
             <a:off x="0" y="4966560"/>
-            <a:ext cx="9140760" cy="173520"/>
+            <a:ext cx="9140400" cy="173160"/>
           </a:xfrm>
           <a:prstGeom prst="rect">
             <a:avLst/>
@@ -4139,7 +4139,7 @@
         <p:spPr>
           <a:xfrm>
             <a:off x="0" y="4966560"/>
-            <a:ext cx="9140760" cy="173520"/>
+            <a:ext cx="9140400" cy="173160"/>
           </a:xfrm>
           <a:prstGeom prst="rect">
             <a:avLst/>
@@ -4162,7 +4162,7 @@
         <p:spPr>
           <a:xfrm>
             <a:off x="648000" y="108000"/>
-            <a:ext cx="2877120" cy="645840"/>
+            <a:ext cx="2876760" cy="645480"/>
           </a:xfrm>
           <a:prstGeom prst="rect">
             <a:avLst/>
@@ -4443,7 +4443,7 @@
         <p:spPr>
           <a:xfrm>
             <a:off x="7200000" y="360000"/>
-            <a:ext cx="1255680" cy="283320"/>
+            <a:ext cx="1255320" cy="282960"/>
           </a:xfrm>
           <a:prstGeom prst="rect">
             <a:avLst/>
@@ -4466,7 +4466,7 @@
         <p:spPr>
           <a:xfrm>
             <a:off x="0" y="4966560"/>
-            <a:ext cx="9140760" cy="173520"/>
+            <a:ext cx="9140400" cy="173160"/>
           </a:xfrm>
           <a:prstGeom prst="rect">
             <a:avLst/>
@@ -4781,7 +4781,7 @@
         <p:spPr>
           <a:xfrm>
             <a:off x="7200000" y="360000"/>
-            <a:ext cx="1255680" cy="283320"/>
+            <a:ext cx="1255320" cy="282960"/>
           </a:xfrm>
           <a:prstGeom prst="rect">
             <a:avLst/>
@@ -4804,7 +4804,7 @@
         <p:spPr>
           <a:xfrm>
             <a:off x="0" y="4966560"/>
-            <a:ext cx="9140760" cy="173520"/>
+            <a:ext cx="9140400" cy="173160"/>
           </a:xfrm>
           <a:prstGeom prst="rect">
             <a:avLst/>
@@ -4857,7 +4857,7 @@
         <p:spPr>
           <a:xfrm>
             <a:off x="0" y="812880"/>
-            <a:ext cx="9140760" cy="3506760"/>
+            <a:ext cx="9140400" cy="3506400"/>
           </a:xfrm>
           <a:prstGeom prst="rect">
             <a:avLst/>
@@ -5149,7 +5149,7 @@
         <p:spPr>
           <a:xfrm>
             <a:off x="0" y="810000"/>
-            <a:ext cx="9140760" cy="3344760"/>
+            <a:ext cx="9140400" cy="3344400"/>
           </a:xfrm>
           <a:prstGeom prst="rect">
             <a:avLst/>
@@ -5171,7 +5171,7 @@
         <p:spPr>
           <a:xfrm>
             <a:off x="5400000" y="1548000"/>
-            <a:ext cx="3020760" cy="3020760"/>
+            <a:ext cx="3020400" cy="3020400"/>
           </a:xfrm>
           <a:prstGeom prst="rect">
             <a:avLst/>
@@ -5216,7 +5216,7 @@
                 <a:latin typeface="Arial"/>
                 <a:ea typeface="DejaVu Sans"/>
               </a:rPr>
-              <a:t>04-09-2018</a:t>
+              <a:t>30-11-2018</a:t>
             </a:r>
             <a:endParaRPr b="0" lang="en-US" sz="2800" spc="-1" strike="noStrike">
               <a:latin typeface="Arial"/>
@@ -5282,7 +5282,7 @@
         <p:spPr>
           <a:xfrm>
             <a:off x="720000" y="288000"/>
-            <a:ext cx="6620760" cy="500760"/>
+            <a:ext cx="6620400" cy="500400"/>
           </a:xfrm>
           <a:prstGeom prst="rect">
             <a:avLst/>
@@ -5331,7 +5331,7 @@
         <p:spPr>
           <a:xfrm>
             <a:off x="4968000" y="5004000"/>
-            <a:ext cx="3236760" cy="104760"/>
+            <a:ext cx="3236400" cy="104400"/>
           </a:xfrm>
           <a:prstGeom prst="rect">
             <a:avLst/>
@@ -5380,7 +5380,7 @@
         <p:spPr>
           <a:xfrm>
             <a:off x="8280000" y="5004000"/>
-            <a:ext cx="140760" cy="104760"/>
+            <a:ext cx="140400" cy="104400"/>
           </a:xfrm>
           <a:prstGeom prst="rect">
             <a:avLst/>
@@ -5404,7 +5404,7 @@
                 <a:spcPct val="100000"/>
               </a:lnSpc>
             </a:pPr>
-            <a:fld id="{AB8FE0E9-4FFB-4223-991E-2DD492E3AFB5}" type="slidenum">
+            <a:fld id="{6426F667-9A8E-4894-80C8-8DCD90C185DE}" type="slidenum">
               <a:rPr b="0" lang="en-US" sz="600" spc="-1" strike="noStrike">
                 <a:solidFill>
                   <a:srgbClr val="ffffff"/>
@@ -5429,7 +5429,7 @@
         <p:spPr>
           <a:xfrm>
             <a:off x="640080" y="822960"/>
-            <a:ext cx="6620760" cy="3884040"/>
+            <a:ext cx="6620400" cy="3883680"/>
           </a:xfrm>
           <a:prstGeom prst="rect">
             <a:avLst/>
@@ -5458,7 +5458,7 @@
             </a:endParaRPr>
           </a:p>
           <a:p>
-            <a:pPr marL="285840" indent="-282600">
+            <a:pPr marL="285840" indent="-282240">
               <a:lnSpc>
                 <a:spcPct val="120000"/>
               </a:lnSpc>
@@ -5483,7 +5483,7 @@
             </a:endParaRPr>
           </a:p>
           <a:p>
-            <a:pPr marL="285840" indent="-282600">
+            <a:pPr marL="285840" indent="-282240">
               <a:lnSpc>
                 <a:spcPct val="120000"/>
               </a:lnSpc>
@@ -5501,14 +5501,34 @@
                 <a:latin typeface="Arial"/>
                 <a:ea typeface="DejaVu Sans"/>
               </a:rPr>
-              <a:t>Use `PropTypes.shape({...})` to describe an object</a:t>
+              <a:t>Use `</a:t>
+            </a:r>
+            <a:r>
+              <a:rPr b="0" i="1" lang="en-US" sz="1500" spc="-1" strike="noStrike">
+                <a:solidFill>
+                  <a:srgbClr val="000000"/>
+                </a:solidFill>
+                <a:latin typeface="Arial"/>
+                <a:ea typeface="DejaVu Sans"/>
+              </a:rPr>
+              <a:t>PropTypes.shape({...})</a:t>
+            </a:r>
+            <a:r>
+              <a:rPr b="0" lang="en-US" sz="1500" spc="-1" strike="noStrike">
+                <a:solidFill>
+                  <a:srgbClr val="000000"/>
+                </a:solidFill>
+                <a:latin typeface="Arial"/>
+                <a:ea typeface="DejaVu Sans"/>
+              </a:rPr>
+              <a:t>` to describe an object</a:t>
             </a:r>
             <a:endParaRPr b="0" lang="en-US" sz="1500" spc="-1" strike="noStrike">
               <a:latin typeface="Arial"/>
             </a:endParaRPr>
           </a:p>
           <a:p>
-            <a:pPr marL="285840" indent="-282600">
+            <a:pPr marL="285840" indent="-282240">
               <a:lnSpc>
                 <a:spcPct val="120000"/>
               </a:lnSpc>
@@ -5602,7 +5622,7 @@
         <p:spPr>
           <a:xfrm>
             <a:off x="720000" y="288000"/>
-            <a:ext cx="6620760" cy="500760"/>
+            <a:ext cx="6620400" cy="500400"/>
           </a:xfrm>
           <a:prstGeom prst="rect">
             <a:avLst/>
@@ -5651,7 +5671,7 @@
         <p:spPr>
           <a:xfrm>
             <a:off x="4968000" y="5004000"/>
-            <a:ext cx="3236760" cy="104760"/>
+            <a:ext cx="3236400" cy="104400"/>
           </a:xfrm>
           <a:prstGeom prst="rect">
             <a:avLst/>
@@ -5700,7 +5720,7 @@
         <p:spPr>
           <a:xfrm>
             <a:off x="8280000" y="5004000"/>
-            <a:ext cx="140760" cy="104760"/>
+            <a:ext cx="140400" cy="104400"/>
           </a:xfrm>
           <a:prstGeom prst="rect">
             <a:avLst/>
@@ -5724,7 +5744,7 @@
                 <a:spcPct val="100000"/>
               </a:lnSpc>
             </a:pPr>
-            <a:fld id="{9792DA0E-1C02-4126-853B-2C4A35832AD1}" type="slidenum">
+            <a:fld id="{F0920AA9-72D8-42FA-A2D4-BC97B9BECA96}" type="slidenum">
               <a:rPr b="0" lang="en-US" sz="600" spc="-1" strike="noStrike">
                 <a:solidFill>
                   <a:srgbClr val="ffffff"/>
@@ -5749,7 +5769,7 @@
         <p:spPr>
           <a:xfrm>
             <a:off x="640080" y="822960"/>
-            <a:ext cx="6620760" cy="3884040"/>
+            <a:ext cx="6620400" cy="3883680"/>
           </a:xfrm>
           <a:prstGeom prst="rect">
             <a:avLst/>
@@ -5778,7 +5798,7 @@
             </a:endParaRPr>
           </a:p>
           <a:p>
-            <a:pPr marL="285840" indent="-282600">
+            <a:pPr marL="285840" indent="-282240">
               <a:lnSpc>
                 <a:spcPct val="120000"/>
               </a:lnSpc>
@@ -5803,7 +5823,7 @@
             </a:endParaRPr>
           </a:p>
           <a:p>
-            <a:pPr marL="285840" indent="-282600">
+            <a:pPr marL="285840" indent="-282240">
               <a:lnSpc>
                 <a:spcPct val="120000"/>
               </a:lnSpc>
@@ -5828,7 +5848,7 @@
             </a:endParaRPr>
           </a:p>
           <a:p>
-            <a:pPr marL="285840" indent="-282600">
+            <a:pPr marL="285840" indent="-282240">
               <a:lnSpc>
                 <a:spcPct val="120000"/>
               </a:lnSpc>
@@ -5853,7 +5873,7 @@
             </a:endParaRPr>
           </a:p>
           <a:p>
-            <a:pPr marL="285840" indent="-282600">
+            <a:pPr marL="285840" indent="-282240">
               <a:lnSpc>
                 <a:spcPct val="120000"/>
               </a:lnSpc>
@@ -5878,7 +5898,7 @@
             </a:endParaRPr>
           </a:p>
           <a:p>
-            <a:pPr marL="285840" indent="-282600">
+            <a:pPr marL="285840" indent="-282240">
               <a:lnSpc>
                 <a:spcPct val="120000"/>
               </a:lnSpc>
@@ -5903,7 +5923,7 @@
             </a:endParaRPr>
           </a:p>
           <a:p>
-            <a:pPr marL="285840" indent="-282600">
+            <a:pPr marL="285840" indent="-282240">
               <a:lnSpc>
                 <a:spcPct val="120000"/>
               </a:lnSpc>
@@ -5928,7 +5948,7 @@
             </a:endParaRPr>
           </a:p>
           <a:p>
-            <a:pPr marL="285840" indent="-282600">
+            <a:pPr marL="285840" indent="-282240">
               <a:lnSpc>
                 <a:spcPct val="120000"/>
               </a:lnSpc>
@@ -5953,7 +5973,7 @@
             </a:endParaRPr>
           </a:p>
           <a:p>
-            <a:pPr marL="285840" indent="-282600">
+            <a:pPr marL="285840" indent="-282240">
               <a:lnSpc>
                 <a:spcPct val="120000"/>
               </a:lnSpc>
@@ -5988,7 +6008,7 @@
             </a:endParaRPr>
           </a:p>
           <a:p>
-            <a:pPr marL="285840" indent="-282600">
+            <a:pPr marL="285840" indent="-282240">
               <a:lnSpc>
                 <a:spcPct val="120000"/>
               </a:lnSpc>
@@ -6092,7 +6112,7 @@
         <p:spPr>
           <a:xfrm>
             <a:off x="720000" y="288000"/>
-            <a:ext cx="6620760" cy="500760"/>
+            <a:ext cx="6620400" cy="500400"/>
           </a:xfrm>
           <a:prstGeom prst="rect">
             <a:avLst/>
@@ -6141,7 +6161,7 @@
         <p:spPr>
           <a:xfrm>
             <a:off x="4968000" y="5004000"/>
-            <a:ext cx="3236760" cy="104760"/>
+            <a:ext cx="3236400" cy="104400"/>
           </a:xfrm>
           <a:prstGeom prst="rect">
             <a:avLst/>
@@ -6190,7 +6210,7 @@
         <p:spPr>
           <a:xfrm>
             <a:off x="8280000" y="5004000"/>
-            <a:ext cx="140760" cy="104760"/>
+            <a:ext cx="140400" cy="104400"/>
           </a:xfrm>
           <a:prstGeom prst="rect">
             <a:avLst/>
@@ -6214,7 +6234,7 @@
                 <a:spcPct val="100000"/>
               </a:lnSpc>
             </a:pPr>
-            <a:fld id="{11EDDBC2-666D-4829-94FD-B6C3967F3E29}" type="slidenum">
+            <a:fld id="{16AD9FB0-0769-4C36-AA73-93329EE3FE4F}" type="slidenum">
               <a:rPr b="0" lang="en-US" sz="600" spc="-1" strike="noStrike">
                 <a:solidFill>
                   <a:srgbClr val="ffffff"/>
@@ -6239,7 +6259,7 @@
         <p:spPr>
           <a:xfrm>
             <a:off x="601560" y="822960"/>
-            <a:ext cx="6620760" cy="3884040"/>
+            <a:ext cx="6620400" cy="3883680"/>
           </a:xfrm>
           <a:prstGeom prst="rect">
             <a:avLst/>
@@ -6268,7 +6288,7 @@
             </a:endParaRPr>
           </a:p>
           <a:p>
-            <a:pPr marL="285840" indent="-282600">
+            <a:pPr marL="285840" indent="-282240">
               <a:lnSpc>
                 <a:spcPct val="120000"/>
               </a:lnSpc>
@@ -6313,7 +6333,7 @@
             </a:endParaRPr>
           </a:p>
           <a:p>
-            <a:pPr marL="285840" indent="-282600">
+            <a:pPr marL="285840" indent="-282240">
               <a:lnSpc>
                 <a:spcPct val="120000"/>
               </a:lnSpc>
@@ -6358,7 +6378,7 @@
             </a:endParaRPr>
           </a:p>
           <a:p>
-            <a:pPr marL="285840" indent="-282600">
+            <a:pPr marL="285840" indent="-282240">
               <a:lnSpc>
                 <a:spcPct val="120000"/>
               </a:lnSpc>
@@ -6407,7 +6427,7 @@
         <p:spPr>
           <a:xfrm>
             <a:off x="5394960" y="939600"/>
-            <a:ext cx="1780560" cy="980280"/>
+            <a:ext cx="1780200" cy="979920"/>
           </a:xfrm>
           <a:prstGeom prst="rect">
             <a:avLst/>
@@ -6430,7 +6450,7 @@
         <p:spPr>
           <a:xfrm>
             <a:off x="5429520" y="2817720"/>
-            <a:ext cx="2799720" cy="199440"/>
+            <a:ext cx="2799360" cy="199080"/>
           </a:xfrm>
           <a:prstGeom prst="rect">
             <a:avLst/>
@@ -6453,7 +6473,7 @@
         <p:spPr>
           <a:xfrm>
             <a:off x="5394960" y="1920240"/>
-            <a:ext cx="3056760" cy="437400"/>
+            <a:ext cx="3056400" cy="437040"/>
           </a:xfrm>
           <a:prstGeom prst="rect">
             <a:avLst/>
@@ -6521,7 +6541,7 @@
         <p:spPr>
           <a:xfrm>
             <a:off x="720000" y="288000"/>
-            <a:ext cx="6620760" cy="500760"/>
+            <a:ext cx="6620400" cy="500400"/>
           </a:xfrm>
           <a:prstGeom prst="rect">
             <a:avLst/>
@@ -6570,7 +6590,7 @@
         <p:spPr>
           <a:xfrm>
             <a:off x="4968000" y="5004000"/>
-            <a:ext cx="3236760" cy="104760"/>
+            <a:ext cx="3236400" cy="104400"/>
           </a:xfrm>
           <a:prstGeom prst="rect">
             <a:avLst/>
@@ -6619,7 +6639,7 @@
         <p:spPr>
           <a:xfrm>
             <a:off x="8280000" y="5004000"/>
-            <a:ext cx="140760" cy="104760"/>
+            <a:ext cx="140400" cy="104400"/>
           </a:xfrm>
           <a:prstGeom prst="rect">
             <a:avLst/>
@@ -6643,7 +6663,7 @@
                 <a:spcPct val="100000"/>
               </a:lnSpc>
             </a:pPr>
-            <a:fld id="{41414F70-E12C-4014-99BD-D07DAA1BEA43}" type="slidenum">
+            <a:fld id="{848A10FD-4ED6-4363-B339-FCAF23399C54}" type="slidenum">
               <a:rPr b="0" lang="en-US" sz="600" spc="-1" strike="noStrike">
                 <a:solidFill>
                   <a:srgbClr val="ffffff"/>
@@ -6668,7 +6688,7 @@
         <p:spPr>
           <a:xfrm>
             <a:off x="601560" y="822960"/>
-            <a:ext cx="6620760" cy="3884040"/>
+            <a:ext cx="6620400" cy="3883680"/>
           </a:xfrm>
           <a:prstGeom prst="rect">
             <a:avLst/>
@@ -6710,7 +6730,27 @@
                 <a:latin typeface="Arial"/>
                 <a:ea typeface="DejaVu Sans"/>
               </a:rPr>
-              <a:t>Add an onClick function to your AccommodationCard component which implements `this.props.history.push(...)`. This function is provided when you use `export default withRouter(AccommodationCard). WithRouter comes from the package ‘react-router-dom’.</a:t>
+              <a:t>Add an onClick function to your AccommodationCard component which implements `</a:t>
+            </a:r>
+            <a:r>
+              <a:rPr b="0" i="1" lang="en-US" sz="1500" spc="-1" strike="noStrike">
+                <a:solidFill>
+                  <a:srgbClr val="000000"/>
+                </a:solidFill>
+                <a:latin typeface="Arial"/>
+                <a:ea typeface="DejaVu Sans"/>
+              </a:rPr>
+              <a:t>this.props.history.push(...)</a:t>
+            </a:r>
+            <a:r>
+              <a:rPr b="0" lang="en-US" sz="1500" spc="-1" strike="noStrike">
+                <a:solidFill>
+                  <a:srgbClr val="000000"/>
+                </a:solidFill>
+                <a:latin typeface="Arial"/>
+                <a:ea typeface="DejaVu Sans"/>
+              </a:rPr>
+              <a:t>`. This function is provided when you use `export default withRouter(AccommodationCard). WithRouter comes from the package ‘react-router-dom’.</a:t>
             </a:r>
             <a:endParaRPr b="0" lang="en-US" sz="1500" spc="-1" strike="noStrike">
               <a:latin typeface="Arial"/>
@@ -6727,7 +6767,7 @@
             </a:endParaRPr>
           </a:p>
           <a:p>
-            <a:pPr marL="285840" indent="-282600">
+            <a:pPr marL="285840" indent="-282240">
               <a:lnSpc>
                 <a:spcPct val="120000"/>
               </a:lnSpc>
@@ -6752,7 +6792,7 @@
             </a:endParaRPr>
           </a:p>
           <a:p>
-            <a:pPr marL="285840" indent="-282600">
+            <a:pPr marL="285840" indent="-282240">
               <a:lnSpc>
                 <a:spcPct val="120000"/>
               </a:lnSpc>
@@ -6770,14 +6810,34 @@
                 <a:latin typeface="Arial"/>
                 <a:ea typeface="DejaVu Sans"/>
               </a:rPr>
-              <a:t>Console.log `this.props` to see where your ID is</a:t>
+              <a:t>Console.log `</a:t>
+            </a:r>
+            <a:r>
+              <a:rPr b="0" i="1" lang="en-US" sz="1500" spc="-1" strike="noStrike">
+                <a:solidFill>
+                  <a:srgbClr val="000000"/>
+                </a:solidFill>
+                <a:latin typeface="Arial"/>
+                <a:ea typeface="DejaVu Sans"/>
+              </a:rPr>
+              <a:t>this.props</a:t>
+            </a:r>
+            <a:r>
+              <a:rPr b="0" lang="en-US" sz="1500" spc="-1" strike="noStrike">
+                <a:solidFill>
+                  <a:srgbClr val="000000"/>
+                </a:solidFill>
+                <a:latin typeface="Arial"/>
+                <a:ea typeface="DejaVu Sans"/>
+              </a:rPr>
+              <a:t>` to see where your ID is</a:t>
             </a:r>
             <a:endParaRPr b="0" lang="en-US" sz="1500" spc="-1" strike="noStrike">
               <a:latin typeface="Arial"/>
             </a:endParaRPr>
           </a:p>
           <a:p>
-            <a:pPr marL="285840" indent="-282600">
+            <a:pPr marL="285840" indent="-282240">
               <a:lnSpc>
                 <a:spcPct val="120000"/>
               </a:lnSpc>
@@ -6802,7 +6862,7 @@
             </a:endParaRPr>
           </a:p>
           <a:p>
-            <a:pPr marL="285840" indent="-282600">
+            <a:pPr marL="285840" indent="-282240">
               <a:lnSpc>
                 <a:spcPct val="120000"/>
               </a:lnSpc>
@@ -6886,7 +6946,7 @@
         <p:spPr>
           <a:xfrm>
             <a:off x="720000" y="288000"/>
-            <a:ext cx="6620760" cy="500760"/>
+            <a:ext cx="6620400" cy="500400"/>
           </a:xfrm>
           <a:prstGeom prst="rect">
             <a:avLst/>
@@ -6935,7 +6995,7 @@
         <p:spPr>
           <a:xfrm>
             <a:off x="4968000" y="5004000"/>
-            <a:ext cx="3236760" cy="104760"/>
+            <a:ext cx="3236400" cy="104400"/>
           </a:xfrm>
           <a:prstGeom prst="rect">
             <a:avLst/>
@@ -6984,7 +7044,7 @@
         <p:spPr>
           <a:xfrm>
             <a:off x="8280000" y="5004000"/>
-            <a:ext cx="140760" cy="104760"/>
+            <a:ext cx="140400" cy="104400"/>
           </a:xfrm>
           <a:prstGeom prst="rect">
             <a:avLst/>
@@ -7008,7 +7068,7 @@
                 <a:spcPct val="100000"/>
               </a:lnSpc>
             </a:pPr>
-            <a:fld id="{09C55BB2-193D-4A54-B695-FB9F5D9D6964}" type="slidenum">
+            <a:fld id="{3DA5F036-95C6-4D00-8BC9-27FC40CE644A}" type="slidenum">
               <a:rPr b="0" lang="en-US" sz="600" spc="-1" strike="noStrike">
                 <a:solidFill>
                   <a:srgbClr val="ffffff"/>
@@ -7037,7 +7097,7 @@
         <p:spPr>
           <a:xfrm>
             <a:off x="9720" y="1179000"/>
-            <a:ext cx="9143280" cy="3103200"/>
+            <a:ext cx="9142920" cy="3102840"/>
           </a:xfrm>
           <a:prstGeom prst="rect">
             <a:avLst/>
@@ -7105,7 +7165,7 @@
         <p:spPr>
           <a:xfrm>
             <a:off x="720000" y="288000"/>
-            <a:ext cx="6620760" cy="500760"/>
+            <a:ext cx="6620400" cy="500400"/>
           </a:xfrm>
           <a:prstGeom prst="rect">
             <a:avLst/>
@@ -7154,7 +7214,7 @@
         <p:spPr>
           <a:xfrm>
             <a:off x="4968000" y="5004000"/>
-            <a:ext cx="3236760" cy="104760"/>
+            <a:ext cx="3236400" cy="104400"/>
           </a:xfrm>
           <a:prstGeom prst="rect">
             <a:avLst/>
@@ -7203,7 +7263,7 @@
         <p:spPr>
           <a:xfrm>
             <a:off x="8280000" y="5004000"/>
-            <a:ext cx="140760" cy="104760"/>
+            <a:ext cx="140400" cy="104400"/>
           </a:xfrm>
           <a:prstGeom prst="rect">
             <a:avLst/>
@@ -7227,7 +7287,7 @@
                 <a:spcPct val="100000"/>
               </a:lnSpc>
             </a:pPr>
-            <a:fld id="{F213E286-C769-46A0-BB40-F5B98EFCAA92}" type="slidenum">
+            <a:fld id="{575F1BF1-E57E-4DF4-AA99-F47AE8A6F968}" type="slidenum">
               <a:rPr b="0" lang="en-US" sz="600" spc="-1" strike="noStrike">
                 <a:solidFill>
                   <a:srgbClr val="ffffff"/>
@@ -7252,7 +7312,7 @@
         <p:spPr>
           <a:xfrm>
             <a:off x="876240" y="548640"/>
-            <a:ext cx="6620760" cy="3884040"/>
+            <a:ext cx="6620400" cy="3883680"/>
           </a:xfrm>
           <a:prstGeom prst="rect">
             <a:avLst/>
@@ -7281,7 +7341,7 @@
             </a:endParaRPr>
           </a:p>
           <a:p>
-            <a:pPr marL="285840" indent="-282600">
+            <a:pPr marL="285840" indent="-282240">
               <a:lnSpc>
                 <a:spcPct val="120000"/>
               </a:lnSpc>
@@ -7350,7 +7410,7 @@
         <p:spPr>
           <a:xfrm>
             <a:off x="1737360" y="2314440"/>
-            <a:ext cx="4218840" cy="380160"/>
+            <a:ext cx="4218480" cy="379800"/>
           </a:xfrm>
           <a:prstGeom prst="rect">
             <a:avLst/>
@@ -7453,7 +7513,7 @@
         <p:spPr>
           <a:xfrm>
             <a:off x="0" y="1276560"/>
-            <a:ext cx="2651400" cy="734760"/>
+            <a:ext cx="2651040" cy="734400"/>
           </a:xfrm>
           <a:prstGeom prst="rect">
             <a:avLst/>
@@ -7479,7 +7539,11 @@
             </a:pPr>
             <a:r>
               <a:rPr b="0" lang="en-US" sz="1800" spc="-1" strike="noStrike">
-                <a:latin typeface="Arial"/>
+                <a:solidFill>
+                  <a:srgbClr val="000000"/>
+                </a:solidFill>
+                <a:latin typeface="Arial"/>
+                <a:ea typeface="DejaVu Sans"/>
               </a:rPr>
               <a:t>Browser function:</a:t>
             </a:r>
@@ -7495,7 +7559,11 @@
             </a:pPr>
             <a:r>
               <a:rPr b="0" lang="en-US" sz="1800" spc="-1" strike="noStrike">
-                <a:latin typeface="Arial"/>
+                <a:solidFill>
+                  <a:srgbClr val="000000"/>
+                </a:solidFill>
+                <a:latin typeface="Arial"/>
+                <a:ea typeface="DejaVu Sans"/>
               </a:rPr>
               <a:t>Framework independent</a:t>
             </a:r>
@@ -7542,7 +7610,7 @@
         <p:spPr>
           <a:xfrm>
             <a:off x="1920240" y="3383280"/>
-            <a:ext cx="1828440" cy="1164600"/>
+            <a:ext cx="1828080" cy="1164240"/>
           </a:xfrm>
           <a:prstGeom prst="rect">
             <a:avLst/>
@@ -7568,7 +7636,11 @@
             </a:pPr>
             <a:r>
               <a:rPr b="0" lang="en-US" sz="1800" spc="-1" strike="noStrike">
-                <a:latin typeface="Arial"/>
+                <a:solidFill>
+                  <a:srgbClr val="000000"/>
+                </a:solidFill>
+                <a:latin typeface="Arial"/>
+                <a:ea typeface="DejaVu Sans"/>
               </a:rPr>
               <a:t>{</a:t>
             </a:r>
@@ -7584,13 +7656,21 @@
             </a:pPr>
             <a:r>
               <a:rPr b="0" lang="en-US" sz="1800" spc="-1" strike="noStrike">
-                <a:latin typeface="Arial"/>
+                <a:solidFill>
+                  <a:srgbClr val="000000"/>
+                </a:solidFill>
+                <a:latin typeface="Arial"/>
+                <a:ea typeface="DejaVu Sans"/>
               </a:rPr>
               <a:t>  </a:t>
             </a:r>
             <a:r>
               <a:rPr b="0" lang="en-US" sz="1800" spc="-1" strike="noStrike">
-                <a:latin typeface="Arial"/>
+                <a:solidFill>
+                  <a:srgbClr val="000000"/>
+                </a:solidFill>
+                <a:latin typeface="Arial"/>
+                <a:ea typeface="DejaVu Sans"/>
               </a:rPr>
               <a:t>headers: {…}, </a:t>
             </a:r>
@@ -7606,13 +7686,21 @@
             </a:pPr>
             <a:r>
               <a:rPr b="0" lang="en-US" sz="1800" spc="-1" strike="noStrike">
-                <a:latin typeface="Arial"/>
+                <a:solidFill>
+                  <a:srgbClr val="000000"/>
+                </a:solidFill>
+                <a:latin typeface="Arial"/>
+                <a:ea typeface="DejaVu Sans"/>
               </a:rPr>
               <a:t>  </a:t>
             </a:r>
             <a:r>
               <a:rPr b="0" lang="en-US" sz="1800" spc="-1" strike="noStrike">
-                <a:latin typeface="Arial"/>
+                <a:solidFill>
+                  <a:srgbClr val="000000"/>
+                </a:solidFill>
+                <a:latin typeface="Arial"/>
+                <a:ea typeface="DejaVu Sans"/>
               </a:rPr>
               <a:t>method: “...”, </a:t>
             </a:r>
@@ -7628,13 +7716,21 @@
             </a:pPr>
             <a:r>
               <a:rPr b="0" lang="en-US" sz="1800" spc="-1" strike="noStrike">
-                <a:latin typeface="Arial"/>
+                <a:solidFill>
+                  <a:srgbClr val="000000"/>
+                </a:solidFill>
+                <a:latin typeface="Arial"/>
+                <a:ea typeface="DejaVu Sans"/>
               </a:rPr>
               <a:t>  </a:t>
             </a:r>
             <a:r>
               <a:rPr b="0" lang="en-US" sz="1800" spc="-1" strike="noStrike">
-                <a:latin typeface="Arial"/>
+                <a:solidFill>
+                  <a:srgbClr val="000000"/>
+                </a:solidFill>
+                <a:latin typeface="Arial"/>
+                <a:ea typeface="DejaVu Sans"/>
               </a:rPr>
               <a:t>body: …</a:t>
             </a:r>
@@ -7650,7 +7746,11 @@
             </a:pPr>
             <a:r>
               <a:rPr b="0" lang="en-US" sz="1800" spc="-1" strike="noStrike">
-                <a:latin typeface="Arial"/>
+                <a:solidFill>
+                  <a:srgbClr val="000000"/>
+                </a:solidFill>
+                <a:latin typeface="Arial"/>
+                <a:ea typeface="DejaVu Sans"/>
               </a:rPr>
               <a:t>}</a:t>
             </a:r>
@@ -7669,7 +7769,7 @@
         <p:spPr>
           <a:xfrm>
             <a:off x="4297680" y="3352320"/>
-            <a:ext cx="1554120" cy="304920"/>
+            <a:ext cx="1553760" cy="304560"/>
           </a:xfrm>
           <a:prstGeom prst="rect">
             <a:avLst/>
@@ -7695,7 +7795,11 @@
             </a:pPr>
             <a:r>
               <a:rPr b="0" lang="en-US" sz="1800" spc="-1" strike="noStrike">
-                <a:latin typeface="Arial"/>
+                <a:solidFill>
+                  <a:srgbClr val="000000"/>
+                </a:solidFill>
+                <a:latin typeface="Arial"/>
+                <a:ea typeface="DejaVu Sans"/>
               </a:rPr>
               <a:t>stream</a:t>
             </a:r>
@@ -7714,7 +7818,7 @@
         <p:spPr>
           <a:xfrm>
             <a:off x="5852160" y="1066320"/>
-            <a:ext cx="2285640" cy="519840"/>
+            <a:ext cx="2285280" cy="519480"/>
           </a:xfrm>
           <a:prstGeom prst="rect">
             <a:avLst/>
@@ -7740,7 +7844,11 @@
             </a:pPr>
             <a:r>
               <a:rPr b="0" lang="en-US" sz="1800" spc="-1" strike="noStrike">
-                <a:latin typeface="Arial"/>
+                <a:solidFill>
+                  <a:srgbClr val="000000"/>
+                </a:solidFill>
+                <a:latin typeface="Arial"/>
+                <a:ea typeface="DejaVu Sans"/>
               </a:rPr>
               <a:t>Promise which returns the json</a:t>
             </a:r>
@@ -7808,7 +7916,7 @@
         <p:spPr>
           <a:xfrm>
             <a:off x="720000" y="288000"/>
-            <a:ext cx="6620760" cy="500760"/>
+            <a:ext cx="6620400" cy="500400"/>
           </a:xfrm>
           <a:prstGeom prst="rect">
             <a:avLst/>
@@ -7857,7 +7965,7 @@
         <p:spPr>
           <a:xfrm>
             <a:off x="4968000" y="5004000"/>
-            <a:ext cx="3236760" cy="104760"/>
+            <a:ext cx="3236400" cy="104400"/>
           </a:xfrm>
           <a:prstGeom prst="rect">
             <a:avLst/>
@@ -7906,7 +8014,7 @@
         <p:spPr>
           <a:xfrm>
             <a:off x="8280000" y="5004000"/>
-            <a:ext cx="140760" cy="104760"/>
+            <a:ext cx="140400" cy="104400"/>
           </a:xfrm>
           <a:prstGeom prst="rect">
             <a:avLst/>
@@ -7930,7 +8038,7 @@
                 <a:spcPct val="100000"/>
               </a:lnSpc>
             </a:pPr>
-            <a:fld id="{08BFC5F9-84E3-4CCC-AAD4-C5FDB34BF3F3}" type="slidenum">
+            <a:fld id="{5EE61B1B-5FA8-4350-83D9-3A94BBF12C7F}" type="slidenum">
               <a:rPr b="0" lang="en-US" sz="600" spc="-1" strike="noStrike">
                 <a:solidFill>
                   <a:srgbClr val="ffffff"/>
@@ -7955,7 +8063,7 @@
         <p:spPr>
           <a:xfrm>
             <a:off x="876240" y="548640"/>
-            <a:ext cx="6620760" cy="3884040"/>
+            <a:ext cx="6620400" cy="3883680"/>
           </a:xfrm>
           <a:prstGeom prst="rect">
             <a:avLst/>
@@ -7984,7 +8092,7 @@
             </a:endParaRPr>
           </a:p>
           <a:p>
-            <a:pPr marL="285840" indent="-282600">
+            <a:pPr marL="285840" indent="-282240">
               <a:lnSpc>
                 <a:spcPct val="120000"/>
               </a:lnSpc>
@@ -8053,7 +8161,7 @@
         <p:spPr>
           <a:xfrm>
             <a:off x="1920600" y="2602800"/>
-            <a:ext cx="3362040" cy="963000"/>
+            <a:ext cx="3361680" cy="962640"/>
           </a:xfrm>
           <a:prstGeom prst="rect">
             <a:avLst/>
@@ -8076,7 +8184,7 @@
         <p:spPr>
           <a:xfrm>
             <a:off x="1922760" y="1737360"/>
-            <a:ext cx="3023280" cy="259560"/>
+            <a:ext cx="3022920" cy="259200"/>
           </a:xfrm>
           <a:prstGeom prst="rect">
             <a:avLst/>
@@ -8099,7 +8207,7 @@
         <p:spPr>
           <a:xfrm>
             <a:off x="1927800" y="2227680"/>
-            <a:ext cx="3466800" cy="455040"/>
+            <a:ext cx="3466440" cy="454680"/>
           </a:xfrm>
           <a:prstGeom prst="rect">
             <a:avLst/>
@@ -8118,7 +8226,7 @@
         <p:spPr>
           <a:xfrm>
             <a:off x="4663440" y="4357800"/>
-            <a:ext cx="4113720" cy="305280"/>
+            <a:ext cx="4113360" cy="304920"/>
           </a:xfrm>
           <a:prstGeom prst="rect">
             <a:avLst/>
@@ -8144,7 +8252,11 @@
             </a:pPr>
             <a:r>
               <a:rPr b="0" lang="en-US" sz="1800" spc="-1" strike="noStrike">
-                <a:latin typeface="Arial"/>
+                <a:solidFill>
+                  <a:srgbClr val="000000"/>
+                </a:solidFill>
+                <a:latin typeface="Arial"/>
+                <a:ea typeface="DejaVu Sans"/>
               </a:rPr>
               <a:t>https://github.com/facebook/prop-types</a:t>
             </a:r>
@@ -8212,7 +8324,7 @@
         <p:spPr>
           <a:xfrm>
             <a:off x="720000" y="288000"/>
-            <a:ext cx="6620760" cy="500760"/>
+            <a:ext cx="6620400" cy="500400"/>
           </a:xfrm>
           <a:prstGeom prst="rect">
             <a:avLst/>
@@ -8261,7 +8373,7 @@
         <p:spPr>
           <a:xfrm>
             <a:off x="4968000" y="5004000"/>
-            <a:ext cx="3236760" cy="104760"/>
+            <a:ext cx="3236400" cy="104400"/>
           </a:xfrm>
           <a:prstGeom prst="rect">
             <a:avLst/>
@@ -8310,7 +8422,7 @@
         <p:spPr>
           <a:xfrm>
             <a:off x="8280000" y="5004000"/>
-            <a:ext cx="140760" cy="104760"/>
+            <a:ext cx="140400" cy="104400"/>
           </a:xfrm>
           <a:prstGeom prst="rect">
             <a:avLst/>
@@ -8334,7 +8446,7 @@
                 <a:spcPct val="100000"/>
               </a:lnSpc>
             </a:pPr>
-            <a:fld id="{A751B332-276B-49F0-ABD5-5477911B3948}" type="slidenum">
+            <a:fld id="{CFBA1156-50A1-401B-AE0E-D36FA132B602}" type="slidenum">
               <a:rPr b="0" lang="en-US" sz="600" spc="-1" strike="noStrike">
                 <a:solidFill>
                   <a:srgbClr val="ffffff"/>
@@ -8359,7 +8471,7 @@
         <p:spPr>
           <a:xfrm>
             <a:off x="602640" y="504720"/>
-            <a:ext cx="6620760" cy="3884040"/>
+            <a:ext cx="6620400" cy="3883680"/>
           </a:xfrm>
           <a:prstGeom prst="rect">
             <a:avLst/>
@@ -8388,7 +8500,7 @@
             </a:endParaRPr>
           </a:p>
           <a:p>
-            <a:pPr marL="285840" indent="-282600">
+            <a:pPr marL="285840" indent="-282240">
               <a:lnSpc>
                 <a:spcPct val="120000"/>
               </a:lnSpc>
@@ -8423,7 +8535,7 @@
             </a:endParaRPr>
           </a:p>
           <a:p>
-            <a:pPr marL="285840" indent="-282600">
+            <a:pPr marL="285840" indent="-282240">
               <a:lnSpc>
                 <a:spcPct val="120000"/>
               </a:lnSpc>
@@ -8458,7 +8570,7 @@
             </a:endParaRPr>
           </a:p>
           <a:p>
-            <a:pPr marL="285840" indent="-282600">
+            <a:pPr marL="285840" indent="-282240">
               <a:lnSpc>
                 <a:spcPct val="120000"/>
               </a:lnSpc>
@@ -8493,7 +8605,7 @@
             </a:endParaRPr>
           </a:p>
           <a:p>
-            <a:pPr marL="285840" indent="-282600">
+            <a:pPr marL="285840" indent="-282240">
               <a:lnSpc>
                 <a:spcPct val="120000"/>
               </a:lnSpc>
@@ -8538,7 +8650,7 @@
             </a:endParaRPr>
           </a:p>
           <a:p>
-            <a:pPr marL="285840" indent="-282600">
+            <a:pPr marL="285840" indent="-282240">
               <a:lnSpc>
                 <a:spcPct val="120000"/>
               </a:lnSpc>
@@ -8563,7 +8675,7 @@
             </a:endParaRPr>
           </a:p>
           <a:p>
-            <a:pPr marL="285840" indent="-282600">
+            <a:pPr marL="285840" indent="-282240">
               <a:lnSpc>
                 <a:spcPct val="120000"/>
               </a:lnSpc>
@@ -8612,7 +8724,7 @@
         <p:spPr>
           <a:xfrm>
             <a:off x="5265720" y="1019520"/>
-            <a:ext cx="3695040" cy="1266120"/>
+            <a:ext cx="3694680" cy="1265760"/>
           </a:xfrm>
           <a:prstGeom prst="rect">
             <a:avLst/>
@@ -8635,7 +8747,7 @@
         <p:spPr>
           <a:xfrm>
             <a:off x="4431240" y="2468880"/>
-            <a:ext cx="4438080" cy="2418480"/>
+            <a:ext cx="4437720" cy="2418120"/>
           </a:xfrm>
           <a:prstGeom prst="rect">
             <a:avLst/>
@@ -8703,7 +8815,7 @@
         <p:spPr>
           <a:xfrm>
             <a:off x="720000" y="288000"/>
-            <a:ext cx="6620760" cy="500760"/>
+            <a:ext cx="6620400" cy="500400"/>
           </a:xfrm>
           <a:prstGeom prst="rect">
             <a:avLst/>
@@ -8752,7 +8864,7 @@
         <p:spPr>
           <a:xfrm>
             <a:off x="4968000" y="5004000"/>
-            <a:ext cx="3236760" cy="104760"/>
+            <a:ext cx="3236400" cy="104400"/>
           </a:xfrm>
           <a:prstGeom prst="rect">
             <a:avLst/>
@@ -8801,7 +8913,7 @@
         <p:spPr>
           <a:xfrm>
             <a:off x="8280000" y="5004000"/>
-            <a:ext cx="140760" cy="104760"/>
+            <a:ext cx="140400" cy="104400"/>
           </a:xfrm>
           <a:prstGeom prst="rect">
             <a:avLst/>
@@ -8825,7 +8937,7 @@
                 <a:spcPct val="100000"/>
               </a:lnSpc>
             </a:pPr>
-            <a:fld id="{3A08AC68-AA4A-4E69-B0BF-3E8F30CBEA2B}" type="slidenum">
+            <a:fld id="{CED67482-C940-4227-AC3F-514009158C92}" type="slidenum">
               <a:rPr b="0" lang="en-US" sz="600" spc="-1" strike="noStrike">
                 <a:solidFill>
                   <a:srgbClr val="ffffff"/>
@@ -8850,7 +8962,7 @@
         <p:spPr>
           <a:xfrm>
             <a:off x="602640" y="504720"/>
-            <a:ext cx="6620760" cy="3884040"/>
+            <a:ext cx="6620400" cy="3883680"/>
           </a:xfrm>
           <a:prstGeom prst="rect">
             <a:avLst/>
@@ -8879,7 +8991,7 @@
             </a:endParaRPr>
           </a:p>
           <a:p>
-            <a:pPr marL="285840" indent="-282600">
+            <a:pPr marL="285840" indent="-282240">
               <a:lnSpc>
                 <a:spcPct val="120000"/>
               </a:lnSpc>
@@ -8914,7 +9026,7 @@
             </a:endParaRPr>
           </a:p>
           <a:p>
-            <a:pPr marL="285840" indent="-282600">
+            <a:pPr marL="285840" indent="-282240">
               <a:lnSpc>
                 <a:spcPct val="120000"/>
               </a:lnSpc>
@@ -8949,7 +9061,7 @@
             </a:endParaRPr>
           </a:p>
           <a:p>
-            <a:pPr marL="285840" indent="-282600">
+            <a:pPr marL="285840" indent="-282240">
               <a:lnSpc>
                 <a:spcPct val="120000"/>
               </a:lnSpc>
@@ -8984,7 +9096,7 @@
             </a:endParaRPr>
           </a:p>
           <a:p>
-            <a:pPr marL="285840" indent="-282600">
+            <a:pPr marL="285840" indent="-282240">
               <a:lnSpc>
                 <a:spcPct val="120000"/>
               </a:lnSpc>
@@ -9033,7 +9145,7 @@
         <p:spPr>
           <a:xfrm>
             <a:off x="4663440" y="52920"/>
-            <a:ext cx="4466520" cy="5028480"/>
+            <a:ext cx="4466160" cy="5028120"/>
           </a:xfrm>
           <a:prstGeom prst="rect">
             <a:avLst/>
@@ -9101,7 +9213,7 @@
         <p:spPr>
           <a:xfrm>
             <a:off x="720000" y="288000"/>
-            <a:ext cx="6620760" cy="500760"/>
+            <a:ext cx="6620400" cy="500400"/>
           </a:xfrm>
           <a:prstGeom prst="rect">
             <a:avLst/>
@@ -9150,7 +9262,7 @@
         <p:spPr>
           <a:xfrm>
             <a:off x="2347200" y="2194560"/>
-            <a:ext cx="2404800" cy="775800"/>
+            <a:ext cx="2404440" cy="775440"/>
           </a:xfrm>
           <a:prstGeom prst="rect">
             <a:avLst/>
@@ -9199,7 +9311,7 @@
         <p:spPr>
           <a:xfrm>
             <a:off x="4968000" y="5004000"/>
-            <a:ext cx="3236760" cy="104760"/>
+            <a:ext cx="3236400" cy="104400"/>
           </a:xfrm>
           <a:prstGeom prst="rect">
             <a:avLst/>
@@ -9248,7 +9360,7 @@
         <p:spPr>
           <a:xfrm>
             <a:off x="8280000" y="5004000"/>
-            <a:ext cx="140760" cy="104760"/>
+            <a:ext cx="140400" cy="104400"/>
           </a:xfrm>
           <a:prstGeom prst="rect">
             <a:avLst/>
@@ -9272,7 +9384,7 @@
                 <a:spcPct val="100000"/>
               </a:lnSpc>
             </a:pPr>
-            <a:fld id="{460BD974-67AE-484E-92D0-EE9D36FAA119}" type="slidenum">
+            <a:fld id="{FFC93C21-9980-4028-85BF-1B5F174CC51E}" type="slidenum">
               <a:rPr b="0" lang="en-US" sz="600" spc="-1" strike="noStrike">
                 <a:solidFill>
                   <a:srgbClr val="ffffff"/>
@@ -9301,7 +9413,7 @@
         <p:spPr>
           <a:xfrm>
             <a:off x="6840000" y="810000"/>
-            <a:ext cx="2300760" cy="3506760"/>
+            <a:ext cx="2300400" cy="3506400"/>
           </a:xfrm>
           <a:prstGeom prst="rect">
             <a:avLst/>
@@ -9372,7 +9484,7 @@
         <p:spPr>
           <a:xfrm>
             <a:off x="720000" y="288000"/>
-            <a:ext cx="6620760" cy="500760"/>
+            <a:ext cx="6620400" cy="500400"/>
           </a:xfrm>
           <a:prstGeom prst="rect">
             <a:avLst/>
@@ -9421,7 +9533,7 @@
         <p:spPr>
           <a:xfrm>
             <a:off x="4968000" y="5004000"/>
-            <a:ext cx="3236760" cy="104760"/>
+            <a:ext cx="3236400" cy="104400"/>
           </a:xfrm>
           <a:prstGeom prst="rect">
             <a:avLst/>
@@ -9470,7 +9582,7 @@
         <p:spPr>
           <a:xfrm>
             <a:off x="8280000" y="5004000"/>
-            <a:ext cx="140760" cy="104760"/>
+            <a:ext cx="140400" cy="104400"/>
           </a:xfrm>
           <a:prstGeom prst="rect">
             <a:avLst/>
@@ -9494,7 +9606,7 @@
                 <a:spcPct val="100000"/>
               </a:lnSpc>
             </a:pPr>
-            <a:fld id="{8E4E9DC4-5F85-4657-83EC-1FE2F390D17A}" type="slidenum">
+            <a:fld id="{0638AF4C-256B-452D-ACED-A255E86FE3A4}" type="slidenum">
               <a:rPr b="0" lang="en-US" sz="600" spc="-1" strike="noStrike">
                 <a:solidFill>
                   <a:srgbClr val="ffffff"/>
@@ -9519,7 +9631,7 @@
         <p:spPr>
           <a:xfrm>
             <a:off x="876240" y="548640"/>
-            <a:ext cx="6620760" cy="3884040"/>
+            <a:ext cx="6620400" cy="3883680"/>
           </a:xfrm>
           <a:prstGeom prst="rect">
             <a:avLst/>
@@ -9548,7 +9660,7 @@
             </a:endParaRPr>
           </a:p>
           <a:p>
-            <a:pPr marL="285840" indent="-282600">
+            <a:pPr marL="285840" indent="-282240">
               <a:lnSpc>
                 <a:spcPct val="120000"/>
               </a:lnSpc>
@@ -9595,7 +9707,7 @@
             </a:endParaRPr>
           </a:p>
           <a:p>
-            <a:pPr marL="285840" indent="-282600">
+            <a:pPr marL="285840" indent="-282240">
               <a:lnSpc>
                 <a:spcPct val="120000"/>
               </a:lnSpc>
@@ -9620,7 +9732,7 @@
             </a:endParaRPr>
           </a:p>
           <a:p>
-            <a:pPr lvl="1" marL="432000" indent="-215640">
+            <a:pPr lvl="1" marL="432000" indent="-215280">
               <a:lnSpc>
                 <a:spcPct val="120000"/>
               </a:lnSpc>
@@ -9646,7 +9758,7 @@
             </a:endParaRPr>
           </a:p>
           <a:p>
-            <a:pPr lvl="1" marL="432000" indent="-215640">
+            <a:pPr lvl="1" marL="432000" indent="-215280">
               <a:lnSpc>
                 <a:spcPct val="120000"/>
               </a:lnSpc>
@@ -9672,7 +9784,7 @@
             </a:endParaRPr>
           </a:p>
           <a:p>
-            <a:pPr lvl="1" marL="432000" indent="-215640">
+            <a:pPr lvl="1" marL="432000" indent="-215280">
               <a:lnSpc>
                 <a:spcPct val="120000"/>
               </a:lnSpc>
@@ -9698,7 +9810,7 @@
             </a:endParaRPr>
           </a:p>
           <a:p>
-            <a:pPr lvl="1" marL="432000" indent="-215640">
+            <a:pPr lvl="1" marL="432000" indent="-215280">
               <a:lnSpc>
                 <a:spcPct val="120000"/>
               </a:lnSpc>
@@ -9724,7 +9836,7 @@
             </a:endParaRPr>
           </a:p>
           <a:p>
-            <a:pPr marL="285840" indent="-282600">
+            <a:pPr marL="285840" indent="-282240">
               <a:lnSpc>
                 <a:spcPct val="120000"/>
               </a:lnSpc>
@@ -9759,7 +9871,7 @@
             </a:endParaRPr>
           </a:p>
           <a:p>
-            <a:pPr marL="285840" indent="-282600">
+            <a:pPr marL="285840" indent="-282240">
               <a:lnSpc>
                 <a:spcPct val="120000"/>
               </a:lnSpc>
@@ -9784,7 +9896,7 @@
             </a:endParaRPr>
           </a:p>
           <a:p>
-            <a:pPr marL="285840" indent="-282600">
+            <a:pPr marL="285840" indent="-282240">
               <a:lnSpc>
                 <a:spcPct val="120000"/>
               </a:lnSpc>
@@ -9908,7 +10020,7 @@
         <p:spPr>
           <a:xfrm>
             <a:off x="720000" y="288000"/>
-            <a:ext cx="6620760" cy="500760"/>
+            <a:ext cx="6620400" cy="500400"/>
           </a:xfrm>
           <a:prstGeom prst="rect">
             <a:avLst/>
@@ -9957,7 +10069,7 @@
         <p:spPr>
           <a:xfrm>
             <a:off x="4968000" y="5004000"/>
-            <a:ext cx="3236760" cy="104760"/>
+            <a:ext cx="3236400" cy="104400"/>
           </a:xfrm>
           <a:prstGeom prst="rect">
             <a:avLst/>
@@ -10006,7 +10118,7 @@
         <p:spPr>
           <a:xfrm>
             <a:off x="8280000" y="5004000"/>
-            <a:ext cx="140760" cy="104760"/>
+            <a:ext cx="140400" cy="104400"/>
           </a:xfrm>
           <a:prstGeom prst="rect">
             <a:avLst/>
@@ -10030,7 +10142,7 @@
                 <a:spcPct val="100000"/>
               </a:lnSpc>
             </a:pPr>
-            <a:fld id="{D1B0438D-7380-4452-887B-87AE7960867B}" type="slidenum">
+            <a:fld id="{AE2FF9BF-F942-4C0E-AB69-AD52439F364E}" type="slidenum">
               <a:rPr b="0" lang="en-US" sz="600" spc="-1" strike="noStrike">
                 <a:solidFill>
                   <a:srgbClr val="ffffff"/>
@@ -10055,7 +10167,7 @@
         <p:spPr>
           <a:xfrm>
             <a:off x="640080" y="822960"/>
-            <a:ext cx="6620760" cy="3884040"/>
+            <a:ext cx="6620400" cy="3883680"/>
           </a:xfrm>
           <a:prstGeom prst="rect">
             <a:avLst/>
@@ -10084,7 +10196,7 @@
             </a:endParaRPr>
           </a:p>
           <a:p>
-            <a:pPr marL="285840" indent="-282600">
+            <a:pPr marL="285840" indent="-282240">
               <a:lnSpc>
                 <a:spcPct val="120000"/>
               </a:lnSpc>
@@ -10102,14 +10214,34 @@
                 <a:latin typeface="Arial"/>
                 <a:ea typeface="DejaVu Sans"/>
               </a:rPr>
-              <a:t>Create a file `src/common/fetch.js`</a:t>
+              <a:t>Create a file `</a:t>
+            </a:r>
+            <a:r>
+              <a:rPr b="0" i="1" lang="en-US" sz="1500" spc="-1" strike="noStrike">
+                <a:solidFill>
+                  <a:srgbClr val="000000"/>
+                </a:solidFill>
+                <a:latin typeface="Arial"/>
+                <a:ea typeface="DejaVu Sans"/>
+              </a:rPr>
+              <a:t>src/common/fetch.js</a:t>
+            </a:r>
+            <a:r>
+              <a:rPr b="0" lang="en-US" sz="1500" spc="-1" strike="noStrike">
+                <a:solidFill>
+                  <a:srgbClr val="000000"/>
+                </a:solidFill>
+                <a:latin typeface="Arial"/>
+                <a:ea typeface="DejaVu Sans"/>
+              </a:rPr>
+              <a:t>`</a:t>
             </a:r>
             <a:endParaRPr b="0" lang="en-US" sz="1500" spc="-1" strike="noStrike">
               <a:latin typeface="Arial"/>
             </a:endParaRPr>
           </a:p>
           <a:p>
-            <a:pPr marL="285840" indent="-282600">
+            <a:pPr marL="285840" indent="-282240">
               <a:lnSpc>
                 <a:spcPct val="120000"/>
               </a:lnSpc>
@@ -10127,14 +10259,34 @@
                 <a:latin typeface="Arial"/>
                 <a:ea typeface="DejaVu Sans"/>
               </a:rPr>
-              <a:t>Create a fetch function which can be called to handle requests to the back-end using `window.fetch()`.</a:t>
+              <a:t>Create a fetch function which can be called to handle requests to the back-end using `</a:t>
+            </a:r>
+            <a:r>
+              <a:rPr b="0" i="1" lang="en-US" sz="1500" spc="-1" strike="noStrike">
+                <a:solidFill>
+                  <a:srgbClr val="000000"/>
+                </a:solidFill>
+                <a:latin typeface="Arial"/>
+                <a:ea typeface="DejaVu Sans"/>
+              </a:rPr>
+              <a:t>window.fetch()</a:t>
+            </a:r>
+            <a:r>
+              <a:rPr b="0" lang="en-US" sz="1500" spc="-1" strike="noStrike">
+                <a:solidFill>
+                  <a:srgbClr val="000000"/>
+                </a:solidFill>
+                <a:latin typeface="Arial"/>
+                <a:ea typeface="DejaVu Sans"/>
+              </a:rPr>
+              <a:t>`.</a:t>
             </a:r>
             <a:endParaRPr b="0" lang="en-US" sz="1500" spc="-1" strike="noStrike">
               <a:latin typeface="Arial"/>
             </a:endParaRPr>
           </a:p>
           <a:p>
-            <a:pPr marL="285840" indent="-282600">
+            <a:pPr marL="285840" indent="-282240">
               <a:lnSpc>
                 <a:spcPct val="120000"/>
               </a:lnSpc>
@@ -10152,14 +10304,34 @@
                 <a:latin typeface="Arial"/>
                 <a:ea typeface="DejaVu Sans"/>
               </a:rPr>
-              <a:t>Use this function to fetch the accommodations in the lifecyclemethod `componentDidMount()` in `Accommodations.js`. Be aware this is an asynchronous process, so return `null` in the render method until the accommodations have been loaded!</a:t>
+              <a:t>Use this function to fetch the accommodations in the lifecyclemethod `</a:t>
+            </a:r>
+            <a:r>
+              <a:rPr b="0" i="1" lang="en-US" sz="1500" spc="-1" strike="noStrike">
+                <a:solidFill>
+                  <a:srgbClr val="000000"/>
+                </a:solidFill>
+                <a:latin typeface="Arial"/>
+                <a:ea typeface="DejaVu Sans"/>
+              </a:rPr>
+              <a:t>componentDidMount()</a:t>
+            </a:r>
+            <a:r>
+              <a:rPr b="0" lang="en-US" sz="1500" spc="-1" strike="noStrike">
+                <a:solidFill>
+                  <a:srgbClr val="000000"/>
+                </a:solidFill>
+                <a:latin typeface="Arial"/>
+                <a:ea typeface="DejaVu Sans"/>
+              </a:rPr>
+              <a:t>` in `Accommodations.js`. Be aware this is an asynchronous process, so return `null` in the render method until the accommodations have been loaded!</a:t>
             </a:r>
             <a:endParaRPr b="0" lang="en-US" sz="1500" spc="-1" strike="noStrike">
               <a:latin typeface="Arial"/>
             </a:endParaRPr>
           </a:p>
           <a:p>
-            <a:pPr marL="285840" indent="-282600">
+            <a:pPr marL="285840" indent="-282240">
               <a:lnSpc>
                 <a:spcPct val="120000"/>
               </a:lnSpc>
@@ -10177,7 +10349,27 @@
                 <a:latin typeface="Arial"/>
                 <a:ea typeface="DejaVu Sans"/>
               </a:rPr>
-              <a:t>Have a change in the ‘favorite’ state persisted in the back-end by using `{method: ‘PUT’, ... }` as an option.</a:t>
+              <a:t>Have a change in the ‘favorite’ state persisted in the back-end by using `</a:t>
+            </a:r>
+            <a:r>
+              <a:rPr b="0" i="1" lang="en-US" sz="1500" spc="-1" strike="noStrike">
+                <a:solidFill>
+                  <a:srgbClr val="000000"/>
+                </a:solidFill>
+                <a:latin typeface="Arial"/>
+                <a:ea typeface="DejaVu Sans"/>
+              </a:rPr>
+              <a:t>{method: ‘PUT’, ... }</a:t>
+            </a:r>
+            <a:r>
+              <a:rPr b="0" lang="en-US" sz="1500" spc="-1" strike="noStrike">
+                <a:solidFill>
+                  <a:srgbClr val="000000"/>
+                </a:solidFill>
+                <a:latin typeface="Arial"/>
+                <a:ea typeface="DejaVu Sans"/>
+              </a:rPr>
+              <a:t>` as an option. Note: do not pass the id or timestamps and be sure to set the content type!</a:t>
             </a:r>
             <a:endParaRPr b="0" lang="en-US" sz="1500" spc="-1" strike="noStrike">
               <a:latin typeface="Arial"/>
@@ -10194,7 +10386,7 @@
             </a:endParaRPr>
           </a:p>
           <a:p>
-            <a:pPr marL="285840" indent="-282600">
+            <a:pPr marL="285840" indent="-282240">
               <a:lnSpc>
                 <a:spcPct val="120000"/>
               </a:lnSpc>
@@ -10219,7 +10411,7 @@
             </a:endParaRPr>
           </a:p>
           <a:p>
-            <a:pPr marL="285840" indent="-282600">
+            <a:pPr marL="285840" indent="-282240">
               <a:lnSpc>
                 <a:spcPct val="120000"/>
               </a:lnSpc>

--- a/sig2/slides/SIG react 2.pptx
+++ b/sig2/slides/SIG react 2.pptx
@@ -4059,7 +4059,7 @@
         <p:spPr>
           <a:xfrm>
             <a:off x="7200000" y="360000"/>
-            <a:ext cx="1255320" cy="282960"/>
+            <a:ext cx="1254960" cy="282600"/>
           </a:xfrm>
           <a:prstGeom prst="rect">
             <a:avLst/>
@@ -4082,7 +4082,7 @@
         <p:spPr>
           <a:xfrm>
             <a:off x="0" y="4966560"/>
-            <a:ext cx="9140400" cy="173160"/>
+            <a:ext cx="9140040" cy="172800"/>
           </a:xfrm>
           <a:prstGeom prst="rect">
             <a:avLst/>
@@ -4139,7 +4139,7 @@
         <p:spPr>
           <a:xfrm>
             <a:off x="0" y="4966560"/>
-            <a:ext cx="9140400" cy="173160"/>
+            <a:ext cx="9140040" cy="172800"/>
           </a:xfrm>
           <a:prstGeom prst="rect">
             <a:avLst/>
@@ -4162,7 +4162,7 @@
         <p:spPr>
           <a:xfrm>
             <a:off x="648000" y="108000"/>
-            <a:ext cx="2876760" cy="645480"/>
+            <a:ext cx="2876400" cy="645120"/>
           </a:xfrm>
           <a:prstGeom prst="rect">
             <a:avLst/>
@@ -4443,7 +4443,7 @@
         <p:spPr>
           <a:xfrm>
             <a:off x="7200000" y="360000"/>
-            <a:ext cx="1255320" cy="282960"/>
+            <a:ext cx="1254960" cy="282600"/>
           </a:xfrm>
           <a:prstGeom prst="rect">
             <a:avLst/>
@@ -4466,7 +4466,7 @@
         <p:spPr>
           <a:xfrm>
             <a:off x="0" y="4966560"/>
-            <a:ext cx="9140400" cy="173160"/>
+            <a:ext cx="9140040" cy="172800"/>
           </a:xfrm>
           <a:prstGeom prst="rect">
             <a:avLst/>
@@ -4781,7 +4781,7 @@
         <p:spPr>
           <a:xfrm>
             <a:off x="7200000" y="360000"/>
-            <a:ext cx="1255320" cy="282960"/>
+            <a:ext cx="1254960" cy="282600"/>
           </a:xfrm>
           <a:prstGeom prst="rect">
             <a:avLst/>
@@ -4804,7 +4804,7 @@
         <p:spPr>
           <a:xfrm>
             <a:off x="0" y="4966560"/>
-            <a:ext cx="9140400" cy="173160"/>
+            <a:ext cx="9140040" cy="172800"/>
           </a:xfrm>
           <a:prstGeom prst="rect">
             <a:avLst/>
@@ -4857,7 +4857,7 @@
         <p:spPr>
           <a:xfrm>
             <a:off x="0" y="812880"/>
-            <a:ext cx="9140400" cy="3506400"/>
+            <a:ext cx="9140040" cy="3506040"/>
           </a:xfrm>
           <a:prstGeom prst="rect">
             <a:avLst/>
@@ -5149,7 +5149,7 @@
         <p:spPr>
           <a:xfrm>
             <a:off x="0" y="810000"/>
-            <a:ext cx="9140400" cy="3344400"/>
+            <a:ext cx="9140040" cy="3344040"/>
           </a:xfrm>
           <a:prstGeom prst="rect">
             <a:avLst/>
@@ -5171,7 +5171,7 @@
         <p:spPr>
           <a:xfrm>
             <a:off x="5400000" y="1548000"/>
-            <a:ext cx="3020400" cy="3020400"/>
+            <a:ext cx="3020040" cy="3020040"/>
           </a:xfrm>
           <a:prstGeom prst="rect">
             <a:avLst/>
@@ -5205,7 +5205,7 @@
                 <a:latin typeface="Arial"/>
                 <a:ea typeface="DejaVu Sans"/>
               </a:rPr>
-              <a:t>SIG React</a:t>
+              <a:t>Training React</a:t>
             </a:r>
             <a:br/>
             <a:r>
@@ -5282,7 +5282,7 @@
         <p:spPr>
           <a:xfrm>
             <a:off x="720000" y="288000"/>
-            <a:ext cx="6620400" cy="500400"/>
+            <a:ext cx="6620040" cy="500040"/>
           </a:xfrm>
           <a:prstGeom prst="rect">
             <a:avLst/>
@@ -5331,7 +5331,7 @@
         <p:spPr>
           <a:xfrm>
             <a:off x="4968000" y="5004000"/>
-            <a:ext cx="3236400" cy="104400"/>
+            <a:ext cx="3236040" cy="104040"/>
           </a:xfrm>
           <a:prstGeom prst="rect">
             <a:avLst/>
@@ -5380,7 +5380,7 @@
         <p:spPr>
           <a:xfrm>
             <a:off x="8280000" y="5004000"/>
-            <a:ext cx="140400" cy="104400"/>
+            <a:ext cx="140040" cy="104040"/>
           </a:xfrm>
           <a:prstGeom prst="rect">
             <a:avLst/>
@@ -5404,7 +5404,7 @@
                 <a:spcPct val="100000"/>
               </a:lnSpc>
             </a:pPr>
-            <a:fld id="{6426F667-9A8E-4894-80C8-8DCD90C185DE}" type="slidenum">
+            <a:fld id="{EF35916D-5A3B-4652-BCB0-34FC979BAE2A}" type="slidenum">
               <a:rPr b="0" lang="en-US" sz="600" spc="-1" strike="noStrike">
                 <a:solidFill>
                   <a:srgbClr val="ffffff"/>
@@ -5429,7 +5429,7 @@
         <p:spPr>
           <a:xfrm>
             <a:off x="640080" y="822960"/>
-            <a:ext cx="6620400" cy="3883680"/>
+            <a:ext cx="6620040" cy="3883320"/>
           </a:xfrm>
           <a:prstGeom prst="rect">
             <a:avLst/>
@@ -5458,7 +5458,7 @@
             </a:endParaRPr>
           </a:p>
           <a:p>
-            <a:pPr marL="285840" indent="-282240">
+            <a:pPr marL="285840" indent="-281880">
               <a:lnSpc>
                 <a:spcPct val="120000"/>
               </a:lnSpc>
@@ -5483,7 +5483,7 @@
             </a:endParaRPr>
           </a:p>
           <a:p>
-            <a:pPr marL="285840" indent="-282240">
+            <a:pPr marL="285840" indent="-281880">
               <a:lnSpc>
                 <a:spcPct val="120000"/>
               </a:lnSpc>
@@ -5528,7 +5528,7 @@
             </a:endParaRPr>
           </a:p>
           <a:p>
-            <a:pPr marL="285840" indent="-282240">
+            <a:pPr marL="285840" indent="-281880">
               <a:lnSpc>
                 <a:spcPct val="120000"/>
               </a:lnSpc>
@@ -5622,7 +5622,7 @@
         <p:spPr>
           <a:xfrm>
             <a:off x="720000" y="288000"/>
-            <a:ext cx="6620400" cy="500400"/>
+            <a:ext cx="6620040" cy="500040"/>
           </a:xfrm>
           <a:prstGeom prst="rect">
             <a:avLst/>
@@ -5671,7 +5671,7 @@
         <p:spPr>
           <a:xfrm>
             <a:off x="4968000" y="5004000"/>
-            <a:ext cx="3236400" cy="104400"/>
+            <a:ext cx="3236040" cy="104040"/>
           </a:xfrm>
           <a:prstGeom prst="rect">
             <a:avLst/>
@@ -5720,7 +5720,7 @@
         <p:spPr>
           <a:xfrm>
             <a:off x="8280000" y="5004000"/>
-            <a:ext cx="140400" cy="104400"/>
+            <a:ext cx="140040" cy="104040"/>
           </a:xfrm>
           <a:prstGeom prst="rect">
             <a:avLst/>
@@ -5744,7 +5744,7 @@
                 <a:spcPct val="100000"/>
               </a:lnSpc>
             </a:pPr>
-            <a:fld id="{F0920AA9-72D8-42FA-A2D4-BC97B9BECA96}" type="slidenum">
+            <a:fld id="{9633B19A-7DB0-48DE-867A-CE5D27A8A69B}" type="slidenum">
               <a:rPr b="0" lang="en-US" sz="600" spc="-1" strike="noStrike">
                 <a:solidFill>
                   <a:srgbClr val="ffffff"/>
@@ -5769,7 +5769,7 @@
         <p:spPr>
           <a:xfrm>
             <a:off x="640080" y="822960"/>
-            <a:ext cx="6620400" cy="3883680"/>
+            <a:ext cx="6620040" cy="3883320"/>
           </a:xfrm>
           <a:prstGeom prst="rect">
             <a:avLst/>
@@ -5798,7 +5798,7 @@
             </a:endParaRPr>
           </a:p>
           <a:p>
-            <a:pPr marL="285840" indent="-282240">
+            <a:pPr marL="285840" indent="-281880">
               <a:lnSpc>
                 <a:spcPct val="120000"/>
               </a:lnSpc>
@@ -5823,7 +5823,7 @@
             </a:endParaRPr>
           </a:p>
           <a:p>
-            <a:pPr marL="285840" indent="-282240">
+            <a:pPr marL="285840" indent="-281880">
               <a:lnSpc>
                 <a:spcPct val="120000"/>
               </a:lnSpc>
@@ -5848,7 +5848,7 @@
             </a:endParaRPr>
           </a:p>
           <a:p>
-            <a:pPr marL="285840" indent="-282240">
+            <a:pPr marL="285840" indent="-281880">
               <a:lnSpc>
                 <a:spcPct val="120000"/>
               </a:lnSpc>
@@ -5873,7 +5873,7 @@
             </a:endParaRPr>
           </a:p>
           <a:p>
-            <a:pPr marL="285840" indent="-282240">
+            <a:pPr marL="285840" indent="-281880">
               <a:lnSpc>
                 <a:spcPct val="120000"/>
               </a:lnSpc>
@@ -5898,7 +5898,7 @@
             </a:endParaRPr>
           </a:p>
           <a:p>
-            <a:pPr marL="285840" indent="-282240">
+            <a:pPr marL="285840" indent="-281880">
               <a:lnSpc>
                 <a:spcPct val="120000"/>
               </a:lnSpc>
@@ -5923,7 +5923,7 @@
             </a:endParaRPr>
           </a:p>
           <a:p>
-            <a:pPr marL="285840" indent="-282240">
+            <a:pPr marL="285840" indent="-281880">
               <a:lnSpc>
                 <a:spcPct val="120000"/>
               </a:lnSpc>
@@ -5948,7 +5948,7 @@
             </a:endParaRPr>
           </a:p>
           <a:p>
-            <a:pPr marL="285840" indent="-282240">
+            <a:pPr marL="285840" indent="-281880">
               <a:lnSpc>
                 <a:spcPct val="120000"/>
               </a:lnSpc>
@@ -5973,7 +5973,7 @@
             </a:endParaRPr>
           </a:p>
           <a:p>
-            <a:pPr marL="285840" indent="-282240">
+            <a:pPr marL="285840" indent="-281880">
               <a:lnSpc>
                 <a:spcPct val="120000"/>
               </a:lnSpc>
@@ -6008,7 +6008,7 @@
             </a:endParaRPr>
           </a:p>
           <a:p>
-            <a:pPr marL="285840" indent="-282240">
+            <a:pPr marL="285840" indent="-281880">
               <a:lnSpc>
                 <a:spcPct val="120000"/>
               </a:lnSpc>
@@ -6112,7 +6112,7 @@
         <p:spPr>
           <a:xfrm>
             <a:off x="720000" y="288000"/>
-            <a:ext cx="6620400" cy="500400"/>
+            <a:ext cx="6620040" cy="500040"/>
           </a:xfrm>
           <a:prstGeom prst="rect">
             <a:avLst/>
@@ -6161,7 +6161,7 @@
         <p:spPr>
           <a:xfrm>
             <a:off x="4968000" y="5004000"/>
-            <a:ext cx="3236400" cy="104400"/>
+            <a:ext cx="3236040" cy="104040"/>
           </a:xfrm>
           <a:prstGeom prst="rect">
             <a:avLst/>
@@ -6210,7 +6210,7 @@
         <p:spPr>
           <a:xfrm>
             <a:off x="8280000" y="5004000"/>
-            <a:ext cx="140400" cy="104400"/>
+            <a:ext cx="140040" cy="104040"/>
           </a:xfrm>
           <a:prstGeom prst="rect">
             <a:avLst/>
@@ -6234,7 +6234,7 @@
                 <a:spcPct val="100000"/>
               </a:lnSpc>
             </a:pPr>
-            <a:fld id="{16AD9FB0-0769-4C36-AA73-93329EE3FE4F}" type="slidenum">
+            <a:fld id="{2EF7EBFA-98A1-41F9-B758-5F378C2F9996}" type="slidenum">
               <a:rPr b="0" lang="en-US" sz="600" spc="-1" strike="noStrike">
                 <a:solidFill>
                   <a:srgbClr val="ffffff"/>
@@ -6259,7 +6259,7 @@
         <p:spPr>
           <a:xfrm>
             <a:off x="601560" y="822960"/>
-            <a:ext cx="6620400" cy="3883680"/>
+            <a:ext cx="6620040" cy="3883320"/>
           </a:xfrm>
           <a:prstGeom prst="rect">
             <a:avLst/>
@@ -6288,7 +6288,7 @@
             </a:endParaRPr>
           </a:p>
           <a:p>
-            <a:pPr marL="285840" indent="-282240">
+            <a:pPr marL="285840" indent="-281880">
               <a:lnSpc>
                 <a:spcPct val="120000"/>
               </a:lnSpc>
@@ -6333,7 +6333,7 @@
             </a:endParaRPr>
           </a:p>
           <a:p>
-            <a:pPr marL="285840" indent="-282240">
+            <a:pPr marL="285840" indent="-281880">
               <a:lnSpc>
                 <a:spcPct val="120000"/>
               </a:lnSpc>
@@ -6378,7 +6378,7 @@
             </a:endParaRPr>
           </a:p>
           <a:p>
-            <a:pPr marL="285840" indent="-282240">
+            <a:pPr marL="285840" indent="-281880">
               <a:lnSpc>
                 <a:spcPct val="120000"/>
               </a:lnSpc>
@@ -6427,7 +6427,7 @@
         <p:spPr>
           <a:xfrm>
             <a:off x="5394960" y="939600"/>
-            <a:ext cx="1780200" cy="979920"/>
+            <a:ext cx="1779840" cy="979560"/>
           </a:xfrm>
           <a:prstGeom prst="rect">
             <a:avLst/>
@@ -6450,7 +6450,7 @@
         <p:spPr>
           <a:xfrm>
             <a:off x="5429520" y="2817720"/>
-            <a:ext cx="2799360" cy="199080"/>
+            <a:ext cx="2799000" cy="198720"/>
           </a:xfrm>
           <a:prstGeom prst="rect">
             <a:avLst/>
@@ -6473,7 +6473,7 @@
         <p:spPr>
           <a:xfrm>
             <a:off x="5394960" y="1920240"/>
-            <a:ext cx="3056400" cy="437040"/>
+            <a:ext cx="3056040" cy="436680"/>
           </a:xfrm>
           <a:prstGeom prst="rect">
             <a:avLst/>
@@ -6541,7 +6541,7 @@
         <p:spPr>
           <a:xfrm>
             <a:off x="720000" y="288000"/>
-            <a:ext cx="6620400" cy="500400"/>
+            <a:ext cx="6620040" cy="500040"/>
           </a:xfrm>
           <a:prstGeom prst="rect">
             <a:avLst/>
@@ -6590,7 +6590,7 @@
         <p:spPr>
           <a:xfrm>
             <a:off x="4968000" y="5004000"/>
-            <a:ext cx="3236400" cy="104400"/>
+            <a:ext cx="3236040" cy="104040"/>
           </a:xfrm>
           <a:prstGeom prst="rect">
             <a:avLst/>
@@ -6639,7 +6639,7 @@
         <p:spPr>
           <a:xfrm>
             <a:off x="8280000" y="5004000"/>
-            <a:ext cx="140400" cy="104400"/>
+            <a:ext cx="140040" cy="104040"/>
           </a:xfrm>
           <a:prstGeom prst="rect">
             <a:avLst/>
@@ -6663,7 +6663,7 @@
                 <a:spcPct val="100000"/>
               </a:lnSpc>
             </a:pPr>
-            <a:fld id="{848A10FD-4ED6-4363-B339-FCAF23399C54}" type="slidenum">
+            <a:fld id="{4493CF59-C192-4048-AC97-EE03CDFB0E5A}" type="slidenum">
               <a:rPr b="0" lang="en-US" sz="600" spc="-1" strike="noStrike">
                 <a:solidFill>
                   <a:srgbClr val="ffffff"/>
@@ -6688,7 +6688,7 @@
         <p:spPr>
           <a:xfrm>
             <a:off x="601560" y="822960"/>
-            <a:ext cx="6620400" cy="3883680"/>
+            <a:ext cx="6620040" cy="3883320"/>
           </a:xfrm>
           <a:prstGeom prst="rect">
             <a:avLst/>
@@ -6767,7 +6767,7 @@
             </a:endParaRPr>
           </a:p>
           <a:p>
-            <a:pPr marL="285840" indent="-282240">
+            <a:pPr marL="285840" indent="-281880">
               <a:lnSpc>
                 <a:spcPct val="120000"/>
               </a:lnSpc>
@@ -6792,7 +6792,7 @@
             </a:endParaRPr>
           </a:p>
           <a:p>
-            <a:pPr marL="285840" indent="-282240">
+            <a:pPr marL="285840" indent="-281880">
               <a:lnSpc>
                 <a:spcPct val="120000"/>
               </a:lnSpc>
@@ -6837,7 +6837,7 @@
             </a:endParaRPr>
           </a:p>
           <a:p>
-            <a:pPr marL="285840" indent="-282240">
+            <a:pPr marL="285840" indent="-281880">
               <a:lnSpc>
                 <a:spcPct val="120000"/>
               </a:lnSpc>
@@ -6862,7 +6862,7 @@
             </a:endParaRPr>
           </a:p>
           <a:p>
-            <a:pPr marL="285840" indent="-282240">
+            <a:pPr marL="285840" indent="-281880">
               <a:lnSpc>
                 <a:spcPct val="120000"/>
               </a:lnSpc>
@@ -6946,7 +6946,7 @@
         <p:spPr>
           <a:xfrm>
             <a:off x="720000" y="288000"/>
-            <a:ext cx="6620400" cy="500400"/>
+            <a:ext cx="6620040" cy="500040"/>
           </a:xfrm>
           <a:prstGeom prst="rect">
             <a:avLst/>
@@ -6995,7 +6995,7 @@
         <p:spPr>
           <a:xfrm>
             <a:off x="4968000" y="5004000"/>
-            <a:ext cx="3236400" cy="104400"/>
+            <a:ext cx="3236040" cy="104040"/>
           </a:xfrm>
           <a:prstGeom prst="rect">
             <a:avLst/>
@@ -7044,7 +7044,7 @@
         <p:spPr>
           <a:xfrm>
             <a:off x="8280000" y="5004000"/>
-            <a:ext cx="140400" cy="104400"/>
+            <a:ext cx="140040" cy="104040"/>
           </a:xfrm>
           <a:prstGeom prst="rect">
             <a:avLst/>
@@ -7068,7 +7068,7 @@
                 <a:spcPct val="100000"/>
               </a:lnSpc>
             </a:pPr>
-            <a:fld id="{3DA5F036-95C6-4D00-8BC9-27FC40CE644A}" type="slidenum">
+            <a:fld id="{F169D966-9CE4-4243-84F6-3061A136931A}" type="slidenum">
               <a:rPr b="0" lang="en-US" sz="600" spc="-1" strike="noStrike">
                 <a:solidFill>
                   <a:srgbClr val="ffffff"/>
@@ -7097,7 +7097,7 @@
         <p:spPr>
           <a:xfrm>
             <a:off x="9720" y="1179000"/>
-            <a:ext cx="9142920" cy="3102840"/>
+            <a:ext cx="9142560" cy="3102480"/>
           </a:xfrm>
           <a:prstGeom prst="rect">
             <a:avLst/>
@@ -7165,7 +7165,7 @@
         <p:spPr>
           <a:xfrm>
             <a:off x="720000" y="288000"/>
-            <a:ext cx="6620400" cy="500400"/>
+            <a:ext cx="6620040" cy="500040"/>
           </a:xfrm>
           <a:prstGeom prst="rect">
             <a:avLst/>
@@ -7214,7 +7214,7 @@
         <p:spPr>
           <a:xfrm>
             <a:off x="4968000" y="5004000"/>
-            <a:ext cx="3236400" cy="104400"/>
+            <a:ext cx="3236040" cy="104040"/>
           </a:xfrm>
           <a:prstGeom prst="rect">
             <a:avLst/>
@@ -7263,7 +7263,7 @@
         <p:spPr>
           <a:xfrm>
             <a:off x="8280000" y="5004000"/>
-            <a:ext cx="140400" cy="104400"/>
+            <a:ext cx="140040" cy="104040"/>
           </a:xfrm>
           <a:prstGeom prst="rect">
             <a:avLst/>
@@ -7287,7 +7287,7 @@
                 <a:spcPct val="100000"/>
               </a:lnSpc>
             </a:pPr>
-            <a:fld id="{575F1BF1-E57E-4DF4-AA99-F47AE8A6F968}" type="slidenum">
+            <a:fld id="{BF606EB7-47C3-4B1F-BF53-5299CF008DBB}" type="slidenum">
               <a:rPr b="0" lang="en-US" sz="600" spc="-1" strike="noStrike">
                 <a:solidFill>
                   <a:srgbClr val="ffffff"/>
@@ -7312,7 +7312,7 @@
         <p:spPr>
           <a:xfrm>
             <a:off x="876240" y="548640"/>
-            <a:ext cx="6620400" cy="3883680"/>
+            <a:ext cx="6620040" cy="3883320"/>
           </a:xfrm>
           <a:prstGeom prst="rect">
             <a:avLst/>
@@ -7341,7 +7341,7 @@
             </a:endParaRPr>
           </a:p>
           <a:p>
-            <a:pPr marL="285840" indent="-282240">
+            <a:pPr marL="285840" indent="-281880">
               <a:lnSpc>
                 <a:spcPct val="120000"/>
               </a:lnSpc>
@@ -7410,7 +7410,7 @@
         <p:spPr>
           <a:xfrm>
             <a:off x="1737360" y="2314440"/>
-            <a:ext cx="4218480" cy="379800"/>
+            <a:ext cx="4218120" cy="379440"/>
           </a:xfrm>
           <a:prstGeom prst="rect">
             <a:avLst/>
@@ -7513,7 +7513,7 @@
         <p:spPr>
           <a:xfrm>
             <a:off x="0" y="1276560"/>
-            <a:ext cx="2651040" cy="734400"/>
+            <a:ext cx="2650680" cy="734040"/>
           </a:xfrm>
           <a:prstGeom prst="rect">
             <a:avLst/>
@@ -7610,7 +7610,7 @@
         <p:spPr>
           <a:xfrm>
             <a:off x="1920240" y="3383280"/>
-            <a:ext cx="1828080" cy="1164240"/>
+            <a:ext cx="1827720" cy="1163880"/>
           </a:xfrm>
           <a:prstGeom prst="rect">
             <a:avLst/>
@@ -7769,7 +7769,7 @@
         <p:spPr>
           <a:xfrm>
             <a:off x="4297680" y="3352320"/>
-            <a:ext cx="1553760" cy="304560"/>
+            <a:ext cx="1553400" cy="304200"/>
           </a:xfrm>
           <a:prstGeom prst="rect">
             <a:avLst/>
@@ -7818,7 +7818,7 @@
         <p:spPr>
           <a:xfrm>
             <a:off x="5852160" y="1066320"/>
-            <a:ext cx="2285280" cy="519480"/>
+            <a:ext cx="2284920" cy="519120"/>
           </a:xfrm>
           <a:prstGeom prst="rect">
             <a:avLst/>
@@ -7916,7 +7916,7 @@
         <p:spPr>
           <a:xfrm>
             <a:off x="720000" y="288000"/>
-            <a:ext cx="6620400" cy="500400"/>
+            <a:ext cx="6620040" cy="500040"/>
           </a:xfrm>
           <a:prstGeom prst="rect">
             <a:avLst/>
@@ -7965,7 +7965,7 @@
         <p:spPr>
           <a:xfrm>
             <a:off x="4968000" y="5004000"/>
-            <a:ext cx="3236400" cy="104400"/>
+            <a:ext cx="3236040" cy="104040"/>
           </a:xfrm>
           <a:prstGeom prst="rect">
             <a:avLst/>
@@ -8014,7 +8014,7 @@
         <p:spPr>
           <a:xfrm>
             <a:off x="8280000" y="5004000"/>
-            <a:ext cx="140400" cy="104400"/>
+            <a:ext cx="140040" cy="104040"/>
           </a:xfrm>
           <a:prstGeom prst="rect">
             <a:avLst/>
@@ -8038,7 +8038,7 @@
                 <a:spcPct val="100000"/>
               </a:lnSpc>
             </a:pPr>
-            <a:fld id="{5EE61B1B-5FA8-4350-83D9-3A94BBF12C7F}" type="slidenum">
+            <a:fld id="{329F985E-7F70-40C5-9814-B533E12B1F2F}" type="slidenum">
               <a:rPr b="0" lang="en-US" sz="600" spc="-1" strike="noStrike">
                 <a:solidFill>
                   <a:srgbClr val="ffffff"/>
@@ -8063,7 +8063,7 @@
         <p:spPr>
           <a:xfrm>
             <a:off x="876240" y="548640"/>
-            <a:ext cx="6620400" cy="3883680"/>
+            <a:ext cx="6620040" cy="3883320"/>
           </a:xfrm>
           <a:prstGeom prst="rect">
             <a:avLst/>
@@ -8092,7 +8092,7 @@
             </a:endParaRPr>
           </a:p>
           <a:p>
-            <a:pPr marL="285840" indent="-282240">
+            <a:pPr marL="285840" indent="-281880">
               <a:lnSpc>
                 <a:spcPct val="120000"/>
               </a:lnSpc>
@@ -8161,7 +8161,7 @@
         <p:spPr>
           <a:xfrm>
             <a:off x="1920600" y="2602800"/>
-            <a:ext cx="3361680" cy="962640"/>
+            <a:ext cx="3361320" cy="962280"/>
           </a:xfrm>
           <a:prstGeom prst="rect">
             <a:avLst/>
@@ -8184,7 +8184,7 @@
         <p:spPr>
           <a:xfrm>
             <a:off x="1922760" y="1737360"/>
-            <a:ext cx="3022920" cy="259200"/>
+            <a:ext cx="3022560" cy="258840"/>
           </a:xfrm>
           <a:prstGeom prst="rect">
             <a:avLst/>
@@ -8207,7 +8207,7 @@
         <p:spPr>
           <a:xfrm>
             <a:off x="1927800" y="2227680"/>
-            <a:ext cx="3466440" cy="454680"/>
+            <a:ext cx="3466080" cy="454320"/>
           </a:xfrm>
           <a:prstGeom prst="rect">
             <a:avLst/>
@@ -8226,7 +8226,7 @@
         <p:spPr>
           <a:xfrm>
             <a:off x="4663440" y="4357800"/>
-            <a:ext cx="4113360" cy="304920"/>
+            <a:ext cx="4113000" cy="304560"/>
           </a:xfrm>
           <a:prstGeom prst="rect">
             <a:avLst/>
@@ -8324,7 +8324,7 @@
         <p:spPr>
           <a:xfrm>
             <a:off x="720000" y="288000"/>
-            <a:ext cx="6620400" cy="500400"/>
+            <a:ext cx="6620040" cy="500040"/>
           </a:xfrm>
           <a:prstGeom prst="rect">
             <a:avLst/>
@@ -8373,7 +8373,7 @@
         <p:spPr>
           <a:xfrm>
             <a:off x="4968000" y="5004000"/>
-            <a:ext cx="3236400" cy="104400"/>
+            <a:ext cx="3236040" cy="104040"/>
           </a:xfrm>
           <a:prstGeom prst="rect">
             <a:avLst/>
@@ -8422,7 +8422,7 @@
         <p:spPr>
           <a:xfrm>
             <a:off x="8280000" y="5004000"/>
-            <a:ext cx="140400" cy="104400"/>
+            <a:ext cx="140040" cy="104040"/>
           </a:xfrm>
           <a:prstGeom prst="rect">
             <a:avLst/>
@@ -8446,7 +8446,7 @@
                 <a:spcPct val="100000"/>
               </a:lnSpc>
             </a:pPr>
-            <a:fld id="{CFBA1156-50A1-401B-AE0E-D36FA132B602}" type="slidenum">
+            <a:fld id="{24B5E9B5-F1C6-4E53-9D61-D1C01732C7FD}" type="slidenum">
               <a:rPr b="0" lang="en-US" sz="600" spc="-1" strike="noStrike">
                 <a:solidFill>
                   <a:srgbClr val="ffffff"/>
@@ -8471,7 +8471,7 @@
         <p:spPr>
           <a:xfrm>
             <a:off x="602640" y="504720"/>
-            <a:ext cx="6620400" cy="3883680"/>
+            <a:ext cx="6620040" cy="3883320"/>
           </a:xfrm>
           <a:prstGeom prst="rect">
             <a:avLst/>
@@ -8500,7 +8500,7 @@
             </a:endParaRPr>
           </a:p>
           <a:p>
-            <a:pPr marL="285840" indent="-282240">
+            <a:pPr marL="285840" indent="-281880">
               <a:lnSpc>
                 <a:spcPct val="120000"/>
               </a:lnSpc>
@@ -8535,7 +8535,7 @@
             </a:endParaRPr>
           </a:p>
           <a:p>
-            <a:pPr marL="285840" indent="-282240">
+            <a:pPr marL="285840" indent="-281880">
               <a:lnSpc>
                 <a:spcPct val="120000"/>
               </a:lnSpc>
@@ -8570,7 +8570,7 @@
             </a:endParaRPr>
           </a:p>
           <a:p>
-            <a:pPr marL="285840" indent="-282240">
+            <a:pPr marL="285840" indent="-281880">
               <a:lnSpc>
                 <a:spcPct val="120000"/>
               </a:lnSpc>
@@ -8605,7 +8605,7 @@
             </a:endParaRPr>
           </a:p>
           <a:p>
-            <a:pPr marL="285840" indent="-282240">
+            <a:pPr marL="285840" indent="-281880">
               <a:lnSpc>
                 <a:spcPct val="120000"/>
               </a:lnSpc>
@@ -8650,7 +8650,7 @@
             </a:endParaRPr>
           </a:p>
           <a:p>
-            <a:pPr marL="285840" indent="-282240">
+            <a:pPr marL="285840" indent="-281880">
               <a:lnSpc>
                 <a:spcPct val="120000"/>
               </a:lnSpc>
@@ -8675,7 +8675,7 @@
             </a:endParaRPr>
           </a:p>
           <a:p>
-            <a:pPr marL="285840" indent="-282240">
+            <a:pPr marL="285840" indent="-281880">
               <a:lnSpc>
                 <a:spcPct val="120000"/>
               </a:lnSpc>
@@ -8724,7 +8724,7 @@
         <p:spPr>
           <a:xfrm>
             <a:off x="5265720" y="1019520"/>
-            <a:ext cx="3694680" cy="1265760"/>
+            <a:ext cx="3694320" cy="1265400"/>
           </a:xfrm>
           <a:prstGeom prst="rect">
             <a:avLst/>
@@ -8747,7 +8747,7 @@
         <p:spPr>
           <a:xfrm>
             <a:off x="4431240" y="2468880"/>
-            <a:ext cx="4437720" cy="2418120"/>
+            <a:ext cx="4437360" cy="2417760"/>
           </a:xfrm>
           <a:prstGeom prst="rect">
             <a:avLst/>
@@ -8815,7 +8815,7 @@
         <p:spPr>
           <a:xfrm>
             <a:off x="720000" y="288000"/>
-            <a:ext cx="6620400" cy="500400"/>
+            <a:ext cx="6620040" cy="500040"/>
           </a:xfrm>
           <a:prstGeom prst="rect">
             <a:avLst/>
@@ -8864,7 +8864,7 @@
         <p:spPr>
           <a:xfrm>
             <a:off x="4968000" y="5004000"/>
-            <a:ext cx="3236400" cy="104400"/>
+            <a:ext cx="3236040" cy="104040"/>
           </a:xfrm>
           <a:prstGeom prst="rect">
             <a:avLst/>
@@ -8913,7 +8913,7 @@
         <p:spPr>
           <a:xfrm>
             <a:off x="8280000" y="5004000"/>
-            <a:ext cx="140400" cy="104400"/>
+            <a:ext cx="140040" cy="104040"/>
           </a:xfrm>
           <a:prstGeom prst="rect">
             <a:avLst/>
@@ -8937,7 +8937,7 @@
                 <a:spcPct val="100000"/>
               </a:lnSpc>
             </a:pPr>
-            <a:fld id="{CED67482-C940-4227-AC3F-514009158C92}" type="slidenum">
+            <a:fld id="{2670BAF9-E1B4-4408-B2CA-02196D8DC05F}" type="slidenum">
               <a:rPr b="0" lang="en-US" sz="600" spc="-1" strike="noStrike">
                 <a:solidFill>
                   <a:srgbClr val="ffffff"/>
@@ -8962,7 +8962,7 @@
         <p:spPr>
           <a:xfrm>
             <a:off x="602640" y="504720"/>
-            <a:ext cx="6620400" cy="3883680"/>
+            <a:ext cx="6620040" cy="3883320"/>
           </a:xfrm>
           <a:prstGeom prst="rect">
             <a:avLst/>
@@ -8991,7 +8991,7 @@
             </a:endParaRPr>
           </a:p>
           <a:p>
-            <a:pPr marL="285840" indent="-282240">
+            <a:pPr marL="285840" indent="-281880">
               <a:lnSpc>
                 <a:spcPct val="120000"/>
               </a:lnSpc>
@@ -9026,7 +9026,7 @@
             </a:endParaRPr>
           </a:p>
           <a:p>
-            <a:pPr marL="285840" indent="-282240">
+            <a:pPr marL="285840" indent="-281880">
               <a:lnSpc>
                 <a:spcPct val="120000"/>
               </a:lnSpc>
@@ -9061,7 +9061,7 @@
             </a:endParaRPr>
           </a:p>
           <a:p>
-            <a:pPr marL="285840" indent="-282240">
+            <a:pPr marL="285840" indent="-281880">
               <a:lnSpc>
                 <a:spcPct val="120000"/>
               </a:lnSpc>
@@ -9096,7 +9096,7 @@
             </a:endParaRPr>
           </a:p>
           <a:p>
-            <a:pPr marL="285840" indent="-282240">
+            <a:pPr marL="285840" indent="-281880">
               <a:lnSpc>
                 <a:spcPct val="120000"/>
               </a:lnSpc>
@@ -9145,7 +9145,7 @@
         <p:spPr>
           <a:xfrm>
             <a:off x="4663440" y="52920"/>
-            <a:ext cx="4466160" cy="5028120"/>
+            <a:ext cx="4465800" cy="5027760"/>
           </a:xfrm>
           <a:prstGeom prst="rect">
             <a:avLst/>
@@ -9213,7 +9213,7 @@
         <p:spPr>
           <a:xfrm>
             <a:off x="720000" y="288000"/>
-            <a:ext cx="6620400" cy="500400"/>
+            <a:ext cx="6620040" cy="500040"/>
           </a:xfrm>
           <a:prstGeom prst="rect">
             <a:avLst/>
@@ -9262,7 +9262,7 @@
         <p:spPr>
           <a:xfrm>
             <a:off x="2347200" y="2194560"/>
-            <a:ext cx="2404440" cy="775440"/>
+            <a:ext cx="2404080" cy="775080"/>
           </a:xfrm>
           <a:prstGeom prst="rect">
             <a:avLst/>
@@ -9311,7 +9311,7 @@
         <p:spPr>
           <a:xfrm>
             <a:off x="4968000" y="5004000"/>
-            <a:ext cx="3236400" cy="104400"/>
+            <a:ext cx="3236040" cy="104040"/>
           </a:xfrm>
           <a:prstGeom prst="rect">
             <a:avLst/>
@@ -9360,7 +9360,7 @@
         <p:spPr>
           <a:xfrm>
             <a:off x="8280000" y="5004000"/>
-            <a:ext cx="140400" cy="104400"/>
+            <a:ext cx="140040" cy="104040"/>
           </a:xfrm>
           <a:prstGeom prst="rect">
             <a:avLst/>
@@ -9384,7 +9384,7 @@
                 <a:spcPct val="100000"/>
               </a:lnSpc>
             </a:pPr>
-            <a:fld id="{FFC93C21-9980-4028-85BF-1B5F174CC51E}" type="slidenum">
+            <a:fld id="{E692439C-1210-4F59-B654-48CC3CC47891}" type="slidenum">
               <a:rPr b="0" lang="en-US" sz="600" spc="-1" strike="noStrike">
                 <a:solidFill>
                   <a:srgbClr val="ffffff"/>
@@ -9413,7 +9413,7 @@
         <p:spPr>
           <a:xfrm>
             <a:off x="6840000" y="810000"/>
-            <a:ext cx="2300400" cy="3506400"/>
+            <a:ext cx="2300040" cy="3506040"/>
           </a:xfrm>
           <a:prstGeom prst="rect">
             <a:avLst/>
@@ -9484,7 +9484,7 @@
         <p:spPr>
           <a:xfrm>
             <a:off x="720000" y="288000"/>
-            <a:ext cx="6620400" cy="500400"/>
+            <a:ext cx="6620040" cy="500040"/>
           </a:xfrm>
           <a:prstGeom prst="rect">
             <a:avLst/>
@@ -9533,7 +9533,7 @@
         <p:spPr>
           <a:xfrm>
             <a:off x="4968000" y="5004000"/>
-            <a:ext cx="3236400" cy="104400"/>
+            <a:ext cx="3236040" cy="104040"/>
           </a:xfrm>
           <a:prstGeom prst="rect">
             <a:avLst/>
@@ -9582,7 +9582,7 @@
         <p:spPr>
           <a:xfrm>
             <a:off x="8280000" y="5004000"/>
-            <a:ext cx="140400" cy="104400"/>
+            <a:ext cx="140040" cy="104040"/>
           </a:xfrm>
           <a:prstGeom prst="rect">
             <a:avLst/>
@@ -9606,7 +9606,7 @@
                 <a:spcPct val="100000"/>
               </a:lnSpc>
             </a:pPr>
-            <a:fld id="{0638AF4C-256B-452D-ACED-A255E86FE3A4}" type="slidenum">
+            <a:fld id="{456834BC-5478-4E18-B9FC-6CD55B6B1675}" type="slidenum">
               <a:rPr b="0" lang="en-US" sz="600" spc="-1" strike="noStrike">
                 <a:solidFill>
                   <a:srgbClr val="ffffff"/>
@@ -9631,7 +9631,7 @@
         <p:spPr>
           <a:xfrm>
             <a:off x="876240" y="548640"/>
-            <a:ext cx="6620400" cy="3883680"/>
+            <a:ext cx="6620040" cy="3883320"/>
           </a:xfrm>
           <a:prstGeom prst="rect">
             <a:avLst/>
@@ -9660,7 +9660,7 @@
             </a:endParaRPr>
           </a:p>
           <a:p>
-            <a:pPr marL="285840" indent="-282240">
+            <a:pPr marL="285840" indent="-281880">
               <a:lnSpc>
                 <a:spcPct val="120000"/>
               </a:lnSpc>
@@ -9707,7 +9707,7 @@
             </a:endParaRPr>
           </a:p>
           <a:p>
-            <a:pPr marL="285840" indent="-282240">
+            <a:pPr marL="285840" indent="-281880">
               <a:lnSpc>
                 <a:spcPct val="120000"/>
               </a:lnSpc>
@@ -9732,7 +9732,7 @@
             </a:endParaRPr>
           </a:p>
           <a:p>
-            <a:pPr lvl="1" marL="432000" indent="-215280">
+            <a:pPr lvl="1" marL="432000" indent="-214920">
               <a:lnSpc>
                 <a:spcPct val="120000"/>
               </a:lnSpc>
@@ -9758,7 +9758,7 @@
             </a:endParaRPr>
           </a:p>
           <a:p>
-            <a:pPr lvl="1" marL="432000" indent="-215280">
+            <a:pPr lvl="1" marL="432000" indent="-214920">
               <a:lnSpc>
                 <a:spcPct val="120000"/>
               </a:lnSpc>
@@ -9784,7 +9784,7 @@
             </a:endParaRPr>
           </a:p>
           <a:p>
-            <a:pPr lvl="1" marL="432000" indent="-215280">
+            <a:pPr lvl="1" marL="432000" indent="-214920">
               <a:lnSpc>
                 <a:spcPct val="120000"/>
               </a:lnSpc>
@@ -9810,7 +9810,7 @@
             </a:endParaRPr>
           </a:p>
           <a:p>
-            <a:pPr lvl="1" marL="432000" indent="-215280">
+            <a:pPr lvl="1" marL="432000" indent="-214920">
               <a:lnSpc>
                 <a:spcPct val="120000"/>
               </a:lnSpc>
@@ -9836,7 +9836,7 @@
             </a:endParaRPr>
           </a:p>
           <a:p>
-            <a:pPr marL="285840" indent="-282240">
+            <a:pPr marL="285840" indent="-281880">
               <a:lnSpc>
                 <a:spcPct val="120000"/>
               </a:lnSpc>
@@ -9871,7 +9871,7 @@
             </a:endParaRPr>
           </a:p>
           <a:p>
-            <a:pPr marL="285840" indent="-282240">
+            <a:pPr marL="285840" indent="-281880">
               <a:lnSpc>
                 <a:spcPct val="120000"/>
               </a:lnSpc>
@@ -9896,7 +9896,7 @@
             </a:endParaRPr>
           </a:p>
           <a:p>
-            <a:pPr marL="285840" indent="-282240">
+            <a:pPr marL="285840" indent="-281880">
               <a:lnSpc>
                 <a:spcPct val="120000"/>
               </a:lnSpc>
@@ -10020,7 +10020,7 @@
         <p:spPr>
           <a:xfrm>
             <a:off x="720000" y="288000"/>
-            <a:ext cx="6620400" cy="500400"/>
+            <a:ext cx="6620040" cy="500040"/>
           </a:xfrm>
           <a:prstGeom prst="rect">
             <a:avLst/>
@@ -10069,7 +10069,7 @@
         <p:spPr>
           <a:xfrm>
             <a:off x="4968000" y="5004000"/>
-            <a:ext cx="3236400" cy="104400"/>
+            <a:ext cx="3236040" cy="104040"/>
           </a:xfrm>
           <a:prstGeom prst="rect">
             <a:avLst/>
@@ -10118,7 +10118,7 @@
         <p:spPr>
           <a:xfrm>
             <a:off x="8280000" y="5004000"/>
-            <a:ext cx="140400" cy="104400"/>
+            <a:ext cx="140040" cy="104040"/>
           </a:xfrm>
           <a:prstGeom prst="rect">
             <a:avLst/>
@@ -10142,7 +10142,7 @@
                 <a:spcPct val="100000"/>
               </a:lnSpc>
             </a:pPr>
-            <a:fld id="{AE2FF9BF-F942-4C0E-AB69-AD52439F364E}" type="slidenum">
+            <a:fld id="{28466A9B-06BA-4275-AE15-3EC1B9E12C8C}" type="slidenum">
               <a:rPr b="0" lang="en-US" sz="600" spc="-1" strike="noStrike">
                 <a:solidFill>
                   <a:srgbClr val="ffffff"/>
@@ -10167,7 +10167,7 @@
         <p:spPr>
           <a:xfrm>
             <a:off x="640080" y="822960"/>
-            <a:ext cx="6620400" cy="3883680"/>
+            <a:ext cx="6620040" cy="3883320"/>
           </a:xfrm>
           <a:prstGeom prst="rect">
             <a:avLst/>
@@ -10196,7 +10196,7 @@
             </a:endParaRPr>
           </a:p>
           <a:p>
-            <a:pPr marL="285840" indent="-282240">
+            <a:pPr marL="285840" indent="-281880">
               <a:lnSpc>
                 <a:spcPct val="120000"/>
               </a:lnSpc>
@@ -10241,7 +10241,7 @@
             </a:endParaRPr>
           </a:p>
           <a:p>
-            <a:pPr marL="285840" indent="-282240">
+            <a:pPr marL="285840" indent="-281880">
               <a:lnSpc>
                 <a:spcPct val="120000"/>
               </a:lnSpc>
@@ -10286,7 +10286,7 @@
             </a:endParaRPr>
           </a:p>
           <a:p>
-            <a:pPr marL="285840" indent="-282240">
+            <a:pPr marL="285840" indent="-281880">
               <a:lnSpc>
                 <a:spcPct val="120000"/>
               </a:lnSpc>
@@ -10331,7 +10331,7 @@
             </a:endParaRPr>
           </a:p>
           <a:p>
-            <a:pPr marL="285840" indent="-282240">
+            <a:pPr marL="285840" indent="-281880">
               <a:lnSpc>
                 <a:spcPct val="120000"/>
               </a:lnSpc>
@@ -10386,7 +10386,7 @@
             </a:endParaRPr>
           </a:p>
           <a:p>
-            <a:pPr marL="285840" indent="-282240">
+            <a:pPr marL="285840" indent="-281880">
               <a:lnSpc>
                 <a:spcPct val="120000"/>
               </a:lnSpc>
@@ -10411,7 +10411,7 @@
             </a:endParaRPr>
           </a:p>
           <a:p>
-            <a:pPr marL="285840" indent="-282240">
+            <a:pPr marL="285840" indent="-281880">
               <a:lnSpc>
                 <a:spcPct val="120000"/>
               </a:lnSpc>
